--- a/presentation/sicherheits_lu.pptx
+++ b/presentation/sicherheits_lu.pptx
@@ -5,44 +5,45 @@
     <p:sldMasterId id="2147483678" r:id="rId3"/>
   </p:sldMasterIdLst>
   <p:notesMasterIdLst>
-    <p:notesMasterId r:id="rId36"/>
+    <p:notesMasterId r:id="rId37"/>
   </p:notesMasterIdLst>
   <p:handoutMasterIdLst>
-    <p:handoutMasterId r:id="rId37"/>
+    <p:handoutMasterId r:id="rId38"/>
   </p:handoutMasterIdLst>
   <p:sldIdLst>
     <p:sldId id="256" r:id="rId4"/>
     <p:sldId id="257" r:id="rId5"/>
-    <p:sldId id="286" r:id="rId6"/>
+    <p:sldId id="297" r:id="rId6"/>
     <p:sldId id="287" r:id="rId7"/>
     <p:sldId id="295" r:id="rId8"/>
-    <p:sldId id="259" r:id="rId9"/>
-    <p:sldId id="288" r:id="rId10"/>
-    <p:sldId id="289" r:id="rId11"/>
-    <p:sldId id="290" r:id="rId12"/>
-    <p:sldId id="291" r:id="rId13"/>
-    <p:sldId id="292" r:id="rId14"/>
-    <p:sldId id="293" r:id="rId15"/>
-    <p:sldId id="294" r:id="rId16"/>
-    <p:sldId id="270" r:id="rId17"/>
-    <p:sldId id="272" r:id="rId18"/>
-    <p:sldId id="271" r:id="rId19"/>
-    <p:sldId id="283" r:id="rId20"/>
-    <p:sldId id="273" r:id="rId21"/>
-    <p:sldId id="274" r:id="rId22"/>
-    <p:sldId id="275" r:id="rId23"/>
-    <p:sldId id="277" r:id="rId24"/>
-    <p:sldId id="278" r:id="rId25"/>
-    <p:sldId id="280" r:id="rId26"/>
-    <p:sldId id="281" r:id="rId27"/>
-    <p:sldId id="263" r:id="rId28"/>
-    <p:sldId id="264" r:id="rId29"/>
-    <p:sldId id="260" r:id="rId30"/>
-    <p:sldId id="265" r:id="rId31"/>
-    <p:sldId id="266" r:id="rId32"/>
-    <p:sldId id="262" r:id="rId33"/>
-    <p:sldId id="261" r:id="rId34"/>
-    <p:sldId id="267" r:id="rId35"/>
+    <p:sldId id="294" r:id="rId9"/>
+    <p:sldId id="259" r:id="rId10"/>
+    <p:sldId id="288" r:id="rId11"/>
+    <p:sldId id="289" r:id="rId12"/>
+    <p:sldId id="290" r:id="rId13"/>
+    <p:sldId id="291" r:id="rId14"/>
+    <p:sldId id="296" r:id="rId15"/>
+    <p:sldId id="298" r:id="rId16"/>
+    <p:sldId id="299" r:id="rId17"/>
+    <p:sldId id="270" r:id="rId18"/>
+    <p:sldId id="272" r:id="rId19"/>
+    <p:sldId id="271" r:id="rId20"/>
+    <p:sldId id="283" r:id="rId21"/>
+    <p:sldId id="273" r:id="rId22"/>
+    <p:sldId id="274" r:id="rId23"/>
+    <p:sldId id="275" r:id="rId24"/>
+    <p:sldId id="277" r:id="rId25"/>
+    <p:sldId id="278" r:id="rId26"/>
+    <p:sldId id="280" r:id="rId27"/>
+    <p:sldId id="281" r:id="rId28"/>
+    <p:sldId id="263" r:id="rId29"/>
+    <p:sldId id="264" r:id="rId30"/>
+    <p:sldId id="260" r:id="rId31"/>
+    <p:sldId id="265" r:id="rId32"/>
+    <p:sldId id="266" r:id="rId33"/>
+    <p:sldId id="262" r:id="rId34"/>
+    <p:sldId id="261" r:id="rId35"/>
+    <p:sldId id="267" r:id="rId36"/>
   </p:sldIdLst>
   <p:sldSz cx="9144000" cy="6858000" type="screen4x3"/>
   <p:notesSz cx="7099300" cy="10234613"/>
@@ -307,7 +308,7 @@
             <a:fld id="{5BB45A7C-CD8D-4615-9E21-7904701129AE}" type="datetimeFigureOut">
               <a:rPr lang="de-DE"/>
               <a:pPr/>
-              <a:t>27.01.2018</a:t>
+              <a:t>28.01.2018</a:t>
             </a:fld>
             <a:endParaRPr lang="de-DE"/>
           </a:p>
@@ -862,6 +863,242 @@
     </a:lvl9pPr>
   </p:notesStyle>
 </p:notesMaster>
+</file>
+
+<file path=ppt/notesSlides/notesSlide1.xml><?xml version="1.0" encoding="utf-8"?>
+<p:notes xmlns:a="http://schemas.openxmlformats.org/drawingml/2006/main" xmlns:r="http://schemas.openxmlformats.org/officeDocument/2006/relationships" xmlns:p="http://schemas.openxmlformats.org/presentationml/2006/main">
+  <p:cSld>
+    <p:spTree>
+      <p:nvGrpSpPr>
+        <p:cNvPr id="1" name=""/>
+        <p:cNvGrpSpPr/>
+        <p:nvPr/>
+      </p:nvGrpSpPr>
+      <p:grpSpPr>
+        <a:xfrm>
+          <a:off x="0" y="0"/>
+          <a:ext cx="0" cy="0"/>
+          <a:chOff x="0" y="0"/>
+          <a:chExt cx="0" cy="0"/>
+        </a:xfrm>
+      </p:grpSpPr>
+      <p:sp>
+        <p:nvSpPr>
+          <p:cNvPr id="2" name="Folienbildplatzhalter 1"/>
+          <p:cNvSpPr>
+            <a:spLocks noGrp="1" noRot="1" noChangeAspect="1"/>
+          </p:cNvSpPr>
+          <p:nvPr>
+            <p:ph type="sldImg"/>
+          </p:nvPr>
+        </p:nvSpPr>
+        <p:spPr/>
+      </p:sp>
+      <p:sp>
+        <p:nvSpPr>
+          <p:cNvPr id="3" name="Notizenplatzhalter 2"/>
+          <p:cNvSpPr>
+            <a:spLocks noGrp="1"/>
+          </p:cNvSpPr>
+          <p:nvPr>
+            <p:ph type="body" idx="1"/>
+          </p:nvPr>
+        </p:nvSpPr>
+        <p:spPr/>
+        <p:txBody>
+          <a:bodyPr/>
+          <a:lstStyle/>
+          <a:p>
+            <a:r>
+              <a:rPr lang="en-US" dirty="0"/>
+              <a:t>Entropy l diversity</a:t>
+            </a:r>
+          </a:p>
+          <a:p>
+            <a:r>
+              <a:rPr lang="en-US" sz="1200" b="0" i="0" u="none" strike="noStrike" kern="1200" baseline="0" dirty="0">
+                <a:solidFill>
+                  <a:schemeClr val="tx1"/>
+                </a:solidFill>
+                <a:latin typeface="Arial" charset="0"/>
+                <a:ea typeface="+mn-ea"/>
+                <a:cs typeface="+mn-cs"/>
+              </a:rPr>
+              <a:t>Sometimes this may too restrictive,</a:t>
+            </a:r>
+          </a:p>
+          <a:p>
+            <a:r>
+              <a:rPr lang="en-US" sz="1200" b="0" i="0" u="none" strike="noStrike" kern="1200" baseline="0" dirty="0">
+                <a:solidFill>
+                  <a:schemeClr val="tx1"/>
+                </a:solidFill>
+                <a:latin typeface="Arial" charset="0"/>
+                <a:ea typeface="+mn-ea"/>
+                <a:cs typeface="+mn-cs"/>
+              </a:rPr>
+              <a:t>as the entropy of the entire table may be low if a few</a:t>
+            </a:r>
+          </a:p>
+          <a:p>
+            <a:r>
+              <a:rPr lang="en-US" sz="1200" b="0" i="0" u="none" strike="noStrike" kern="1200" baseline="0" dirty="0">
+                <a:solidFill>
+                  <a:schemeClr val="tx1"/>
+                </a:solidFill>
+                <a:latin typeface="Arial" charset="0"/>
+                <a:ea typeface="+mn-ea"/>
+                <a:cs typeface="+mn-cs"/>
+              </a:rPr>
+              <a:t>values are very common. This leads to the following</a:t>
+            </a:r>
+          </a:p>
+          <a:p>
+            <a:r>
+              <a:rPr lang="en-US" sz="1200" b="0" i="0" u="none" strike="noStrike" kern="1200" baseline="0" dirty="0">
+                <a:solidFill>
+                  <a:schemeClr val="tx1"/>
+                </a:solidFill>
+                <a:latin typeface="Arial" charset="0"/>
+                <a:ea typeface="+mn-ea"/>
+                <a:cs typeface="+mn-cs"/>
+              </a:rPr>
+              <a:t>less conservative notion of -diversity.</a:t>
+            </a:r>
+            <a:endParaRPr lang="en-US" dirty="0"/>
+          </a:p>
+        </p:txBody>
+      </p:sp>
+      <p:sp>
+        <p:nvSpPr>
+          <p:cNvPr id="4" name="Foliennummernplatzhalter 3"/>
+          <p:cNvSpPr>
+            <a:spLocks noGrp="1"/>
+          </p:cNvSpPr>
+          <p:nvPr>
+            <p:ph type="sldNum" sz="quarter" idx="10"/>
+          </p:nvPr>
+        </p:nvSpPr>
+        <p:spPr/>
+        <p:txBody>
+          <a:bodyPr/>
+          <a:lstStyle/>
+          <a:p>
+            <a:pPr>
+              <a:defRPr/>
+            </a:pPr>
+            <a:fld id="{4351B0B5-D942-48DD-B88D-7AC11D76AF21}" type="slidenum">
+              <a:rPr lang="de-DE" smtClean="0"/>
+              <a:pPr>
+                <a:defRPr/>
+              </a:pPr>
+              <a:t>13</a:t>
+            </a:fld>
+            <a:endParaRPr lang="de-DE"/>
+          </a:p>
+        </p:txBody>
+      </p:sp>
+    </p:spTree>
+    <p:extLst>
+      <p:ext uri="{BB962C8B-B14F-4D97-AF65-F5344CB8AC3E}">
+        <p14:creationId xmlns:p14="http://schemas.microsoft.com/office/powerpoint/2010/main" val="3587067440"/>
+      </p:ext>
+    </p:extLst>
+  </p:cSld>
+  <p:clrMapOvr>
+    <a:masterClrMapping/>
+  </p:clrMapOvr>
+</p:notes>
+</file>
+
+<file path=ppt/notesSlides/notesSlide2.xml><?xml version="1.0" encoding="utf-8"?>
+<p:notes xmlns:a="http://schemas.openxmlformats.org/drawingml/2006/main" xmlns:r="http://schemas.openxmlformats.org/officeDocument/2006/relationships" xmlns:p="http://schemas.openxmlformats.org/presentationml/2006/main">
+  <p:cSld>
+    <p:spTree>
+      <p:nvGrpSpPr>
+        <p:cNvPr id="1" name=""/>
+        <p:cNvGrpSpPr/>
+        <p:nvPr/>
+      </p:nvGrpSpPr>
+      <p:grpSpPr>
+        <a:xfrm>
+          <a:off x="0" y="0"/>
+          <a:ext cx="0" cy="0"/>
+          <a:chOff x="0" y="0"/>
+          <a:chExt cx="0" cy="0"/>
+        </a:xfrm>
+      </p:grpSpPr>
+      <p:sp>
+        <p:nvSpPr>
+          <p:cNvPr id="2" name="Folienbildplatzhalter 1"/>
+          <p:cNvSpPr>
+            <a:spLocks noGrp="1" noRot="1" noChangeAspect="1"/>
+          </p:cNvSpPr>
+          <p:nvPr>
+            <p:ph type="sldImg"/>
+          </p:nvPr>
+        </p:nvSpPr>
+        <p:spPr/>
+      </p:sp>
+      <p:sp>
+        <p:nvSpPr>
+          <p:cNvPr id="3" name="Notizenplatzhalter 2"/>
+          <p:cNvSpPr>
+            <a:spLocks noGrp="1"/>
+          </p:cNvSpPr>
+          <p:nvPr>
+            <p:ph type="body" idx="1"/>
+          </p:nvPr>
+        </p:nvSpPr>
+        <p:spPr/>
+        <p:txBody>
+          <a:bodyPr/>
+          <a:lstStyle/>
+          <a:p>
+            <a:endParaRPr lang="en-US" dirty="0"/>
+          </a:p>
+        </p:txBody>
+      </p:sp>
+      <p:sp>
+        <p:nvSpPr>
+          <p:cNvPr id="4" name="Foliennummernplatzhalter 3"/>
+          <p:cNvSpPr>
+            <a:spLocks noGrp="1"/>
+          </p:cNvSpPr>
+          <p:nvPr>
+            <p:ph type="sldNum" sz="quarter" idx="10"/>
+          </p:nvPr>
+        </p:nvSpPr>
+        <p:spPr/>
+        <p:txBody>
+          <a:bodyPr/>
+          <a:lstStyle/>
+          <a:p>
+            <a:pPr>
+              <a:defRPr/>
+            </a:pPr>
+            <a:fld id="{4351B0B5-D942-48DD-B88D-7AC11D76AF21}" type="slidenum">
+              <a:rPr lang="de-DE" smtClean="0"/>
+              <a:pPr>
+                <a:defRPr/>
+              </a:pPr>
+              <a:t>15</a:t>
+            </a:fld>
+            <a:endParaRPr lang="de-DE"/>
+          </a:p>
+        </p:txBody>
+      </p:sp>
+    </p:spTree>
+    <p:extLst>
+      <p:ext uri="{BB962C8B-B14F-4D97-AF65-F5344CB8AC3E}">
+        <p14:creationId xmlns:p14="http://schemas.microsoft.com/office/powerpoint/2010/main" val="2617522922"/>
+      </p:ext>
+    </p:extLst>
+  </p:cSld>
+  <p:clrMapOvr>
+    <a:masterClrMapping/>
+  </p:clrMapOvr>
+</p:notes>
 </file>
 
 <file path=ppt/slideLayouts/slideLayout1.xml><?xml version="1.0" encoding="utf-8"?>
@@ -2611,7 +2848,7 @@
           <p:cNvPr id="2" name="Textplatzhalter 1">
             <a:extLst>
               <a:ext uri="{FF2B5EF4-FFF2-40B4-BE49-F238E27FC236}">
-                <a16:creationId xmlns:a16="http://schemas.microsoft.com/office/drawing/2014/main" id="{482F42DF-6375-4386-98AE-E1280CE9F63D}"/>
+                <a16:creationId xmlns:a16="http://schemas.microsoft.com/office/drawing/2014/main" id="{62716006-562A-43E3-9DDE-A104B3493D01}"/>
               </a:ext>
             </a:extLst>
           </p:cNvPr>
@@ -2627,7 +2864,31 @@
           <a:bodyPr/>
           <a:lstStyle/>
           <a:p>
-            <a:endParaRPr lang="de-DE" dirty="0"/>
+            <a:r>
+              <a:rPr lang="en-US" dirty="0"/>
+              <a:t>Based on order of tuples in the released data</a:t>
+            </a:r>
+          </a:p>
+          <a:p>
+            <a:pPr lvl="1"/>
+            <a:r>
+              <a:rPr lang="en-US" dirty="0"/>
+              <a:t>Often used in real world</a:t>
+            </a:r>
+          </a:p>
+          <a:p>
+            <a:pPr lvl="2"/>
+            <a:r>
+              <a:rPr lang="en-US" dirty="0"/>
+              <a:t>release of sensitive data</a:t>
+            </a:r>
+          </a:p>
+          <a:p>
+            <a:pPr lvl="1"/>
+            <a:r>
+              <a:rPr lang="en-US" dirty="0"/>
+              <a:t>Solution: random sorting</a:t>
+            </a:r>
           </a:p>
         </p:txBody>
       </p:sp>
@@ -2636,7 +2897,7 @@
           <p:cNvPr id="3" name="Datumsplatzhalter 2">
             <a:extLst>
               <a:ext uri="{FF2B5EF4-FFF2-40B4-BE49-F238E27FC236}">
-                <a16:creationId xmlns:a16="http://schemas.microsoft.com/office/drawing/2014/main" id="{76ABE376-BDA0-4305-B6BE-8D8C0BF64F02}"/>
+                <a16:creationId xmlns:a16="http://schemas.microsoft.com/office/drawing/2014/main" id="{AD3AB6C9-0DB8-4D81-A14E-52B661D2CC80}"/>
               </a:ext>
             </a:extLst>
           </p:cNvPr>
@@ -2665,7 +2926,7 @@
           <p:cNvPr id="4" name="Fußzeilenplatzhalter 3">
             <a:extLst>
               <a:ext uri="{FF2B5EF4-FFF2-40B4-BE49-F238E27FC236}">
-                <a16:creationId xmlns:a16="http://schemas.microsoft.com/office/drawing/2014/main" id="{4EB0631A-ED17-4091-AB67-4D7FF760FE8B}"/>
+                <a16:creationId xmlns:a16="http://schemas.microsoft.com/office/drawing/2014/main" id="{7A049113-3CC5-4ACC-BE03-43D9B950C6DA}"/>
               </a:ext>
             </a:extLst>
           </p:cNvPr>
@@ -2694,7 +2955,7 @@
           <p:cNvPr id="5" name="Foliennummernplatzhalter 4">
             <a:extLst>
               <a:ext uri="{FF2B5EF4-FFF2-40B4-BE49-F238E27FC236}">
-                <a16:creationId xmlns:a16="http://schemas.microsoft.com/office/drawing/2014/main" id="{706C0578-B337-493E-B4B8-D6D431BE9F3F}"/>
+                <a16:creationId xmlns:a16="http://schemas.microsoft.com/office/drawing/2014/main" id="{E4EDDA99-AB0E-4825-AFC1-0682F00360D8}"/>
               </a:ext>
             </a:extLst>
           </p:cNvPr>
@@ -2724,7 +2985,7 @@
           <p:cNvPr id="6" name="Titel 5">
             <a:extLst>
               <a:ext uri="{FF2B5EF4-FFF2-40B4-BE49-F238E27FC236}">
-                <a16:creationId xmlns:a16="http://schemas.microsoft.com/office/drawing/2014/main" id="{8FAFF667-F48A-47B4-86AA-4A7AF69D1E91}"/>
+                <a16:creationId xmlns:a16="http://schemas.microsoft.com/office/drawing/2014/main" id="{5530D40E-2D43-4755-A8FC-A78B2B5D402C}"/>
               </a:ext>
             </a:extLst>
           </p:cNvPr>
@@ -2742,24 +3003,262 @@
           <a:p>
             <a:r>
               <a:rPr lang="de-DE" dirty="0" err="1"/>
-              <a:t>Complementary</a:t>
+              <a:t>Unsorted</a:t>
             </a:r>
             <a:r>
               <a:rPr lang="de-DE" dirty="0"/>
-              <a:t> Release </a:t>
+              <a:t> </a:t>
             </a:r>
             <a:r>
               <a:rPr lang="de-DE" dirty="0" err="1"/>
-              <a:t>Attack</a:t>
+              <a:t>Matching</a:t>
+            </a:r>
+            <a:r>
+              <a:rPr lang="de-DE" dirty="0"/>
+              <a:t> </a:t>
+            </a:r>
+            <a:r>
+              <a:rPr lang="de-DE" dirty="0" err="1"/>
+              <a:t>Attacks</a:t>
             </a:r>
             <a:endParaRPr lang="de-DE" dirty="0"/>
+          </a:p>
+        </p:txBody>
+      </p:sp>
+      <p:pic>
+        <p:nvPicPr>
+          <p:cNvPr id="8" name="Grafik 7">
+            <a:extLst>
+              <a:ext uri="{FF2B5EF4-FFF2-40B4-BE49-F238E27FC236}">
+                <a16:creationId xmlns:a16="http://schemas.microsoft.com/office/drawing/2014/main" id="{52418571-4529-411F-B64C-DF801EE1CEA2}"/>
+              </a:ext>
+            </a:extLst>
+          </p:cNvPr>
+          <p:cNvPicPr>
+            <a:picLocks noChangeAspect="1"/>
+          </p:cNvPicPr>
+          <p:nvPr/>
+        </p:nvPicPr>
+        <p:blipFill>
+          <a:blip r:embed="rId2">
+            <a:extLst>
+              <a:ext uri="{28A0092B-C50C-407E-A947-70E740481C1C}">
+                <a14:useLocalDpi xmlns:a14="http://schemas.microsoft.com/office/drawing/2010/main" val="0"/>
+              </a:ext>
+            </a:extLst>
+          </a:blip>
+          <a:stretch>
+            <a:fillRect/>
+          </a:stretch>
+        </p:blipFill>
+        <p:spPr>
+          <a:xfrm>
+            <a:off x="2209470" y="2782583"/>
+            <a:ext cx="4725059" cy="2372056"/>
+          </a:xfrm>
+          <a:prstGeom prst="rect">
+            <a:avLst/>
+          </a:prstGeom>
+        </p:spPr>
+      </p:pic>
+      <p:sp>
+        <p:nvSpPr>
+          <p:cNvPr id="7" name="Pfeil: nach oben 6">
+            <a:extLst>
+              <a:ext uri="{FF2B5EF4-FFF2-40B4-BE49-F238E27FC236}">
+                <a16:creationId xmlns:a16="http://schemas.microsoft.com/office/drawing/2014/main" id="{32A3DA81-67B0-412B-AD13-622A9A050DD2}"/>
+              </a:ext>
+            </a:extLst>
+          </p:cNvPr>
+          <p:cNvSpPr/>
+          <p:nvPr/>
+        </p:nvSpPr>
+        <p:spPr>
+          <a:xfrm rot="14538008">
+            <a:off x="6805019" y="3664232"/>
+            <a:ext cx="415600" cy="415600"/>
+          </a:xfrm>
+          <a:prstGeom prst="upArrow">
+            <a:avLst/>
+          </a:prstGeom>
+          <a:solidFill>
+            <a:schemeClr val="bg1">
+              <a:lumMod val="75000"/>
+            </a:schemeClr>
+          </a:solidFill>
+          <a:ln>
+            <a:solidFill>
+              <a:schemeClr val="bg1">
+                <a:lumMod val="65000"/>
+              </a:schemeClr>
+            </a:solidFill>
+          </a:ln>
+        </p:spPr>
+        <p:style>
+          <a:lnRef idx="2">
+            <a:schemeClr val="accent1">
+              <a:shade val="50000"/>
+            </a:schemeClr>
+          </a:lnRef>
+          <a:fillRef idx="1">
+            <a:schemeClr val="accent1"/>
+          </a:fillRef>
+          <a:effectRef idx="0">
+            <a:schemeClr val="accent1"/>
+          </a:effectRef>
+          <a:fontRef idx="minor">
+            <a:schemeClr val="lt1"/>
+          </a:fontRef>
+        </p:style>
+        <p:txBody>
+          <a:bodyPr rot="0" spcFirstLastPara="0" vertOverflow="overflow" horzOverflow="overflow" vert="horz" wrap="square" lIns="91440" tIns="45720" rIns="91440" bIns="45720" numCol="1" spcCol="0" rtlCol="0" fromWordArt="0" anchor="ctr" anchorCtr="0" forceAA="0" compatLnSpc="1">
+            <a:prstTxWarp prst="textNoShape">
+              <a:avLst/>
+            </a:prstTxWarp>
+            <a:noAutofit/>
+          </a:bodyPr>
+          <a:lstStyle/>
+          <a:p>
+            <a:endParaRPr lang="de-DE"/>
+          </a:p>
+        </p:txBody>
+      </p:sp>
+      <p:sp>
+        <p:nvSpPr>
+          <p:cNvPr id="9" name="Pfeil: nach oben 8">
+            <a:extLst>
+              <a:ext uri="{FF2B5EF4-FFF2-40B4-BE49-F238E27FC236}">
+                <a16:creationId xmlns:a16="http://schemas.microsoft.com/office/drawing/2014/main" id="{23E141D4-90C0-4ADD-AAC0-C94A5F3656AF}"/>
+              </a:ext>
+            </a:extLst>
+          </p:cNvPr>
+          <p:cNvSpPr/>
+          <p:nvPr/>
+        </p:nvSpPr>
+        <p:spPr>
+          <a:xfrm rot="1495549">
+            <a:off x="3836350" y="5063264"/>
+            <a:ext cx="415600" cy="415600"/>
+          </a:xfrm>
+          <a:prstGeom prst="upArrow">
+            <a:avLst/>
+          </a:prstGeom>
+          <a:solidFill>
+            <a:schemeClr val="bg1">
+              <a:lumMod val="75000"/>
+            </a:schemeClr>
+          </a:solidFill>
+          <a:ln>
+            <a:solidFill>
+              <a:schemeClr val="bg1">
+                <a:lumMod val="65000"/>
+              </a:schemeClr>
+            </a:solidFill>
+          </a:ln>
+        </p:spPr>
+        <p:style>
+          <a:lnRef idx="2">
+            <a:schemeClr val="accent1">
+              <a:shade val="50000"/>
+            </a:schemeClr>
+          </a:lnRef>
+          <a:fillRef idx="1">
+            <a:schemeClr val="accent1"/>
+          </a:fillRef>
+          <a:effectRef idx="0">
+            <a:schemeClr val="accent1"/>
+          </a:effectRef>
+          <a:fontRef idx="minor">
+            <a:schemeClr val="lt1"/>
+          </a:fontRef>
+        </p:style>
+        <p:txBody>
+          <a:bodyPr rot="0" spcFirstLastPara="0" vertOverflow="overflow" horzOverflow="overflow" vert="horz" wrap="square" lIns="91440" tIns="45720" rIns="91440" bIns="45720" numCol="1" spcCol="0" rtlCol="0" fromWordArt="0" anchor="ctr" anchorCtr="0" forceAA="0" compatLnSpc="1">
+            <a:prstTxWarp prst="textNoShape">
+              <a:avLst/>
+            </a:prstTxWarp>
+            <a:noAutofit/>
+          </a:bodyPr>
+          <a:lstStyle/>
+          <a:p>
+            <a:endParaRPr lang="de-DE"/>
+          </a:p>
+        </p:txBody>
+      </p:sp>
+      <p:sp>
+        <p:nvSpPr>
+          <p:cNvPr id="10" name="Textfeld 9">
+            <a:extLst>
+              <a:ext uri="{FF2B5EF4-FFF2-40B4-BE49-F238E27FC236}">
+                <a16:creationId xmlns:a16="http://schemas.microsoft.com/office/drawing/2014/main" id="{3629483C-59DF-473B-92E3-EB230628E392}"/>
+              </a:ext>
+            </a:extLst>
+          </p:cNvPr>
+          <p:cNvSpPr txBox="1"/>
+          <p:nvPr/>
+        </p:nvSpPr>
+        <p:spPr>
+          <a:xfrm>
+            <a:off x="2628900" y="5435932"/>
+            <a:ext cx="2448272" cy="369332"/>
+          </a:xfrm>
+          <a:prstGeom prst="rect">
+            <a:avLst/>
+          </a:prstGeom>
+          <a:noFill/>
+        </p:spPr>
+        <p:txBody>
+          <a:bodyPr wrap="square" rtlCol="0">
+            <a:spAutoFit/>
+          </a:bodyPr>
+          <a:lstStyle/>
+          <a:p>
+            <a:r>
+              <a:rPr lang="en-US" b="0" dirty="0"/>
+              <a:t>Generation of race</a:t>
+            </a:r>
+          </a:p>
+        </p:txBody>
+      </p:sp>
+      <p:sp>
+        <p:nvSpPr>
+          <p:cNvPr id="11" name="Textfeld 10">
+            <a:extLst>
+              <a:ext uri="{FF2B5EF4-FFF2-40B4-BE49-F238E27FC236}">
+                <a16:creationId xmlns:a16="http://schemas.microsoft.com/office/drawing/2014/main" id="{BEF50669-3AB0-4CE1-8434-7A16472C3F23}"/>
+              </a:ext>
+            </a:extLst>
+          </p:cNvPr>
+          <p:cNvSpPr txBox="1"/>
+          <p:nvPr/>
+        </p:nvSpPr>
+        <p:spPr>
+          <a:xfrm>
+            <a:off x="7071890" y="3412037"/>
+            <a:ext cx="1483578" cy="646331"/>
+          </a:xfrm>
+          <a:prstGeom prst="rect">
+            <a:avLst/>
+          </a:prstGeom>
+          <a:noFill/>
+        </p:spPr>
+        <p:txBody>
+          <a:bodyPr wrap="square" rtlCol="0">
+            <a:spAutoFit/>
+          </a:bodyPr>
+          <a:lstStyle/>
+          <a:p>
+            <a:r>
+              <a:rPr lang="en-US" b="0" dirty="0"/>
+              <a:t>Generation of ZIP</a:t>
+            </a:r>
           </a:p>
         </p:txBody>
       </p:sp>
     </p:spTree>
     <p:extLst>
       <p:ext uri="{BB962C8B-B14F-4D97-AF65-F5344CB8AC3E}">
-        <p14:creationId xmlns:p14="http://schemas.microsoft.com/office/powerpoint/2010/main" val="2040367270"/>
+        <p14:creationId xmlns:p14="http://schemas.microsoft.com/office/powerpoint/2010/main" val="4161008327"/>
       </p:ext>
     </p:extLst>
   </p:cSld>
@@ -2791,7 +3290,7 @@
           <p:cNvPr id="2" name="Textplatzhalter 1">
             <a:extLst>
               <a:ext uri="{FF2B5EF4-FFF2-40B4-BE49-F238E27FC236}">
-                <a16:creationId xmlns:a16="http://schemas.microsoft.com/office/drawing/2014/main" id="{2FF0DC06-1299-4B26-BE55-FEA41A51A29F}"/>
+                <a16:creationId xmlns:a16="http://schemas.microsoft.com/office/drawing/2014/main" id="{482F42DF-6375-4386-98AE-E1280CE9F63D}"/>
               </a:ext>
             </a:extLst>
           </p:cNvPr>
@@ -2807,7 +3306,27 @@
           <a:bodyPr/>
           <a:lstStyle/>
           <a:p>
-            <a:endParaRPr lang="de-DE"/>
+            <a:r>
+              <a:rPr lang="en-US" dirty="0"/>
+              <a:t>Prior examples, all attributes were quasi-identifier</a:t>
+            </a:r>
+          </a:p>
+          <a:p>
+            <a:pPr lvl="1"/>
+            <a:r>
+              <a:rPr lang="en-US" dirty="0"/>
+              <a:t>Not typical in the real world </a:t>
+            </a:r>
+            <a:r>
+              <a:rPr lang="en-US" dirty="0">
+                <a:sym typeface="Wingdings" panose="05000000000000000000" pitchFamily="2" charset="2"/>
+              </a:rPr>
+              <a:t> subsequent releases are common</a:t>
+            </a:r>
+            <a:r>
+              <a:rPr lang="en-US" dirty="0"/>
+              <a:t> </a:t>
+            </a:r>
           </a:p>
         </p:txBody>
       </p:sp>
@@ -2816,7 +3335,7 @@
           <p:cNvPr id="3" name="Datumsplatzhalter 2">
             <a:extLst>
               <a:ext uri="{FF2B5EF4-FFF2-40B4-BE49-F238E27FC236}">
-                <a16:creationId xmlns:a16="http://schemas.microsoft.com/office/drawing/2014/main" id="{DB39E2FD-2434-400C-9166-8C1FA22F8192}"/>
+                <a16:creationId xmlns:a16="http://schemas.microsoft.com/office/drawing/2014/main" id="{76ABE376-BDA0-4305-B6BE-8D8C0BF64F02}"/>
               </a:ext>
             </a:extLst>
           </p:cNvPr>
@@ -2845,7 +3364,7 @@
           <p:cNvPr id="4" name="Fußzeilenplatzhalter 3">
             <a:extLst>
               <a:ext uri="{FF2B5EF4-FFF2-40B4-BE49-F238E27FC236}">
-                <a16:creationId xmlns:a16="http://schemas.microsoft.com/office/drawing/2014/main" id="{8E2692CF-21FB-42FF-8E09-B34C5898D898}"/>
+                <a16:creationId xmlns:a16="http://schemas.microsoft.com/office/drawing/2014/main" id="{4EB0631A-ED17-4091-AB67-4D7FF760FE8B}"/>
               </a:ext>
             </a:extLst>
           </p:cNvPr>
@@ -2874,7 +3393,7 @@
           <p:cNvPr id="5" name="Foliennummernplatzhalter 4">
             <a:extLst>
               <a:ext uri="{FF2B5EF4-FFF2-40B4-BE49-F238E27FC236}">
-                <a16:creationId xmlns:a16="http://schemas.microsoft.com/office/drawing/2014/main" id="{1B12691B-92B1-4151-875F-9362E94A179A}"/>
+                <a16:creationId xmlns:a16="http://schemas.microsoft.com/office/drawing/2014/main" id="{706C0578-B337-493E-B4B8-D6D431BE9F3F}"/>
               </a:ext>
             </a:extLst>
           </p:cNvPr>
@@ -2904,7 +3423,7 @@
           <p:cNvPr id="6" name="Titel 5">
             <a:extLst>
               <a:ext uri="{FF2B5EF4-FFF2-40B4-BE49-F238E27FC236}">
-                <a16:creationId xmlns:a16="http://schemas.microsoft.com/office/drawing/2014/main" id="{F7CE3D9E-76B6-4B47-B6BA-932FEDF960D3}"/>
+                <a16:creationId xmlns:a16="http://schemas.microsoft.com/office/drawing/2014/main" id="{8FAFF667-F48A-47B4-86AA-4A7AF69D1E91}"/>
               </a:ext>
             </a:extLst>
           </p:cNvPr>
@@ -2921,21 +3440,152 @@
           <a:lstStyle/>
           <a:p>
             <a:r>
-              <a:rPr lang="de-DE" dirty="0"/>
-              <a:t>Temporal </a:t>
-            </a:r>
-            <a:r>
-              <a:rPr lang="de-DE" dirty="0" err="1"/>
-              <a:t>Attack</a:t>
-            </a:r>
-            <a:endParaRPr lang="de-DE" dirty="0"/>
+              <a:rPr lang="en-US" dirty="0"/>
+              <a:t>Complementary Release Attack</a:t>
+            </a:r>
+          </a:p>
+        </p:txBody>
+      </p:sp>
+      <p:pic>
+        <p:nvPicPr>
+          <p:cNvPr id="8" name="Grafik 7">
+            <a:extLst>
+              <a:ext uri="{FF2B5EF4-FFF2-40B4-BE49-F238E27FC236}">
+                <a16:creationId xmlns:a16="http://schemas.microsoft.com/office/drawing/2014/main" id="{C80D9E64-9A88-4AAF-BDC6-08056EF01FBE}"/>
+              </a:ext>
+            </a:extLst>
+          </p:cNvPr>
+          <p:cNvPicPr>
+            <a:picLocks noChangeAspect="1"/>
+          </p:cNvPicPr>
+          <p:nvPr/>
+        </p:nvPicPr>
+        <p:blipFill>
+          <a:blip r:embed="rId2">
+            <a:extLst>
+              <a:ext uri="{28A0092B-C50C-407E-A947-70E740481C1C}">
+                <a14:useLocalDpi xmlns:a14="http://schemas.microsoft.com/office/drawing/2010/main" val="0"/>
+              </a:ext>
+            </a:extLst>
+          </a:blip>
+          <a:stretch>
+            <a:fillRect/>
+          </a:stretch>
+        </p:blipFill>
+        <p:spPr>
+          <a:xfrm>
+            <a:off x="1187624" y="1942332"/>
+            <a:ext cx="4172532" cy="2829320"/>
+          </a:xfrm>
+          <a:prstGeom prst="rect">
+            <a:avLst/>
+          </a:prstGeom>
+        </p:spPr>
+      </p:pic>
+      <p:sp>
+        <p:nvSpPr>
+          <p:cNvPr id="9" name="Pfeil: nach rechts 8">
+            <a:extLst>
+              <a:ext uri="{FF2B5EF4-FFF2-40B4-BE49-F238E27FC236}">
+                <a16:creationId xmlns:a16="http://schemas.microsoft.com/office/drawing/2014/main" id="{714169D4-2195-444C-97CE-A5F9FC3349FB}"/>
+              </a:ext>
+            </a:extLst>
+          </p:cNvPr>
+          <p:cNvSpPr/>
+          <p:nvPr/>
+        </p:nvSpPr>
+        <p:spPr>
+          <a:xfrm>
+            <a:off x="5436096" y="3349312"/>
+            <a:ext cx="774020" cy="713433"/>
+          </a:xfrm>
+          <a:prstGeom prst="rightArrow">
+            <a:avLst/>
+          </a:prstGeom>
+          <a:solidFill>
+            <a:schemeClr val="bg1">
+              <a:lumMod val="75000"/>
+            </a:schemeClr>
+          </a:solidFill>
+          <a:ln>
+            <a:solidFill>
+              <a:schemeClr val="bg1">
+                <a:lumMod val="65000"/>
+              </a:schemeClr>
+            </a:solidFill>
+          </a:ln>
+        </p:spPr>
+        <p:style>
+          <a:lnRef idx="2">
+            <a:schemeClr val="accent1">
+              <a:shade val="50000"/>
+            </a:schemeClr>
+          </a:lnRef>
+          <a:fillRef idx="1">
+            <a:schemeClr val="accent1"/>
+          </a:fillRef>
+          <a:effectRef idx="0">
+            <a:schemeClr val="accent1"/>
+          </a:effectRef>
+          <a:fontRef idx="minor">
+            <a:schemeClr val="lt1"/>
+          </a:fontRef>
+        </p:style>
+        <p:txBody>
+          <a:bodyPr rtlCol="0" anchor="ctr"/>
+          <a:lstStyle/>
+          <a:p>
+            <a:pPr algn="ctr"/>
+            <a:endParaRPr lang="en-US"/>
+          </a:p>
+        </p:txBody>
+      </p:sp>
+      <p:sp>
+        <p:nvSpPr>
+          <p:cNvPr id="10" name="Textfeld 9">
+            <a:extLst>
+              <a:ext uri="{FF2B5EF4-FFF2-40B4-BE49-F238E27FC236}">
+                <a16:creationId xmlns:a16="http://schemas.microsoft.com/office/drawing/2014/main" id="{C6F83077-1A4A-4171-940A-68CA51561AEF}"/>
+              </a:ext>
+            </a:extLst>
+          </p:cNvPr>
+          <p:cNvSpPr txBox="1"/>
+          <p:nvPr/>
+        </p:nvSpPr>
+        <p:spPr>
+          <a:xfrm>
+            <a:off x="6173366" y="3198196"/>
+            <a:ext cx="2014548" cy="1015663"/>
+          </a:xfrm>
+          <a:prstGeom prst="rect">
+            <a:avLst/>
+          </a:prstGeom>
+          <a:noFill/>
+        </p:spPr>
+        <p:txBody>
+          <a:bodyPr wrap="square" rtlCol="0">
+            <a:spAutoFit/>
+          </a:bodyPr>
+          <a:lstStyle/>
+          <a:p>
+            <a:r>
+              <a:rPr lang="en-US" sz="2000" b="0" dirty="0"/>
+              <a:t>Are unique     </a:t>
+            </a:r>
+            <a:r>
+              <a:rPr lang="en-US" sz="2000" b="0" dirty="0">
+                <a:sym typeface="Wingdings" panose="05000000000000000000" pitchFamily="2" charset="2"/>
+              </a:rPr>
+              <a:t>  subsequent release</a:t>
+            </a:r>
+            <a:endParaRPr lang="en-US" sz="2000" b="0" dirty="0"/>
           </a:p>
         </p:txBody>
       </p:sp>
     </p:spTree>
     <p:extLst>
       <p:ext uri="{BB962C8B-B14F-4D97-AF65-F5344CB8AC3E}">
-        <p14:creationId xmlns:p14="http://schemas.microsoft.com/office/powerpoint/2010/main" val="104284915"/>
+        <p14:creationId xmlns:p14="http://schemas.microsoft.com/office/powerpoint/2010/main" val="2040367270"/>
       </p:ext>
     </p:extLst>
   </p:cSld>
@@ -2967,7 +3617,7 @@
           <p:cNvPr id="2" name="Textplatzhalter 1">
             <a:extLst>
               <a:ext uri="{FF2B5EF4-FFF2-40B4-BE49-F238E27FC236}">
-                <a16:creationId xmlns:a16="http://schemas.microsoft.com/office/drawing/2014/main" id="{F25BD3BB-2D55-463B-BB68-36F5ABADB7DA}"/>
+                <a16:creationId xmlns:a16="http://schemas.microsoft.com/office/drawing/2014/main" id="{482F42DF-6375-4386-98AE-E1280CE9F63D}"/>
               </a:ext>
             </a:extLst>
           </p:cNvPr>
@@ -2983,7 +3633,14 @@
           <a:bodyPr/>
           <a:lstStyle/>
           <a:p>
-            <a:endParaRPr lang="de-DE"/>
+            <a:r>
+              <a:rPr lang="en-US" dirty="0"/>
+              <a:t>Linked both tables on {Problem} possible</a:t>
+            </a:r>
+          </a:p>
+          <a:p>
+            <a:pPr lvl="1"/>
+            <a:endParaRPr lang="en-US" dirty="0"/>
           </a:p>
         </p:txBody>
       </p:sp>
@@ -2992,7 +3649,7 @@
           <p:cNvPr id="3" name="Datumsplatzhalter 2">
             <a:extLst>
               <a:ext uri="{FF2B5EF4-FFF2-40B4-BE49-F238E27FC236}">
-                <a16:creationId xmlns:a16="http://schemas.microsoft.com/office/drawing/2014/main" id="{FDCAD660-5BE5-42BE-8375-6BEB4B5C495F}"/>
+                <a16:creationId xmlns:a16="http://schemas.microsoft.com/office/drawing/2014/main" id="{76ABE376-BDA0-4305-B6BE-8D8C0BF64F02}"/>
               </a:ext>
             </a:extLst>
           </p:cNvPr>
@@ -3021,7 +3678,7 @@
           <p:cNvPr id="4" name="Fußzeilenplatzhalter 3">
             <a:extLst>
               <a:ext uri="{FF2B5EF4-FFF2-40B4-BE49-F238E27FC236}">
-                <a16:creationId xmlns:a16="http://schemas.microsoft.com/office/drawing/2014/main" id="{1A9324D9-B63C-4CCB-BF78-E7E79B6C4AF9}"/>
+                <a16:creationId xmlns:a16="http://schemas.microsoft.com/office/drawing/2014/main" id="{4EB0631A-ED17-4091-AB67-4D7FF760FE8B}"/>
               </a:ext>
             </a:extLst>
           </p:cNvPr>
@@ -3050,7 +3707,7 @@
           <p:cNvPr id="5" name="Foliennummernplatzhalter 4">
             <a:extLst>
               <a:ext uri="{FF2B5EF4-FFF2-40B4-BE49-F238E27FC236}">
-                <a16:creationId xmlns:a16="http://schemas.microsoft.com/office/drawing/2014/main" id="{ABB342F4-D732-4A73-A2C2-2822375927D8}"/>
+                <a16:creationId xmlns:a16="http://schemas.microsoft.com/office/drawing/2014/main" id="{706C0578-B337-493E-B4B8-D6D431BE9F3F}"/>
               </a:ext>
             </a:extLst>
           </p:cNvPr>
@@ -3080,7 +3737,7 @@
           <p:cNvPr id="6" name="Titel 5">
             <a:extLst>
               <a:ext uri="{FF2B5EF4-FFF2-40B4-BE49-F238E27FC236}">
-                <a16:creationId xmlns:a16="http://schemas.microsoft.com/office/drawing/2014/main" id="{6AAD6EED-1118-4130-B216-DFAFB6748085}"/>
+                <a16:creationId xmlns:a16="http://schemas.microsoft.com/office/drawing/2014/main" id="{8FAFF667-F48A-47B4-86AA-4A7AF69D1E91}"/>
               </a:ext>
             </a:extLst>
           </p:cNvPr>
@@ -3097,12 +3754,319 @@
           <a:lstStyle/>
           <a:p>
             <a:r>
-              <a:rPr lang="de-DE" dirty="0" err="1"/>
-              <a:t>Insufficient</a:t>
-            </a:r>
-            <a:r>
-              <a:rPr lang="de-DE" dirty="0"/>
-              <a:t> Knowledge</a:t>
+              <a:rPr lang="en-US" dirty="0"/>
+              <a:t>Complementary Release Attack</a:t>
+            </a:r>
+          </a:p>
+        </p:txBody>
+      </p:sp>
+      <p:pic>
+        <p:nvPicPr>
+          <p:cNvPr id="9" name="Grafik 8">
+            <a:extLst>
+              <a:ext uri="{FF2B5EF4-FFF2-40B4-BE49-F238E27FC236}">
+                <a16:creationId xmlns:a16="http://schemas.microsoft.com/office/drawing/2014/main" id="{F873F260-AEA6-4E2E-8184-8CA0869E9322}"/>
+              </a:ext>
+            </a:extLst>
+          </p:cNvPr>
+          <p:cNvPicPr>
+            <a:picLocks noChangeAspect="1"/>
+          </p:cNvPicPr>
+          <p:nvPr/>
+        </p:nvPicPr>
+        <p:blipFill rotWithShape="1">
+          <a:blip r:embed="rId2">
+            <a:extLst>
+              <a:ext uri="{28A0092B-C50C-407E-A947-70E740481C1C}">
+                <a14:useLocalDpi xmlns:a14="http://schemas.microsoft.com/office/drawing/2010/main" val="0"/>
+              </a:ext>
+            </a:extLst>
+          </a:blip>
+          <a:srcRect l="52742"/>
+          <a:stretch/>
+        </p:blipFill>
+        <p:spPr>
+          <a:xfrm>
+            <a:off x="4864348" y="1416863"/>
+            <a:ext cx="3195856" cy="2228718"/>
+          </a:xfrm>
+          <a:prstGeom prst="rect">
+            <a:avLst/>
+          </a:prstGeom>
+        </p:spPr>
+      </p:pic>
+      <p:pic>
+        <p:nvPicPr>
+          <p:cNvPr id="11" name="Grafik 10">
+            <a:extLst>
+              <a:ext uri="{FF2B5EF4-FFF2-40B4-BE49-F238E27FC236}">
+                <a16:creationId xmlns:a16="http://schemas.microsoft.com/office/drawing/2014/main" id="{2BAAFAD1-ADC1-45CA-A858-640B74637FF9}"/>
+              </a:ext>
+            </a:extLst>
+          </p:cNvPr>
+          <p:cNvPicPr>
+            <a:picLocks noChangeAspect="1"/>
+          </p:cNvPicPr>
+          <p:nvPr/>
+        </p:nvPicPr>
+        <p:blipFill rotWithShape="1">
+          <a:blip r:embed="rId2">
+            <a:extLst>
+              <a:ext uri="{28A0092B-C50C-407E-A947-70E740481C1C}">
+                <a14:useLocalDpi xmlns:a14="http://schemas.microsoft.com/office/drawing/2010/main" val="0"/>
+              </a:ext>
+            </a:extLst>
+          </a:blip>
+          <a:srcRect r="51963"/>
+          <a:stretch/>
+        </p:blipFill>
+        <p:spPr>
+          <a:xfrm>
+            <a:off x="634941" y="1415459"/>
+            <a:ext cx="3248505" cy="2228719"/>
+          </a:xfrm>
+          <a:prstGeom prst="rect">
+            <a:avLst/>
+          </a:prstGeom>
+        </p:spPr>
+      </p:pic>
+      <p:pic>
+        <p:nvPicPr>
+          <p:cNvPr id="13" name="Grafik 12">
+            <a:extLst>
+              <a:ext uri="{FF2B5EF4-FFF2-40B4-BE49-F238E27FC236}">
+                <a16:creationId xmlns:a16="http://schemas.microsoft.com/office/drawing/2014/main" id="{B8226B20-2B97-4934-872A-B6AA063F96E4}"/>
+              </a:ext>
+            </a:extLst>
+          </p:cNvPr>
+          <p:cNvPicPr>
+            <a:picLocks noChangeAspect="1"/>
+          </p:cNvPicPr>
+          <p:nvPr/>
+        </p:nvPicPr>
+        <p:blipFill>
+          <a:blip r:embed="rId3">
+            <a:extLst>
+              <a:ext uri="{28A0092B-C50C-407E-A947-70E740481C1C}">
+                <a14:useLocalDpi xmlns:a14="http://schemas.microsoft.com/office/drawing/2010/main" val="0"/>
+              </a:ext>
+            </a:extLst>
+          </a:blip>
+          <a:stretch>
+            <a:fillRect/>
+          </a:stretch>
+        </p:blipFill>
+        <p:spPr>
+          <a:xfrm>
+            <a:off x="1619672" y="3951755"/>
+            <a:ext cx="2947607" cy="2059937"/>
+          </a:xfrm>
+          <a:prstGeom prst="rect">
+            <a:avLst/>
+          </a:prstGeom>
+        </p:spPr>
+      </p:pic>
+      <p:sp>
+        <p:nvSpPr>
+          <p:cNvPr id="14" name="Pfeil: nach rechts 13">
+            <a:extLst>
+              <a:ext uri="{FF2B5EF4-FFF2-40B4-BE49-F238E27FC236}">
+                <a16:creationId xmlns:a16="http://schemas.microsoft.com/office/drawing/2014/main" id="{DD498C96-9F6C-4C92-B90F-1A052180AD04}"/>
+              </a:ext>
+            </a:extLst>
+          </p:cNvPr>
+          <p:cNvSpPr/>
+          <p:nvPr/>
+        </p:nvSpPr>
+        <p:spPr>
+          <a:xfrm>
+            <a:off x="4701757" y="4583144"/>
+            <a:ext cx="774020" cy="713433"/>
+          </a:xfrm>
+          <a:prstGeom prst="rightArrow">
+            <a:avLst/>
+          </a:prstGeom>
+          <a:solidFill>
+            <a:schemeClr val="bg1">
+              <a:lumMod val="75000"/>
+            </a:schemeClr>
+          </a:solidFill>
+          <a:ln>
+            <a:solidFill>
+              <a:schemeClr val="bg1">
+                <a:lumMod val="65000"/>
+              </a:schemeClr>
+            </a:solidFill>
+          </a:ln>
+        </p:spPr>
+        <p:style>
+          <a:lnRef idx="2">
+            <a:schemeClr val="accent1">
+              <a:shade val="50000"/>
+            </a:schemeClr>
+          </a:lnRef>
+          <a:fillRef idx="1">
+            <a:schemeClr val="accent1"/>
+          </a:fillRef>
+          <a:effectRef idx="0">
+            <a:schemeClr val="accent1"/>
+          </a:effectRef>
+          <a:fontRef idx="minor">
+            <a:schemeClr val="lt1"/>
+          </a:fontRef>
+        </p:style>
+        <p:txBody>
+          <a:bodyPr rtlCol="0" anchor="ctr"/>
+          <a:lstStyle/>
+          <a:p>
+            <a:pPr algn="ctr"/>
+            <a:endParaRPr lang="en-US"/>
+          </a:p>
+        </p:txBody>
+      </p:sp>
+      <p:sp>
+        <p:nvSpPr>
+          <p:cNvPr id="15" name="Textfeld 14">
+            <a:extLst>
+              <a:ext uri="{FF2B5EF4-FFF2-40B4-BE49-F238E27FC236}">
+                <a16:creationId xmlns:a16="http://schemas.microsoft.com/office/drawing/2014/main" id="{AC01D92A-91D7-483A-B70A-8EFB67811A17}"/>
+              </a:ext>
+            </a:extLst>
+          </p:cNvPr>
+          <p:cNvSpPr txBox="1"/>
+          <p:nvPr/>
+        </p:nvSpPr>
+        <p:spPr>
+          <a:xfrm>
+            <a:off x="1111834" y="3564200"/>
+            <a:ext cx="2294718" cy="276999"/>
+          </a:xfrm>
+          <a:prstGeom prst="rect">
+            <a:avLst/>
+          </a:prstGeom>
+          <a:noFill/>
+        </p:spPr>
+        <p:txBody>
+          <a:bodyPr wrap="square" rtlCol="0">
+            <a:spAutoFit/>
+          </a:bodyPr>
+          <a:lstStyle/>
+          <a:p>
+            <a:r>
+              <a:rPr lang="en-US" sz="1200" b="0" dirty="0"/>
+              <a:t>Released table 1</a:t>
+            </a:r>
+          </a:p>
+        </p:txBody>
+      </p:sp>
+      <p:sp>
+        <p:nvSpPr>
+          <p:cNvPr id="16" name="Textfeld 15">
+            <a:extLst>
+              <a:ext uri="{FF2B5EF4-FFF2-40B4-BE49-F238E27FC236}">
+                <a16:creationId xmlns:a16="http://schemas.microsoft.com/office/drawing/2014/main" id="{C022F68A-AEAC-4556-BE0A-878D4DAC8439}"/>
+              </a:ext>
+            </a:extLst>
+          </p:cNvPr>
+          <p:cNvSpPr txBox="1"/>
+          <p:nvPr/>
+        </p:nvSpPr>
+        <p:spPr>
+          <a:xfrm>
+            <a:off x="5314917" y="3601777"/>
+            <a:ext cx="2294718" cy="276999"/>
+          </a:xfrm>
+          <a:prstGeom prst="rect">
+            <a:avLst/>
+          </a:prstGeom>
+          <a:noFill/>
+        </p:spPr>
+        <p:txBody>
+          <a:bodyPr wrap="square" rtlCol="0">
+            <a:spAutoFit/>
+          </a:bodyPr>
+          <a:lstStyle/>
+          <a:p>
+            <a:r>
+              <a:rPr lang="en-US" sz="1200" b="0" dirty="0"/>
+              <a:t>Released table 2</a:t>
+            </a:r>
+          </a:p>
+        </p:txBody>
+      </p:sp>
+      <p:sp>
+        <p:nvSpPr>
+          <p:cNvPr id="17" name="Textfeld 16">
+            <a:extLst>
+              <a:ext uri="{FF2B5EF4-FFF2-40B4-BE49-F238E27FC236}">
+                <a16:creationId xmlns:a16="http://schemas.microsoft.com/office/drawing/2014/main" id="{7E7045DB-CB22-4938-B6CF-2F0DC2898601}"/>
+              </a:ext>
+            </a:extLst>
+          </p:cNvPr>
+          <p:cNvSpPr txBox="1"/>
+          <p:nvPr/>
+        </p:nvSpPr>
+        <p:spPr>
+          <a:xfrm>
+            <a:off x="1946116" y="5987788"/>
+            <a:ext cx="2294718" cy="276999"/>
+          </a:xfrm>
+          <a:prstGeom prst="rect">
+            <a:avLst/>
+          </a:prstGeom>
+          <a:noFill/>
+        </p:spPr>
+        <p:txBody>
+          <a:bodyPr wrap="square" rtlCol="0">
+            <a:spAutoFit/>
+          </a:bodyPr>
+          <a:lstStyle/>
+          <a:p>
+            <a:r>
+              <a:rPr lang="en-US" sz="1200" b="0" dirty="0"/>
+              <a:t>Linked table of table 1 and 2</a:t>
+            </a:r>
+          </a:p>
+        </p:txBody>
+      </p:sp>
+      <p:sp>
+        <p:nvSpPr>
+          <p:cNvPr id="18" name="Textfeld 17">
+            <a:extLst>
+              <a:ext uri="{FF2B5EF4-FFF2-40B4-BE49-F238E27FC236}">
+                <a16:creationId xmlns:a16="http://schemas.microsoft.com/office/drawing/2014/main" id="{7E27042C-B6A3-40E3-815E-0CC13AFB8708}"/>
+              </a:ext>
+            </a:extLst>
+          </p:cNvPr>
+          <p:cNvSpPr txBox="1"/>
+          <p:nvPr/>
+        </p:nvSpPr>
+        <p:spPr>
+          <a:xfrm>
+            <a:off x="5336740" y="4432028"/>
+            <a:ext cx="2115579" cy="1015663"/>
+          </a:xfrm>
+          <a:prstGeom prst="rect">
+            <a:avLst/>
+          </a:prstGeom>
+          <a:noFill/>
+        </p:spPr>
+        <p:txBody>
+          <a:bodyPr wrap="square" rtlCol="0">
+            <a:spAutoFit/>
+          </a:bodyPr>
+          <a:lstStyle/>
+          <a:p>
+            <a:r>
+              <a:rPr lang="en-US" sz="2000" b="0" dirty="0"/>
+              <a:t>Are unique</a:t>
+            </a:r>
+            <a:br>
+              <a:rPr lang="en-US" sz="2000" b="0" dirty="0"/>
+            </a:br>
+            <a:r>
+              <a:rPr lang="en-US" sz="2000" b="0" dirty="0"/>
+              <a:t>Fix: table 2 is based on table 1</a:t>
             </a:r>
           </a:p>
         </p:txBody>
@@ -3110,7 +4074,7 @@
     </p:spTree>
     <p:extLst>
       <p:ext uri="{BB962C8B-B14F-4D97-AF65-F5344CB8AC3E}">
-        <p14:creationId xmlns:p14="http://schemas.microsoft.com/office/powerpoint/2010/main" val="4060867093"/>
+        <p14:creationId xmlns:p14="http://schemas.microsoft.com/office/powerpoint/2010/main" val="3021785598"/>
       </p:ext>
     </p:extLst>
   </p:cSld>
@@ -3137,37 +4101,305 @@
           <a:chExt cx="0" cy="0"/>
         </a:xfrm>
       </p:grpSpPr>
-      <p:sp>
-        <p:nvSpPr>
-          <p:cNvPr id="2" name="Textplatzhalter 1">
-            <a:extLst>
-              <a:ext uri="{FF2B5EF4-FFF2-40B4-BE49-F238E27FC236}">
-                <a16:creationId xmlns:a16="http://schemas.microsoft.com/office/drawing/2014/main" id="{C376F1B7-5B4C-475F-A809-6EE3BFF59EF1}"/>
-              </a:ext>
-            </a:extLst>
-          </p:cNvPr>
-          <p:cNvSpPr>
-            <a:spLocks noGrp="1"/>
-          </p:cNvSpPr>
-          <p:nvPr>
-            <p:ph type="body" sz="quarter" idx="13"/>
-          </p:nvPr>
-        </p:nvSpPr>
-        <p:spPr/>
-        <p:txBody>
-          <a:bodyPr/>
-          <a:lstStyle/>
-          <a:p>
-            <a:endParaRPr lang="de-DE" dirty="0"/>
-          </a:p>
-        </p:txBody>
-      </p:sp>
+      <mc:AlternateContent xmlns:mc="http://schemas.openxmlformats.org/markup-compatibility/2006">
+        <mc:Choice xmlns:a14="http://schemas.microsoft.com/office/drawing/2010/main" Requires="a14">
+          <p:sp>
+            <p:nvSpPr>
+              <p:cNvPr id="2" name="Textplatzhalter 1">
+                <a:extLst>
+                  <a:ext uri="{FF2B5EF4-FFF2-40B4-BE49-F238E27FC236}">
+                    <a16:creationId xmlns:a16="http://schemas.microsoft.com/office/drawing/2014/main" id="{18C46945-AD05-4FAB-A28A-B0760EC3A1B6}"/>
+                  </a:ext>
+                </a:extLst>
+              </p:cNvPr>
+              <p:cNvSpPr>
+                <a:spLocks noGrp="1"/>
+              </p:cNvSpPr>
+              <p:nvPr>
+                <p:ph type="body" sz="quarter" idx="13"/>
+              </p:nvPr>
+            </p:nvSpPr>
+            <p:spPr/>
+            <p:txBody>
+              <a:bodyPr/>
+              <a:lstStyle/>
+              <a:p>
+                <a:r>
+                  <a:rPr lang="en-US" dirty="0"/>
+                  <a:t>Definition:</a:t>
+                </a:r>
+              </a:p>
+              <a:p>
+                <a:pPr lvl="1"/>
+                <a:r>
+                  <a:rPr lang="en-US" dirty="0"/>
+                  <a:t>A table is l-diverse if there are at least l “</a:t>
+                </a:r>
+                <a:r>
+                  <a:rPr lang="en-US" b="1" dirty="0"/>
+                  <a:t>well represented</a:t>
+                </a:r>
+                <a:r>
+                  <a:rPr lang="en-US" dirty="0"/>
+                  <a:t>” values for the sensitive attribute</a:t>
+                </a:r>
+              </a:p>
+              <a:p>
+                <a:r>
+                  <a:rPr lang="en-US" dirty="0"/>
+                  <a:t>Distinct l-diversity</a:t>
+                </a:r>
+              </a:p>
+              <a:p>
+                <a:pPr lvl="1"/>
+                <a:r>
+                  <a:rPr lang="en-US" dirty="0"/>
+                  <a:t>The simplest definition ensures that at least </a:t>
+                </a:r>
+                <a:r>
+                  <a:rPr lang="en-US" i="1" dirty="0"/>
+                  <a:t>l</a:t>
+                </a:r>
+                <a:r>
+                  <a:rPr lang="en-US" dirty="0"/>
+                  <a:t> distinct values for the sensitive field in each equivalence class.</a:t>
+                </a:r>
+              </a:p>
+              <a:p>
+                <a:r>
+                  <a:rPr lang="en-US" dirty="0"/>
+                  <a:t>Entropy l-diversity </a:t>
+                </a:r>
+              </a:p>
+              <a:p>
+                <a:pPr lvl="1"/>
+                <a14:m>
+                  <m:oMath xmlns:m="http://schemas.openxmlformats.org/officeDocument/2006/math">
+                    <m:r>
+                      <a:rPr lang="de-DE" b="0" i="1" smtClean="0">
+                        <a:latin typeface="Cambria Math" panose="02040503050406030204" pitchFamily="18" charset="0"/>
+                      </a:rPr>
+                      <m:t>𝐸𝑛𝑡𝑟𝑜𝑝𝑦</m:t>
+                    </m:r>
+                    <m:r>
+                      <a:rPr lang="de-DE" b="0" i="1" smtClean="0">
+                        <a:latin typeface="Cambria Math" panose="02040503050406030204" pitchFamily="18" charset="0"/>
+                      </a:rPr>
+                      <m:t> </m:t>
+                    </m:r>
+                    <m:d>
+                      <m:dPr>
+                        <m:ctrlPr>
+                          <a:rPr lang="de-DE" b="0" i="1" smtClean="0">
+                            <a:latin typeface="Cambria Math" panose="02040503050406030204" pitchFamily="18" charset="0"/>
+                          </a:rPr>
+                        </m:ctrlPr>
+                      </m:dPr>
+                      <m:e>
+                        <m:r>
+                          <a:rPr lang="de-DE" b="0" i="1" smtClean="0">
+                            <a:latin typeface="Cambria Math" panose="02040503050406030204" pitchFamily="18" charset="0"/>
+                          </a:rPr>
+                          <m:t>𝐸</m:t>
+                        </m:r>
+                      </m:e>
+                    </m:d>
+                    <m:r>
+                      <a:rPr lang="de-DE" b="0" i="1" smtClean="0">
+                        <a:latin typeface="Cambria Math" panose="02040503050406030204" pitchFamily="18" charset="0"/>
+                      </a:rPr>
+                      <m:t>=−</m:t>
+                    </m:r>
+                    <m:nary>
+                      <m:naryPr>
+                        <m:chr m:val="∑"/>
+                        <m:ctrlPr>
+                          <a:rPr lang="de-DE" b="0" i="1" smtClean="0">
+                            <a:latin typeface="Cambria Math" panose="02040503050406030204" pitchFamily="18" charset="0"/>
+                          </a:rPr>
+                        </m:ctrlPr>
+                      </m:naryPr>
+                      <m:sub>
+                        <m:r>
+                          <m:rPr>
+                            <m:brk m:alnAt="23"/>
+                          </m:rPr>
+                          <a:rPr lang="de-DE" b="0" i="1" smtClean="0">
+                            <a:latin typeface="Cambria Math" panose="02040503050406030204" pitchFamily="18" charset="0"/>
+                          </a:rPr>
+                          <m:t>𝑠</m:t>
+                        </m:r>
+                        <m:r>
+                          <a:rPr lang="de-DE" b="0" i="1" smtClean="0">
+                            <a:latin typeface="Cambria Math" panose="02040503050406030204" pitchFamily="18" charset="0"/>
+                          </a:rPr>
+                          <m:t> ∈</m:t>
+                        </m:r>
+                        <m:r>
+                          <a:rPr lang="de-DE" b="0" i="1" smtClean="0">
+                            <a:latin typeface="Cambria Math" panose="02040503050406030204" pitchFamily="18" charset="0"/>
+                            <a:ea typeface="Cambria Math" panose="02040503050406030204" pitchFamily="18" charset="0"/>
+                          </a:rPr>
+                          <m:t>𝑆</m:t>
+                        </m:r>
+                      </m:sub>
+                      <m:sup/>
+                      <m:e>
+                        <m:r>
+                          <a:rPr lang="de-DE" b="0" i="1" smtClean="0">
+                            <a:latin typeface="Cambria Math" panose="02040503050406030204" pitchFamily="18" charset="0"/>
+                          </a:rPr>
+                          <m:t>𝑝</m:t>
+                        </m:r>
+                        <m:d>
+                          <m:dPr>
+                            <m:ctrlPr>
+                              <a:rPr lang="de-DE" b="0" i="1" smtClean="0">
+                                <a:latin typeface="Cambria Math" panose="02040503050406030204" pitchFamily="18" charset="0"/>
+                              </a:rPr>
+                            </m:ctrlPr>
+                          </m:dPr>
+                          <m:e>
+                            <m:r>
+                              <a:rPr lang="de-DE" b="0" i="1" smtClean="0">
+                                <a:latin typeface="Cambria Math" panose="02040503050406030204" pitchFamily="18" charset="0"/>
+                              </a:rPr>
+                              <m:t>𝐸</m:t>
+                            </m:r>
+                            <m:r>
+                              <a:rPr lang="de-DE" b="0" i="1" smtClean="0">
+                                <a:latin typeface="Cambria Math" panose="02040503050406030204" pitchFamily="18" charset="0"/>
+                              </a:rPr>
+                              <m:t>,</m:t>
+                            </m:r>
+                            <m:r>
+                              <a:rPr lang="de-DE" b="0" i="1" smtClean="0">
+                                <a:latin typeface="Cambria Math" panose="02040503050406030204" pitchFamily="18" charset="0"/>
+                              </a:rPr>
+                              <m:t>𝑠</m:t>
+                            </m:r>
+                          </m:e>
+                        </m:d>
+                        <m:func>
+                          <m:funcPr>
+                            <m:ctrlPr>
+                              <a:rPr lang="de-DE" b="0" i="1" smtClean="0">
+                                <a:latin typeface="Cambria Math" panose="02040503050406030204" pitchFamily="18" charset="0"/>
+                              </a:rPr>
+                            </m:ctrlPr>
+                          </m:funcPr>
+                          <m:fName>
+                            <m:r>
+                              <m:rPr>
+                                <m:sty m:val="p"/>
+                              </m:rPr>
+                              <a:rPr lang="de-DE" b="0" i="0" smtClean="0">
+                                <a:latin typeface="Cambria Math" panose="02040503050406030204" pitchFamily="18" charset="0"/>
+                              </a:rPr>
+                              <m:t>log</m:t>
+                            </m:r>
+                          </m:fName>
+                          <m:e>
+                            <m:r>
+                              <a:rPr lang="de-DE" b="0" i="1" smtClean="0">
+                                <a:latin typeface="Cambria Math" panose="02040503050406030204" pitchFamily="18" charset="0"/>
+                              </a:rPr>
+                              <m:t>𝑝</m:t>
+                            </m:r>
+                            <m:r>
+                              <a:rPr lang="de-DE" b="0" i="1" smtClean="0">
+                                <a:latin typeface="Cambria Math" panose="02040503050406030204" pitchFamily="18" charset="0"/>
+                              </a:rPr>
+                              <m:t>(</m:t>
+                            </m:r>
+                            <m:r>
+                              <a:rPr lang="de-DE" b="0" i="1" smtClean="0">
+                                <a:latin typeface="Cambria Math" panose="02040503050406030204" pitchFamily="18" charset="0"/>
+                              </a:rPr>
+                              <m:t>𝐸</m:t>
+                            </m:r>
+                            <m:r>
+                              <a:rPr lang="de-DE" b="0" i="1" smtClean="0">
+                                <a:latin typeface="Cambria Math" panose="02040503050406030204" pitchFamily="18" charset="0"/>
+                              </a:rPr>
+                              <m:t>,</m:t>
+                            </m:r>
+                            <m:r>
+                              <a:rPr lang="de-DE" b="0" i="1" smtClean="0">
+                                <a:latin typeface="Cambria Math" panose="02040503050406030204" pitchFamily="18" charset="0"/>
+                              </a:rPr>
+                              <m:t>𝑠</m:t>
+                            </m:r>
+                            <m:r>
+                              <a:rPr lang="de-DE" b="0" i="1" smtClean="0">
+                                <a:latin typeface="Cambria Math" panose="02040503050406030204" pitchFamily="18" charset="0"/>
+                              </a:rPr>
+                              <m:t>)</m:t>
+                            </m:r>
+                          </m:e>
+                        </m:func>
+                      </m:e>
+                    </m:nary>
+                  </m:oMath>
+                </a14:m>
+                <a:endParaRPr lang="en-US" dirty="0"/>
+              </a:p>
+              <a:p>
+                <a:pPr lvl="1"/>
+                <a:r>
+                  <a:rPr lang="en-US" dirty="0"/>
+                  <a:t>l-diversity if for every equivalence class E, Entropy(E) ≥ log l </a:t>
+                </a:r>
+              </a:p>
+            </p:txBody>
+          </p:sp>
+        </mc:Choice>
+        <mc:Fallback>
+          <p:sp>
+            <p:nvSpPr>
+              <p:cNvPr id="2" name="Textplatzhalter 1">
+                <a:extLst>
+                  <a:ext uri="{FF2B5EF4-FFF2-40B4-BE49-F238E27FC236}">
+                    <a16:creationId xmlns:a16="http://schemas.microsoft.com/office/drawing/2014/main" id="{18C46945-AD05-4FAB-A28A-B0760EC3A1B6}"/>
+                  </a:ext>
+                </a:extLst>
+              </p:cNvPr>
+              <p:cNvSpPr>
+                <a:spLocks noGrp="1" noRot="1" noChangeAspect="1" noMove="1" noResize="1" noEditPoints="1" noAdjustHandles="1" noChangeArrowheads="1" noChangeShapeType="1" noTextEdit="1"/>
+              </p:cNvSpPr>
+              <p:nvPr>
+                <p:ph type="body" sz="quarter" idx="13"/>
+              </p:nvPr>
+            </p:nvSpPr>
+            <p:spPr>
+              <a:blipFill>
+                <a:blip r:embed="rId3"/>
+                <a:stretch>
+                  <a:fillRect l="-356" t="-662"/>
+                </a:stretch>
+              </a:blipFill>
+            </p:spPr>
+            <p:txBody>
+              <a:bodyPr/>
+              <a:lstStyle/>
+              <a:p>
+                <a:r>
+                  <a:rPr lang="en-US">
+                    <a:noFill/>
+                  </a:rPr>
+                  <a:t> </a:t>
+                </a:r>
+              </a:p>
+            </p:txBody>
+          </p:sp>
+        </mc:Fallback>
+      </mc:AlternateContent>
       <p:sp>
         <p:nvSpPr>
           <p:cNvPr id="3" name="Datumsplatzhalter 2">
             <a:extLst>
               <a:ext uri="{FF2B5EF4-FFF2-40B4-BE49-F238E27FC236}">
-                <a16:creationId xmlns:a16="http://schemas.microsoft.com/office/drawing/2014/main" id="{4E894F70-B7EF-4C12-9AE7-956450F47847}"/>
+                <a16:creationId xmlns:a16="http://schemas.microsoft.com/office/drawing/2014/main" id="{3747FE7D-B712-4418-99A5-34C36589CF8E}"/>
               </a:ext>
             </a:extLst>
           </p:cNvPr>
@@ -3196,7 +4428,7 @@
           <p:cNvPr id="4" name="Fußzeilenplatzhalter 3">
             <a:extLst>
               <a:ext uri="{FF2B5EF4-FFF2-40B4-BE49-F238E27FC236}">
-                <a16:creationId xmlns:a16="http://schemas.microsoft.com/office/drawing/2014/main" id="{6C9F7B15-09B7-4C02-BEFE-A16EB25204C1}"/>
+                <a16:creationId xmlns:a16="http://schemas.microsoft.com/office/drawing/2014/main" id="{EFA8983E-DF29-4EBC-AD6B-2651C7AFF07B}"/>
               </a:ext>
             </a:extLst>
           </p:cNvPr>
@@ -3225,7 +4457,7 @@
           <p:cNvPr id="5" name="Foliennummernplatzhalter 4">
             <a:extLst>
               <a:ext uri="{FF2B5EF4-FFF2-40B4-BE49-F238E27FC236}">
-                <a16:creationId xmlns:a16="http://schemas.microsoft.com/office/drawing/2014/main" id="{B893CFF6-12F4-493D-97F2-8B11CF5363F2}"/>
+                <a16:creationId xmlns:a16="http://schemas.microsoft.com/office/drawing/2014/main" id="{ABB5DF7C-AA19-485B-AD25-307B8FD270AE}"/>
               </a:ext>
             </a:extLst>
           </p:cNvPr>
@@ -3255,7 +4487,7 @@
           <p:cNvPr id="6" name="Titel 5">
             <a:extLst>
               <a:ext uri="{FF2B5EF4-FFF2-40B4-BE49-F238E27FC236}">
-                <a16:creationId xmlns:a16="http://schemas.microsoft.com/office/drawing/2014/main" id="{E34BEA00-FDF4-41DD-BE03-480698278645}"/>
+                <a16:creationId xmlns:a16="http://schemas.microsoft.com/office/drawing/2014/main" id="{70AC9209-5E89-4065-840E-6FECF1F86379}"/>
               </a:ext>
             </a:extLst>
           </p:cNvPr>
@@ -3273,16 +4505,15 @@
           <a:p>
             <a:r>
               <a:rPr lang="en-US" dirty="0"/>
-              <a:t>The Adversary’s Knowledge is Unknown </a:t>
-            </a:r>
-            <a:endParaRPr lang="de-DE" dirty="0"/>
+              <a:t>L-Diversity</a:t>
+            </a:r>
           </a:p>
         </p:txBody>
       </p:sp>
     </p:spTree>
     <p:extLst>
       <p:ext uri="{BB962C8B-B14F-4D97-AF65-F5344CB8AC3E}">
-        <p14:creationId xmlns:p14="http://schemas.microsoft.com/office/powerpoint/2010/main" val="1944751225"/>
+        <p14:creationId xmlns:p14="http://schemas.microsoft.com/office/powerpoint/2010/main" val="3387551990"/>
       </p:ext>
     </p:extLst>
   </p:cSld>
@@ -3311,10 +4542,10 @@
       </p:grpSpPr>
       <p:sp>
         <p:nvSpPr>
-          <p:cNvPr id="5" name="Textplatzhalter 4">
-            <a:extLst>
-              <a:ext uri="{FF2B5EF4-FFF2-40B4-BE49-F238E27FC236}">
-                <a16:creationId xmlns:a16="http://schemas.microsoft.com/office/drawing/2014/main" id="{817EA547-F858-48D5-A99A-AC24CC5B1BEE}"/>
+          <p:cNvPr id="2" name="Textplatzhalter 1">
+            <a:extLst>
+              <a:ext uri="{FF2B5EF4-FFF2-40B4-BE49-F238E27FC236}">
+                <a16:creationId xmlns:a16="http://schemas.microsoft.com/office/drawing/2014/main" id="{6B941A83-4BB8-4716-8A05-BDBD6A692FBA}"/>
               </a:ext>
             </a:extLst>
           </p:cNvPr>
@@ -3331,48 +4562,222 @@
           <a:lstStyle/>
           <a:p>
             <a:r>
+              <a:rPr lang="en-US" dirty="0"/>
+              <a:t>Recursive (</a:t>
+            </a:r>
+            <a:r>
+              <a:rPr lang="en-US" i="1" dirty="0"/>
+              <a:t>c, l</a:t>
+            </a:r>
+            <a:r>
+              <a:rPr lang="en-US" dirty="0"/>
+              <a:t>)-diversity.</a:t>
+            </a:r>
+          </a:p>
+          <a:p>
+            <a:pPr lvl="1"/>
+            <a:r>
+              <a:rPr lang="en-US" dirty="0"/>
+              <a:t>Makes sure that most frequent values not too often and</a:t>
+            </a:r>
+          </a:p>
+          <a:p>
+            <a:pPr lvl="1"/>
+            <a:r>
+              <a:rPr lang="en-US" dirty="0"/>
+              <a:t>Most less frequent not too rarely</a:t>
+            </a:r>
+          </a:p>
+          <a:p>
+            <a:pPr lvl="1"/>
+            <a:r>
+              <a:rPr lang="en-US" dirty="0"/>
+              <a:t>Compromise between the prior ones </a:t>
+            </a:r>
+          </a:p>
+          <a:p>
+            <a:pPr lvl="2"/>
+            <a:r>
+              <a:rPr lang="en-US" dirty="0"/>
+              <a:t>Let</a:t>
+            </a:r>
+            <a:r>
+              <a:rPr lang="en-US" i="1" dirty="0"/>
+              <a:t> n </a:t>
+            </a:r>
+            <a:r>
+              <a:rPr lang="en-US" dirty="0"/>
+              <a:t>be the number of values in a equivalent class</a:t>
+            </a:r>
+          </a:p>
+          <a:p>
+            <a:pPr lvl="2"/>
+            <a:r>
+              <a:rPr lang="en-US" i="1" dirty="0" err="1"/>
+              <a:t>r</a:t>
+            </a:r>
+            <a:r>
+              <a:rPr lang="en-US" baseline="-25000" dirty="0" err="1"/>
+              <a:t>i</a:t>
+            </a:r>
+            <a:r>
+              <a:rPr lang="en-US" baseline="-25000" dirty="0"/>
+              <a:t> </a:t>
+            </a:r>
+            <a:r>
+              <a:rPr lang="en-US" dirty="0"/>
+              <a:t>, l &lt;= I &lt;= n FASDF</a:t>
+            </a:r>
+          </a:p>
+          <a:p>
+            <a:pPr lvl="2"/>
+            <a:r>
+              <a:rPr lang="en-US" dirty="0"/>
+              <a:t>Then </a:t>
+            </a:r>
+            <a:r>
+              <a:rPr lang="en-US" i="1" dirty="0"/>
+              <a:t>E </a:t>
+            </a:r>
+            <a:r>
+              <a:rPr lang="en-US" dirty="0"/>
+              <a:t>is said to have recursive ((</a:t>
+            </a:r>
+            <a:r>
+              <a:rPr lang="en-US" i="1" dirty="0"/>
+              <a:t>c, l</a:t>
+            </a:r>
+            <a:r>
+              <a:rPr lang="en-US" dirty="0"/>
+              <a:t>)-diversity if </a:t>
+            </a:r>
+            <a:r>
+              <a:rPr lang="en-US" i="1" dirty="0"/>
+              <a:t>r</a:t>
+            </a:r>
+            <a:r>
+              <a:rPr lang="en-US" sz="400" dirty="0"/>
+              <a:t>1 </a:t>
+            </a:r>
+            <a:r>
+              <a:rPr lang="en-US" i="1" dirty="0"/>
+              <a:t>&lt; c</a:t>
+            </a:r>
+            <a:r>
+              <a:rPr lang="en-US" dirty="0"/>
+              <a:t>(</a:t>
+            </a:r>
+            <a:r>
+              <a:rPr lang="en-US" i="1" dirty="0" err="1"/>
+              <a:t>r</a:t>
+            </a:r>
+            <a:r>
+              <a:rPr lang="en-US" sz="400" i="1" dirty="0" err="1"/>
+              <a:t>l</a:t>
+            </a:r>
+            <a:r>
+              <a:rPr lang="en-US" sz="400" i="1" dirty="0"/>
+              <a:t> </a:t>
+            </a:r>
+            <a:r>
+              <a:rPr lang="en-US" dirty="0"/>
+              <a:t>+</a:t>
+            </a:r>
+            <a:r>
+              <a:rPr lang="en-US" i="1" dirty="0"/>
+              <a:t>r</a:t>
+            </a:r>
+            <a:r>
+              <a:rPr lang="en-US" sz="400" i="1" dirty="0"/>
+              <a:t>l</a:t>
+            </a:r>
+            <a:r>
+              <a:rPr lang="en-US" sz="400" dirty="0"/>
+              <a:t>+1 </a:t>
+            </a:r>
+            <a:r>
+              <a:rPr lang="en-US" dirty="0"/>
+              <a:t>+</a:t>
+            </a:r>
+            <a:r>
+              <a:rPr lang="en-US" i="1" dirty="0"/>
+              <a:t>...</a:t>
+            </a:r>
+            <a:r>
+              <a:rPr lang="en-US" dirty="0"/>
+              <a:t>+</a:t>
+            </a:r>
+            <a:r>
+              <a:rPr lang="en-US" i="1" dirty="0" err="1"/>
+              <a:t>r</a:t>
+            </a:r>
+            <a:r>
+              <a:rPr lang="en-US" sz="400" i="1" dirty="0" err="1"/>
+              <a:t>m</a:t>
+            </a:r>
+            <a:r>
+              <a:rPr lang="en-US" dirty="0"/>
+              <a:t>))</a:t>
+            </a:r>
+          </a:p>
+          <a:p>
+            <a:endParaRPr lang="en-US" dirty="0"/>
+          </a:p>
+        </p:txBody>
+      </p:sp>
+      <p:sp>
+        <p:nvSpPr>
+          <p:cNvPr id="3" name="Datumsplatzhalter 2">
+            <a:extLst>
+              <a:ext uri="{FF2B5EF4-FFF2-40B4-BE49-F238E27FC236}">
+                <a16:creationId xmlns:a16="http://schemas.microsoft.com/office/drawing/2014/main" id="{73A2A1FE-83FE-487A-9105-1D95C041988C}"/>
+              </a:ext>
+            </a:extLst>
+          </p:cNvPr>
+          <p:cNvSpPr>
+            <a:spLocks noGrp="1"/>
+          </p:cNvSpPr>
+          <p:nvPr>
+            <p:ph type="dt" sz="half" idx="14"/>
+          </p:nvPr>
+        </p:nvSpPr>
+        <p:spPr/>
+        <p:txBody>
+          <a:bodyPr/>
+          <a:lstStyle/>
+          <a:p>
+            <a:r>
               <a:rPr lang="de-DE"/>
-              <a:t>Different data recipients got different claims to the data</a:t>
-            </a:r>
-          </a:p>
+              <a:t>30.01.2018</a:t>
+            </a:r>
+            <a:endParaRPr lang="de-DE" dirty="0"/>
+          </a:p>
+        </p:txBody>
+      </p:sp>
+      <p:sp>
+        <p:nvSpPr>
+          <p:cNvPr id="4" name="Fußzeilenplatzhalter 3">
+            <a:extLst>
+              <a:ext uri="{FF2B5EF4-FFF2-40B4-BE49-F238E27FC236}">
+                <a16:creationId xmlns:a16="http://schemas.microsoft.com/office/drawing/2014/main" id="{98378E79-B487-426A-AF28-48D8BAFB8414}"/>
+              </a:ext>
+            </a:extLst>
+          </p:cNvPr>
+          <p:cNvSpPr>
+            <a:spLocks noGrp="1"/>
+          </p:cNvSpPr>
+          <p:nvPr>
+            <p:ph type="ftr" sz="quarter" idx="15"/>
+          </p:nvPr>
+        </p:nvSpPr>
+        <p:spPr/>
+        <p:txBody>
+          <a:bodyPr/>
+          <a:lstStyle/>
           <a:p>
             <a:r>
               <a:rPr lang="de-DE"/>
-              <a:t>T(Job, Sex, Age, Race, Disease, Salary)</a:t>
-            </a:r>
-          </a:p>
-          <a:p>
-            <a:r>
-              <a:rPr lang="de-DE"/>
-              <a:t>Pharma company intresed in diesease with attribute job,sex, age</a:t>
-            </a:r>
-          </a:p>
-          <a:p>
-            <a:r>
-              <a:rPr lang="de-DE"/>
-              <a:t>Another is intereset in JOB, AGE, RACE</a:t>
-            </a:r>
-          </a:p>
-          <a:p>
-            <a:r>
-              <a:rPr lang="de-DE"/>
-              <a:t>Relse one table with {JOB, Sex, Age, Race}</a:t>
-            </a:r>
-          </a:p>
-          <a:p>
-            <a:r>
-              <a:rPr lang="de-DE"/>
-              <a:t>- </a:t>
-            </a:r>
-            <a:r>
-              <a:rPr lang="en-US"/>
-              <a:t>A drawback is that information is released unnecessarily, in that neither of the two purposes needs all four attributes</a:t>
-            </a:r>
-          </a:p>
-          <a:p>
-            <a:r>
-              <a:rPr lang="en-US"/>
-              <a:t>You make one for both of them. Problem </a:t>
+              <a:t>Schallner Ludwig, Wiegnand Andreas</a:t>
             </a:r>
             <a:endParaRPr lang="de-DE" dirty="0"/>
           </a:p>
@@ -3380,68 +4785,10 @@
       </p:sp>
       <p:sp>
         <p:nvSpPr>
-          <p:cNvPr id="3" name="Datumsplatzhalter 2">
-            <a:extLst>
-              <a:ext uri="{FF2B5EF4-FFF2-40B4-BE49-F238E27FC236}">
-                <a16:creationId xmlns:a16="http://schemas.microsoft.com/office/drawing/2014/main" id="{90B812E9-FF67-440E-8D43-E9D95CEADC88}"/>
-              </a:ext>
-            </a:extLst>
-          </p:cNvPr>
-          <p:cNvSpPr>
-            <a:spLocks noGrp="1"/>
-          </p:cNvSpPr>
-          <p:nvPr>
-            <p:ph type="dt" sz="half" idx="14"/>
-          </p:nvPr>
-        </p:nvSpPr>
-        <p:spPr/>
-        <p:txBody>
-          <a:bodyPr/>
-          <a:lstStyle/>
-          <a:p>
-            <a:r>
-              <a:rPr lang="de-DE"/>
-              <a:t>18.05.2017</a:t>
-            </a:r>
-            <a:endParaRPr lang="de-DE" dirty="0"/>
-          </a:p>
-        </p:txBody>
-      </p:sp>
-      <p:sp>
-        <p:nvSpPr>
-          <p:cNvPr id="4" name="Fußzeilenplatzhalter 3">
-            <a:extLst>
-              <a:ext uri="{FF2B5EF4-FFF2-40B4-BE49-F238E27FC236}">
-                <a16:creationId xmlns:a16="http://schemas.microsoft.com/office/drawing/2014/main" id="{830002ED-C0A7-4887-8B84-D46B721CD647}"/>
-              </a:ext>
-            </a:extLst>
-          </p:cNvPr>
-          <p:cNvSpPr>
-            <a:spLocks noGrp="1"/>
-          </p:cNvSpPr>
-          <p:nvPr>
-            <p:ph type="ftr" sz="quarter" idx="15"/>
-          </p:nvPr>
-        </p:nvSpPr>
-        <p:spPr/>
-        <p:txBody>
-          <a:bodyPr/>
-          <a:lstStyle/>
-          <a:p>
-            <a:r>
-              <a:rPr lang="de-DE"/>
-              <a:t>Andreas Heimann &amp; Matthias Puchta</a:t>
-            </a:r>
-            <a:endParaRPr lang="de-DE" dirty="0"/>
-          </a:p>
-        </p:txBody>
-      </p:sp>
-      <p:sp>
-        <p:nvSpPr>
-          <p:cNvPr id="6" name="Foliennummernplatzhalter 5">
-            <a:extLst>
-              <a:ext uri="{FF2B5EF4-FFF2-40B4-BE49-F238E27FC236}">
-                <a16:creationId xmlns:a16="http://schemas.microsoft.com/office/drawing/2014/main" id="{1A5F5161-AF90-426C-A082-2392411945CF}"/>
+          <p:cNvPr id="5" name="Foliennummernplatzhalter 4">
+            <a:extLst>
+              <a:ext uri="{FF2B5EF4-FFF2-40B4-BE49-F238E27FC236}">
+                <a16:creationId xmlns:a16="http://schemas.microsoft.com/office/drawing/2014/main" id="{B10EAD66-757F-4810-AEDA-4E29FAA51CDD}"/>
               </a:ext>
             </a:extLst>
           </p:cNvPr>
@@ -3468,10 +4815,10 @@
       </p:sp>
       <p:sp>
         <p:nvSpPr>
-          <p:cNvPr id="2" name="Titel 1">
-            <a:extLst>
-              <a:ext uri="{FF2B5EF4-FFF2-40B4-BE49-F238E27FC236}">
-                <a16:creationId xmlns:a16="http://schemas.microsoft.com/office/drawing/2014/main" id="{5DFF05F5-BFE1-403A-A36E-6A2828649D6F}"/>
+          <p:cNvPr id="6" name="Titel 5">
+            <a:extLst>
+              <a:ext uri="{FF2B5EF4-FFF2-40B4-BE49-F238E27FC236}">
+                <a16:creationId xmlns:a16="http://schemas.microsoft.com/office/drawing/2014/main" id="{6702746B-B7F7-41CB-AF7C-EC3D1EEF89ED}"/>
               </a:ext>
             </a:extLst>
           </p:cNvPr>
@@ -3488,17 +4835,16 @@
           <a:lstStyle/>
           <a:p>
             <a:r>
-              <a:rPr lang="de-DE"/>
-              <a:t>EXTENDED SCENARIOS - Multiple Release Publishing</a:t>
-            </a:r>
-            <a:endParaRPr lang="de-DE" dirty="0"/>
+              <a:rPr lang="en-US" dirty="0"/>
+              <a:t>L-Diversity</a:t>
+            </a:r>
           </a:p>
         </p:txBody>
       </p:sp>
     </p:spTree>
     <p:extLst>
       <p:ext uri="{BB962C8B-B14F-4D97-AF65-F5344CB8AC3E}">
-        <p14:creationId xmlns:p14="http://schemas.microsoft.com/office/powerpoint/2010/main" val="839178868"/>
+        <p14:creationId xmlns:p14="http://schemas.microsoft.com/office/powerpoint/2010/main" val="2362292413"/>
       </p:ext>
     </p:extLst>
   </p:cSld>
@@ -3527,6 +4873,222 @@
       </p:grpSpPr>
       <p:sp>
         <p:nvSpPr>
+          <p:cNvPr id="5" name="Textplatzhalter 4">
+            <a:extLst>
+              <a:ext uri="{FF2B5EF4-FFF2-40B4-BE49-F238E27FC236}">
+                <a16:creationId xmlns:a16="http://schemas.microsoft.com/office/drawing/2014/main" id="{817EA547-F858-48D5-A99A-AC24CC5B1BEE}"/>
+              </a:ext>
+            </a:extLst>
+          </p:cNvPr>
+          <p:cNvSpPr>
+            <a:spLocks noGrp="1"/>
+          </p:cNvSpPr>
+          <p:nvPr>
+            <p:ph type="body" sz="quarter" idx="13"/>
+          </p:nvPr>
+        </p:nvSpPr>
+        <p:spPr/>
+        <p:txBody>
+          <a:bodyPr/>
+          <a:lstStyle/>
+          <a:p>
+            <a:r>
+              <a:rPr lang="de-DE"/>
+              <a:t>Different data recipients got different claims to the data</a:t>
+            </a:r>
+          </a:p>
+          <a:p>
+            <a:r>
+              <a:rPr lang="de-DE"/>
+              <a:t>T(Job, Sex, Age, Race, Disease, Salary)</a:t>
+            </a:r>
+          </a:p>
+          <a:p>
+            <a:r>
+              <a:rPr lang="de-DE"/>
+              <a:t>Pharma company intresed in diesease with attribute job,sex, age</a:t>
+            </a:r>
+          </a:p>
+          <a:p>
+            <a:r>
+              <a:rPr lang="de-DE"/>
+              <a:t>Another is intereset in JOB, AGE, RACE</a:t>
+            </a:r>
+          </a:p>
+          <a:p>
+            <a:r>
+              <a:rPr lang="de-DE"/>
+              <a:t>Relse one table with {JOB, Sex, Age, Race}</a:t>
+            </a:r>
+          </a:p>
+          <a:p>
+            <a:r>
+              <a:rPr lang="de-DE"/>
+              <a:t>- </a:t>
+            </a:r>
+            <a:r>
+              <a:rPr lang="en-US"/>
+              <a:t>A drawback is that information is released unnecessarily, in that neither of the two purposes needs all four attributes</a:t>
+            </a:r>
+          </a:p>
+          <a:p>
+            <a:r>
+              <a:rPr lang="en-US"/>
+              <a:t>You make one for both of them. Problem </a:t>
+            </a:r>
+            <a:endParaRPr lang="de-DE" dirty="0"/>
+          </a:p>
+        </p:txBody>
+      </p:sp>
+      <p:sp>
+        <p:nvSpPr>
+          <p:cNvPr id="3" name="Datumsplatzhalter 2">
+            <a:extLst>
+              <a:ext uri="{FF2B5EF4-FFF2-40B4-BE49-F238E27FC236}">
+                <a16:creationId xmlns:a16="http://schemas.microsoft.com/office/drawing/2014/main" id="{90B812E9-FF67-440E-8D43-E9D95CEADC88}"/>
+              </a:ext>
+            </a:extLst>
+          </p:cNvPr>
+          <p:cNvSpPr>
+            <a:spLocks noGrp="1"/>
+          </p:cNvSpPr>
+          <p:nvPr>
+            <p:ph type="dt" sz="half" idx="14"/>
+          </p:nvPr>
+        </p:nvSpPr>
+        <p:spPr/>
+        <p:txBody>
+          <a:bodyPr/>
+          <a:lstStyle/>
+          <a:p>
+            <a:r>
+              <a:rPr lang="de-DE"/>
+              <a:t>18.05.2017</a:t>
+            </a:r>
+            <a:endParaRPr lang="de-DE" dirty="0"/>
+          </a:p>
+        </p:txBody>
+      </p:sp>
+      <p:sp>
+        <p:nvSpPr>
+          <p:cNvPr id="4" name="Fußzeilenplatzhalter 3">
+            <a:extLst>
+              <a:ext uri="{FF2B5EF4-FFF2-40B4-BE49-F238E27FC236}">
+                <a16:creationId xmlns:a16="http://schemas.microsoft.com/office/drawing/2014/main" id="{830002ED-C0A7-4887-8B84-D46B721CD647}"/>
+              </a:ext>
+            </a:extLst>
+          </p:cNvPr>
+          <p:cNvSpPr>
+            <a:spLocks noGrp="1"/>
+          </p:cNvSpPr>
+          <p:nvPr>
+            <p:ph type="ftr" sz="quarter" idx="15"/>
+          </p:nvPr>
+        </p:nvSpPr>
+        <p:spPr/>
+        <p:txBody>
+          <a:bodyPr/>
+          <a:lstStyle/>
+          <a:p>
+            <a:r>
+              <a:rPr lang="de-DE"/>
+              <a:t>Andreas Heimann &amp; Matthias Puchta</a:t>
+            </a:r>
+            <a:endParaRPr lang="de-DE" dirty="0"/>
+          </a:p>
+        </p:txBody>
+      </p:sp>
+      <p:sp>
+        <p:nvSpPr>
+          <p:cNvPr id="6" name="Foliennummernplatzhalter 5">
+            <a:extLst>
+              <a:ext uri="{FF2B5EF4-FFF2-40B4-BE49-F238E27FC236}">
+                <a16:creationId xmlns:a16="http://schemas.microsoft.com/office/drawing/2014/main" id="{1A5F5161-AF90-426C-A082-2392411945CF}"/>
+              </a:ext>
+            </a:extLst>
+          </p:cNvPr>
+          <p:cNvSpPr>
+            <a:spLocks noGrp="1"/>
+          </p:cNvSpPr>
+          <p:nvPr>
+            <p:ph type="sldNum" sz="quarter" idx="16"/>
+          </p:nvPr>
+        </p:nvSpPr>
+        <p:spPr/>
+        <p:txBody>
+          <a:bodyPr/>
+          <a:lstStyle/>
+          <a:p>
+            <a:fld id="{50E76E58-F275-47A3-BB17-470016A267B6}" type="slidenum">
+              <a:rPr lang="de-DE" smtClean="0"/>
+              <a:pPr/>
+              <a:t>15</a:t>
+            </a:fld>
+            <a:endParaRPr lang="de-DE"/>
+          </a:p>
+        </p:txBody>
+      </p:sp>
+      <p:sp>
+        <p:nvSpPr>
+          <p:cNvPr id="2" name="Titel 1">
+            <a:extLst>
+              <a:ext uri="{FF2B5EF4-FFF2-40B4-BE49-F238E27FC236}">
+                <a16:creationId xmlns:a16="http://schemas.microsoft.com/office/drawing/2014/main" id="{5DFF05F5-BFE1-403A-A36E-6A2828649D6F}"/>
+              </a:ext>
+            </a:extLst>
+          </p:cNvPr>
+          <p:cNvSpPr>
+            <a:spLocks noGrp="1"/>
+          </p:cNvSpPr>
+          <p:nvPr>
+            <p:ph type="title"/>
+          </p:nvPr>
+        </p:nvSpPr>
+        <p:spPr/>
+        <p:txBody>
+          <a:bodyPr/>
+          <a:lstStyle/>
+          <a:p>
+            <a:r>
+              <a:rPr lang="de-DE"/>
+              <a:t>EXTENDED SCENARIOS - Multiple Release Publishing</a:t>
+            </a:r>
+            <a:endParaRPr lang="de-DE" dirty="0"/>
+          </a:p>
+        </p:txBody>
+      </p:sp>
+    </p:spTree>
+    <p:extLst>
+      <p:ext uri="{BB962C8B-B14F-4D97-AF65-F5344CB8AC3E}">
+        <p14:creationId xmlns:p14="http://schemas.microsoft.com/office/powerpoint/2010/main" val="839178868"/>
+      </p:ext>
+    </p:extLst>
+  </p:cSld>
+  <p:clrMapOvr>
+    <a:masterClrMapping/>
+  </p:clrMapOvr>
+</p:sld>
+</file>
+
+<file path=ppt/slides/slide16.xml><?xml version="1.0" encoding="utf-8"?>
+<p:sld xmlns:a="http://schemas.openxmlformats.org/drawingml/2006/main" xmlns:r="http://schemas.openxmlformats.org/officeDocument/2006/relationships" xmlns:p="http://schemas.openxmlformats.org/presentationml/2006/main">
+  <p:cSld>
+    <p:spTree>
+      <p:nvGrpSpPr>
+        <p:cNvPr id="1" name=""/>
+        <p:cNvGrpSpPr/>
+        <p:nvPr/>
+      </p:nvGrpSpPr>
+      <p:grpSpPr>
+        <a:xfrm>
+          <a:off x="0" y="0"/>
+          <a:ext cx="0" cy="0"/>
+          <a:chOff x="0" y="0"/>
+          <a:chExt cx="0" cy="0"/>
+        </a:xfrm>
+      </p:grpSpPr>
+      <p:sp>
+        <p:nvSpPr>
           <p:cNvPr id="2" name="Titel 1">
             <a:extLst>
               <a:ext uri="{FF2B5EF4-FFF2-40B4-BE49-F238E27FC236}">
@@ -3684,7 +5246,7 @@
             <a:fld id="{50E76E58-F275-47A3-BB17-470016A267B6}" type="slidenum">
               <a:rPr lang="de-DE" smtClean="0"/>
               <a:pPr/>
-              <a:t>15</a:t>
+              <a:t>16</a:t>
             </a:fld>
             <a:endParaRPr lang="de-DE"/>
           </a:p>
@@ -5094,345 +6656,6 @@
 </p:sld>
 </file>
 
-<file path=ppt/slides/slide16.xml><?xml version="1.0" encoding="utf-8"?>
-<p:sld xmlns:a="http://schemas.openxmlformats.org/drawingml/2006/main" xmlns:r="http://schemas.openxmlformats.org/officeDocument/2006/relationships" xmlns:p="http://schemas.openxmlformats.org/presentationml/2006/main">
-  <p:cSld>
-    <p:spTree>
-      <p:nvGrpSpPr>
-        <p:cNvPr id="1" name=""/>
-        <p:cNvGrpSpPr/>
-        <p:nvPr/>
-      </p:nvGrpSpPr>
-      <p:grpSpPr>
-        <a:xfrm>
-          <a:off x="0" y="0"/>
-          <a:ext cx="0" cy="0"/>
-          <a:chOff x="0" y="0"/>
-          <a:chExt cx="0" cy="0"/>
-        </a:xfrm>
-      </p:grpSpPr>
-      <p:sp>
-        <p:nvSpPr>
-          <p:cNvPr id="2" name="Titel 1">
-            <a:extLst>
-              <a:ext uri="{FF2B5EF4-FFF2-40B4-BE49-F238E27FC236}">
-                <a16:creationId xmlns:a16="http://schemas.microsoft.com/office/drawing/2014/main" id="{8E25D8BA-34BD-4AB3-A8F1-5BE24DA46ED2}"/>
-              </a:ext>
-            </a:extLst>
-          </p:cNvPr>
-          <p:cNvSpPr>
-            <a:spLocks noGrp="1"/>
-          </p:cNvSpPr>
-          <p:nvPr>
-            <p:ph type="title"/>
-          </p:nvPr>
-        </p:nvSpPr>
-        <p:spPr>
-          <a:xfrm>
-            <a:off x="430213" y="265113"/>
-            <a:ext cx="7886700" cy="573087"/>
-          </a:xfrm>
-        </p:spPr>
-        <p:txBody>
-          <a:bodyPr/>
-          <a:lstStyle/>
-          <a:p>
-            <a:r>
-              <a:rPr lang="de-DE" sz="1800" b="1" dirty="0"/>
-              <a:t>EXTENDED SCENARIOS – </a:t>
-            </a:r>
-            <a:r>
-              <a:rPr lang="de-DE" sz="1800" b="1" dirty="0" err="1"/>
-              <a:t>Sequential</a:t>
-            </a:r>
-            <a:r>
-              <a:rPr lang="de-DE" sz="1800" b="1" dirty="0"/>
-              <a:t> Release Publishing</a:t>
-            </a:r>
-            <a:endParaRPr lang="de-DE" sz="1800" dirty="0"/>
-          </a:p>
-        </p:txBody>
-      </p:sp>
-      <p:sp>
-        <p:nvSpPr>
-          <p:cNvPr id="3" name="Datumsplatzhalter 2">
-            <a:extLst>
-              <a:ext uri="{FF2B5EF4-FFF2-40B4-BE49-F238E27FC236}">
-                <a16:creationId xmlns:a16="http://schemas.microsoft.com/office/drawing/2014/main" id="{5079DD1B-902A-432A-8C60-C4C83007992A}"/>
-              </a:ext>
-            </a:extLst>
-          </p:cNvPr>
-          <p:cNvSpPr>
-            <a:spLocks noGrp="1"/>
-          </p:cNvSpPr>
-          <p:nvPr>
-            <p:ph type="dt" sz="half" idx="14"/>
-          </p:nvPr>
-        </p:nvSpPr>
-        <p:spPr>
-          <a:xfrm>
-            <a:off x="1331913" y="6208713"/>
-            <a:ext cx="1296987" cy="476250"/>
-          </a:xfrm>
-        </p:spPr>
-        <p:txBody>
-          <a:bodyPr/>
-          <a:lstStyle/>
-          <a:p>
-            <a:r>
-              <a:rPr lang="de-DE"/>
-              <a:t>18.05.2017</a:t>
-            </a:r>
-            <a:endParaRPr lang="de-DE" dirty="0"/>
-          </a:p>
-        </p:txBody>
-      </p:sp>
-      <p:sp>
-        <p:nvSpPr>
-          <p:cNvPr id="4" name="Fußzeilenplatzhalter 3">
-            <a:extLst>
-              <a:ext uri="{FF2B5EF4-FFF2-40B4-BE49-F238E27FC236}">
-                <a16:creationId xmlns:a16="http://schemas.microsoft.com/office/drawing/2014/main" id="{7EFECC64-6F1A-4381-9B68-BF04EF1814E1}"/>
-              </a:ext>
-            </a:extLst>
-          </p:cNvPr>
-          <p:cNvSpPr>
-            <a:spLocks noGrp="1"/>
-          </p:cNvSpPr>
-          <p:nvPr>
-            <p:ph type="ftr" sz="quarter" idx="15"/>
-          </p:nvPr>
-        </p:nvSpPr>
-        <p:spPr>
-          <a:xfrm>
-            <a:off x="2755900" y="6308725"/>
-            <a:ext cx="5487988" cy="288925"/>
-          </a:xfrm>
-        </p:spPr>
-        <p:txBody>
-          <a:bodyPr/>
-          <a:lstStyle/>
-          <a:p>
-            <a:r>
-              <a:rPr lang="de-DE"/>
-              <a:t>Andreas Heimann &amp; Matthias Puchta</a:t>
-            </a:r>
-            <a:endParaRPr lang="de-DE" dirty="0"/>
-          </a:p>
-        </p:txBody>
-      </p:sp>
-      <p:sp>
-        <p:nvSpPr>
-          <p:cNvPr id="5" name="Textplatzhalter 4">
-            <a:extLst>
-              <a:ext uri="{FF2B5EF4-FFF2-40B4-BE49-F238E27FC236}">
-                <a16:creationId xmlns:a16="http://schemas.microsoft.com/office/drawing/2014/main" id="{6609FEC9-4889-4738-8FAA-9EDCD59C8959}"/>
-              </a:ext>
-            </a:extLst>
-          </p:cNvPr>
-          <p:cNvSpPr>
-            <a:spLocks noGrp="1"/>
-          </p:cNvSpPr>
-          <p:nvPr>
-            <p:ph type="body" sz="quarter" idx="13"/>
-          </p:nvPr>
-        </p:nvSpPr>
-        <p:spPr/>
-        <p:txBody>
-          <a:bodyPr/>
-          <a:lstStyle/>
-          <a:p>
-            <a:r>
-              <a:rPr lang="en-US" dirty="0"/>
-              <a:t>In some other scenarios, the data is released continuously</a:t>
-            </a:r>
-          </a:p>
-          <a:p>
-            <a:pPr marL="0" indent="0">
-              <a:buNone/>
-            </a:pPr>
-            <a:r>
-              <a:rPr lang="en-US" dirty="0"/>
-              <a:t>and sequentially as new information becomes available.</a:t>
-            </a:r>
-          </a:p>
-          <a:p>
-            <a:r>
-              <a:rPr lang="de-DE" dirty="0" err="1"/>
-              <a:t>Consider</a:t>
-            </a:r>
-            <a:r>
-              <a:rPr lang="de-DE" dirty="0"/>
-              <a:t> </a:t>
-            </a:r>
-            <a:r>
-              <a:rPr lang="de-DE" dirty="0" err="1"/>
-              <a:t>the</a:t>
-            </a:r>
-            <a:r>
-              <a:rPr lang="de-DE" dirty="0"/>
-              <a:t> </a:t>
-            </a:r>
-            <a:r>
-              <a:rPr lang="de-DE" dirty="0" err="1"/>
-              <a:t>problem</a:t>
-            </a:r>
-            <a:r>
-              <a:rPr lang="de-DE" dirty="0"/>
-              <a:t> </a:t>
-            </a:r>
-            <a:r>
-              <a:rPr lang="de-DE" dirty="0" err="1"/>
-              <a:t>of</a:t>
-            </a:r>
-            <a:r>
-              <a:rPr lang="en-US" i="1" dirty="0"/>
-              <a:t>sequential anonymization </a:t>
-            </a:r>
-            <a:r>
-              <a:rPr lang="en-US" dirty="0"/>
-              <a:t>[Wang and Fung 2006]: a data publisher has </a:t>
-            </a:r>
-            <a:r>
-              <a:rPr lang="en-US" i="1" dirty="0" err="1"/>
-              <a:t>previously</a:t>
-            </a:r>
-            <a:r>
-              <a:rPr lang="en-US" dirty="0" err="1"/>
-              <a:t>released</a:t>
-            </a:r>
-            <a:r>
-              <a:rPr lang="en-US" dirty="0"/>
-              <a:t> </a:t>
-            </a:r>
-            <a:r>
-              <a:rPr lang="en-US" i="1" dirty="0"/>
-              <a:t>T</a:t>
-            </a:r>
-            <a:r>
-              <a:rPr lang="en-US" dirty="0"/>
-              <a:t>1</a:t>
-            </a:r>
-            <a:r>
-              <a:rPr lang="en-US" i="1" dirty="0"/>
-              <a:t>, . . . , Tp</a:t>
-            </a:r>
-            <a:r>
-              <a:rPr lang="en-US" dirty="0"/>
-              <a:t>−1 and </a:t>
-            </a:r>
-            <a:r>
-              <a:rPr lang="en-US" i="1" dirty="0"/>
-              <a:t>now </a:t>
-            </a:r>
-            <a:r>
-              <a:rPr lang="en-US" dirty="0"/>
-              <a:t>wants to publish the next release </a:t>
-            </a:r>
-            <a:r>
-              <a:rPr lang="en-US" i="1" dirty="0" err="1"/>
-              <a:t>Tp</a:t>
-            </a:r>
-            <a:r>
-              <a:rPr lang="en-US" dirty="0"/>
-              <a:t>, where all </a:t>
-            </a:r>
-            <a:r>
-              <a:rPr lang="en-US" i="1" dirty="0" err="1"/>
-              <a:t>Ti</a:t>
-            </a:r>
-            <a:r>
-              <a:rPr lang="en-US" dirty="0" err="1"/>
-              <a:t>are</a:t>
-            </a:r>
-            <a:r>
-              <a:rPr lang="en-US" dirty="0"/>
-              <a:t> projections of the same underlying table, and each </a:t>
-            </a:r>
-            <a:r>
-              <a:rPr lang="en-US" i="1" dirty="0"/>
-              <a:t>individual release</a:t>
-            </a:r>
-            <a:r>
-              <a:rPr lang="en-US" dirty="0"/>
-              <a:t>, not </a:t>
-            </a:r>
-            <a:r>
-              <a:rPr lang="en-US" dirty="0" err="1"/>
-              <a:t>thejoin</a:t>
-            </a:r>
-            <a:r>
-              <a:rPr lang="en-US" dirty="0"/>
-              <a:t>, serves a data mining purpose. The data publisher wants to prevent record and attribute linkages through the join of </a:t>
-            </a:r>
-            <a:r>
-              <a:rPr lang="en-US" i="1" dirty="0"/>
-              <a:t>T</a:t>
-            </a:r>
-            <a:r>
-              <a:rPr lang="en-US" dirty="0"/>
-              <a:t>1</a:t>
-            </a:r>
-            <a:r>
-              <a:rPr lang="en-US" i="1" dirty="0"/>
-              <a:t>, . . . , Tp</a:t>
-            </a:r>
-            <a:r>
-              <a:rPr lang="en-US" dirty="0"/>
-              <a:t>.</a:t>
-            </a:r>
-            <a:endParaRPr lang="de-DE" dirty="0"/>
-          </a:p>
-        </p:txBody>
-      </p:sp>
-      <p:sp>
-        <p:nvSpPr>
-          <p:cNvPr id="6" name="Foliennummernplatzhalter 5">
-            <a:extLst>
-              <a:ext uri="{FF2B5EF4-FFF2-40B4-BE49-F238E27FC236}">
-                <a16:creationId xmlns:a16="http://schemas.microsoft.com/office/drawing/2014/main" id="{AB93F62D-EA09-4552-880A-D595452A36E3}"/>
-              </a:ext>
-            </a:extLst>
-          </p:cNvPr>
-          <p:cNvSpPr>
-            <a:spLocks noGrp="1"/>
-          </p:cNvSpPr>
-          <p:nvPr>
-            <p:ph type="sldNum" sz="quarter" idx="16"/>
-          </p:nvPr>
-        </p:nvSpPr>
-        <p:spPr>
-          <a:xfrm>
-            <a:off x="8415338" y="6408738"/>
-            <a:ext cx="477837" cy="333375"/>
-          </a:xfrm>
-        </p:spPr>
-        <p:txBody>
-          <a:bodyPr/>
-          <a:lstStyle/>
-          <a:p>
-            <a:fld id="{50E76E58-F275-47A3-BB17-470016A267B6}" type="slidenum">
-              <a:rPr lang="de-DE" smtClean="0"/>
-              <a:pPr/>
-              <a:t>16</a:t>
-            </a:fld>
-            <a:endParaRPr lang="de-DE"/>
-          </a:p>
-        </p:txBody>
-      </p:sp>
-    </p:spTree>
-    <p:extLst>
-      <p:ext uri="{BB962C8B-B14F-4D97-AF65-F5344CB8AC3E}">
-        <p14:creationId xmlns:p14="http://schemas.microsoft.com/office/powerpoint/2010/main" val="4223311860"/>
-      </p:ext>
-    </p:extLst>
-  </p:cSld>
-  <p:clrMapOvr>
-    <a:masterClrMapping/>
-  </p:clrMapOvr>
-</p:sld>
-</file>
-
 <file path=ppt/slides/slide17.xml><?xml version="1.0" encoding="utf-8"?>
 <p:sld xmlns:a="http://schemas.openxmlformats.org/drawingml/2006/main" xmlns:r="http://schemas.openxmlformats.org/officeDocument/2006/relationships" xmlns:p="http://schemas.openxmlformats.org/presentationml/2006/main">
   <p:cSld>
@@ -5455,7 +6678,7 @@
           <p:cNvPr id="2" name="Titel 1">
             <a:extLst>
               <a:ext uri="{FF2B5EF4-FFF2-40B4-BE49-F238E27FC236}">
-                <a16:creationId xmlns:a16="http://schemas.microsoft.com/office/drawing/2014/main" id="{92372EE3-C7B3-46F3-A7CF-C5AF22CE3D9F}"/>
+                <a16:creationId xmlns:a16="http://schemas.microsoft.com/office/drawing/2014/main" id="{8E25D8BA-34BD-4AB3-A8F1-5BE24DA46ED2}"/>
               </a:ext>
             </a:extLst>
           </p:cNvPr>
@@ -5477,18 +6700,18 @@
           <a:lstStyle/>
           <a:p>
             <a:r>
-              <a:rPr lang="de-DE" b="1" dirty="0"/>
+              <a:rPr lang="de-DE" sz="1800" b="1" dirty="0"/>
               <a:t>EXTENDED SCENARIOS – </a:t>
             </a:r>
             <a:r>
-              <a:rPr lang="de-DE" b="1" dirty="0" err="1"/>
+              <a:rPr lang="de-DE" sz="1800" b="1" dirty="0" err="1"/>
               <a:t>Sequential</a:t>
             </a:r>
             <a:r>
-              <a:rPr lang="de-DE" b="1" dirty="0"/>
+              <a:rPr lang="de-DE" sz="1800" b="1" dirty="0"/>
               <a:t> Release Publishing</a:t>
             </a:r>
-            <a:endParaRPr lang="de-DE" dirty="0"/>
+            <a:endParaRPr lang="de-DE" sz="1800" dirty="0"/>
           </a:p>
         </p:txBody>
       </p:sp>
@@ -5497,7 +6720,7 @@
           <p:cNvPr id="3" name="Datumsplatzhalter 2">
             <a:extLst>
               <a:ext uri="{FF2B5EF4-FFF2-40B4-BE49-F238E27FC236}">
-                <a16:creationId xmlns:a16="http://schemas.microsoft.com/office/drawing/2014/main" id="{424DE68C-F76E-4A6A-B409-3FDE54121B99}"/>
+                <a16:creationId xmlns:a16="http://schemas.microsoft.com/office/drawing/2014/main" id="{5079DD1B-902A-432A-8C60-C4C83007992A}"/>
               </a:ext>
             </a:extLst>
           </p:cNvPr>
@@ -5519,9 +6742,10 @@
           <a:lstStyle/>
           <a:p>
             <a:r>
-              <a:rPr lang="de-DE" dirty="0"/>
+              <a:rPr lang="de-DE"/>
               <a:t>18.05.2017</a:t>
             </a:r>
+            <a:endParaRPr lang="de-DE" dirty="0"/>
           </a:p>
         </p:txBody>
       </p:sp>
@@ -5530,7 +6754,7 @@
           <p:cNvPr id="4" name="Fußzeilenplatzhalter 3">
             <a:extLst>
               <a:ext uri="{FF2B5EF4-FFF2-40B4-BE49-F238E27FC236}">
-                <a16:creationId xmlns:a16="http://schemas.microsoft.com/office/drawing/2014/main" id="{C5267A2C-1694-4361-9F96-605A24629895}"/>
+                <a16:creationId xmlns:a16="http://schemas.microsoft.com/office/drawing/2014/main" id="{7EFECC64-6F1A-4381-9B68-BF04EF1814E1}"/>
               </a:ext>
             </a:extLst>
           </p:cNvPr>
@@ -5564,7 +6788,7 @@
           <p:cNvPr id="5" name="Textplatzhalter 4">
             <a:extLst>
               <a:ext uri="{FF2B5EF4-FFF2-40B4-BE49-F238E27FC236}">
-                <a16:creationId xmlns:a16="http://schemas.microsoft.com/office/drawing/2014/main" id="{2AC62AE4-0009-4ADA-946E-A027FC75B3E1}"/>
+                <a16:creationId xmlns:a16="http://schemas.microsoft.com/office/drawing/2014/main" id="{6609FEC9-4889-4738-8FAA-9EDCD59C8959}"/>
               </a:ext>
             </a:extLst>
           </p:cNvPr>
@@ -5579,22 +6803,148 @@
         <p:txBody>
           <a:bodyPr/>
           <a:lstStyle/>
+          <a:p>
+            <a:r>
+              <a:rPr lang="en-US" dirty="0"/>
+              <a:t>In some other scenarios, the data is released continuously</a:t>
+            </a:r>
+          </a:p>
           <a:p>
             <a:pPr marL="0" indent="0">
               <a:buNone/>
             </a:pPr>
             <a:r>
+              <a:rPr lang="en-US" dirty="0"/>
+              <a:t>and sequentially as new information becomes available.</a:t>
+            </a:r>
+          </a:p>
+          <a:p>
+            <a:r>
               <a:rPr lang="de-DE" dirty="0" err="1"/>
-              <a:t>Example</a:t>
+              <a:t>Consider</a:t>
+            </a:r>
+            <a:r>
+              <a:rPr lang="de-DE" dirty="0"/>
+              <a:t> </a:t>
+            </a:r>
+            <a:r>
+              <a:rPr lang="de-DE" dirty="0" err="1"/>
+              <a:t>the</a:t>
+            </a:r>
+            <a:r>
+              <a:rPr lang="de-DE" dirty="0"/>
+              <a:t> </a:t>
+            </a:r>
+            <a:r>
+              <a:rPr lang="de-DE" dirty="0" err="1"/>
+              <a:t>problem</a:t>
+            </a:r>
+            <a:r>
+              <a:rPr lang="de-DE" dirty="0"/>
+              <a:t> </a:t>
+            </a:r>
+            <a:r>
+              <a:rPr lang="de-DE" dirty="0" err="1"/>
+              <a:t>of</a:t>
+            </a:r>
+            <a:r>
+              <a:rPr lang="en-US" i="1" dirty="0"/>
+              <a:t>sequential anonymization </a:t>
+            </a:r>
+            <a:r>
+              <a:rPr lang="en-US" dirty="0"/>
+              <a:t>[Wang and Fung 2006]: a data publisher has </a:t>
+            </a:r>
+            <a:r>
+              <a:rPr lang="en-US" i="1" dirty="0" err="1"/>
+              <a:t>previously</a:t>
+            </a:r>
+            <a:r>
+              <a:rPr lang="en-US" dirty="0" err="1"/>
+              <a:t>released</a:t>
+            </a:r>
+            <a:r>
+              <a:rPr lang="en-US" dirty="0"/>
+              <a:t> </a:t>
+            </a:r>
+            <a:r>
+              <a:rPr lang="en-US" i="1" dirty="0"/>
+              <a:t>T</a:t>
+            </a:r>
+            <a:r>
+              <a:rPr lang="en-US" dirty="0"/>
+              <a:t>1</a:t>
+            </a:r>
+            <a:r>
+              <a:rPr lang="en-US" i="1" dirty="0"/>
+              <a:t>, . . . , Tp</a:t>
+            </a:r>
+            <a:r>
+              <a:rPr lang="en-US" dirty="0"/>
+              <a:t>−1 and </a:t>
+            </a:r>
+            <a:r>
+              <a:rPr lang="en-US" i="1" dirty="0"/>
+              <a:t>now </a:t>
+            </a:r>
+            <a:r>
+              <a:rPr lang="en-US" dirty="0"/>
+              <a:t>wants to publish the next release </a:t>
+            </a:r>
+            <a:r>
+              <a:rPr lang="en-US" i="1" dirty="0" err="1"/>
+              <a:t>Tp</a:t>
+            </a:r>
+            <a:r>
+              <a:rPr lang="en-US" dirty="0"/>
+              <a:t>, where all </a:t>
+            </a:r>
+            <a:r>
+              <a:rPr lang="en-US" i="1" dirty="0" err="1"/>
+              <a:t>Ti</a:t>
+            </a:r>
+            <a:r>
+              <a:rPr lang="en-US" dirty="0" err="1"/>
+              <a:t>are</a:t>
+            </a:r>
+            <a:r>
+              <a:rPr lang="en-US" dirty="0"/>
+              <a:t> projections of the same underlying table, and each </a:t>
+            </a:r>
+            <a:r>
+              <a:rPr lang="en-US" i="1" dirty="0"/>
+              <a:t>individual release</a:t>
+            </a:r>
+            <a:r>
+              <a:rPr lang="en-US" dirty="0"/>
+              <a:t>, not </a:t>
+            </a:r>
+            <a:r>
+              <a:rPr lang="en-US" dirty="0" err="1"/>
+              <a:t>thejoin</a:t>
+            </a:r>
+            <a:r>
+              <a:rPr lang="en-US" dirty="0"/>
+              <a:t>, serves a data mining purpose. The data publisher wants to prevent record and attribute linkages through the join of </a:t>
+            </a:r>
+            <a:r>
+              <a:rPr lang="en-US" i="1" dirty="0"/>
+              <a:t>T</a:t>
+            </a:r>
+            <a:r>
+              <a:rPr lang="en-US" dirty="0"/>
+              <a:t>1</a:t>
+            </a:r>
+            <a:r>
+              <a:rPr lang="en-US" i="1" dirty="0"/>
+              <a:t>, . . . , Tp</a:t>
+            </a:r>
+            <a:r>
+              <a:rPr lang="en-US" dirty="0"/>
+              <a:t>.</a:t>
             </a:r>
             <a:endParaRPr lang="de-DE" dirty="0"/>
           </a:p>
-          <a:p>
-            <a:pPr marL="0" indent="0">
-              <a:buNone/>
-            </a:pPr>
-            <a:endParaRPr lang="de-DE" dirty="0"/>
-          </a:p>
         </p:txBody>
       </p:sp>
       <p:sp>
@@ -5602,7 +6952,7 @@
           <p:cNvPr id="6" name="Foliennummernplatzhalter 5">
             <a:extLst>
               <a:ext uri="{FF2B5EF4-FFF2-40B4-BE49-F238E27FC236}">
-                <a16:creationId xmlns:a16="http://schemas.microsoft.com/office/drawing/2014/main" id="{30D19244-33D2-4D87-A50B-197400296686}"/>
+                <a16:creationId xmlns:a16="http://schemas.microsoft.com/office/drawing/2014/main" id="{AB93F62D-EA09-4552-880A-D595452A36E3}"/>
               </a:ext>
             </a:extLst>
           </p:cNvPr>
@@ -5627,6 +6977,218 @@
               <a:rPr lang="de-DE" smtClean="0"/>
               <a:pPr/>
               <a:t>17</a:t>
+            </a:fld>
+            <a:endParaRPr lang="de-DE"/>
+          </a:p>
+        </p:txBody>
+      </p:sp>
+    </p:spTree>
+    <p:extLst>
+      <p:ext uri="{BB962C8B-B14F-4D97-AF65-F5344CB8AC3E}">
+        <p14:creationId xmlns:p14="http://schemas.microsoft.com/office/powerpoint/2010/main" val="4223311860"/>
+      </p:ext>
+    </p:extLst>
+  </p:cSld>
+  <p:clrMapOvr>
+    <a:masterClrMapping/>
+  </p:clrMapOvr>
+</p:sld>
+</file>
+
+<file path=ppt/slides/slide18.xml><?xml version="1.0" encoding="utf-8"?>
+<p:sld xmlns:a="http://schemas.openxmlformats.org/drawingml/2006/main" xmlns:r="http://schemas.openxmlformats.org/officeDocument/2006/relationships" xmlns:p="http://schemas.openxmlformats.org/presentationml/2006/main">
+  <p:cSld>
+    <p:spTree>
+      <p:nvGrpSpPr>
+        <p:cNvPr id="1" name=""/>
+        <p:cNvGrpSpPr/>
+        <p:nvPr/>
+      </p:nvGrpSpPr>
+      <p:grpSpPr>
+        <a:xfrm>
+          <a:off x="0" y="0"/>
+          <a:ext cx="0" cy="0"/>
+          <a:chOff x="0" y="0"/>
+          <a:chExt cx="0" cy="0"/>
+        </a:xfrm>
+      </p:grpSpPr>
+      <p:sp>
+        <p:nvSpPr>
+          <p:cNvPr id="2" name="Titel 1">
+            <a:extLst>
+              <a:ext uri="{FF2B5EF4-FFF2-40B4-BE49-F238E27FC236}">
+                <a16:creationId xmlns:a16="http://schemas.microsoft.com/office/drawing/2014/main" id="{92372EE3-C7B3-46F3-A7CF-C5AF22CE3D9F}"/>
+              </a:ext>
+            </a:extLst>
+          </p:cNvPr>
+          <p:cNvSpPr>
+            <a:spLocks noGrp="1"/>
+          </p:cNvSpPr>
+          <p:nvPr>
+            <p:ph type="title"/>
+          </p:nvPr>
+        </p:nvSpPr>
+        <p:spPr>
+          <a:xfrm>
+            <a:off x="430213" y="265113"/>
+            <a:ext cx="7886700" cy="573087"/>
+          </a:xfrm>
+        </p:spPr>
+        <p:txBody>
+          <a:bodyPr/>
+          <a:lstStyle/>
+          <a:p>
+            <a:r>
+              <a:rPr lang="de-DE" b="1" dirty="0"/>
+              <a:t>EXTENDED SCENARIOS – </a:t>
+            </a:r>
+            <a:r>
+              <a:rPr lang="de-DE" b="1" dirty="0" err="1"/>
+              <a:t>Sequential</a:t>
+            </a:r>
+            <a:r>
+              <a:rPr lang="de-DE" b="1" dirty="0"/>
+              <a:t> Release Publishing</a:t>
+            </a:r>
+            <a:endParaRPr lang="de-DE" dirty="0"/>
+          </a:p>
+        </p:txBody>
+      </p:sp>
+      <p:sp>
+        <p:nvSpPr>
+          <p:cNvPr id="3" name="Datumsplatzhalter 2">
+            <a:extLst>
+              <a:ext uri="{FF2B5EF4-FFF2-40B4-BE49-F238E27FC236}">
+                <a16:creationId xmlns:a16="http://schemas.microsoft.com/office/drawing/2014/main" id="{424DE68C-F76E-4A6A-B409-3FDE54121B99}"/>
+              </a:ext>
+            </a:extLst>
+          </p:cNvPr>
+          <p:cNvSpPr>
+            <a:spLocks noGrp="1"/>
+          </p:cNvSpPr>
+          <p:nvPr>
+            <p:ph type="dt" sz="half" idx="14"/>
+          </p:nvPr>
+        </p:nvSpPr>
+        <p:spPr>
+          <a:xfrm>
+            <a:off x="1331913" y="6208713"/>
+            <a:ext cx="1296987" cy="476250"/>
+          </a:xfrm>
+        </p:spPr>
+        <p:txBody>
+          <a:bodyPr/>
+          <a:lstStyle/>
+          <a:p>
+            <a:r>
+              <a:rPr lang="de-DE" dirty="0"/>
+              <a:t>18.05.2017</a:t>
+            </a:r>
+          </a:p>
+        </p:txBody>
+      </p:sp>
+      <p:sp>
+        <p:nvSpPr>
+          <p:cNvPr id="4" name="Fußzeilenplatzhalter 3">
+            <a:extLst>
+              <a:ext uri="{FF2B5EF4-FFF2-40B4-BE49-F238E27FC236}">
+                <a16:creationId xmlns:a16="http://schemas.microsoft.com/office/drawing/2014/main" id="{C5267A2C-1694-4361-9F96-605A24629895}"/>
+              </a:ext>
+            </a:extLst>
+          </p:cNvPr>
+          <p:cNvSpPr>
+            <a:spLocks noGrp="1"/>
+          </p:cNvSpPr>
+          <p:nvPr>
+            <p:ph type="ftr" sz="quarter" idx="15"/>
+          </p:nvPr>
+        </p:nvSpPr>
+        <p:spPr>
+          <a:xfrm>
+            <a:off x="2755900" y="6308725"/>
+            <a:ext cx="5487988" cy="288925"/>
+          </a:xfrm>
+        </p:spPr>
+        <p:txBody>
+          <a:bodyPr/>
+          <a:lstStyle/>
+          <a:p>
+            <a:r>
+              <a:rPr lang="de-DE"/>
+              <a:t>Andreas Heimann &amp; Matthias Puchta</a:t>
+            </a:r>
+            <a:endParaRPr lang="de-DE" dirty="0"/>
+          </a:p>
+        </p:txBody>
+      </p:sp>
+      <p:sp>
+        <p:nvSpPr>
+          <p:cNvPr id="5" name="Textplatzhalter 4">
+            <a:extLst>
+              <a:ext uri="{FF2B5EF4-FFF2-40B4-BE49-F238E27FC236}">
+                <a16:creationId xmlns:a16="http://schemas.microsoft.com/office/drawing/2014/main" id="{2AC62AE4-0009-4ADA-946E-A027FC75B3E1}"/>
+              </a:ext>
+            </a:extLst>
+          </p:cNvPr>
+          <p:cNvSpPr>
+            <a:spLocks noGrp="1"/>
+          </p:cNvSpPr>
+          <p:nvPr>
+            <p:ph type="body" sz="quarter" idx="13"/>
+          </p:nvPr>
+        </p:nvSpPr>
+        <p:spPr/>
+        <p:txBody>
+          <a:bodyPr/>
+          <a:lstStyle/>
+          <a:p>
+            <a:pPr marL="0" indent="0">
+              <a:buNone/>
+            </a:pPr>
+            <a:r>
+              <a:rPr lang="de-DE" dirty="0" err="1"/>
+              <a:t>Example</a:t>
+            </a:r>
+            <a:endParaRPr lang="de-DE" dirty="0"/>
+          </a:p>
+          <a:p>
+            <a:pPr marL="0" indent="0">
+              <a:buNone/>
+            </a:pPr>
+            <a:endParaRPr lang="de-DE" dirty="0"/>
+          </a:p>
+        </p:txBody>
+      </p:sp>
+      <p:sp>
+        <p:nvSpPr>
+          <p:cNvPr id="6" name="Foliennummernplatzhalter 5">
+            <a:extLst>
+              <a:ext uri="{FF2B5EF4-FFF2-40B4-BE49-F238E27FC236}">
+                <a16:creationId xmlns:a16="http://schemas.microsoft.com/office/drawing/2014/main" id="{30D19244-33D2-4D87-A50B-197400296686}"/>
+              </a:ext>
+            </a:extLst>
+          </p:cNvPr>
+          <p:cNvSpPr>
+            <a:spLocks noGrp="1"/>
+          </p:cNvSpPr>
+          <p:nvPr>
+            <p:ph type="sldNum" sz="quarter" idx="16"/>
+          </p:nvPr>
+        </p:nvSpPr>
+        <p:spPr>
+          <a:xfrm>
+            <a:off x="8415338" y="6408738"/>
+            <a:ext cx="477837" cy="333375"/>
+          </a:xfrm>
+        </p:spPr>
+        <p:txBody>
+          <a:bodyPr/>
+          <a:lstStyle/>
+          <a:p>
+            <a:fld id="{50E76E58-F275-47A3-BB17-470016A267B6}" type="slidenum">
+              <a:rPr lang="de-DE" smtClean="0"/>
+              <a:pPr/>
+              <a:t>18</a:t>
             </a:fld>
             <a:endParaRPr lang="de-DE"/>
           </a:p>
@@ -6564,306 +8126,6 @@
 </p:sld>
 </file>
 
-<file path=ppt/slides/slide18.xml><?xml version="1.0" encoding="utf-8"?>
-<p:sld xmlns:a="http://schemas.openxmlformats.org/drawingml/2006/main" xmlns:r="http://schemas.openxmlformats.org/officeDocument/2006/relationships" xmlns:p="http://schemas.openxmlformats.org/presentationml/2006/main">
-  <p:cSld>
-    <p:spTree>
-      <p:nvGrpSpPr>
-        <p:cNvPr id="1" name=""/>
-        <p:cNvGrpSpPr/>
-        <p:nvPr/>
-      </p:nvGrpSpPr>
-      <p:grpSpPr>
-        <a:xfrm>
-          <a:off x="0" y="0"/>
-          <a:ext cx="0" cy="0"/>
-          <a:chOff x="0" y="0"/>
-          <a:chExt cx="0" cy="0"/>
-        </a:xfrm>
-      </p:grpSpPr>
-      <p:sp>
-        <p:nvSpPr>
-          <p:cNvPr id="2" name="Titel 1">
-            <a:extLst>
-              <a:ext uri="{FF2B5EF4-FFF2-40B4-BE49-F238E27FC236}">
-                <a16:creationId xmlns:a16="http://schemas.microsoft.com/office/drawing/2014/main" id="{64C87936-32EF-4EB4-9D68-B53F697A9294}"/>
-              </a:ext>
-            </a:extLst>
-          </p:cNvPr>
-          <p:cNvSpPr>
-            <a:spLocks noGrp="1"/>
-          </p:cNvSpPr>
-          <p:nvPr>
-            <p:ph type="title"/>
-          </p:nvPr>
-        </p:nvSpPr>
-        <p:spPr>
-          <a:xfrm>
-            <a:off x="430213" y="265113"/>
-            <a:ext cx="7886700" cy="573087"/>
-          </a:xfrm>
-        </p:spPr>
-        <p:txBody>
-          <a:bodyPr/>
-          <a:lstStyle/>
-          <a:p>
-            <a:r>
-              <a:rPr lang="de-DE" b="1" dirty="0"/>
-              <a:t>6.3. </a:t>
-            </a:r>
-            <a:r>
-              <a:rPr lang="de-DE" b="1" dirty="0" err="1"/>
-              <a:t>Continuous</a:t>
-            </a:r>
-            <a:r>
-              <a:rPr lang="de-DE" b="1" dirty="0"/>
-              <a:t> Data Publishing - </a:t>
-            </a:r>
-            <a:endParaRPr lang="de-DE" dirty="0"/>
-          </a:p>
-        </p:txBody>
-      </p:sp>
-      <p:sp>
-        <p:nvSpPr>
-          <p:cNvPr id="3" name="Datumsplatzhalter 2">
-            <a:extLst>
-              <a:ext uri="{FF2B5EF4-FFF2-40B4-BE49-F238E27FC236}">
-                <a16:creationId xmlns:a16="http://schemas.microsoft.com/office/drawing/2014/main" id="{3953109D-2A5A-4517-9C4D-31158B1601B6}"/>
-              </a:ext>
-            </a:extLst>
-          </p:cNvPr>
-          <p:cNvSpPr>
-            <a:spLocks noGrp="1"/>
-          </p:cNvSpPr>
-          <p:nvPr>
-            <p:ph type="dt" sz="half" idx="14"/>
-          </p:nvPr>
-        </p:nvSpPr>
-        <p:spPr>
-          <a:xfrm>
-            <a:off x="1331913" y="6208713"/>
-            <a:ext cx="1296987" cy="476250"/>
-          </a:xfrm>
-        </p:spPr>
-        <p:txBody>
-          <a:bodyPr/>
-          <a:lstStyle/>
-          <a:p>
-            <a:r>
-              <a:rPr lang="de-DE"/>
-              <a:t>18.05.2017</a:t>
-            </a:r>
-            <a:endParaRPr lang="de-DE" dirty="0"/>
-          </a:p>
-        </p:txBody>
-      </p:sp>
-      <p:sp>
-        <p:nvSpPr>
-          <p:cNvPr id="4" name="Fußzeilenplatzhalter 3">
-            <a:extLst>
-              <a:ext uri="{FF2B5EF4-FFF2-40B4-BE49-F238E27FC236}">
-                <a16:creationId xmlns:a16="http://schemas.microsoft.com/office/drawing/2014/main" id="{CCF38E58-72C9-4357-9457-6BCB6F78AE96}"/>
-              </a:ext>
-            </a:extLst>
-          </p:cNvPr>
-          <p:cNvSpPr>
-            <a:spLocks noGrp="1"/>
-          </p:cNvSpPr>
-          <p:nvPr>
-            <p:ph type="ftr" sz="quarter" idx="15"/>
-          </p:nvPr>
-        </p:nvSpPr>
-        <p:spPr>
-          <a:xfrm>
-            <a:off x="2755900" y="6308725"/>
-            <a:ext cx="5487988" cy="288925"/>
-          </a:xfrm>
-        </p:spPr>
-        <p:txBody>
-          <a:bodyPr/>
-          <a:lstStyle/>
-          <a:p>
-            <a:r>
-              <a:rPr lang="de-DE"/>
-              <a:t>Andreas Heimann &amp; Matthias Puchta</a:t>
-            </a:r>
-            <a:endParaRPr lang="de-DE" dirty="0"/>
-          </a:p>
-        </p:txBody>
-      </p:sp>
-      <p:sp>
-        <p:nvSpPr>
-          <p:cNvPr id="5" name="Textplatzhalter 4">
-            <a:extLst>
-              <a:ext uri="{FF2B5EF4-FFF2-40B4-BE49-F238E27FC236}">
-                <a16:creationId xmlns:a16="http://schemas.microsoft.com/office/drawing/2014/main" id="{CA4CB419-1E48-4285-9B7C-6C8EBC4E9139}"/>
-              </a:ext>
-            </a:extLst>
-          </p:cNvPr>
-          <p:cNvSpPr>
-            <a:spLocks noGrp="1"/>
-          </p:cNvSpPr>
-          <p:nvPr>
-            <p:ph type="body" sz="quarter" idx="13"/>
-          </p:nvPr>
-        </p:nvSpPr>
-        <p:spPr/>
-        <p:txBody>
-          <a:bodyPr/>
-          <a:lstStyle/>
-          <a:p>
-            <a:r>
-              <a:rPr lang="en-US" dirty="0"/>
-              <a:t>In the model of continuous data publishing, the data publisher has previously published</a:t>
-            </a:r>
-          </a:p>
-          <a:p>
-            <a:pPr marL="0" indent="0">
-              <a:buNone/>
-            </a:pPr>
-            <a:r>
-              <a:rPr lang="en-US" i="1" dirty="0"/>
-              <a:t>T</a:t>
-            </a:r>
-            <a:r>
-              <a:rPr lang="en-US" dirty="0"/>
-              <a:t>1</a:t>
-            </a:r>
-            <a:r>
-              <a:rPr lang="en-US" i="1" dirty="0"/>
-              <a:t>, . . . , Tp</a:t>
-            </a:r>
-            <a:r>
-              <a:rPr lang="en-US" dirty="0"/>
-              <a:t>−1 and now wants to publish </a:t>
-            </a:r>
-            <a:r>
-              <a:rPr lang="en-US" i="1" dirty="0" err="1"/>
-              <a:t>Tp</a:t>
-            </a:r>
-            <a:r>
-              <a:rPr lang="en-US" dirty="0"/>
-              <a:t>, where </a:t>
-            </a:r>
-            <a:r>
-              <a:rPr lang="en-US" i="1" dirty="0" err="1"/>
-              <a:t>Ti</a:t>
-            </a:r>
-            <a:r>
-              <a:rPr lang="en-US" i="1" dirty="0"/>
-              <a:t> </a:t>
-            </a:r>
-            <a:r>
-              <a:rPr lang="en-US" dirty="0"/>
-              <a:t>is an updated release of</a:t>
-            </a:r>
-            <a:r>
-              <a:rPr lang="en-US" i="1" dirty="0"/>
-              <a:t>Ti</a:t>
-            </a:r>
-            <a:r>
-              <a:rPr lang="en-US" dirty="0"/>
-              <a:t>−1 with record insertions and/or deletions. The problem assumes that all </a:t>
-            </a:r>
-            <a:r>
-              <a:rPr lang="en-US" dirty="0" err="1"/>
-              <a:t>recordsfor</a:t>
-            </a:r>
-            <a:r>
-              <a:rPr lang="en-US" dirty="0"/>
-              <a:t> the same individual remain the same in all releases. Even though each release</a:t>
-            </a:r>
-            <a:r>
-              <a:rPr lang="en-US" i="1" dirty="0"/>
-              <a:t>T</a:t>
-            </a:r>
-            <a:r>
-              <a:rPr lang="en-US" dirty="0"/>
-              <a:t>1</a:t>
-            </a:r>
-            <a:r>
-              <a:rPr lang="en-US" i="1" dirty="0"/>
-              <a:t>, . . . , </a:t>
-            </a:r>
-            <a:r>
-              <a:rPr lang="en-US" i="1" dirty="0" err="1"/>
-              <a:t>Tp</a:t>
-            </a:r>
-            <a:r>
-              <a:rPr lang="en-US" i="1" dirty="0"/>
-              <a:t> </a:t>
-            </a:r>
-            <a:r>
-              <a:rPr lang="en-US" dirty="0"/>
-              <a:t>is individually anonymous, the privacy requirement could be </a:t>
-            </a:r>
-            <a:r>
-              <a:rPr lang="en-US" dirty="0" err="1"/>
-              <a:t>compromisedby</a:t>
-            </a:r>
-            <a:r>
-              <a:rPr lang="en-US" dirty="0"/>
-              <a:t> comparing different releases and eliminating some possible sensitive values for a</a:t>
-            </a:r>
-            <a:r>
-              <a:rPr lang="de-DE" dirty="0" err="1"/>
-              <a:t>victim</a:t>
-            </a:r>
-            <a:r>
-              <a:rPr lang="de-DE" dirty="0"/>
-              <a:t>.</a:t>
-            </a:r>
-          </a:p>
-        </p:txBody>
-      </p:sp>
-      <p:sp>
-        <p:nvSpPr>
-          <p:cNvPr id="6" name="Foliennummernplatzhalter 5">
-            <a:extLst>
-              <a:ext uri="{FF2B5EF4-FFF2-40B4-BE49-F238E27FC236}">
-                <a16:creationId xmlns:a16="http://schemas.microsoft.com/office/drawing/2014/main" id="{A33B597C-BFBC-47FC-A8ED-C28E6FC10AED}"/>
-              </a:ext>
-            </a:extLst>
-          </p:cNvPr>
-          <p:cNvSpPr>
-            <a:spLocks noGrp="1"/>
-          </p:cNvSpPr>
-          <p:nvPr>
-            <p:ph type="sldNum" sz="quarter" idx="16"/>
-          </p:nvPr>
-        </p:nvSpPr>
-        <p:spPr>
-          <a:xfrm>
-            <a:off x="8415338" y="6408738"/>
-            <a:ext cx="477837" cy="333375"/>
-          </a:xfrm>
-        </p:spPr>
-        <p:txBody>
-          <a:bodyPr/>
-          <a:lstStyle/>
-          <a:p>
-            <a:fld id="{50E76E58-F275-47A3-BB17-470016A267B6}" type="slidenum">
-              <a:rPr lang="de-DE" smtClean="0"/>
-              <a:pPr/>
-              <a:t>18</a:t>
-            </a:fld>
-            <a:endParaRPr lang="de-DE"/>
-          </a:p>
-        </p:txBody>
-      </p:sp>
-    </p:spTree>
-    <p:extLst>
-      <p:ext uri="{BB962C8B-B14F-4D97-AF65-F5344CB8AC3E}">
-        <p14:creationId xmlns:p14="http://schemas.microsoft.com/office/powerpoint/2010/main" val="3119424548"/>
-      </p:ext>
-    </p:extLst>
-  </p:cSld>
-  <p:clrMapOvr>
-    <a:masterClrMapping/>
-  </p:clrMapOvr>
-</p:sld>
-</file>
-
 <file path=ppt/slides/slide19.xml><?xml version="1.0" encoding="utf-8"?>
 <p:sld xmlns:a="http://schemas.openxmlformats.org/drawingml/2006/main" xmlns:r="http://schemas.openxmlformats.org/officeDocument/2006/relationships" xmlns:p="http://schemas.openxmlformats.org/presentationml/2006/main">
   <p:cSld>
@@ -6886,7 +8148,7 @@
           <p:cNvPr id="2" name="Titel 1">
             <a:extLst>
               <a:ext uri="{FF2B5EF4-FFF2-40B4-BE49-F238E27FC236}">
-                <a16:creationId xmlns:a16="http://schemas.microsoft.com/office/drawing/2014/main" id="{A081F97E-62E3-427F-A641-E682BB8CB112}"/>
+                <a16:creationId xmlns:a16="http://schemas.microsoft.com/office/drawing/2014/main" id="{64C87936-32EF-4EB4-9D68-B53F697A9294}"/>
               </a:ext>
             </a:extLst>
           </p:cNvPr>
@@ -6908,12 +8170,16 @@
           <a:lstStyle/>
           <a:p>
             <a:r>
+              <a:rPr lang="de-DE" b="1" dirty="0"/>
+              <a:t>6.3. </a:t>
+            </a:r>
+            <a:r>
               <a:rPr lang="de-DE" b="1" dirty="0" err="1"/>
               <a:t>Continuous</a:t>
             </a:r>
             <a:r>
               <a:rPr lang="de-DE" b="1" dirty="0"/>
-              <a:t> Data Publishing -</a:t>
+              <a:t> Data Publishing - </a:t>
             </a:r>
             <a:endParaRPr lang="de-DE" dirty="0"/>
           </a:p>
@@ -6924,7 +8190,7 @@
           <p:cNvPr id="3" name="Datumsplatzhalter 2">
             <a:extLst>
               <a:ext uri="{FF2B5EF4-FFF2-40B4-BE49-F238E27FC236}">
-                <a16:creationId xmlns:a16="http://schemas.microsoft.com/office/drawing/2014/main" id="{82022DD0-D3BB-4BAC-84BB-517F888560CE}"/>
+                <a16:creationId xmlns:a16="http://schemas.microsoft.com/office/drawing/2014/main" id="{3953109D-2A5A-4517-9C4D-31158B1601B6}"/>
               </a:ext>
             </a:extLst>
           </p:cNvPr>
@@ -6958,7 +8224,7 @@
           <p:cNvPr id="4" name="Fußzeilenplatzhalter 3">
             <a:extLst>
               <a:ext uri="{FF2B5EF4-FFF2-40B4-BE49-F238E27FC236}">
-                <a16:creationId xmlns:a16="http://schemas.microsoft.com/office/drawing/2014/main" id="{3BDE4202-8DBD-4915-BBCE-5EAFAEB90245}"/>
+                <a16:creationId xmlns:a16="http://schemas.microsoft.com/office/drawing/2014/main" id="{CCF38E58-72C9-4357-9457-6BCB6F78AE96}"/>
               </a:ext>
             </a:extLst>
           </p:cNvPr>
@@ -6992,7 +8258,7 @@
           <p:cNvPr id="5" name="Textplatzhalter 4">
             <a:extLst>
               <a:ext uri="{FF2B5EF4-FFF2-40B4-BE49-F238E27FC236}">
-                <a16:creationId xmlns:a16="http://schemas.microsoft.com/office/drawing/2014/main" id="{23686CD6-2E27-4BA8-A0AA-667973201185}"/>
+                <a16:creationId xmlns:a16="http://schemas.microsoft.com/office/drawing/2014/main" id="{CA4CB419-1E48-4285-9B7C-6C8EBC4E9139}"/>
               </a:ext>
             </a:extLst>
           </p:cNvPr>
@@ -7007,40 +8273,67 @@
         <p:txBody>
           <a:bodyPr/>
           <a:lstStyle/>
+          <a:p>
+            <a:r>
+              <a:rPr lang="en-US" dirty="0"/>
+              <a:t>In the model of continuous data publishing, the data publisher has previously published</a:t>
+            </a:r>
+          </a:p>
           <a:p>
             <a:pPr marL="0" indent="0">
               <a:buNone/>
             </a:pPr>
             <a:r>
-              <a:rPr lang="de-DE" dirty="0" err="1"/>
-              <a:t>Example</a:t>
-            </a:r>
-            <a:endParaRPr lang="de-DE" dirty="0"/>
-          </a:p>
-          <a:p>
-            <a:r>
-              <a:rPr lang="en-US" i="1" dirty="0"/>
-              <a:t>Example </a:t>
-            </a:r>
-            <a:r>
-              <a:rPr lang="en-US" dirty="0"/>
-              <a:t>6.3. Let Table VIII(a) be the first release </a:t>
-            </a:r>
-            <a:r>
               <a:rPr lang="en-US" i="1" dirty="0"/>
               <a:t>T</a:t>
             </a:r>
             <a:r>
               <a:rPr lang="en-US" dirty="0"/>
-              <a:t>1. Let Table VIII(b) be </a:t>
+              <a:t>1</a:t>
+            </a:r>
+            <a:r>
+              <a:rPr lang="en-US" i="1" dirty="0"/>
+              <a:t>, . . . , Tp</a:t>
+            </a:r>
+            <a:r>
+              <a:rPr lang="en-US" dirty="0"/>
+              <a:t>−1 and now wants to publish </a:t>
+            </a:r>
+            <a:r>
+              <a:rPr lang="en-US" i="1" dirty="0" err="1"/>
+              <a:t>Tp</a:t>
+            </a:r>
+            <a:r>
+              <a:rPr lang="en-US" dirty="0"/>
+              <a:t>, where </a:t>
+            </a:r>
+            <a:r>
+              <a:rPr lang="en-US" i="1" dirty="0" err="1"/>
+              <a:t>Ti</a:t>
+            </a:r>
+            <a:r>
+              <a:rPr lang="en-US" i="1" dirty="0"/>
+              <a:t> </a:t>
+            </a:r>
+            <a:r>
+              <a:rPr lang="en-US" dirty="0"/>
+              <a:t>is an updated release of</a:t>
+            </a:r>
+            <a:r>
+              <a:rPr lang="en-US" i="1" dirty="0"/>
+              <a:t>Ti</a:t>
+            </a:r>
+            <a:r>
+              <a:rPr lang="en-US" dirty="0"/>
+              <a:t>−1 with record insertions and/or deletions. The problem assumes that all </a:t>
             </a:r>
             <a:r>
               <a:rPr lang="en-US" dirty="0" err="1"/>
-              <a:t>thesecond</a:t>
-            </a:r>
-            <a:r>
-              <a:rPr lang="en-US" dirty="0"/>
-              <a:t> release </a:t>
+              <a:t>recordsfor</a:t>
+            </a:r>
+            <a:r>
+              <a:rPr lang="en-US" dirty="0"/>
+              <a:t> the same individual remain the same in all releases. Even though each release</a:t>
             </a:r>
             <a:r>
               <a:rPr lang="en-US" i="1" dirty="0"/>
@@ -7048,137 +8341,40 @@
             </a:r>
             <a:r>
               <a:rPr lang="en-US" dirty="0"/>
-              <a:t>2 after inserting a new record. Both </a:t>
+              <a:t>1</a:t>
             </a:r>
             <a:r>
               <a:rPr lang="en-US" i="1" dirty="0"/>
-              <a:t>T</a:t>
-            </a:r>
-            <a:r>
-              <a:rPr lang="en-US" dirty="0"/>
-              <a:t>1 and </a:t>
+              <a:t>, . . . , </a:t>
+            </a:r>
+            <a:r>
+              <a:rPr lang="en-US" i="1" dirty="0" err="1"/>
+              <a:t>Tp</a:t>
             </a:r>
             <a:r>
               <a:rPr lang="en-US" i="1" dirty="0"/>
-              <a:t>T</a:t>
-            </a:r>
-            <a:r>
-              <a:rPr lang="en-US" dirty="0"/>
-              <a:t>2 satisfy 2-diversity </a:t>
+              <a:t> </a:t>
+            </a:r>
+            <a:r>
+              <a:rPr lang="en-US" dirty="0"/>
+              <a:t>is individually anonymous, the privacy requirement could be </a:t>
             </a:r>
             <a:r>
               <a:rPr lang="en-US" dirty="0" err="1"/>
-              <a:t>independently.Suppose</a:t>
-            </a:r>
-            <a:r>
-              <a:rPr lang="en-US" dirty="0"/>
-              <a:t> the attacker knows that a female lawyer, Alice, has a record in </a:t>
-            </a:r>
-            <a:r>
-              <a:rPr lang="en-US" i="1" dirty="0"/>
-              <a:t>T</a:t>
-            </a:r>
-            <a:r>
-              <a:rPr lang="en-US" dirty="0"/>
-              <a:t>2but not in </a:t>
-            </a:r>
-            <a:r>
-              <a:rPr lang="en-US" i="1" dirty="0"/>
-              <a:t>T</a:t>
-            </a:r>
-            <a:r>
-              <a:rPr lang="en-US" dirty="0"/>
-              <a:t>1, based on the timestamp that Alice was admitted to a hospital. From </a:t>
-            </a:r>
-            <a:r>
-              <a:rPr lang="en-US" i="1" dirty="0"/>
-              <a:t>T</a:t>
-            </a:r>
-            <a:r>
-              <a:rPr lang="en-US" dirty="0"/>
-              <a:t>2,the attacker can infer that Alice must have contracted either </a:t>
-            </a:r>
-            <a:r>
-              <a:rPr lang="en-US" i="1" dirty="0"/>
-              <a:t>Flu</a:t>
-            </a:r>
-            <a:r>
-              <a:rPr lang="en-US" dirty="0"/>
-              <a:t>, </a:t>
-            </a:r>
-            <a:r>
-              <a:rPr lang="en-US" i="1" dirty="0"/>
-              <a:t>Fever</a:t>
-            </a:r>
-            <a:r>
-              <a:rPr lang="en-US" dirty="0"/>
-              <a:t>, or </a:t>
-            </a:r>
-            <a:r>
-              <a:rPr lang="en-US" i="1" dirty="0"/>
-              <a:t>HIV</a:t>
-            </a:r>
-            <a:r>
-              <a:rPr lang="en-US" dirty="0"/>
-              <a:t>. </a:t>
-            </a:r>
-            <a:r>
-              <a:rPr lang="en-US" dirty="0" err="1"/>
-              <a:t>Bycomparing</a:t>
-            </a:r>
-            <a:r>
-              <a:rPr lang="en-US" dirty="0"/>
-              <a:t> </a:t>
-            </a:r>
-            <a:r>
-              <a:rPr lang="en-US" i="1" dirty="0"/>
-              <a:t>T</a:t>
-            </a:r>
-            <a:r>
-              <a:rPr lang="en-US" dirty="0"/>
-              <a:t>2 with </a:t>
-            </a:r>
-            <a:r>
-              <a:rPr lang="en-US" i="1" dirty="0"/>
-              <a:t>T</a:t>
-            </a:r>
-            <a:r>
-              <a:rPr lang="en-US" dirty="0"/>
-              <a:t>1, the attacker can identify that the first two records in </a:t>
-            </a:r>
-            <a:r>
-              <a:rPr lang="en-US" i="1" dirty="0"/>
-              <a:t>T</a:t>
-            </a:r>
-            <a:r>
-              <a:rPr lang="en-US" dirty="0"/>
-              <a:t>2 </a:t>
-            </a:r>
-            <a:r>
-              <a:rPr lang="en-US" dirty="0" err="1"/>
-              <a:t>mustbe</a:t>
-            </a:r>
-            <a:r>
-              <a:rPr lang="en-US" dirty="0"/>
-              <a:t> old records from </a:t>
-            </a:r>
-            <a:r>
-              <a:rPr lang="en-US" i="1" dirty="0"/>
-              <a:t>T</a:t>
-            </a:r>
-            <a:r>
-              <a:rPr lang="en-US" dirty="0"/>
-              <a:t>1 and, thus, infer that Alice must have contracted </a:t>
-            </a:r>
-            <a:r>
-              <a:rPr lang="en-US" i="1" dirty="0"/>
-              <a:t>HIV</a:t>
-            </a:r>
-            <a:r>
-              <a:rPr lang="en-US" dirty="0"/>
+              <a:t>compromisedby</a:t>
+            </a:r>
+            <a:r>
+              <a:rPr lang="en-US" dirty="0"/>
+              <a:t> comparing different releases and eliminating some possible sensitive values for a</a:t>
+            </a:r>
+            <a:r>
+              <a:rPr lang="de-DE" dirty="0" err="1"/>
+              <a:t>victim</a:t>
+            </a:r>
+            <a:r>
+              <a:rPr lang="de-DE" dirty="0"/>
               <a:t>.</a:t>
             </a:r>
-            <a:endParaRPr lang="de-DE" dirty="0"/>
           </a:p>
         </p:txBody>
       </p:sp>
@@ -7187,7 +8383,7 @@
           <p:cNvPr id="6" name="Foliennummernplatzhalter 5">
             <a:extLst>
               <a:ext uri="{FF2B5EF4-FFF2-40B4-BE49-F238E27FC236}">
-                <a16:creationId xmlns:a16="http://schemas.microsoft.com/office/drawing/2014/main" id="{93A7E9D4-E06A-41FC-993E-12101300288F}"/>
+                <a16:creationId xmlns:a16="http://schemas.microsoft.com/office/drawing/2014/main" id="{A33B597C-BFBC-47FC-A8ED-C28E6FC10AED}"/>
               </a:ext>
             </a:extLst>
           </p:cNvPr>
@@ -7220,7 +8416,7 @@
     </p:spTree>
     <p:extLst>
       <p:ext uri="{BB962C8B-B14F-4D97-AF65-F5344CB8AC3E}">
-        <p14:creationId xmlns:p14="http://schemas.microsoft.com/office/powerpoint/2010/main" val="3590099776"/>
+        <p14:creationId xmlns:p14="http://schemas.microsoft.com/office/powerpoint/2010/main" val="3119424548"/>
       </p:ext>
     </p:extLst>
   </p:cSld>
@@ -7531,7 +8727,7 @@
           <p:cNvPr id="2" name="Titel 1">
             <a:extLst>
               <a:ext uri="{FF2B5EF4-FFF2-40B4-BE49-F238E27FC236}">
-                <a16:creationId xmlns:a16="http://schemas.microsoft.com/office/drawing/2014/main" id="{E409B5AD-9023-4577-80E9-CDB25B8FBD5F}"/>
+                <a16:creationId xmlns:a16="http://schemas.microsoft.com/office/drawing/2014/main" id="{A081F97E-62E3-427F-A641-E682BB8CB112}"/>
               </a:ext>
             </a:extLst>
           </p:cNvPr>
@@ -7553,8 +8749,12 @@
           <a:lstStyle/>
           <a:p>
             <a:r>
+              <a:rPr lang="de-DE" b="1" dirty="0" err="1"/>
+              <a:t>Continuous</a:t>
+            </a:r>
+            <a:r>
               <a:rPr lang="de-DE" b="1" dirty="0"/>
-              <a:t>6.4. Collaborative Data Publishing -</a:t>
+              <a:t> Data Publishing -</a:t>
             </a:r>
             <a:endParaRPr lang="de-DE" dirty="0"/>
           </a:p>
@@ -7565,7 +8765,7 @@
           <p:cNvPr id="3" name="Datumsplatzhalter 2">
             <a:extLst>
               <a:ext uri="{FF2B5EF4-FFF2-40B4-BE49-F238E27FC236}">
-                <a16:creationId xmlns:a16="http://schemas.microsoft.com/office/drawing/2014/main" id="{862D45DF-953B-440C-8392-F79536D74077}"/>
+                <a16:creationId xmlns:a16="http://schemas.microsoft.com/office/drawing/2014/main" id="{82022DD0-D3BB-4BAC-84BB-517F888560CE}"/>
               </a:ext>
             </a:extLst>
           </p:cNvPr>
@@ -7599,7 +8799,7 @@
           <p:cNvPr id="4" name="Fußzeilenplatzhalter 3">
             <a:extLst>
               <a:ext uri="{FF2B5EF4-FFF2-40B4-BE49-F238E27FC236}">
-                <a16:creationId xmlns:a16="http://schemas.microsoft.com/office/drawing/2014/main" id="{363CAF52-DCB5-4A4D-9FC3-D6124547A09B}"/>
+                <a16:creationId xmlns:a16="http://schemas.microsoft.com/office/drawing/2014/main" id="{3BDE4202-8DBD-4915-BBCE-5EAFAEB90245}"/>
               </a:ext>
             </a:extLst>
           </p:cNvPr>
@@ -7633,7 +8833,7 @@
           <p:cNvPr id="5" name="Textplatzhalter 4">
             <a:extLst>
               <a:ext uri="{FF2B5EF4-FFF2-40B4-BE49-F238E27FC236}">
-                <a16:creationId xmlns:a16="http://schemas.microsoft.com/office/drawing/2014/main" id="{DEFD85B4-EAA6-4214-96BE-BB8640E173D4}"/>
+                <a16:creationId xmlns:a16="http://schemas.microsoft.com/office/drawing/2014/main" id="{23686CD6-2E27-4BA8-A0AA-667973201185}"/>
               </a:ext>
             </a:extLst>
           </p:cNvPr>
@@ -7649,170 +8849,177 @@
           <a:bodyPr/>
           <a:lstStyle/>
           <a:p>
-            <a:r>
-              <a:rPr lang="en-US" dirty="0"/>
-              <a:t>So far, we have considered only a single data publisher. In real-life data </a:t>
+            <a:pPr marL="0" indent="0">
+              <a:buNone/>
+            </a:pPr>
+            <a:r>
+              <a:rPr lang="de-DE" dirty="0" err="1"/>
+              <a:t>Example</a:t>
+            </a:r>
+            <a:endParaRPr lang="de-DE" dirty="0"/>
+          </a:p>
+          <a:p>
+            <a:r>
+              <a:rPr lang="en-US" i="1" dirty="0"/>
+              <a:t>Example </a:t>
+            </a:r>
+            <a:r>
+              <a:rPr lang="en-US" dirty="0"/>
+              <a:t>6.3. Let Table VIII(a) be the first release </a:t>
+            </a:r>
+            <a:r>
+              <a:rPr lang="en-US" i="1" dirty="0"/>
+              <a:t>T</a:t>
+            </a:r>
+            <a:r>
+              <a:rPr lang="en-US" dirty="0"/>
+              <a:t>1. Let Table VIII(b) be </a:t>
             </a:r>
             <a:r>
               <a:rPr lang="en-US" dirty="0" err="1"/>
-              <a:t>publishing,a</a:t>
-            </a:r>
-            <a:r>
-              <a:rPr lang="en-US" dirty="0"/>
-              <a:t> single organization often does not hold the complete data. Organizations need </a:t>
+              <a:t>thesecond</a:t>
+            </a:r>
+            <a:r>
+              <a:rPr lang="en-US" dirty="0"/>
+              <a:t> release </a:t>
+            </a:r>
+            <a:r>
+              <a:rPr lang="en-US" i="1" dirty="0"/>
+              <a:t>T</a:t>
+            </a:r>
+            <a:r>
+              <a:rPr lang="en-US" dirty="0"/>
+              <a:t>2 after inserting a new record. Both </a:t>
+            </a:r>
+            <a:r>
+              <a:rPr lang="en-US" i="1" dirty="0"/>
+              <a:t>T</a:t>
+            </a:r>
+            <a:r>
+              <a:rPr lang="en-US" dirty="0"/>
+              <a:t>1 and </a:t>
+            </a:r>
+            <a:r>
+              <a:rPr lang="en-US" i="1" dirty="0"/>
+              <a:t>T</a:t>
+            </a:r>
+            <a:r>
+              <a:rPr lang="en-US" dirty="0"/>
+              <a:t>2 satisfy 2-diversity </a:t>
             </a:r>
             <a:r>
               <a:rPr lang="en-US" dirty="0" err="1"/>
-              <a:t>toshare</a:t>
-            </a:r>
-            <a:r>
-              <a:rPr lang="en-US" dirty="0"/>
-              <a:t> data for mutual benefits or for publishing to a third party. For example, </a:t>
+              <a:t>independently.Suppose</a:t>
+            </a:r>
+            <a:r>
+              <a:rPr lang="en-US" dirty="0"/>
+              <a:t> the attacker knows that a female lawyer, Alice, has a record in </a:t>
+            </a:r>
+            <a:r>
+              <a:rPr lang="en-US" i="1" dirty="0"/>
+              <a:t>T</a:t>
+            </a:r>
+            <a:r>
+              <a:rPr lang="en-US" dirty="0"/>
+              <a:t>2but not in </a:t>
+            </a:r>
+            <a:r>
+              <a:rPr lang="en-US" i="1" dirty="0"/>
+              <a:t>T</a:t>
+            </a:r>
+            <a:r>
+              <a:rPr lang="en-US" dirty="0"/>
+              <a:t>1, based on the timestamp that Alice was admitted to a hospital. From </a:t>
+            </a:r>
+            <a:r>
+              <a:rPr lang="en-US" i="1" dirty="0"/>
+              <a:t>T</a:t>
+            </a:r>
+            <a:r>
+              <a:rPr lang="en-US" dirty="0"/>
+              <a:t>2,the attacker can infer that Alice must have contracted either </a:t>
+            </a:r>
+            <a:r>
+              <a:rPr lang="en-US" i="1" dirty="0"/>
+              <a:t>Flu</a:t>
+            </a:r>
+            <a:r>
+              <a:rPr lang="en-US" dirty="0"/>
+              <a:t>, </a:t>
+            </a:r>
+            <a:r>
+              <a:rPr lang="en-US" i="1" dirty="0"/>
+              <a:t>Fever</a:t>
+            </a:r>
+            <a:r>
+              <a:rPr lang="en-US" dirty="0"/>
+              <a:t>, or </a:t>
+            </a:r>
+            <a:r>
+              <a:rPr lang="en-US" i="1" dirty="0"/>
+              <a:t>HIV</a:t>
+            </a:r>
+            <a:r>
+              <a:rPr lang="en-US" dirty="0"/>
+              <a:t>. </a:t>
             </a:r>
             <a:r>
               <a:rPr lang="en-US" dirty="0" err="1"/>
-              <a:t>twocredit</a:t>
-            </a:r>
-            <a:r>
-              <a:rPr lang="en-US" dirty="0"/>
-              <a:t> card companies want to integrate their customer data for developing a </a:t>
+              <a:t>Bycomparing</a:t>
+            </a:r>
+            <a:r>
+              <a:rPr lang="en-US" dirty="0"/>
+              <a:t> </a:t>
+            </a:r>
+            <a:r>
+              <a:rPr lang="en-US" i="1" dirty="0"/>
+              <a:t>T</a:t>
+            </a:r>
+            <a:r>
+              <a:rPr lang="en-US" dirty="0"/>
+              <a:t>2 with </a:t>
+            </a:r>
+            <a:r>
+              <a:rPr lang="en-US" i="1" dirty="0"/>
+              <a:t>T</a:t>
+            </a:r>
+            <a:r>
+              <a:rPr lang="en-US" dirty="0"/>
+              <a:t>1, the attacker can identify that the first two records in </a:t>
+            </a:r>
+            <a:r>
+              <a:rPr lang="en-US" i="1" dirty="0"/>
+              <a:t>T</a:t>
+            </a:r>
+            <a:r>
+              <a:rPr lang="en-US" dirty="0"/>
+              <a:t>2 </a:t>
             </a:r>
             <a:r>
               <a:rPr lang="en-US" dirty="0" err="1"/>
-              <a:t>frauddetectionsystem</a:t>
-            </a:r>
-            <a:r>
-              <a:rPr lang="en-US" dirty="0"/>
-              <a:t> or for publishing to a bank. However, the credit card companies </a:t>
-            </a:r>
-            <a:r>
-              <a:rPr lang="en-US" dirty="0" err="1"/>
-              <a:t>donot</a:t>
-            </a:r>
-            <a:r>
-              <a:rPr lang="en-US" dirty="0"/>
-              <a:t> want to indiscriminately disclose their data to each other or to the bank for </a:t>
-            </a:r>
-            <a:r>
-              <a:rPr lang="en-US" dirty="0" err="1"/>
-              <a:t>reasonssuch</a:t>
-            </a:r>
-            <a:r>
-              <a:rPr lang="en-US" dirty="0"/>
-              <a:t> as privacy protection and business competitiveness. Figure 4 depicts </a:t>
-            </a:r>
-            <a:r>
-              <a:rPr lang="en-US" dirty="0" err="1"/>
-              <a:t>thisscenario</a:t>
-            </a:r>
-            <a:r>
-              <a:rPr lang="en-US" dirty="0"/>
-              <a:t>, called </a:t>
+              <a:t>mustbe</a:t>
+            </a:r>
+            <a:r>
+              <a:rPr lang="en-US" dirty="0"/>
+              <a:t> old records from </a:t>
             </a:r>
             <a:r>
               <a:rPr lang="en-US" i="1" dirty="0"/>
-              <a:t>collaborative data publishing</a:t>
-            </a:r>
-            <a:r>
-              <a:rPr lang="en-US" dirty="0"/>
-              <a:t>, where several data publishers own </a:t>
-            </a:r>
-            <a:r>
-              <a:rPr lang="en-US" dirty="0" err="1"/>
-              <a:t>differentsets</a:t>
-            </a:r>
-            <a:r>
-              <a:rPr lang="en-US" dirty="0"/>
-              <a:t> of attributes on the same set of records and want to publish the </a:t>
-            </a:r>
-            <a:r>
-              <a:rPr lang="en-US" dirty="0" err="1"/>
-              <a:t>integrateddata</a:t>
-            </a:r>
-            <a:r>
-              <a:rPr lang="en-US" dirty="0"/>
-              <a:t> on all attributes. Say, publisher 1 owns {</a:t>
-            </a:r>
-            <a:r>
-              <a:rPr lang="en-US" i="1" dirty="0" err="1"/>
-              <a:t>RecID</a:t>
+              <a:t>T</a:t>
+            </a:r>
+            <a:r>
+              <a:rPr lang="en-US" dirty="0"/>
+              <a:t>1 and, thus, infer that Alice must have contracted </a:t>
             </a:r>
             <a:r>
               <a:rPr lang="en-US" i="1" dirty="0"/>
-              <a:t>, Job, Sex, Age</a:t>
-            </a:r>
-            <a:r>
-              <a:rPr lang="en-US" dirty="0"/>
-              <a:t>}, and publisher 2owns {</a:t>
-            </a:r>
-            <a:r>
-              <a:rPr lang="en-US" i="1" dirty="0" err="1"/>
-              <a:t>RecID</a:t>
-            </a:r>
-            <a:r>
-              <a:rPr lang="en-US" i="1" dirty="0"/>
-              <a:t>, Salary, Disease</a:t>
-            </a:r>
-            <a:r>
-              <a:rPr lang="en-US" dirty="0"/>
-              <a:t>}, where </a:t>
-            </a:r>
-            <a:r>
-              <a:rPr lang="en-US" i="1" dirty="0" err="1"/>
-              <a:t>RecID</a:t>
-            </a:r>
-            <a:r>
-              <a:rPr lang="en-US" dirty="0"/>
-              <a:t>, such as the </a:t>
-            </a:r>
-            <a:r>
-              <a:rPr lang="en-US" i="1" dirty="0"/>
-              <a:t>SSN</a:t>
-            </a:r>
-            <a:r>
-              <a:rPr lang="en-US" dirty="0"/>
-              <a:t>, is the record </a:t>
-            </a:r>
-            <a:r>
-              <a:rPr lang="en-US" dirty="0" err="1"/>
-              <a:t>identifiershared</a:t>
-            </a:r>
-            <a:r>
-              <a:rPr lang="en-US" dirty="0"/>
-              <a:t> by all data publishers. They want to publish an integrated </a:t>
-            </a:r>
-            <a:r>
-              <a:rPr lang="en-US" i="1" dirty="0"/>
-              <a:t>k</a:t>
-            </a:r>
-            <a:r>
-              <a:rPr lang="en-US" dirty="0"/>
-              <a:t>-anonymous </a:t>
-            </a:r>
-            <a:r>
-              <a:rPr lang="en-US" dirty="0" err="1"/>
-              <a:t>tableon</a:t>
-            </a:r>
-            <a:r>
-              <a:rPr lang="en-US" dirty="0"/>
-              <a:t> all attributes. Also, no data publisher should learn more specific information, owned</a:t>
-            </a:r>
-          </a:p>
-          <a:p>
-            <a:r>
-              <a:rPr lang="en-US" dirty="0"/>
-              <a:t>by the other data publishers, than the information that appears in the final integrated</a:t>
-            </a:r>
-          </a:p>
-          <a:p>
-            <a:r>
-              <a:rPr lang="de-DE" dirty="0" err="1"/>
-              <a:t>table</a:t>
-            </a:r>
-            <a:r>
-              <a:rPr lang="de-DE" dirty="0"/>
+              <a:t>HIV</a:t>
+            </a:r>
+            <a:r>
+              <a:rPr lang="en-US" dirty="0"/>
               <a:t>.</a:t>
             </a:r>
+            <a:endParaRPr lang="de-DE" dirty="0"/>
           </a:p>
         </p:txBody>
       </p:sp>
@@ -7821,7 +9028,7 @@
           <p:cNvPr id="6" name="Foliennummernplatzhalter 5">
             <a:extLst>
               <a:ext uri="{FF2B5EF4-FFF2-40B4-BE49-F238E27FC236}">
-                <a16:creationId xmlns:a16="http://schemas.microsoft.com/office/drawing/2014/main" id="{2AF4F23A-5C6F-4187-AD19-8C0F68B37EB1}"/>
+                <a16:creationId xmlns:a16="http://schemas.microsoft.com/office/drawing/2014/main" id="{93A7E9D4-E06A-41FC-993E-12101300288F}"/>
               </a:ext>
             </a:extLst>
           </p:cNvPr>
@@ -7854,7 +9061,7 @@
     </p:spTree>
     <p:extLst>
       <p:ext uri="{BB962C8B-B14F-4D97-AF65-F5344CB8AC3E}">
-        <p14:creationId xmlns:p14="http://schemas.microsoft.com/office/powerpoint/2010/main" val="634117143"/>
+        <p14:creationId xmlns:p14="http://schemas.microsoft.com/office/powerpoint/2010/main" val="3590099776"/>
       </p:ext>
     </p:extLst>
   </p:cSld>
@@ -7886,7 +9093,7 @@
           <p:cNvPr id="2" name="Titel 1">
             <a:extLst>
               <a:ext uri="{FF2B5EF4-FFF2-40B4-BE49-F238E27FC236}">
-                <a16:creationId xmlns:a16="http://schemas.microsoft.com/office/drawing/2014/main" id="{8630F9EE-799A-4FBC-BDC9-BBCD9F117865}"/>
+                <a16:creationId xmlns:a16="http://schemas.microsoft.com/office/drawing/2014/main" id="{E409B5AD-9023-4577-80E9-CDB25B8FBD5F}"/>
               </a:ext>
             </a:extLst>
           </p:cNvPr>
@@ -7909,7 +9116,7 @@
           <a:p>
             <a:r>
               <a:rPr lang="de-DE" b="1" dirty="0"/>
-              <a:t>High-Dimensional Transaction Data</a:t>
+              <a:t>6.4. Collaborative Data Publishing -</a:t>
             </a:r>
             <a:endParaRPr lang="de-DE" dirty="0"/>
           </a:p>
@@ -7920,7 +9127,7 @@
           <p:cNvPr id="3" name="Datumsplatzhalter 2">
             <a:extLst>
               <a:ext uri="{FF2B5EF4-FFF2-40B4-BE49-F238E27FC236}">
-                <a16:creationId xmlns:a16="http://schemas.microsoft.com/office/drawing/2014/main" id="{2024E019-E637-42FA-954A-B2746B57FA3E}"/>
+                <a16:creationId xmlns:a16="http://schemas.microsoft.com/office/drawing/2014/main" id="{862D45DF-953B-440C-8392-F79536D74077}"/>
               </a:ext>
             </a:extLst>
           </p:cNvPr>
@@ -7954,7 +9161,7 @@
           <p:cNvPr id="4" name="Fußzeilenplatzhalter 3">
             <a:extLst>
               <a:ext uri="{FF2B5EF4-FFF2-40B4-BE49-F238E27FC236}">
-                <a16:creationId xmlns:a16="http://schemas.microsoft.com/office/drawing/2014/main" id="{11871A7E-DE7F-4B04-A79B-7559FABD8314}"/>
+                <a16:creationId xmlns:a16="http://schemas.microsoft.com/office/drawing/2014/main" id="{363CAF52-DCB5-4A4D-9FC3-D6124547A09B}"/>
               </a:ext>
             </a:extLst>
           </p:cNvPr>
@@ -7988,7 +9195,7 @@
           <p:cNvPr id="5" name="Textplatzhalter 4">
             <a:extLst>
               <a:ext uri="{FF2B5EF4-FFF2-40B4-BE49-F238E27FC236}">
-                <a16:creationId xmlns:a16="http://schemas.microsoft.com/office/drawing/2014/main" id="{17162768-F447-417D-8E83-B270B3CE3A5D}"/>
+                <a16:creationId xmlns:a16="http://schemas.microsoft.com/office/drawing/2014/main" id="{DEFD85B4-EAA6-4214-96BE-BB8640E173D4}"/>
               </a:ext>
             </a:extLst>
           </p:cNvPr>
@@ -8005,32 +9212,136 @@
           <a:lstStyle/>
           <a:p>
             <a:r>
-              <a:rPr lang="de-DE" dirty="0" err="1"/>
-              <a:t>Aol</a:t>
-            </a:r>
-            <a:r>
-              <a:rPr lang="de-DE" dirty="0"/>
-              <a:t> </a:t>
-            </a:r>
-            <a:r>
-              <a:rPr lang="de-DE" dirty="0" err="1"/>
-              <a:t>example</a:t>
-            </a:r>
-            <a:r>
-              <a:rPr lang="de-DE" dirty="0"/>
-              <a:t> </a:t>
-            </a:r>
-            <a:r>
-              <a:rPr lang="en-US" dirty="0"/>
-              <a:t>Transaction data is usually high-dimensional. For example, Amazon.com has several million catalog items. Each dimension could be a potential </a:t>
+              <a:rPr lang="en-US" dirty="0"/>
+              <a:t>So far, we have considered only a single data publisher. In real-life data </a:t>
+            </a:r>
+            <a:r>
+              <a:rPr lang="en-US" dirty="0" err="1"/>
+              <a:t>publishing,a</a:t>
+            </a:r>
+            <a:r>
+              <a:rPr lang="en-US" dirty="0"/>
+              <a:t> single organization often does not hold the complete data. Organizations need </a:t>
+            </a:r>
+            <a:r>
+              <a:rPr lang="en-US" dirty="0" err="1"/>
+              <a:t>toshare</a:t>
+            </a:r>
+            <a:r>
+              <a:rPr lang="en-US" dirty="0"/>
+              <a:t> data for mutual benefits or for publishing to a third party. For example, </a:t>
+            </a:r>
+            <a:r>
+              <a:rPr lang="en-US" dirty="0" err="1"/>
+              <a:t>twocredit</a:t>
+            </a:r>
+            <a:r>
+              <a:rPr lang="en-US" dirty="0"/>
+              <a:t> card companies want to integrate their customer data for developing a </a:t>
+            </a:r>
+            <a:r>
+              <a:rPr lang="en-US" dirty="0" err="1"/>
+              <a:t>frauddetectionsystem</a:t>
+            </a:r>
+            <a:r>
+              <a:rPr lang="en-US" dirty="0"/>
+              <a:t> or for publishing to a bank. However, the credit card companies </a:t>
+            </a:r>
+            <a:r>
+              <a:rPr lang="en-US" dirty="0" err="1"/>
+              <a:t>donot</a:t>
+            </a:r>
+            <a:r>
+              <a:rPr lang="en-US" dirty="0"/>
+              <a:t> want to indiscriminately disclose their data to each other or to the bank for </a:t>
+            </a:r>
+            <a:r>
+              <a:rPr lang="en-US" dirty="0" err="1"/>
+              <a:t>reasonssuch</a:t>
+            </a:r>
+            <a:r>
+              <a:rPr lang="en-US" dirty="0"/>
+              <a:t> as privacy protection and business competitiveness. Figure 4 depicts </a:t>
+            </a:r>
+            <a:r>
+              <a:rPr lang="en-US" dirty="0" err="1"/>
+              <a:t>thisscenario</a:t>
+            </a:r>
+            <a:r>
+              <a:rPr lang="en-US" dirty="0"/>
+              <a:t>, called </a:t>
             </a:r>
             <a:r>
               <a:rPr lang="en-US" i="1" dirty="0"/>
-              <a:t>QID </a:t>
-            </a:r>
-            <a:r>
-              <a:rPr lang="en-US" dirty="0"/>
-              <a:t>attribute used for record or attribute linkages; therefore, employing traditional privacy models, such as </a:t>
+              <a:t>collaborative data publishing</a:t>
+            </a:r>
+            <a:r>
+              <a:rPr lang="en-US" dirty="0"/>
+              <a:t>, where several data publishers own </a:t>
+            </a:r>
+            <a:r>
+              <a:rPr lang="en-US" dirty="0" err="1"/>
+              <a:t>differentsets</a:t>
+            </a:r>
+            <a:r>
+              <a:rPr lang="en-US" dirty="0"/>
+              <a:t> of attributes on the same set of records and want to publish the </a:t>
+            </a:r>
+            <a:r>
+              <a:rPr lang="en-US" dirty="0" err="1"/>
+              <a:t>integrateddata</a:t>
+            </a:r>
+            <a:r>
+              <a:rPr lang="en-US" dirty="0"/>
+              <a:t> on all attributes. Say, publisher 1 owns {</a:t>
+            </a:r>
+            <a:r>
+              <a:rPr lang="en-US" i="1" dirty="0" err="1"/>
+              <a:t>RecID</a:t>
+            </a:r>
+            <a:r>
+              <a:rPr lang="en-US" i="1" dirty="0"/>
+              <a:t>, Job, Sex, Age</a:t>
+            </a:r>
+            <a:r>
+              <a:rPr lang="en-US" dirty="0"/>
+              <a:t>}, and publisher 2owns {</a:t>
+            </a:r>
+            <a:r>
+              <a:rPr lang="en-US" i="1" dirty="0" err="1"/>
+              <a:t>RecID</a:t>
+            </a:r>
+            <a:r>
+              <a:rPr lang="en-US" i="1" dirty="0"/>
+              <a:t>, Salary, Disease</a:t>
+            </a:r>
+            <a:r>
+              <a:rPr lang="en-US" dirty="0"/>
+              <a:t>}, where </a:t>
+            </a:r>
+            <a:r>
+              <a:rPr lang="en-US" i="1" dirty="0" err="1"/>
+              <a:t>RecID</a:t>
+            </a:r>
+            <a:r>
+              <a:rPr lang="en-US" dirty="0"/>
+              <a:t>, such as the </a:t>
+            </a:r>
+            <a:r>
+              <a:rPr lang="en-US" i="1" dirty="0"/>
+              <a:t>SSN</a:t>
+            </a:r>
+            <a:r>
+              <a:rPr lang="en-US" dirty="0"/>
+              <a:t>, is the record </a:t>
+            </a:r>
+            <a:r>
+              <a:rPr lang="en-US" dirty="0" err="1"/>
+              <a:t>identifiershared</a:t>
+            </a:r>
+            <a:r>
+              <a:rPr lang="en-US" dirty="0"/>
+              <a:t> by all data publishers. They want to publish an integrated </a:t>
             </a:r>
             <a:r>
               <a:rPr lang="en-US" i="1" dirty="0"/>
@@ -8038,33 +9349,32 @@
             </a:r>
             <a:r>
               <a:rPr lang="en-US" dirty="0"/>
-              <a:t>-anonymity, would require including all dimensions into a single </a:t>
-            </a:r>
-            <a:r>
-              <a:rPr lang="en-US" i="1" dirty="0"/>
-              <a:t>QID</a:t>
-            </a:r>
-            <a:r>
-              <a:rPr lang="en-US" dirty="0"/>
-              <a:t>. Due to the curse of high-dimensionality [Aggarwal 2005], it is very likely that lots of data has to be suppressed or generalized to the top-most values in order to satisfy </a:t>
-            </a:r>
-            <a:r>
-              <a:rPr lang="en-US" i="1" dirty="0"/>
-              <a:t>k</a:t>
-            </a:r>
-            <a:r>
-              <a:rPr lang="en-US" dirty="0"/>
-              <a:t>-anonymity, even if </a:t>
-            </a:r>
-            <a:r>
-              <a:rPr lang="en-US" i="1" dirty="0"/>
-              <a:t>k </a:t>
-            </a:r>
-            <a:r>
-              <a:rPr lang="en-US" dirty="0"/>
-              <a:t>is small. Obviously, such anonymous data is useless for data analysis.</a:t>
-            </a:r>
-            <a:endParaRPr lang="de-DE" dirty="0"/>
+              <a:t>-anonymous </a:t>
+            </a:r>
+            <a:r>
+              <a:rPr lang="en-US" dirty="0" err="1"/>
+              <a:t>tableon</a:t>
+            </a:r>
+            <a:r>
+              <a:rPr lang="en-US" dirty="0"/>
+              <a:t> all attributes. Also, no data publisher should learn more specific information, owned</a:t>
+            </a:r>
+          </a:p>
+          <a:p>
+            <a:r>
+              <a:rPr lang="en-US" dirty="0"/>
+              <a:t>by the other data publishers, than the information that appears in the final integrated</a:t>
+            </a:r>
+          </a:p>
+          <a:p>
+            <a:r>
+              <a:rPr lang="de-DE" dirty="0" err="1"/>
+              <a:t>table</a:t>
+            </a:r>
+            <a:r>
+              <a:rPr lang="de-DE" dirty="0"/>
+              <a:t>.</a:t>
+            </a:r>
           </a:p>
         </p:txBody>
       </p:sp>
@@ -8073,7 +9383,7 @@
           <p:cNvPr id="6" name="Foliennummernplatzhalter 5">
             <a:extLst>
               <a:ext uri="{FF2B5EF4-FFF2-40B4-BE49-F238E27FC236}">
-                <a16:creationId xmlns:a16="http://schemas.microsoft.com/office/drawing/2014/main" id="{1F7C9EDA-B921-4D19-B054-284FFDECB071}"/>
+                <a16:creationId xmlns:a16="http://schemas.microsoft.com/office/drawing/2014/main" id="{2AF4F23A-5C6F-4187-AD19-8C0F68B37EB1}"/>
               </a:ext>
             </a:extLst>
           </p:cNvPr>
@@ -8106,7 +9416,7 @@
     </p:spTree>
     <p:extLst>
       <p:ext uri="{BB962C8B-B14F-4D97-AF65-F5344CB8AC3E}">
-        <p14:creationId xmlns:p14="http://schemas.microsoft.com/office/powerpoint/2010/main" val="1473261035"/>
+        <p14:creationId xmlns:p14="http://schemas.microsoft.com/office/powerpoint/2010/main" val="634117143"/>
       </p:ext>
     </p:extLst>
   </p:cSld>
@@ -8138,7 +9448,7 @@
           <p:cNvPr id="2" name="Titel 1">
             <a:extLst>
               <a:ext uri="{FF2B5EF4-FFF2-40B4-BE49-F238E27FC236}">
-                <a16:creationId xmlns:a16="http://schemas.microsoft.com/office/drawing/2014/main" id="{DD780236-DFF8-4429-AD46-A0D4B640B608}"/>
+                <a16:creationId xmlns:a16="http://schemas.microsoft.com/office/drawing/2014/main" id="{8630F9EE-799A-4FBC-BDC9-BBCD9F117865}"/>
               </a:ext>
             </a:extLst>
           </p:cNvPr>
@@ -8160,10 +9470,10 @@
           <a:lstStyle/>
           <a:p>
             <a:r>
-              <a:rPr lang="de-DE" b="1"/>
+              <a:rPr lang="de-DE" b="1" dirty="0"/>
               <a:t>High-Dimensional Transaction Data</a:t>
             </a:r>
-            <a:endParaRPr lang="de-DE"/>
+            <a:endParaRPr lang="de-DE" dirty="0"/>
           </a:p>
         </p:txBody>
       </p:sp>
@@ -8172,7 +9482,7 @@
           <p:cNvPr id="3" name="Datumsplatzhalter 2">
             <a:extLst>
               <a:ext uri="{FF2B5EF4-FFF2-40B4-BE49-F238E27FC236}">
-                <a16:creationId xmlns:a16="http://schemas.microsoft.com/office/drawing/2014/main" id="{69419E86-0E9E-4216-B427-413C6BA3C0D7}"/>
+                <a16:creationId xmlns:a16="http://schemas.microsoft.com/office/drawing/2014/main" id="{2024E019-E637-42FA-954A-B2746B57FA3E}"/>
               </a:ext>
             </a:extLst>
           </p:cNvPr>
@@ -8206,7 +9516,7 @@
           <p:cNvPr id="4" name="Fußzeilenplatzhalter 3">
             <a:extLst>
               <a:ext uri="{FF2B5EF4-FFF2-40B4-BE49-F238E27FC236}">
-                <a16:creationId xmlns:a16="http://schemas.microsoft.com/office/drawing/2014/main" id="{212DC528-EE24-4AC3-9EED-1BF090D99EF2}"/>
+                <a16:creationId xmlns:a16="http://schemas.microsoft.com/office/drawing/2014/main" id="{11871A7E-DE7F-4B04-A79B-7559FABD8314}"/>
               </a:ext>
             </a:extLst>
           </p:cNvPr>
@@ -8240,7 +9550,7 @@
           <p:cNvPr id="5" name="Textplatzhalter 4">
             <a:extLst>
               <a:ext uri="{FF2B5EF4-FFF2-40B4-BE49-F238E27FC236}">
-                <a16:creationId xmlns:a16="http://schemas.microsoft.com/office/drawing/2014/main" id="{064D59BE-0376-4E44-A0FE-7031A294F35F}"/>
+                <a16:creationId xmlns:a16="http://schemas.microsoft.com/office/drawing/2014/main" id="{17162768-F447-417D-8E83-B270B3CE3A5D}"/>
               </a:ext>
             </a:extLst>
           </p:cNvPr>
@@ -8256,13 +9566,25 @@
           <a:bodyPr/>
           <a:lstStyle/>
           <a:p>
-            <a:pPr>
-              <a:buFontTx/>
-              <a:buChar char="-"/>
-            </a:pPr>
-            <a:r>
-              <a:rPr lang="en-US" dirty="0"/>
-              <a:t>Each dimension could be a potential </a:t>
+            <a:r>
+              <a:rPr lang="de-DE" dirty="0" err="1"/>
+              <a:t>Aol</a:t>
+            </a:r>
+            <a:r>
+              <a:rPr lang="de-DE" dirty="0"/>
+              <a:t> </a:t>
+            </a:r>
+            <a:r>
+              <a:rPr lang="de-DE" dirty="0" err="1"/>
+              <a:t>example</a:t>
+            </a:r>
+            <a:r>
+              <a:rPr lang="de-DE" dirty="0"/>
+              <a:t> </a:t>
+            </a:r>
+            <a:r>
+              <a:rPr lang="en-US" dirty="0"/>
+              <a:t>Transaction data is usually high-dimensional. For example, Amazon.com has several million catalog items. Each dimension could be a potential </a:t>
             </a:r>
             <a:r>
               <a:rPr lang="en-US" i="1" dirty="0"/>
@@ -8270,78 +9592,42 @@
             </a:r>
             <a:r>
               <a:rPr lang="en-US" dirty="0"/>
-              <a:t>attribute</a:t>
-            </a:r>
-          </a:p>
-          <a:p>
-            <a:pPr>
-              <a:buFontTx/>
-              <a:buChar char="-"/>
-            </a:pPr>
-            <a:r>
-              <a:rPr lang="de-DE" dirty="0" err="1"/>
-              <a:t>Curse</a:t>
-            </a:r>
-            <a:r>
-              <a:rPr lang="de-DE" dirty="0"/>
-              <a:t> </a:t>
-            </a:r>
-            <a:r>
-              <a:rPr lang="de-DE" dirty="0" err="1"/>
-              <a:t>of</a:t>
-            </a:r>
-            <a:r>
-              <a:rPr lang="de-DE" dirty="0"/>
-              <a:t> high-</a:t>
-            </a:r>
-            <a:r>
-              <a:rPr lang="de-DE" dirty="0" err="1"/>
-              <a:t>dimensionality</a:t>
+              <a:t>attribute used for record or attribute linkages; therefore, employing traditional privacy models, such as </a:t>
+            </a:r>
+            <a:r>
+              <a:rPr lang="en-US" i="1" dirty="0"/>
+              <a:t>k</a:t>
+            </a:r>
+            <a:r>
+              <a:rPr lang="en-US" dirty="0"/>
+              <a:t>-anonymity, would require including all dimensions into a single </a:t>
+            </a:r>
+            <a:r>
+              <a:rPr lang="en-US" i="1" dirty="0"/>
+              <a:t>QID</a:t>
+            </a:r>
+            <a:r>
+              <a:rPr lang="en-US" dirty="0"/>
+              <a:t>. Due to the curse of high-dimensionality [Aggarwal 2005], it is very likely that lots of data has to be suppressed or generalized to the top-most values in order to satisfy </a:t>
+            </a:r>
+            <a:r>
+              <a:rPr lang="en-US" i="1" dirty="0"/>
+              <a:t>k</a:t>
+            </a:r>
+            <a:r>
+              <a:rPr lang="en-US" dirty="0"/>
+              <a:t>-anonymity, even if </a:t>
+            </a:r>
+            <a:r>
+              <a:rPr lang="en-US" i="1" dirty="0"/>
+              <a:t>k </a:t>
+            </a:r>
+            <a:r>
+              <a:rPr lang="en-US" dirty="0"/>
+              <a:t>is small. Obviously, such anonymous data is useless for data analysis.</a:t>
             </a:r>
             <a:endParaRPr lang="de-DE" dirty="0"/>
           </a:p>
-          <a:p>
-            <a:pPr>
-              <a:buFontTx/>
-              <a:buChar char="-"/>
-            </a:pPr>
-            <a:r>
-              <a:rPr lang="de-DE" dirty="0"/>
-              <a:t>Bound </a:t>
-            </a:r>
-            <a:r>
-              <a:rPr lang="de-DE" dirty="0" err="1"/>
-              <a:t>backgroundknowledge</a:t>
-            </a:r>
-            <a:r>
-              <a:rPr lang="de-DE" dirty="0"/>
-              <a:t> </a:t>
-            </a:r>
-            <a:r>
-              <a:rPr lang="de-DE" dirty="0" err="1"/>
-              <a:t>of</a:t>
-            </a:r>
-            <a:r>
-              <a:rPr lang="de-DE" dirty="0"/>
-              <a:t> </a:t>
-            </a:r>
-            <a:r>
-              <a:rPr lang="de-DE" dirty="0" err="1"/>
-              <a:t>the</a:t>
-            </a:r>
-            <a:r>
-              <a:rPr lang="de-DE" dirty="0"/>
-              <a:t> </a:t>
-            </a:r>
-            <a:r>
-              <a:rPr lang="de-DE" dirty="0" err="1"/>
-              <a:t>attacker</a:t>
-            </a:r>
-            <a:r>
-              <a:rPr lang="de-DE" dirty="0"/>
-              <a:t> </a:t>
-            </a:r>
-          </a:p>
         </p:txBody>
       </p:sp>
       <p:sp>
@@ -8349,7 +9635,7 @@
           <p:cNvPr id="6" name="Foliennummernplatzhalter 5">
             <a:extLst>
               <a:ext uri="{FF2B5EF4-FFF2-40B4-BE49-F238E27FC236}">
-                <a16:creationId xmlns:a16="http://schemas.microsoft.com/office/drawing/2014/main" id="{E25D3BF9-A70C-417F-A9C7-F883A5D091A9}"/>
+                <a16:creationId xmlns:a16="http://schemas.microsoft.com/office/drawing/2014/main" id="{1F7C9EDA-B921-4D19-B054-284FFDECB071}"/>
               </a:ext>
             </a:extLst>
           </p:cNvPr>
@@ -8382,7 +9668,7 @@
     </p:spTree>
     <p:extLst>
       <p:ext uri="{BB962C8B-B14F-4D97-AF65-F5344CB8AC3E}">
-        <p14:creationId xmlns:p14="http://schemas.microsoft.com/office/powerpoint/2010/main" val="673325542"/>
+        <p14:creationId xmlns:p14="http://schemas.microsoft.com/office/powerpoint/2010/main" val="1473261035"/>
       </p:ext>
     </p:extLst>
   </p:cSld>
@@ -8414,7 +9700,7 @@
           <p:cNvPr id="2" name="Titel 1">
             <a:extLst>
               <a:ext uri="{FF2B5EF4-FFF2-40B4-BE49-F238E27FC236}">
-                <a16:creationId xmlns:a16="http://schemas.microsoft.com/office/drawing/2014/main" id="{F630762F-ADDB-483B-8B3B-603DD9617461}"/>
+                <a16:creationId xmlns:a16="http://schemas.microsoft.com/office/drawing/2014/main" id="{DD780236-DFF8-4429-AD46-A0D4B640B608}"/>
               </a:ext>
             </a:extLst>
           </p:cNvPr>
@@ -8436,18 +9722,10 @@
           <a:lstStyle/>
           <a:p>
             <a:r>
-              <a:rPr lang="de-DE" b="1" dirty="0"/>
-              <a:t>Moving </a:t>
-            </a:r>
-            <a:r>
-              <a:rPr lang="de-DE" b="1" dirty="0" err="1"/>
-              <a:t>Object</a:t>
-            </a:r>
-            <a:r>
-              <a:rPr lang="de-DE" b="1" dirty="0"/>
-              <a:t> Data</a:t>
-            </a:r>
-            <a:endParaRPr lang="de-DE" dirty="0"/>
+              <a:rPr lang="de-DE" b="1"/>
+              <a:t>High-Dimensional Transaction Data</a:t>
+            </a:r>
+            <a:endParaRPr lang="de-DE"/>
           </a:p>
         </p:txBody>
       </p:sp>
@@ -8456,7 +9734,7 @@
           <p:cNvPr id="3" name="Datumsplatzhalter 2">
             <a:extLst>
               <a:ext uri="{FF2B5EF4-FFF2-40B4-BE49-F238E27FC236}">
-                <a16:creationId xmlns:a16="http://schemas.microsoft.com/office/drawing/2014/main" id="{98E37A1D-373E-4CB5-8A00-E4420DD981F5}"/>
+                <a16:creationId xmlns:a16="http://schemas.microsoft.com/office/drawing/2014/main" id="{69419E86-0E9E-4216-B427-413C6BA3C0D7}"/>
               </a:ext>
             </a:extLst>
           </p:cNvPr>
@@ -8490,7 +9768,7 @@
           <p:cNvPr id="4" name="Fußzeilenplatzhalter 3">
             <a:extLst>
               <a:ext uri="{FF2B5EF4-FFF2-40B4-BE49-F238E27FC236}">
-                <a16:creationId xmlns:a16="http://schemas.microsoft.com/office/drawing/2014/main" id="{7718522C-A894-49C9-A4F0-5E1DFA7741F2}"/>
+                <a16:creationId xmlns:a16="http://schemas.microsoft.com/office/drawing/2014/main" id="{212DC528-EE24-4AC3-9EED-1BF090D99EF2}"/>
               </a:ext>
             </a:extLst>
           </p:cNvPr>
@@ -8524,7 +9802,7 @@
           <p:cNvPr id="5" name="Textplatzhalter 4">
             <a:extLst>
               <a:ext uri="{FF2B5EF4-FFF2-40B4-BE49-F238E27FC236}">
-                <a16:creationId xmlns:a16="http://schemas.microsoft.com/office/drawing/2014/main" id="{87651521-0381-4223-BDE6-C2A67D608413}"/>
+                <a16:creationId xmlns:a16="http://schemas.microsoft.com/office/drawing/2014/main" id="{064D59BE-0376-4E44-A0FE-7031A294F35F}"/>
               </a:ext>
             </a:extLst>
           </p:cNvPr>
@@ -8540,16 +9818,31 @@
           <a:bodyPr/>
           <a:lstStyle/>
           <a:p>
-            <a:pPr marL="0" indent="0">
-              <a:buNone/>
+            <a:pPr>
+              <a:buFontTx/>
+              <a:buChar char="-"/>
             </a:pPr>
             <a:r>
-              <a:rPr lang="de-DE" dirty="0"/>
-              <a:t>- Location-</a:t>
-            </a:r>
+              <a:rPr lang="en-US" dirty="0"/>
+              <a:t>Each dimension could be a potential </a:t>
+            </a:r>
+            <a:r>
+              <a:rPr lang="en-US" i="1" dirty="0"/>
+              <a:t>QID </a:t>
+            </a:r>
+            <a:r>
+              <a:rPr lang="en-US" dirty="0"/>
+              <a:t>attribute</a:t>
+            </a:r>
+          </a:p>
+          <a:p>
+            <a:pPr>
+              <a:buFontTx/>
+              <a:buChar char="-"/>
+            </a:pPr>
             <a:r>
               <a:rPr lang="de-DE" dirty="0" err="1"/>
-              <a:t>based</a:t>
+              <a:t>Curse</a:t>
             </a:r>
             <a:r>
               <a:rPr lang="de-DE" dirty="0"/>
@@ -8557,11 +9850,58 @@
             </a:r>
             <a:r>
               <a:rPr lang="de-DE" dirty="0" err="1"/>
-              <a:t>services</a:t>
+              <a:t>of</a:t>
             </a:r>
             <a:r>
               <a:rPr lang="de-DE" dirty="0"/>
-              <a:t> (LBS)</a:t>
+              <a:t> high-</a:t>
+            </a:r>
+            <a:r>
+              <a:rPr lang="de-DE" dirty="0" err="1"/>
+              <a:t>dimensionality</a:t>
+            </a:r>
+            <a:endParaRPr lang="de-DE" dirty="0"/>
+          </a:p>
+          <a:p>
+            <a:pPr>
+              <a:buFontTx/>
+              <a:buChar char="-"/>
+            </a:pPr>
+            <a:r>
+              <a:rPr lang="de-DE" dirty="0"/>
+              <a:t>Bound </a:t>
+            </a:r>
+            <a:r>
+              <a:rPr lang="de-DE" dirty="0" err="1"/>
+              <a:t>backgroundknowledge</a:t>
+            </a:r>
+            <a:r>
+              <a:rPr lang="de-DE" dirty="0"/>
+              <a:t> </a:t>
+            </a:r>
+            <a:r>
+              <a:rPr lang="de-DE" dirty="0" err="1"/>
+              <a:t>of</a:t>
+            </a:r>
+            <a:r>
+              <a:rPr lang="de-DE" dirty="0"/>
+              <a:t> </a:t>
+            </a:r>
+            <a:r>
+              <a:rPr lang="de-DE" dirty="0" err="1"/>
+              <a:t>the</a:t>
+            </a:r>
+            <a:r>
+              <a:rPr lang="de-DE" dirty="0"/>
+              <a:t> </a:t>
+            </a:r>
+            <a:r>
+              <a:rPr lang="de-DE" dirty="0" err="1"/>
+              <a:t>attacker</a:t>
+            </a:r>
+            <a:r>
+              <a:rPr lang="de-DE" dirty="0"/>
+              <a:t> </a:t>
             </a:r>
           </a:p>
         </p:txBody>
@@ -8571,7 +9911,7 @@
           <p:cNvPr id="6" name="Foliennummernplatzhalter 5">
             <a:extLst>
               <a:ext uri="{FF2B5EF4-FFF2-40B4-BE49-F238E27FC236}">
-                <a16:creationId xmlns:a16="http://schemas.microsoft.com/office/drawing/2014/main" id="{8667CAC0-ED65-461E-B9D6-E014713A72F4}"/>
+                <a16:creationId xmlns:a16="http://schemas.microsoft.com/office/drawing/2014/main" id="{E25D3BF9-A70C-417F-A9C7-F883A5D091A9}"/>
               </a:ext>
             </a:extLst>
           </p:cNvPr>
@@ -8601,118 +9941,10 @@
           </a:p>
         </p:txBody>
       </p:sp>
-      <p:pic>
-        <p:nvPicPr>
-          <p:cNvPr id="7" name="Grafik 6">
-            <a:extLst>
-              <a:ext uri="{FF2B5EF4-FFF2-40B4-BE49-F238E27FC236}">
-                <a16:creationId xmlns:a16="http://schemas.microsoft.com/office/drawing/2014/main" id="{CE523E23-ED8F-45A6-A4AD-F769D0C5C9F6}"/>
-              </a:ext>
-            </a:extLst>
-          </p:cNvPr>
-          <p:cNvPicPr>
-            <a:picLocks noChangeAspect="1"/>
-          </p:cNvPicPr>
-          <p:nvPr/>
-        </p:nvPicPr>
-        <p:blipFill>
-          <a:blip r:embed="rId2"/>
-          <a:stretch>
-            <a:fillRect/>
-          </a:stretch>
-        </p:blipFill>
-        <p:spPr>
-          <a:xfrm>
-            <a:off x="549875" y="1346826"/>
-            <a:ext cx="3960440" cy="3689061"/>
-          </a:xfrm>
-          <a:prstGeom prst="rect">
-            <a:avLst/>
-          </a:prstGeom>
-        </p:spPr>
-      </p:pic>
-      <p:sp>
-        <p:nvSpPr>
-          <p:cNvPr id="8" name="Textfeld 7">
-            <a:extLst>
-              <a:ext uri="{FF2B5EF4-FFF2-40B4-BE49-F238E27FC236}">
-                <a16:creationId xmlns:a16="http://schemas.microsoft.com/office/drawing/2014/main" id="{03A77AD6-47AF-49F6-9118-CB30DAE3C920}"/>
-              </a:ext>
-            </a:extLst>
-          </p:cNvPr>
-          <p:cNvSpPr txBox="1"/>
-          <p:nvPr/>
-        </p:nvSpPr>
-        <p:spPr>
-          <a:xfrm>
-            <a:off x="5076056" y="1268760"/>
-            <a:ext cx="3240857" cy="3693319"/>
-          </a:xfrm>
-          <a:prstGeom prst="rect">
-            <a:avLst/>
-          </a:prstGeom>
-          <a:noFill/>
-        </p:spPr>
-        <p:txBody>
-          <a:bodyPr wrap="square" rtlCol="0">
-            <a:spAutoFit/>
-          </a:bodyPr>
-          <a:lstStyle/>
-          <a:p>
-            <a:r>
-              <a:rPr lang="en-US" b="0"/>
-              <a:t>There are a few recent works on anonymizing moving objects. Abul et al. [2008] extended</a:t>
-            </a:r>
-          </a:p>
-          <a:p>
-            <a:r>
-              <a:rPr lang="en-US" b="0"/>
-              <a:t>the traditional </a:t>
-            </a:r>
-            <a:r>
-              <a:rPr lang="en-US" b="0" i="1"/>
-              <a:t>k</a:t>
-            </a:r>
-            <a:r>
-              <a:rPr lang="en-US" b="0"/>
-              <a:t>-anonymity model to anonymize a set of moving objects. The</a:t>
-            </a:r>
-          </a:p>
-          <a:p>
-            <a:r>
-              <a:rPr lang="en-US" b="0"/>
-              <a:t>intuition is to have at least </a:t>
-            </a:r>
-            <a:r>
-              <a:rPr lang="en-US" b="0" i="1"/>
-              <a:t>k </a:t>
-            </a:r>
-            <a:r>
-              <a:rPr lang="en-US" b="0"/>
-              <a:t>moving objects appearing within the radius </a:t>
-            </a:r>
-            <a:r>
-              <a:rPr lang="en-US" b="0" i="1"/>
-              <a:t>δ </a:t>
-            </a:r>
-            <a:r>
-              <a:rPr lang="en-US" b="0"/>
-              <a:t>of the path</a:t>
-            </a:r>
-          </a:p>
-          <a:p>
-            <a:r>
-              <a:rPr lang="en-US" b="0"/>
-              <a:t>of every moving object in the same period of time, as depicted in Figure 5.</a:t>
-            </a:r>
-            <a:endParaRPr lang="de-DE" dirty="0"/>
-          </a:p>
-        </p:txBody>
-      </p:sp>
     </p:spTree>
     <p:extLst>
       <p:ext uri="{BB962C8B-B14F-4D97-AF65-F5344CB8AC3E}">
-        <p14:creationId xmlns:p14="http://schemas.microsoft.com/office/powerpoint/2010/main" val="3579114951"/>
+        <p14:creationId xmlns:p14="http://schemas.microsoft.com/office/powerpoint/2010/main" val="673325542"/>
       </p:ext>
     </p:extLst>
   </p:cSld>
@@ -8744,7 +9976,7 @@
           <p:cNvPr id="2" name="Titel 1">
             <a:extLst>
               <a:ext uri="{FF2B5EF4-FFF2-40B4-BE49-F238E27FC236}">
-                <a16:creationId xmlns:a16="http://schemas.microsoft.com/office/drawing/2014/main" id="{01809404-EB17-4FCD-B405-68EACB8E7AD7}"/>
+                <a16:creationId xmlns:a16="http://schemas.microsoft.com/office/drawing/2014/main" id="{F630762F-ADDB-483B-8B3B-603DD9617461}"/>
               </a:ext>
             </a:extLst>
           </p:cNvPr>
@@ -8766,8 +9998,12 @@
           <a:lstStyle/>
           <a:p>
             <a:r>
+              <a:rPr lang="de-DE" b="1" dirty="0"/>
+              <a:t>Moving </a:t>
+            </a:r>
+            <a:r>
               <a:rPr lang="de-DE" b="1" dirty="0" err="1"/>
-              <a:t>Textual</a:t>
+              <a:t>Object</a:t>
             </a:r>
             <a:r>
               <a:rPr lang="de-DE" b="1" dirty="0"/>
@@ -8782,7 +10018,7 @@
           <p:cNvPr id="3" name="Datumsplatzhalter 2">
             <a:extLst>
               <a:ext uri="{FF2B5EF4-FFF2-40B4-BE49-F238E27FC236}">
-                <a16:creationId xmlns:a16="http://schemas.microsoft.com/office/drawing/2014/main" id="{05125B1C-1267-40AB-BF49-0CA8C1F2D42B}"/>
+                <a16:creationId xmlns:a16="http://schemas.microsoft.com/office/drawing/2014/main" id="{98E37A1D-373E-4CB5-8A00-E4420DD981F5}"/>
               </a:ext>
             </a:extLst>
           </p:cNvPr>
@@ -8816,7 +10052,7 @@
           <p:cNvPr id="4" name="Fußzeilenplatzhalter 3">
             <a:extLst>
               <a:ext uri="{FF2B5EF4-FFF2-40B4-BE49-F238E27FC236}">
-                <a16:creationId xmlns:a16="http://schemas.microsoft.com/office/drawing/2014/main" id="{B8807493-F45D-44B0-AE12-4DF2E5E5F2B0}"/>
+                <a16:creationId xmlns:a16="http://schemas.microsoft.com/office/drawing/2014/main" id="{7718522C-A894-49C9-A4F0-5E1DFA7741F2}"/>
               </a:ext>
             </a:extLst>
           </p:cNvPr>
@@ -8850,7 +10086,7 @@
           <p:cNvPr id="5" name="Textplatzhalter 4">
             <a:extLst>
               <a:ext uri="{FF2B5EF4-FFF2-40B4-BE49-F238E27FC236}">
-                <a16:creationId xmlns:a16="http://schemas.microsoft.com/office/drawing/2014/main" id="{258A1F07-925E-4D51-9984-7A8E5FFCBB2A}"/>
+                <a16:creationId xmlns:a16="http://schemas.microsoft.com/office/drawing/2014/main" id="{87651521-0381-4223-BDE6-C2A67D608413}"/>
               </a:ext>
             </a:extLst>
           </p:cNvPr>
@@ -8866,121 +10102,28 @@
           <a:bodyPr/>
           <a:lstStyle/>
           <a:p>
-            <a:r>
-              <a:rPr lang="en-US" dirty="0"/>
-              <a:t>Most previous work focused on anonymizing the structural or </a:t>
-            </a:r>
-            <a:r>
-              <a:rPr lang="en-US" dirty="0" err="1"/>
-              <a:t>semistructural</a:t>
-            </a:r>
-            <a:r>
-              <a:rPr lang="en-US" dirty="0"/>
+            <a:pPr marL="0" indent="0">
+              <a:buNone/>
+            </a:pPr>
+            <a:r>
+              <a:rPr lang="de-DE" dirty="0"/>
+              <a:t>- Location-</a:t>
+            </a:r>
+            <a:r>
+              <a:rPr lang="de-DE" dirty="0" err="1"/>
+              <a:t>based</a:t>
+            </a:r>
+            <a:r>
+              <a:rPr lang="de-DE" dirty="0"/>
               <a:t> </a:t>
             </a:r>
             <a:r>
-              <a:rPr lang="en-US" dirty="0" err="1"/>
-              <a:t>data.What</a:t>
-            </a:r>
-            <a:r>
-              <a:rPr lang="en-US" dirty="0"/>
-              <a:t> about the </a:t>
-            </a:r>
-            <a:r>
-              <a:rPr lang="en-US" dirty="0" err="1"/>
-              <a:t>unstructural</a:t>
-            </a:r>
-            <a:r>
-              <a:rPr lang="en-US" dirty="0"/>
-              <a:t> data, such as text documents? </a:t>
-            </a:r>
-            <a:r>
-              <a:rPr lang="en-US" dirty="0" err="1"/>
-              <a:t>Saygin</a:t>
-            </a:r>
-            <a:r>
-              <a:rPr lang="en-US" dirty="0"/>
-              <a:t> et al. [2006] </a:t>
-            </a:r>
-            <a:r>
-              <a:rPr lang="en-US" dirty="0" err="1"/>
-              <a:t>describesimplicit</a:t>
-            </a:r>
-            <a:r>
-              <a:rPr lang="en-US" dirty="0"/>
-              <a:t> and explicit privacy threats in text document repositories. </a:t>
-            </a:r>
-            <a:r>
-              <a:rPr lang="en-US" dirty="0" err="1"/>
-              <a:t>Sanitizationof</a:t>
-            </a:r>
-            <a:r>
-              <a:rPr lang="en-US" dirty="0"/>
-              <a:t> text documents involves removing sensitive information or removing potential </a:t>
-            </a:r>
-            <a:r>
-              <a:rPr lang="en-US" dirty="0" err="1"/>
-              <a:t>linkinginformation</a:t>
-            </a:r>
-            <a:r>
-              <a:rPr lang="en-US" dirty="0"/>
-              <a:t> that can associate an individual person to the sensitive information </a:t>
-            </a:r>
-            <a:r>
-              <a:rPr lang="en-US" dirty="0" err="1"/>
-              <a:t>ina</a:t>
-            </a:r>
-            <a:r>
-              <a:rPr lang="en-US" dirty="0"/>
-              <a:t> document. This research direction is in its </a:t>
-            </a:r>
-            <a:r>
-              <a:rPr lang="en-US" dirty="0" err="1"/>
-              <a:t>infancy.Kokkinakis</a:t>
-            </a:r>
-            <a:r>
-              <a:rPr lang="en-US" dirty="0"/>
-              <a:t> and </a:t>
-            </a:r>
-            <a:r>
-              <a:rPr lang="en-US" dirty="0" err="1"/>
-              <a:t>Thurin</a:t>
-            </a:r>
-            <a:r>
-              <a:rPr lang="en-US" dirty="0"/>
-              <a:t> [2007] implemented a system for automatically </a:t>
-            </a:r>
-            <a:r>
-              <a:rPr lang="en-US" dirty="0" err="1"/>
-              <a:t>anonymizinghospital</a:t>
-            </a:r>
-            <a:r>
-              <a:rPr lang="en-US" dirty="0"/>
-              <a:t> discharge letters by identifying and deliberately removing all phrases </a:t>
-            </a:r>
-            <a:r>
-              <a:rPr lang="en-US" dirty="0" err="1"/>
-              <a:t>fromclinical</a:t>
-            </a:r>
-            <a:r>
-              <a:rPr lang="en-US" dirty="0"/>
-              <a:t> text that satisfy some predefined types of sensitive entities. The </a:t>
-            </a:r>
-            <a:r>
-              <a:rPr lang="en-US" dirty="0" err="1"/>
-              <a:t>identificationphase</a:t>
-            </a:r>
-            <a:r>
-              <a:rPr lang="en-US" dirty="0"/>
-              <a:t> is achieved by collaborating with an underlying generic named entity recognition</a:t>
-            </a:r>
-            <a:r>
               <a:rPr lang="de-DE" dirty="0" err="1"/>
-              <a:t>system</a:t>
+              <a:t>services</a:t>
             </a:r>
             <a:r>
               <a:rPr lang="de-DE" dirty="0"/>
-              <a:t>.</a:t>
+              <a:t> (LBS)</a:t>
             </a:r>
           </a:p>
         </p:txBody>
@@ -8990,7 +10133,7 @@
           <p:cNvPr id="6" name="Foliennummernplatzhalter 5">
             <a:extLst>
               <a:ext uri="{FF2B5EF4-FFF2-40B4-BE49-F238E27FC236}">
-                <a16:creationId xmlns:a16="http://schemas.microsoft.com/office/drawing/2014/main" id="{7788C7BE-3668-4468-B27D-88F5562E2D83}"/>
+                <a16:creationId xmlns:a16="http://schemas.microsoft.com/office/drawing/2014/main" id="{8667CAC0-ED65-461E-B9D6-E014713A72F4}"/>
               </a:ext>
             </a:extLst>
           </p:cNvPr>
@@ -9020,10 +10163,118 @@
           </a:p>
         </p:txBody>
       </p:sp>
+      <p:pic>
+        <p:nvPicPr>
+          <p:cNvPr id="7" name="Grafik 6">
+            <a:extLst>
+              <a:ext uri="{FF2B5EF4-FFF2-40B4-BE49-F238E27FC236}">
+                <a16:creationId xmlns:a16="http://schemas.microsoft.com/office/drawing/2014/main" id="{CE523E23-ED8F-45A6-A4AD-F769D0C5C9F6}"/>
+              </a:ext>
+            </a:extLst>
+          </p:cNvPr>
+          <p:cNvPicPr>
+            <a:picLocks noChangeAspect="1"/>
+          </p:cNvPicPr>
+          <p:nvPr/>
+        </p:nvPicPr>
+        <p:blipFill>
+          <a:blip r:embed="rId2"/>
+          <a:stretch>
+            <a:fillRect/>
+          </a:stretch>
+        </p:blipFill>
+        <p:spPr>
+          <a:xfrm>
+            <a:off x="549875" y="1346826"/>
+            <a:ext cx="3960440" cy="3689061"/>
+          </a:xfrm>
+          <a:prstGeom prst="rect">
+            <a:avLst/>
+          </a:prstGeom>
+        </p:spPr>
+      </p:pic>
+      <p:sp>
+        <p:nvSpPr>
+          <p:cNvPr id="8" name="Textfeld 7">
+            <a:extLst>
+              <a:ext uri="{FF2B5EF4-FFF2-40B4-BE49-F238E27FC236}">
+                <a16:creationId xmlns:a16="http://schemas.microsoft.com/office/drawing/2014/main" id="{03A77AD6-47AF-49F6-9118-CB30DAE3C920}"/>
+              </a:ext>
+            </a:extLst>
+          </p:cNvPr>
+          <p:cNvSpPr txBox="1"/>
+          <p:nvPr/>
+        </p:nvSpPr>
+        <p:spPr>
+          <a:xfrm>
+            <a:off x="5076056" y="1268760"/>
+            <a:ext cx="3240857" cy="3693319"/>
+          </a:xfrm>
+          <a:prstGeom prst="rect">
+            <a:avLst/>
+          </a:prstGeom>
+          <a:noFill/>
+        </p:spPr>
+        <p:txBody>
+          <a:bodyPr wrap="square" rtlCol="0">
+            <a:spAutoFit/>
+          </a:bodyPr>
+          <a:lstStyle/>
+          <a:p>
+            <a:r>
+              <a:rPr lang="en-US" b="0"/>
+              <a:t>There are a few recent works on anonymizing moving objects. Abul et al. [2008] extended</a:t>
+            </a:r>
+          </a:p>
+          <a:p>
+            <a:r>
+              <a:rPr lang="en-US" b="0"/>
+              <a:t>the traditional </a:t>
+            </a:r>
+            <a:r>
+              <a:rPr lang="en-US" b="0" i="1"/>
+              <a:t>k</a:t>
+            </a:r>
+            <a:r>
+              <a:rPr lang="en-US" b="0"/>
+              <a:t>-anonymity model to anonymize a set of moving objects. The</a:t>
+            </a:r>
+          </a:p>
+          <a:p>
+            <a:r>
+              <a:rPr lang="en-US" b="0"/>
+              <a:t>intuition is to have at least </a:t>
+            </a:r>
+            <a:r>
+              <a:rPr lang="en-US" b="0" i="1"/>
+              <a:t>k </a:t>
+            </a:r>
+            <a:r>
+              <a:rPr lang="en-US" b="0"/>
+              <a:t>moving objects appearing within the radius </a:t>
+            </a:r>
+            <a:r>
+              <a:rPr lang="en-US" b="0" i="1"/>
+              <a:t>δ </a:t>
+            </a:r>
+            <a:r>
+              <a:rPr lang="en-US" b="0"/>
+              <a:t>of the path</a:t>
+            </a:r>
+          </a:p>
+          <a:p>
+            <a:r>
+              <a:rPr lang="en-US" b="0"/>
+              <a:t>of every moving object in the same period of time, as depicted in Figure 5.</a:t>
+            </a:r>
+            <a:endParaRPr lang="de-DE" dirty="0"/>
+          </a:p>
+        </p:txBody>
+      </p:sp>
     </p:spTree>
     <p:extLst>
       <p:ext uri="{BB962C8B-B14F-4D97-AF65-F5344CB8AC3E}">
-        <p14:creationId xmlns:p14="http://schemas.microsoft.com/office/powerpoint/2010/main" val="545608152"/>
+        <p14:creationId xmlns:p14="http://schemas.microsoft.com/office/powerpoint/2010/main" val="3579114951"/>
       </p:ext>
     </p:extLst>
   </p:cSld>
@@ -9055,7 +10306,7 @@
           <p:cNvPr id="2" name="Titel 1">
             <a:extLst>
               <a:ext uri="{FF2B5EF4-FFF2-40B4-BE49-F238E27FC236}">
-                <a16:creationId xmlns:a16="http://schemas.microsoft.com/office/drawing/2014/main" id="{958F9CD1-9C9B-404C-BA1F-6E0E9A52DB3B}"/>
+                <a16:creationId xmlns:a16="http://schemas.microsoft.com/office/drawing/2014/main" id="{01809404-EB17-4FCD-B405-68EACB8E7AD7}"/>
               </a:ext>
             </a:extLst>
           </p:cNvPr>
@@ -9076,16 +10327,13 @@
           <a:bodyPr/>
           <a:lstStyle/>
           <a:p>
-            <a:pPr marL="0" indent="0">
-              <a:buNone/>
-            </a:pPr>
-            <a:r>
-              <a:rPr lang="de-DE" dirty="0"/>
-              <a:t>p-sensitive k-</a:t>
-            </a:r>
-            <a:r>
-              <a:rPr lang="de-DE" dirty="0" err="1"/>
-              <a:t>anonymity</a:t>
+            <a:r>
+              <a:rPr lang="de-DE" b="1" dirty="0" err="1"/>
+              <a:t>Textual</a:t>
+            </a:r>
+            <a:r>
+              <a:rPr lang="de-DE" b="1" dirty="0"/>
+              <a:t> Data</a:t>
             </a:r>
             <a:endParaRPr lang="de-DE" dirty="0"/>
           </a:p>
@@ -9096,7 +10344,7 @@
           <p:cNvPr id="3" name="Datumsplatzhalter 2">
             <a:extLst>
               <a:ext uri="{FF2B5EF4-FFF2-40B4-BE49-F238E27FC236}">
-                <a16:creationId xmlns:a16="http://schemas.microsoft.com/office/drawing/2014/main" id="{F260DF70-9E66-4354-A537-9A6F20EF768D}"/>
+                <a16:creationId xmlns:a16="http://schemas.microsoft.com/office/drawing/2014/main" id="{05125B1C-1267-40AB-BF49-0CA8C1F2D42B}"/>
               </a:ext>
             </a:extLst>
           </p:cNvPr>
@@ -9130,7 +10378,7 @@
           <p:cNvPr id="4" name="Fußzeilenplatzhalter 3">
             <a:extLst>
               <a:ext uri="{FF2B5EF4-FFF2-40B4-BE49-F238E27FC236}">
-                <a16:creationId xmlns:a16="http://schemas.microsoft.com/office/drawing/2014/main" id="{09C9E642-E14C-4E77-9B36-1ABB217EAF95}"/>
+                <a16:creationId xmlns:a16="http://schemas.microsoft.com/office/drawing/2014/main" id="{B8807493-F45D-44B0-AE12-4DF2E5E5F2B0}"/>
               </a:ext>
             </a:extLst>
           </p:cNvPr>
@@ -9164,7 +10412,7 @@
           <p:cNvPr id="5" name="Textplatzhalter 4">
             <a:extLst>
               <a:ext uri="{FF2B5EF4-FFF2-40B4-BE49-F238E27FC236}">
-                <a16:creationId xmlns:a16="http://schemas.microsoft.com/office/drawing/2014/main" id="{9E443BB6-0E02-4D1C-85A1-676AC33F2EAA}"/>
+                <a16:creationId xmlns:a16="http://schemas.microsoft.com/office/drawing/2014/main" id="{258A1F07-925E-4D51-9984-7A8E5FFCBB2A}"/>
               </a:ext>
             </a:extLst>
           </p:cNvPr>
@@ -9182,84 +10430,120 @@
           <a:p>
             <a:r>
               <a:rPr lang="en-US" dirty="0"/>
-              <a:t>identity disclosure and attribute disclosure.</a:t>
-            </a:r>
-          </a:p>
-          <a:p>
+              <a:t>Most previous work focused on anonymizing the structural or </a:t>
+            </a:r>
             <a:r>
               <a:rPr lang="en-US" dirty="0" err="1"/>
-              <a:t>dentity</a:t>
-            </a:r>
-            <a:r>
-              <a:rPr lang="en-US" dirty="0"/>
-              <a:t> disclosure and attribute disclosure.</a:t>
-            </a:r>
-          </a:p>
-          <a:p>
-            <a:pPr marL="0" indent="0">
-              <a:buNone/>
-            </a:pPr>
-            <a:r>
-              <a:rPr lang="en-US" i="1" dirty="0"/>
-              <a:t>Identity disclosure </a:t>
-            </a:r>
-            <a:r>
-              <a:rPr lang="en-US" dirty="0"/>
-              <a:t>refers to identification of an entity</a:t>
-            </a:r>
-          </a:p>
-          <a:p>
-            <a:pPr marL="0" indent="0">
-              <a:buNone/>
-            </a:pPr>
-            <a:r>
-              <a:rPr lang="en-US" dirty="0"/>
-              <a:t>(person, institution) and </a:t>
-            </a:r>
-            <a:r>
-              <a:rPr lang="en-US" i="1" dirty="0"/>
-              <a:t>attribute disclosure </a:t>
-            </a:r>
-            <a:r>
-              <a:rPr lang="en-US" dirty="0"/>
-              <a:t>occurs when</a:t>
-            </a:r>
-          </a:p>
-          <a:p>
-            <a:pPr marL="0" indent="0">
-              <a:buNone/>
-            </a:pPr>
-            <a:r>
-              <a:rPr lang="en-US" dirty="0"/>
-              <a:t>the intruder finds out something new about the target</a:t>
-            </a:r>
-          </a:p>
-          <a:p>
-            <a:pPr marL="0" indent="0">
-              <a:buNone/>
-            </a:pPr>
-            <a:r>
-              <a:rPr lang="en-US" dirty="0"/>
-              <a:t>entity [11]. Identity disclosure does not automatically</a:t>
-            </a:r>
-          </a:p>
-          <a:p>
-            <a:pPr marL="0" indent="0">
-              <a:buNone/>
-            </a:pPr>
+              <a:t>semistructural</a:t>
+            </a:r>
+            <a:r>
+              <a:rPr lang="en-US" dirty="0"/>
+              <a:t> </a:t>
+            </a:r>
+            <a:r>
+              <a:rPr lang="en-US" dirty="0" err="1"/>
+              <a:t>data.What</a:t>
+            </a:r>
+            <a:r>
+              <a:rPr lang="en-US" dirty="0"/>
+              <a:t> about the </a:t>
+            </a:r>
+            <a:r>
+              <a:rPr lang="en-US" dirty="0" err="1"/>
+              <a:t>unstructural</a:t>
+            </a:r>
+            <a:r>
+              <a:rPr lang="en-US" dirty="0"/>
+              <a:t> data, such as text documents? </a:t>
+            </a:r>
+            <a:r>
+              <a:rPr lang="en-US" dirty="0" err="1"/>
+              <a:t>Saygin</a:t>
+            </a:r>
+            <a:r>
+              <a:rPr lang="en-US" dirty="0"/>
+              <a:t> et al. [2006] </a:t>
+            </a:r>
+            <a:r>
+              <a:rPr lang="en-US" dirty="0" err="1"/>
+              <a:t>describesimplicit</a:t>
+            </a:r>
+            <a:r>
+              <a:rPr lang="en-US" dirty="0"/>
+              <a:t> and explicit privacy threats in text document repositories. </a:t>
+            </a:r>
+            <a:r>
+              <a:rPr lang="en-US" dirty="0" err="1"/>
+              <a:t>Sanitizationof</a:t>
+            </a:r>
+            <a:r>
+              <a:rPr lang="en-US" dirty="0"/>
+              <a:t> text documents involves removing sensitive information or removing potential </a:t>
+            </a:r>
+            <a:r>
+              <a:rPr lang="en-US" dirty="0" err="1"/>
+              <a:t>linkinginformation</a:t>
+            </a:r>
+            <a:r>
+              <a:rPr lang="en-US" dirty="0"/>
+              <a:t> that can associate an individual person to the sensitive information </a:t>
+            </a:r>
+            <a:r>
+              <a:rPr lang="en-US" dirty="0" err="1"/>
+              <a:t>ina</a:t>
+            </a:r>
+            <a:r>
+              <a:rPr lang="en-US" dirty="0"/>
+              <a:t> document. This research direction is in its </a:t>
+            </a:r>
+            <a:r>
+              <a:rPr lang="en-US" dirty="0" err="1"/>
+              <a:t>infancy.Kokkinakis</a:t>
+            </a:r>
+            <a:r>
+              <a:rPr lang="en-US" dirty="0"/>
+              <a:t> and </a:t>
+            </a:r>
+            <a:r>
+              <a:rPr lang="en-US" dirty="0" err="1"/>
+              <a:t>Thurin</a:t>
+            </a:r>
+            <a:r>
+              <a:rPr lang="en-US" dirty="0"/>
+              <a:t> [2007] implemented a system for automatically </a:t>
+            </a:r>
+            <a:r>
+              <a:rPr lang="en-US" dirty="0" err="1"/>
+              <a:t>anonymizinghospital</a:t>
+            </a:r>
+            <a:r>
+              <a:rPr lang="en-US" dirty="0"/>
+              <a:t> discharge letters by identifying and deliberately removing all phrases </a:t>
+            </a:r>
+            <a:r>
+              <a:rPr lang="en-US" dirty="0" err="1"/>
+              <a:t>fromclinical</a:t>
+            </a:r>
+            <a:r>
+              <a:rPr lang="en-US" dirty="0"/>
+              <a:t> text that satisfy some predefined types of sensitive entities. The </a:t>
+            </a:r>
+            <a:r>
+              <a:rPr lang="en-US" dirty="0" err="1"/>
+              <a:t>identificationphase</a:t>
+            </a:r>
+            <a:r>
+              <a:rPr lang="en-US" dirty="0"/>
+              <a:t> is achieved by collaborating with an underlying generic named entity recognition</a:t>
+            </a:r>
             <a:r>
               <a:rPr lang="de-DE" dirty="0" err="1"/>
-              <a:t>imply</a:t>
+              <a:t>system</a:t>
             </a:r>
             <a:r>
               <a:rPr lang="de-DE" dirty="0"/>
-              <a:t> </a:t>
-            </a:r>
-            <a:r>
-              <a:rPr lang="de-DE" dirty="0" err="1"/>
-              <a:t>attribute</a:t>
-            </a:r>
-            <a:endParaRPr lang="de-DE" dirty="0"/>
+              <a:t>.</a:t>
+            </a:r>
           </a:p>
         </p:txBody>
       </p:sp>
@@ -9268,7 +10552,7 @@
           <p:cNvPr id="6" name="Foliennummernplatzhalter 5">
             <a:extLst>
               <a:ext uri="{FF2B5EF4-FFF2-40B4-BE49-F238E27FC236}">
-                <a16:creationId xmlns:a16="http://schemas.microsoft.com/office/drawing/2014/main" id="{4C8439EF-D42F-4986-86FE-E0B37623E7D1}"/>
+                <a16:creationId xmlns:a16="http://schemas.microsoft.com/office/drawing/2014/main" id="{7788C7BE-3668-4468-B27D-88F5562E2D83}"/>
               </a:ext>
             </a:extLst>
           </p:cNvPr>
@@ -9301,7 +10585,7 @@
     </p:spTree>
     <p:extLst>
       <p:ext uri="{BB962C8B-B14F-4D97-AF65-F5344CB8AC3E}">
-        <p14:creationId xmlns:p14="http://schemas.microsoft.com/office/powerpoint/2010/main" val="1946241733"/>
+        <p14:creationId xmlns:p14="http://schemas.microsoft.com/office/powerpoint/2010/main" val="545608152"/>
       </p:ext>
     </p:extLst>
   </p:cSld>
@@ -9333,7 +10617,7 @@
           <p:cNvPr id="2" name="Titel 1">
             <a:extLst>
               <a:ext uri="{FF2B5EF4-FFF2-40B4-BE49-F238E27FC236}">
-                <a16:creationId xmlns:a16="http://schemas.microsoft.com/office/drawing/2014/main" id="{7B413E46-A044-4329-AE39-7349DB1BBEFC}"/>
+                <a16:creationId xmlns:a16="http://schemas.microsoft.com/office/drawing/2014/main" id="{958F9CD1-9C9B-404C-BA1F-6E0E9A52DB3B}"/>
               </a:ext>
             </a:extLst>
           </p:cNvPr>
@@ -9354,9 +10638,12 @@
           <a:bodyPr/>
           <a:lstStyle/>
           <a:p>
+            <a:pPr marL="0" indent="0">
+              <a:buNone/>
+            </a:pPr>
             <a:r>
               <a:rPr lang="de-DE" dirty="0"/>
-              <a:t>P-sensitive k -</a:t>
+              <a:t>p-sensitive k-</a:t>
             </a:r>
             <a:r>
               <a:rPr lang="de-DE" dirty="0" err="1"/>
@@ -9371,7 +10658,7 @@
           <p:cNvPr id="3" name="Datumsplatzhalter 2">
             <a:extLst>
               <a:ext uri="{FF2B5EF4-FFF2-40B4-BE49-F238E27FC236}">
-                <a16:creationId xmlns:a16="http://schemas.microsoft.com/office/drawing/2014/main" id="{2017CE23-A8AD-4FC4-B6DD-A2E0CDE682B2}"/>
+                <a16:creationId xmlns:a16="http://schemas.microsoft.com/office/drawing/2014/main" id="{F260DF70-9E66-4354-A537-9A6F20EF768D}"/>
               </a:ext>
             </a:extLst>
           </p:cNvPr>
@@ -9405,7 +10692,7 @@
           <p:cNvPr id="4" name="Fußzeilenplatzhalter 3">
             <a:extLst>
               <a:ext uri="{FF2B5EF4-FFF2-40B4-BE49-F238E27FC236}">
-                <a16:creationId xmlns:a16="http://schemas.microsoft.com/office/drawing/2014/main" id="{A23D59A7-D63C-4137-972B-3B6224BB0D54}"/>
+                <a16:creationId xmlns:a16="http://schemas.microsoft.com/office/drawing/2014/main" id="{09C9E642-E14C-4E77-9B36-1ABB217EAF95}"/>
               </a:ext>
             </a:extLst>
           </p:cNvPr>
@@ -9439,7 +10726,7 @@
           <p:cNvPr id="5" name="Textplatzhalter 4">
             <a:extLst>
               <a:ext uri="{FF2B5EF4-FFF2-40B4-BE49-F238E27FC236}">
-                <a16:creationId xmlns:a16="http://schemas.microsoft.com/office/drawing/2014/main" id="{62403F49-8A1E-4574-B8FF-BE1B459AD6B3}"/>
+                <a16:creationId xmlns:a16="http://schemas.microsoft.com/office/drawing/2014/main" id="{9E443BB6-0E02-4D1C-85A1-676AC33F2EAA}"/>
               </a:ext>
             </a:extLst>
           </p:cNvPr>
@@ -9456,12 +10743,75 @@
           <a:lstStyle/>
           <a:p>
             <a:r>
-              <a:rPr lang="de-DE" dirty="0"/>
-              <a:t>The </a:t>
-            </a:r>
+              <a:rPr lang="en-US" dirty="0"/>
+              <a:t>identity disclosure and attribute disclosure.</a:t>
+            </a:r>
+          </a:p>
+          <a:p>
+            <a:r>
+              <a:rPr lang="en-US" dirty="0" err="1"/>
+              <a:t>dentity</a:t>
+            </a:r>
+            <a:r>
+              <a:rPr lang="en-US" dirty="0"/>
+              <a:t> disclosure and attribute disclosure.</a:t>
+            </a:r>
+          </a:p>
+          <a:p>
+            <a:pPr marL="0" indent="0">
+              <a:buNone/>
+            </a:pPr>
+            <a:r>
+              <a:rPr lang="en-US" i="1" dirty="0"/>
+              <a:t>Identity disclosure </a:t>
+            </a:r>
+            <a:r>
+              <a:rPr lang="en-US" dirty="0"/>
+              <a:t>refers to identification of an entity</a:t>
+            </a:r>
+          </a:p>
+          <a:p>
+            <a:pPr marL="0" indent="0">
+              <a:buNone/>
+            </a:pPr>
+            <a:r>
+              <a:rPr lang="en-US" dirty="0"/>
+              <a:t>(person, institution) and </a:t>
+            </a:r>
+            <a:r>
+              <a:rPr lang="en-US" i="1" dirty="0"/>
+              <a:t>attribute disclosure </a:t>
+            </a:r>
+            <a:r>
+              <a:rPr lang="en-US" dirty="0"/>
+              <a:t>occurs when</a:t>
+            </a:r>
+          </a:p>
+          <a:p>
+            <a:pPr marL="0" indent="0">
+              <a:buNone/>
+            </a:pPr>
+            <a:r>
+              <a:rPr lang="en-US" dirty="0"/>
+              <a:t>the intruder finds out something new about the target</a:t>
+            </a:r>
+          </a:p>
+          <a:p>
+            <a:pPr marL="0" indent="0">
+              <a:buNone/>
+            </a:pPr>
+            <a:r>
+              <a:rPr lang="en-US" dirty="0"/>
+              <a:t>entity [11]. Identity disclosure does not automatically</a:t>
+            </a:r>
+          </a:p>
+          <a:p>
+            <a:pPr marL="0" indent="0">
+              <a:buNone/>
+            </a:pPr>
             <a:r>
               <a:rPr lang="de-DE" dirty="0" err="1"/>
-              <a:t>for</a:t>
+              <a:t>imply</a:t>
             </a:r>
             <a:r>
               <a:rPr lang="de-DE" dirty="0"/>
@@ -9469,77 +10819,10 @@
             </a:r>
             <a:r>
               <a:rPr lang="de-DE" dirty="0" err="1"/>
-              <a:t>each</a:t>
-            </a:r>
-            <a:r>
-              <a:rPr lang="de-DE" dirty="0"/>
-              <a:t> </a:t>
-            </a:r>
-            <a:r>
-              <a:rPr lang="de-DE" dirty="0" err="1"/>
-              <a:t>tuple</a:t>
-            </a:r>
-            <a:r>
-              <a:rPr lang="de-DE" dirty="0"/>
-              <a:t> </a:t>
-            </a:r>
-            <a:r>
-              <a:rPr lang="de-DE" dirty="0" err="1"/>
-              <a:t>of</a:t>
-            </a:r>
-            <a:r>
-              <a:rPr lang="de-DE" dirty="0"/>
-              <a:t> k-</a:t>
-            </a:r>
-            <a:r>
-              <a:rPr lang="de-DE" dirty="0" err="1"/>
-              <a:t>anonymity</a:t>
-            </a:r>
-            <a:r>
-              <a:rPr lang="de-DE" dirty="0"/>
-              <a:t> </a:t>
-            </a:r>
-            <a:r>
-              <a:rPr lang="de-DE" dirty="0" err="1"/>
-              <a:t>there</a:t>
-            </a:r>
-            <a:r>
-              <a:rPr lang="de-DE" dirty="0"/>
-              <a:t> </a:t>
-            </a:r>
-            <a:r>
-              <a:rPr lang="de-DE" dirty="0" err="1"/>
-              <a:t>are</a:t>
-            </a:r>
-            <a:r>
-              <a:rPr lang="de-DE" dirty="0"/>
-              <a:t> at least p different sensitive </a:t>
-            </a:r>
-            <a:r>
-              <a:rPr lang="de-DE" dirty="0" err="1"/>
-              <a:t>data</a:t>
+              <a:t>attribute</a:t>
             </a:r>
             <a:endParaRPr lang="de-DE" dirty="0"/>
           </a:p>
-          <a:p>
-            <a:r>
-              <a:rPr lang="de-DE" dirty="0"/>
-              <a:t>Problem:</a:t>
-            </a:r>
-            <a:r>
-              <a:rPr lang="en-US" dirty="0"/>
-              <a:t>p-Sensitive k-anonymity has the limitation of implicitly assuming that each confidential attribute takes values uniformly over its domain, that is, that the frequencies of the various values of a confidential attribute are similar. When this is not the case, </a:t>
-            </a:r>
-            <a:r>
-              <a:rPr lang="en-US" dirty="0" err="1"/>
-              <a:t>achievingp</a:t>
-            </a:r>
-            <a:r>
-              <a:rPr lang="en-US" dirty="0"/>
-              <a:t>-sensitive k-anonymity may cause a huge data utility loss. This is illustrated in the following example.</a:t>
-            </a:r>
-            <a:endParaRPr lang="de-DE" dirty="0"/>
-          </a:p>
         </p:txBody>
       </p:sp>
       <p:sp>
@@ -9547,7 +10830,7 @@
           <p:cNvPr id="6" name="Foliennummernplatzhalter 5">
             <a:extLst>
               <a:ext uri="{FF2B5EF4-FFF2-40B4-BE49-F238E27FC236}">
-                <a16:creationId xmlns:a16="http://schemas.microsoft.com/office/drawing/2014/main" id="{E252A72A-F651-40F4-8DBC-665586CBC460}"/>
+                <a16:creationId xmlns:a16="http://schemas.microsoft.com/office/drawing/2014/main" id="{4C8439EF-D42F-4986-86FE-E0B37623E7D1}"/>
               </a:ext>
             </a:extLst>
           </p:cNvPr>
@@ -9580,7 +10863,7 @@
     </p:spTree>
     <p:extLst>
       <p:ext uri="{BB962C8B-B14F-4D97-AF65-F5344CB8AC3E}">
-        <p14:creationId xmlns:p14="http://schemas.microsoft.com/office/powerpoint/2010/main" val="2954308101"/>
+        <p14:creationId xmlns:p14="http://schemas.microsoft.com/office/powerpoint/2010/main" val="1946241733"/>
       </p:ext>
     </p:extLst>
   </p:cSld>
@@ -9612,7 +10895,7 @@
           <p:cNvPr id="2" name="Titel 1">
             <a:extLst>
               <a:ext uri="{FF2B5EF4-FFF2-40B4-BE49-F238E27FC236}">
-                <a16:creationId xmlns:a16="http://schemas.microsoft.com/office/drawing/2014/main" id="{29821BA2-C897-4834-998A-48C037EFCC61}"/>
+                <a16:creationId xmlns:a16="http://schemas.microsoft.com/office/drawing/2014/main" id="{7B413E46-A044-4329-AE39-7349DB1BBEFC}"/>
               </a:ext>
             </a:extLst>
           </p:cNvPr>
@@ -9635,11 +10918,11 @@
           <a:p>
             <a:r>
               <a:rPr lang="de-DE" dirty="0"/>
-              <a:t>l-</a:t>
+              <a:t>P-sensitive k -</a:t>
             </a:r>
             <a:r>
               <a:rPr lang="de-DE" dirty="0" err="1"/>
-              <a:t>diversity</a:t>
+              <a:t>anonymity</a:t>
             </a:r>
             <a:endParaRPr lang="de-DE" dirty="0"/>
           </a:p>
@@ -9650,7 +10933,7 @@
           <p:cNvPr id="3" name="Datumsplatzhalter 2">
             <a:extLst>
               <a:ext uri="{FF2B5EF4-FFF2-40B4-BE49-F238E27FC236}">
-                <a16:creationId xmlns:a16="http://schemas.microsoft.com/office/drawing/2014/main" id="{707299E6-283C-4175-B3B3-5D836D4EF88A}"/>
+                <a16:creationId xmlns:a16="http://schemas.microsoft.com/office/drawing/2014/main" id="{2017CE23-A8AD-4FC4-B6DD-A2E0CDE682B2}"/>
               </a:ext>
             </a:extLst>
           </p:cNvPr>
@@ -9684,7 +10967,7 @@
           <p:cNvPr id="4" name="Fußzeilenplatzhalter 3">
             <a:extLst>
               <a:ext uri="{FF2B5EF4-FFF2-40B4-BE49-F238E27FC236}">
-                <a16:creationId xmlns:a16="http://schemas.microsoft.com/office/drawing/2014/main" id="{CDC6992F-08D8-482D-96AA-DC41E416B94B}"/>
+                <a16:creationId xmlns:a16="http://schemas.microsoft.com/office/drawing/2014/main" id="{A23D59A7-D63C-4137-972B-3B6224BB0D54}"/>
               </a:ext>
             </a:extLst>
           </p:cNvPr>
@@ -9718,7 +11001,7 @@
           <p:cNvPr id="5" name="Textplatzhalter 4">
             <a:extLst>
               <a:ext uri="{FF2B5EF4-FFF2-40B4-BE49-F238E27FC236}">
-                <a16:creationId xmlns:a16="http://schemas.microsoft.com/office/drawing/2014/main" id="{CB4D70E7-CAB1-402E-A84F-08E5BE171BBF}"/>
+                <a16:creationId xmlns:a16="http://schemas.microsoft.com/office/drawing/2014/main" id="{62403F49-8A1E-4574-B8FF-BE1B459AD6B3}"/>
               </a:ext>
             </a:extLst>
           </p:cNvPr>
@@ -9735,60 +11018,12 @@
           <a:lstStyle/>
           <a:p>
             <a:r>
-              <a:rPr lang="en-US" dirty="0"/>
-              <a:t>Definition 3 (l-Diversity): A data set is said to satisfy</a:t>
-            </a:r>
-          </a:p>
-          <a:p>
-            <a:pPr marL="0" indent="0">
-              <a:buNone/>
-            </a:pPr>
-            <a:r>
-              <a:rPr lang="en-US" dirty="0"/>
-              <a:t>l-diversity if, for each group of records sharing a</a:t>
-            </a:r>
-          </a:p>
-          <a:p>
-            <a:pPr marL="0" indent="0">
-              <a:buNone/>
-            </a:pPr>
-            <a:r>
-              <a:rPr lang="en-US" dirty="0"/>
-              <a:t>combination of key attributes, there are at least l “</a:t>
-            </a:r>
-            <a:r>
-              <a:rPr lang="en-US" dirty="0" err="1"/>
-              <a:t>wellrepresented</a:t>
-            </a:r>
-            <a:r>
-              <a:rPr lang="en-US" dirty="0"/>
-              <a:t>” values for each confidential attribute.</a:t>
-            </a:r>
-          </a:p>
-          <a:p>
-            <a:pPr marL="0" indent="0">
-              <a:buNone/>
-            </a:pPr>
-            <a:r>
-              <a:rPr lang="en-US" dirty="0"/>
-              <a:t>According to [9] the term “well-represented” can be</a:t>
-            </a:r>
-          </a:p>
-          <a:p>
-            <a:pPr marL="0" indent="0">
-              <a:buNone/>
-            </a:pPr>
+              <a:rPr lang="de-DE" dirty="0"/>
+              <a:t>The </a:t>
+            </a:r>
             <a:r>
               <a:rPr lang="de-DE" dirty="0" err="1"/>
-              <a:t>defined</a:t>
-            </a:r>
-            <a:r>
-              <a:rPr lang="de-DE" dirty="0"/>
-              <a:t> in </a:t>
-            </a:r>
-            <a:r>
-              <a:rPr lang="de-DE" dirty="0" err="1"/>
-              <a:t>several</a:t>
+              <a:t>for</a:t>
             </a:r>
             <a:r>
               <a:rPr lang="de-DE" dirty="0"/>
@@ -9796,12 +11031,76 @@
             </a:r>
             <a:r>
               <a:rPr lang="de-DE" dirty="0" err="1"/>
-              <a:t>ways</a:t>
+              <a:t>each</a:t>
             </a:r>
             <a:r>
               <a:rPr lang="de-DE" dirty="0"/>
-              <a:t>:</a:t>
-            </a:r>
+              <a:t> </a:t>
+            </a:r>
+            <a:r>
+              <a:rPr lang="de-DE" dirty="0" err="1"/>
+              <a:t>tuple</a:t>
+            </a:r>
+            <a:r>
+              <a:rPr lang="de-DE" dirty="0"/>
+              <a:t> </a:t>
+            </a:r>
+            <a:r>
+              <a:rPr lang="de-DE" dirty="0" err="1"/>
+              <a:t>of</a:t>
+            </a:r>
+            <a:r>
+              <a:rPr lang="de-DE" dirty="0"/>
+              <a:t> k-</a:t>
+            </a:r>
+            <a:r>
+              <a:rPr lang="de-DE" dirty="0" err="1"/>
+              <a:t>anonymity</a:t>
+            </a:r>
+            <a:r>
+              <a:rPr lang="de-DE" dirty="0"/>
+              <a:t> </a:t>
+            </a:r>
+            <a:r>
+              <a:rPr lang="de-DE" dirty="0" err="1"/>
+              <a:t>there</a:t>
+            </a:r>
+            <a:r>
+              <a:rPr lang="de-DE" dirty="0"/>
+              <a:t> </a:t>
+            </a:r>
+            <a:r>
+              <a:rPr lang="de-DE" dirty="0" err="1"/>
+              <a:t>are</a:t>
+            </a:r>
+            <a:r>
+              <a:rPr lang="de-DE" dirty="0"/>
+              <a:t> at least p different sensitive </a:t>
+            </a:r>
+            <a:r>
+              <a:rPr lang="de-DE" dirty="0" err="1"/>
+              <a:t>data</a:t>
+            </a:r>
+            <a:endParaRPr lang="de-DE" dirty="0"/>
+          </a:p>
+          <a:p>
+            <a:r>
+              <a:rPr lang="de-DE" dirty="0"/>
+              <a:t>Problem:</a:t>
+            </a:r>
+            <a:r>
+              <a:rPr lang="en-US" dirty="0"/>
+              <a:t>p-Sensitive k-anonymity has the limitation of implicitly assuming that each confidential attribute takes values uniformly over its domain, that is, that the frequencies of the various values of a confidential attribute are similar. When this is not the case, </a:t>
+            </a:r>
+            <a:r>
+              <a:rPr lang="en-US" dirty="0" err="1"/>
+              <a:t>achievingp</a:t>
+            </a:r>
+            <a:r>
+              <a:rPr lang="en-US" dirty="0"/>
+              <a:t>-sensitive k-anonymity may cause a huge data utility loss. This is illustrated in the following example.</a:t>
+            </a:r>
+            <a:endParaRPr lang="de-DE" dirty="0"/>
           </a:p>
         </p:txBody>
       </p:sp>
@@ -9810,7 +11109,7 @@
           <p:cNvPr id="6" name="Foliennummernplatzhalter 5">
             <a:extLst>
               <a:ext uri="{FF2B5EF4-FFF2-40B4-BE49-F238E27FC236}">
-                <a16:creationId xmlns:a16="http://schemas.microsoft.com/office/drawing/2014/main" id="{265E418F-8B07-43E5-91F1-566EB30C7F53}"/>
+                <a16:creationId xmlns:a16="http://schemas.microsoft.com/office/drawing/2014/main" id="{E252A72A-F651-40F4-8DBC-665586CBC460}"/>
               </a:ext>
             </a:extLst>
           </p:cNvPr>
@@ -9843,7 +11142,7 @@
     </p:spTree>
     <p:extLst>
       <p:ext uri="{BB962C8B-B14F-4D97-AF65-F5344CB8AC3E}">
-        <p14:creationId xmlns:p14="http://schemas.microsoft.com/office/powerpoint/2010/main" val="405088296"/>
+        <p14:creationId xmlns:p14="http://schemas.microsoft.com/office/powerpoint/2010/main" val="2954308101"/>
       </p:ext>
     </p:extLst>
   </p:cSld>
@@ -9875,7 +11174,7 @@
           <p:cNvPr id="2" name="Titel 1">
             <a:extLst>
               <a:ext uri="{FF2B5EF4-FFF2-40B4-BE49-F238E27FC236}">
-                <a16:creationId xmlns:a16="http://schemas.microsoft.com/office/drawing/2014/main" id="{48F7001C-8209-4829-9211-838EE9976128}"/>
+                <a16:creationId xmlns:a16="http://schemas.microsoft.com/office/drawing/2014/main" id="{29821BA2-C897-4834-998A-48C037EFCC61}"/>
               </a:ext>
             </a:extLst>
           </p:cNvPr>
@@ -9898,7 +11197,7 @@
           <a:p>
             <a:r>
               <a:rPr lang="de-DE" dirty="0"/>
-              <a:t>Different l-</a:t>
+              <a:t>l-</a:t>
             </a:r>
             <a:r>
               <a:rPr lang="de-DE" dirty="0" err="1"/>
@@ -9913,7 +11212,7 @@
           <p:cNvPr id="3" name="Datumsplatzhalter 2">
             <a:extLst>
               <a:ext uri="{FF2B5EF4-FFF2-40B4-BE49-F238E27FC236}">
-                <a16:creationId xmlns:a16="http://schemas.microsoft.com/office/drawing/2014/main" id="{5617572A-0126-4E39-9967-6339673CBF10}"/>
+                <a16:creationId xmlns:a16="http://schemas.microsoft.com/office/drawing/2014/main" id="{707299E6-283C-4175-B3B3-5D836D4EF88A}"/>
               </a:ext>
             </a:extLst>
           </p:cNvPr>
@@ -9947,7 +11246,7 @@
           <p:cNvPr id="4" name="Fußzeilenplatzhalter 3">
             <a:extLst>
               <a:ext uri="{FF2B5EF4-FFF2-40B4-BE49-F238E27FC236}">
-                <a16:creationId xmlns:a16="http://schemas.microsoft.com/office/drawing/2014/main" id="{147D38FB-93C4-47D0-B1B6-40BB9C26DCA0}"/>
+                <a16:creationId xmlns:a16="http://schemas.microsoft.com/office/drawing/2014/main" id="{CDC6992F-08D8-482D-96AA-DC41E416B94B}"/>
               </a:ext>
             </a:extLst>
           </p:cNvPr>
@@ -9981,7 +11280,7 @@
           <p:cNvPr id="5" name="Textplatzhalter 4">
             <a:extLst>
               <a:ext uri="{FF2B5EF4-FFF2-40B4-BE49-F238E27FC236}">
-                <a16:creationId xmlns:a16="http://schemas.microsoft.com/office/drawing/2014/main" id="{A8D93557-FF57-443A-B61F-5F9D57A43186}"/>
+                <a16:creationId xmlns:a16="http://schemas.microsoft.com/office/drawing/2014/main" id="{CB4D70E7-CAB1-402E-A84F-08E5BE171BBF}"/>
               </a:ext>
             </a:extLst>
           </p:cNvPr>
@@ -9999,53 +11298,72 @@
           <a:p>
             <a:r>
               <a:rPr lang="en-US" dirty="0"/>
-              <a:t>1) Distinct l-diversity. There must be at least l distinct values for the confidential attribute in each group of records sharing a combination of key attributes. This is equivalent to l-sensitive k-</a:t>
-            </a:r>
-          </a:p>
-          <a:p>
+              <a:t>Definition 3 (l-Diversity): A data set is said to satisfy</a:t>
+            </a:r>
+          </a:p>
+          <a:p>
+            <a:pPr marL="0" indent="0">
+              <a:buNone/>
+            </a:pPr>
+            <a:r>
+              <a:rPr lang="en-US" dirty="0"/>
+              <a:t>l-diversity if, for each group of records sharing a</a:t>
+            </a:r>
+          </a:p>
+          <a:p>
+            <a:pPr marL="0" indent="0">
+              <a:buNone/>
+            </a:pPr>
+            <a:r>
+              <a:rPr lang="en-US" dirty="0"/>
+              <a:t>combination of key attributes, there are at least l “</a:t>
+            </a:r>
+            <a:r>
+              <a:rPr lang="en-US" dirty="0" err="1"/>
+              <a:t>wellrepresented</a:t>
+            </a:r>
+            <a:r>
+              <a:rPr lang="en-US" dirty="0"/>
+              <a:t>” values for each confidential attribute.</a:t>
+            </a:r>
+          </a:p>
+          <a:p>
+            <a:pPr marL="0" indent="0">
+              <a:buNone/>
+            </a:pPr>
+            <a:r>
+              <a:rPr lang="en-US" dirty="0"/>
+              <a:t>According to [9] the term “well-represented” can be</a:t>
+            </a:r>
+          </a:p>
+          <a:p>
+            <a:pPr marL="0" indent="0">
+              <a:buNone/>
+            </a:pPr>
+            <a:r>
+              <a:rPr lang="de-DE" dirty="0" err="1"/>
+              <a:t>defined</a:t>
+            </a:r>
             <a:r>
               <a:rPr lang="de-DE" dirty="0"/>
-              <a:t>2) </a:t>
+              <a:t> in </a:t>
             </a:r>
             <a:r>
               <a:rPr lang="de-DE" dirty="0" err="1"/>
-              <a:t>Entropy</a:t>
+              <a:t>several</a:t>
             </a:r>
             <a:r>
               <a:rPr lang="de-DE" dirty="0"/>
-              <a:t> l-</a:t>
+              <a:t> </a:t>
             </a:r>
             <a:r>
               <a:rPr lang="de-DE" dirty="0" err="1"/>
-              <a:t>diversity</a:t>
+              <a:t>ways</a:t>
             </a:r>
             <a:r>
               <a:rPr lang="de-DE" dirty="0"/>
-              <a:t>.</a:t>
-            </a:r>
-            <a:r>
-              <a:rPr lang="en-US" dirty="0"/>
-              <a:t>.</a:t>
-            </a:r>
-          </a:p>
-          <a:p>
-            <a:r>
-              <a:rPr lang="de-DE" dirty="0"/>
-              <a:t>3) </a:t>
-            </a:r>
-            <a:r>
-              <a:rPr lang="de-DE" dirty="0" err="1"/>
-              <a:t>Recursive</a:t>
-            </a:r>
-            <a:r>
-              <a:rPr lang="de-DE" dirty="0"/>
-              <a:t> (c, l)-</a:t>
-            </a:r>
-            <a:r>
-              <a:rPr lang="de-DE" dirty="0" err="1"/>
-              <a:t>diversity</a:t>
-            </a:r>
-            <a:endParaRPr lang="de-DE" dirty="0"/>
+              <a:t>:</a:t>
+            </a:r>
           </a:p>
         </p:txBody>
       </p:sp>
@@ -10054,7 +11372,7 @@
           <p:cNvPr id="6" name="Foliennummernplatzhalter 5">
             <a:extLst>
               <a:ext uri="{FF2B5EF4-FFF2-40B4-BE49-F238E27FC236}">
-                <a16:creationId xmlns:a16="http://schemas.microsoft.com/office/drawing/2014/main" id="{5824C375-82E2-4ED0-B2D7-27F730213BC9}"/>
+                <a16:creationId xmlns:a16="http://schemas.microsoft.com/office/drawing/2014/main" id="{265E418F-8B07-43E5-91F1-566EB30C7F53}"/>
               </a:ext>
             </a:extLst>
           </p:cNvPr>
@@ -10087,7 +11405,7 @@
     </p:spTree>
     <p:extLst>
       <p:ext uri="{BB962C8B-B14F-4D97-AF65-F5344CB8AC3E}">
-        <p14:creationId xmlns:p14="http://schemas.microsoft.com/office/powerpoint/2010/main" val="3629270011"/>
+        <p14:creationId xmlns:p14="http://schemas.microsoft.com/office/powerpoint/2010/main" val="405088296"/>
       </p:ext>
     </p:extLst>
   </p:cSld>
@@ -10119,7 +11437,7 @@
           <p:cNvPr id="2" name="Titel 1">
             <a:extLst>
               <a:ext uri="{FF2B5EF4-FFF2-40B4-BE49-F238E27FC236}">
-                <a16:creationId xmlns:a16="http://schemas.microsoft.com/office/drawing/2014/main" id="{D57F315B-3D66-4582-BD2E-B5CF68CF03EA}"/>
+                <a16:creationId xmlns:a16="http://schemas.microsoft.com/office/drawing/2014/main" id="{48F7001C-8209-4829-9211-838EE9976128}"/>
               </a:ext>
             </a:extLst>
           </p:cNvPr>
@@ -10142,15 +11460,7 @@
           <a:p>
             <a:r>
               <a:rPr lang="de-DE" dirty="0"/>
-              <a:t>Pr0blems </a:t>
-            </a:r>
-            <a:r>
-              <a:rPr lang="de-DE" dirty="0" err="1"/>
-              <a:t>with</a:t>
-            </a:r>
-            <a:r>
-              <a:rPr lang="de-DE" dirty="0"/>
-              <a:t> l-</a:t>
+              <a:t>Different l-</a:t>
             </a:r>
             <a:r>
               <a:rPr lang="de-DE" dirty="0" err="1"/>
@@ -10165,7 +11475,7 @@
           <p:cNvPr id="3" name="Datumsplatzhalter 2">
             <a:extLst>
               <a:ext uri="{FF2B5EF4-FFF2-40B4-BE49-F238E27FC236}">
-                <a16:creationId xmlns:a16="http://schemas.microsoft.com/office/drawing/2014/main" id="{F0D016CC-39B2-45FF-8A84-ED244F5DF67D}"/>
+                <a16:creationId xmlns:a16="http://schemas.microsoft.com/office/drawing/2014/main" id="{5617572A-0126-4E39-9967-6339673CBF10}"/>
               </a:ext>
             </a:extLst>
           </p:cNvPr>
@@ -10199,7 +11509,7 @@
           <p:cNvPr id="4" name="Fußzeilenplatzhalter 3">
             <a:extLst>
               <a:ext uri="{FF2B5EF4-FFF2-40B4-BE49-F238E27FC236}">
-                <a16:creationId xmlns:a16="http://schemas.microsoft.com/office/drawing/2014/main" id="{A2CF5D6B-468B-404B-9403-11972A2A9486}"/>
+                <a16:creationId xmlns:a16="http://schemas.microsoft.com/office/drawing/2014/main" id="{147D38FB-93C4-47D0-B1B6-40BB9C26DCA0}"/>
               </a:ext>
             </a:extLst>
           </p:cNvPr>
@@ -10233,7 +11543,7 @@
           <p:cNvPr id="5" name="Textplatzhalter 4">
             <a:extLst>
               <a:ext uri="{FF2B5EF4-FFF2-40B4-BE49-F238E27FC236}">
-                <a16:creationId xmlns:a16="http://schemas.microsoft.com/office/drawing/2014/main" id="{43AD6479-C7D5-46BC-9148-10AF544DFBFA}"/>
+                <a16:creationId xmlns:a16="http://schemas.microsoft.com/office/drawing/2014/main" id="{A8D93557-FF57-443A-B61F-5F9D57A43186}"/>
               </a:ext>
             </a:extLst>
           </p:cNvPr>
@@ -10251,110 +11561,51 @@
           <a:p>
             <a:r>
               <a:rPr lang="en-US" dirty="0"/>
-              <a:t>l-Diversity may be difficult and unnecessary to</a:t>
-            </a:r>
-          </a:p>
-          <a:p>
-            <a:pPr marL="0" indent="0">
-              <a:buNone/>
-            </a:pPr>
-            <a:r>
-              <a:rPr lang="en-US" dirty="0"/>
-              <a:t>achieve. The argument is the same given against</a:t>
-            </a:r>
-          </a:p>
-          <a:p>
-            <a:pPr marL="0" indent="0">
-              <a:buNone/>
-            </a:pPr>
-            <a:r>
-              <a:rPr lang="en-US" dirty="0"/>
-              <a:t>p-sensitive k-anonymity in Example 2 above.</a:t>
-            </a:r>
-          </a:p>
-          <a:p>
-            <a:r>
-              <a:rPr lang="en-US" dirty="0"/>
-              <a:t>l-Diversity is insufficient to prevent attribute disclosure.</a:t>
-            </a:r>
-          </a:p>
-          <a:p>
-            <a:pPr marL="0" indent="0">
-              <a:buNone/>
-            </a:pPr>
-            <a:r>
-              <a:rPr lang="en-US" dirty="0"/>
-              <a:t>At least the following two attacks are </a:t>
+              <a:t>1) Distinct l-diversity. There must be at least l distinct values for the confidential attribute in each group of records sharing a combination of key attributes. This is equivalent to l-sensitive k-</a:t>
+            </a:r>
+          </a:p>
+          <a:p>
+            <a:r>
+              <a:rPr lang="de-DE" dirty="0"/>
+              <a:t>2) </a:t>
             </a:r>
             <a:r>
               <a:rPr lang="de-DE" dirty="0" err="1"/>
-              <a:t>conceivable</a:t>
+              <a:t>Entropy</a:t>
             </a:r>
             <a:r>
               <a:rPr lang="de-DE" dirty="0"/>
-              <a:t>:</a:t>
-            </a:r>
-          </a:p>
-          <a:p>
-            <a:pPr marL="0" indent="0">
-              <a:buNone/>
-            </a:pPr>
+              <a:t> l-</a:t>
+            </a:r>
             <a:r>
               <a:rPr lang="de-DE" dirty="0" err="1"/>
-              <a:t>Skewness</a:t>
+              <a:t>diversity</a:t>
             </a:r>
             <a:r>
               <a:rPr lang="de-DE" dirty="0"/>
-              <a:t> </a:t>
+              <a:t>.</a:t>
+            </a:r>
+            <a:r>
+              <a:rPr lang="en-US" dirty="0"/>
+              <a:t>.</a:t>
+            </a:r>
+          </a:p>
+          <a:p>
+            <a:r>
+              <a:rPr lang="de-DE" dirty="0"/>
+              <a:t>3) </a:t>
             </a:r>
             <a:r>
               <a:rPr lang="de-DE" dirty="0" err="1"/>
-              <a:t>attack</a:t>
+              <a:t>Recursive</a:t>
             </a:r>
             <a:r>
               <a:rPr lang="de-DE" dirty="0"/>
-              <a:t>:</a:t>
-            </a:r>
-          </a:p>
-          <a:p>
-            <a:pPr marL="0" indent="0">
-              <a:buNone/>
-            </a:pPr>
+              <a:t> (c, l)-</a:t>
+            </a:r>
             <a:r>
               <a:rPr lang="de-DE" dirty="0" err="1"/>
-              <a:t>Similarity</a:t>
-            </a:r>
-            <a:r>
-              <a:rPr lang="de-DE" dirty="0"/>
-              <a:t> </a:t>
-            </a:r>
-            <a:r>
-              <a:rPr lang="de-DE" dirty="0" err="1"/>
-              <a:t>attack</a:t>
-            </a:r>
-            <a:r>
-              <a:rPr lang="de-DE" dirty="0"/>
-              <a:t>: </a:t>
-            </a:r>
-            <a:r>
-              <a:rPr lang="de-DE" dirty="0" err="1"/>
-              <a:t>sematical</a:t>
-            </a:r>
-            <a:r>
-              <a:rPr lang="de-DE" dirty="0"/>
-              <a:t> same </a:t>
-            </a:r>
-            <a:r>
-              <a:rPr lang="de-DE" dirty="0" err="1"/>
-              <a:t>cofidentail</a:t>
-            </a:r>
-            <a:r>
-              <a:rPr lang="de-DE" dirty="0"/>
-              <a:t> </a:t>
-            </a:r>
-            <a:r>
-              <a:rPr lang="de-DE" dirty="0" err="1"/>
-              <a:t>attributes</a:t>
+              <a:t>diversity</a:t>
             </a:r>
             <a:endParaRPr lang="de-DE" dirty="0"/>
           </a:p>
@@ -10365,7 +11616,7 @@
           <p:cNvPr id="6" name="Foliennummernplatzhalter 5">
             <a:extLst>
               <a:ext uri="{FF2B5EF4-FFF2-40B4-BE49-F238E27FC236}">
-                <a16:creationId xmlns:a16="http://schemas.microsoft.com/office/drawing/2014/main" id="{ED7B792D-2998-422A-8AFD-846A7976EE01}"/>
+                <a16:creationId xmlns:a16="http://schemas.microsoft.com/office/drawing/2014/main" id="{5824C375-82E2-4ED0-B2D7-27F730213BC9}"/>
               </a:ext>
             </a:extLst>
           </p:cNvPr>
@@ -10398,7 +11649,7 @@
     </p:spTree>
     <p:extLst>
       <p:ext uri="{BB962C8B-B14F-4D97-AF65-F5344CB8AC3E}">
-        <p14:creationId xmlns:p14="http://schemas.microsoft.com/office/powerpoint/2010/main" val="2921885383"/>
+        <p14:creationId xmlns:p14="http://schemas.microsoft.com/office/powerpoint/2010/main" val="3629270011"/>
       </p:ext>
     </p:extLst>
   </p:cSld>
@@ -10430,7 +11681,7 @@
           <p:cNvPr id="2" name="Textplatzhalter 1">
             <a:extLst>
               <a:ext uri="{FF2B5EF4-FFF2-40B4-BE49-F238E27FC236}">
-                <a16:creationId xmlns:a16="http://schemas.microsoft.com/office/drawing/2014/main" id="{C5ABF6C9-14F6-4533-B2B6-9015AAEEA242}"/>
+                <a16:creationId xmlns:a16="http://schemas.microsoft.com/office/drawing/2014/main" id="{AFE1328E-9AF4-4ED3-884A-BB18226EB952}"/>
               </a:ext>
             </a:extLst>
           </p:cNvPr>
@@ -10451,10 +11702,9 @@
               <a:t>Identity </a:t>
             </a:r>
             <a:r>
-              <a:rPr lang="de-DE" dirty="0" err="1"/>
+              <a:rPr lang="en-US" dirty="0"/>
               <a:t>disclosure</a:t>
             </a:r>
-            <a:endParaRPr lang="de-DE" dirty="0"/>
           </a:p>
           <a:p>
             <a:pPr lvl="1"/>
@@ -10476,185 +11726,40 @@
               <a:t>new information revealed about some </a:t>
             </a:r>
             <a:r>
-              <a:rPr lang="de-DE" dirty="0" err="1"/>
-              <a:t>individuals</a:t>
-            </a:r>
-            <a:endParaRPr lang="de-DE" dirty="0"/>
-          </a:p>
-          <a:p>
-            <a:r>
-              <a:rPr lang="de-DE" dirty="0" err="1"/>
-              <a:t>Tables</a:t>
+              <a:rPr lang="de-DE" dirty="0"/>
+              <a:t>individual</a:t>
+            </a:r>
+          </a:p>
+          <a:p>
+            <a:r>
+              <a:rPr lang="en-US" dirty="0"/>
+              <a:t>Tables give useful information to researchers, but</a:t>
+            </a:r>
+          </a:p>
+          <a:p>
+            <a:pPr lvl="1"/>
+            <a:r>
+              <a:rPr lang="en-US" dirty="0"/>
+              <a:t>Record owners interest is to be anonym.</a:t>
+            </a:r>
+          </a:p>
+          <a:p>
+            <a:pPr lvl="2"/>
+            <a:r>
+              <a:rPr lang="en-US" dirty="0"/>
+              <a:t>We have to anonymize</a:t>
             </a:r>
             <a:r>
               <a:rPr lang="de-DE" dirty="0"/>
               <a:t> </a:t>
             </a:r>
             <a:r>
-              <a:rPr lang="de-DE" dirty="0" err="1"/>
-              <a:t>give</a:t>
-            </a:r>
-            <a:r>
-              <a:rPr lang="de-DE" dirty="0"/>
-              <a:t> </a:t>
-            </a:r>
-            <a:r>
-              <a:rPr lang="de-DE" dirty="0" err="1"/>
-              <a:t>usefull</a:t>
-            </a:r>
-            <a:r>
-              <a:rPr lang="de-DE" dirty="0"/>
-              <a:t> </a:t>
-            </a:r>
-            <a:r>
-              <a:rPr lang="de-DE" dirty="0" err="1"/>
-              <a:t>information</a:t>
-            </a:r>
-            <a:r>
-              <a:rPr lang="de-DE" dirty="0"/>
-              <a:t> </a:t>
-            </a:r>
-            <a:r>
-              <a:rPr lang="de-DE" dirty="0" err="1"/>
-              <a:t>to</a:t>
-            </a:r>
-            <a:r>
-              <a:rPr lang="de-DE" dirty="0"/>
-              <a:t> </a:t>
-            </a:r>
-            <a:r>
-              <a:rPr lang="de-DE" dirty="0" err="1"/>
-              <a:t>researchers</a:t>
-            </a:r>
-            <a:r>
-              <a:rPr lang="de-DE" dirty="0"/>
-              <a:t>, but</a:t>
-            </a:r>
-          </a:p>
-          <a:p>
-            <a:pPr lvl="1"/>
-            <a:r>
-              <a:rPr lang="de-DE" dirty="0" err="1"/>
-              <a:t>Record</a:t>
-            </a:r>
-            <a:r>
-              <a:rPr lang="de-DE" dirty="0"/>
-              <a:t> </a:t>
-            </a:r>
-            <a:r>
-              <a:rPr lang="de-DE" dirty="0" err="1"/>
-              <a:t>owners</a:t>
-            </a:r>
-            <a:r>
-              <a:rPr lang="de-DE" dirty="0"/>
-              <a:t> </a:t>
-            </a:r>
-            <a:r>
-              <a:rPr lang="de-DE" dirty="0" err="1"/>
-              <a:t>intrest</a:t>
-            </a:r>
-            <a:r>
-              <a:rPr lang="de-DE" dirty="0"/>
-              <a:t> </a:t>
-            </a:r>
-            <a:r>
-              <a:rPr lang="de-DE" dirty="0" err="1"/>
-              <a:t>is</a:t>
-            </a:r>
-            <a:r>
-              <a:rPr lang="de-DE" dirty="0"/>
-              <a:t> </a:t>
-            </a:r>
-            <a:r>
-              <a:rPr lang="de-DE" dirty="0" err="1"/>
-              <a:t>to</a:t>
-            </a:r>
-            <a:r>
-              <a:rPr lang="de-DE" dirty="0"/>
-              <a:t> </a:t>
-            </a:r>
-            <a:r>
-              <a:rPr lang="de-DE" dirty="0" err="1"/>
-              <a:t>be</a:t>
-            </a:r>
-            <a:r>
-              <a:rPr lang="de-DE" dirty="0"/>
-              <a:t> anonym.</a:t>
-            </a:r>
-          </a:p>
-          <a:p>
-            <a:pPr lvl="2"/>
-            <a:r>
-              <a:rPr lang="de-DE" dirty="0" err="1"/>
-              <a:t>We</a:t>
-            </a:r>
-            <a:r>
-              <a:rPr lang="de-DE" dirty="0"/>
-              <a:t> </a:t>
-            </a:r>
-            <a:r>
-              <a:rPr lang="de-DE" dirty="0" err="1"/>
-              <a:t>have</a:t>
-            </a:r>
-            <a:r>
-              <a:rPr lang="de-DE" dirty="0"/>
-              <a:t> </a:t>
-            </a:r>
-            <a:r>
-              <a:rPr lang="de-DE" dirty="0" err="1"/>
-              <a:t>to</a:t>
-            </a:r>
-            <a:r>
-              <a:rPr lang="de-DE" dirty="0"/>
-              <a:t> </a:t>
-            </a:r>
-            <a:r>
-              <a:rPr lang="de-DE" dirty="0" err="1"/>
-              <a:t>anoymize</a:t>
-            </a:r>
-            <a:r>
-              <a:rPr lang="de-DE" dirty="0"/>
-              <a:t> </a:t>
-            </a:r>
-            <a:r>
-              <a:rPr lang="de-DE" dirty="0" err="1"/>
-              <a:t>the</a:t>
-            </a:r>
-            <a:r>
-              <a:rPr lang="de-DE" dirty="0"/>
-              <a:t> </a:t>
-            </a:r>
-            <a:r>
-              <a:rPr lang="de-DE" dirty="0" err="1"/>
-              <a:t>data</a:t>
-            </a:r>
-            <a:r>
-              <a:rPr lang="de-DE" dirty="0"/>
-              <a:t> </a:t>
-            </a:r>
-            <a:r>
-              <a:rPr lang="de-DE" dirty="0" err="1"/>
-              <a:t>before</a:t>
-            </a:r>
-            <a:r>
-              <a:rPr lang="de-DE" dirty="0"/>
-              <a:t> </a:t>
-            </a:r>
-            <a:r>
-              <a:rPr lang="de-DE" dirty="0" err="1"/>
-              <a:t>releasing</a:t>
-            </a:r>
-            <a:endParaRPr lang="de-DE" dirty="0"/>
-          </a:p>
-          <a:p>
-            <a:pPr lvl="1"/>
-            <a:endParaRPr lang="de-DE" dirty="0"/>
-          </a:p>
-          <a:p>
-            <a:endParaRPr lang="de-DE" dirty="0"/>
-          </a:p>
-          <a:p>
-            <a:endParaRPr lang="de-DE" dirty="0"/>
+              <a:rPr lang="en-US" dirty="0"/>
+              <a:t>the data before releasing</a:t>
+            </a:r>
+          </a:p>
+          <a:p>
+            <a:endParaRPr lang="en-US" dirty="0"/>
           </a:p>
         </p:txBody>
       </p:sp>
@@ -10663,7 +11768,7 @@
           <p:cNvPr id="3" name="Datumsplatzhalter 2">
             <a:extLst>
               <a:ext uri="{FF2B5EF4-FFF2-40B4-BE49-F238E27FC236}">
-                <a16:creationId xmlns:a16="http://schemas.microsoft.com/office/drawing/2014/main" id="{508725E5-76CA-4854-BF0E-004DDA025CC9}"/>
+                <a16:creationId xmlns:a16="http://schemas.microsoft.com/office/drawing/2014/main" id="{ADFDDA15-1E22-4222-B007-F7EF40384E13}"/>
               </a:ext>
             </a:extLst>
           </p:cNvPr>
@@ -10692,7 +11797,7 @@
           <p:cNvPr id="4" name="Fußzeilenplatzhalter 3">
             <a:extLst>
               <a:ext uri="{FF2B5EF4-FFF2-40B4-BE49-F238E27FC236}">
-                <a16:creationId xmlns:a16="http://schemas.microsoft.com/office/drawing/2014/main" id="{8C3B09D2-62EE-4D69-831D-729772988D91}"/>
+                <a16:creationId xmlns:a16="http://schemas.microsoft.com/office/drawing/2014/main" id="{C20694D7-E7B7-4EBB-8619-82848652019A}"/>
               </a:ext>
             </a:extLst>
           </p:cNvPr>
@@ -10721,7 +11826,7 @@
           <p:cNvPr id="5" name="Foliennummernplatzhalter 4">
             <a:extLst>
               <a:ext uri="{FF2B5EF4-FFF2-40B4-BE49-F238E27FC236}">
-                <a16:creationId xmlns:a16="http://schemas.microsoft.com/office/drawing/2014/main" id="{4792159B-4D54-4AE3-8F17-4C32EBB39F8C}"/>
+                <a16:creationId xmlns:a16="http://schemas.microsoft.com/office/drawing/2014/main" id="{2DFA6910-0933-43F2-8202-914F522F4C32}"/>
               </a:ext>
             </a:extLst>
           </p:cNvPr>
@@ -10751,7 +11856,7 @@
           <p:cNvPr id="6" name="Titel 5">
             <a:extLst>
               <a:ext uri="{FF2B5EF4-FFF2-40B4-BE49-F238E27FC236}">
-                <a16:creationId xmlns:a16="http://schemas.microsoft.com/office/drawing/2014/main" id="{2BF105BD-2277-4CEE-A02B-3EBB3084C6CC}"/>
+                <a16:creationId xmlns:a16="http://schemas.microsoft.com/office/drawing/2014/main" id="{B75A54DF-9259-4AA8-948E-8B261B3C327D}"/>
               </a:ext>
             </a:extLst>
           </p:cNvPr>
@@ -10768,12 +11873,8 @@
           <a:lstStyle/>
           <a:p>
             <a:r>
-              <a:rPr lang="de-DE" dirty="0" err="1"/>
-              <a:t>Introduction</a:t>
-            </a:r>
-            <a:r>
-              <a:rPr lang="de-DE" dirty="0"/>
-              <a:t> </a:t>
+              <a:rPr lang="en-US" dirty="0"/>
+              <a:t>Introduction </a:t>
             </a:r>
           </a:p>
         </p:txBody>
@@ -10781,7 +11882,7 @@
     </p:spTree>
     <p:extLst>
       <p:ext uri="{BB962C8B-B14F-4D97-AF65-F5344CB8AC3E}">
-        <p14:creationId xmlns:p14="http://schemas.microsoft.com/office/powerpoint/2010/main" val="342464237"/>
+        <p14:creationId xmlns:p14="http://schemas.microsoft.com/office/powerpoint/2010/main" val="2903989552"/>
       </p:ext>
     </p:extLst>
   </p:cSld>
@@ -10813,7 +11914,7 @@
           <p:cNvPr id="2" name="Titel 1">
             <a:extLst>
               <a:ext uri="{FF2B5EF4-FFF2-40B4-BE49-F238E27FC236}">
-                <a16:creationId xmlns:a16="http://schemas.microsoft.com/office/drawing/2014/main" id="{03774710-EF24-496F-8E16-1860EB9452BD}"/>
+                <a16:creationId xmlns:a16="http://schemas.microsoft.com/office/drawing/2014/main" id="{D57F315B-3D66-4582-BD2E-B5CF68CF03EA}"/>
               </a:ext>
             </a:extLst>
           </p:cNvPr>
@@ -10836,11 +11937,19 @@
           <a:p>
             <a:r>
               <a:rPr lang="de-DE" dirty="0"/>
-              <a:t>t-</a:t>
+              <a:t>Pr0blems </a:t>
             </a:r>
             <a:r>
               <a:rPr lang="de-DE" dirty="0" err="1"/>
-              <a:t>close´ness</a:t>
+              <a:t>with</a:t>
+            </a:r>
+            <a:r>
+              <a:rPr lang="de-DE" dirty="0"/>
+              <a:t> l-</a:t>
+            </a:r>
+            <a:r>
+              <a:rPr lang="de-DE" dirty="0" err="1"/>
+              <a:t>diversity</a:t>
             </a:r>
             <a:endParaRPr lang="de-DE" dirty="0"/>
           </a:p>
@@ -10851,7 +11960,7 @@
           <p:cNvPr id="3" name="Datumsplatzhalter 2">
             <a:extLst>
               <a:ext uri="{FF2B5EF4-FFF2-40B4-BE49-F238E27FC236}">
-                <a16:creationId xmlns:a16="http://schemas.microsoft.com/office/drawing/2014/main" id="{419087A1-C8F7-429D-9539-28EFF980787F}"/>
+                <a16:creationId xmlns:a16="http://schemas.microsoft.com/office/drawing/2014/main" id="{F0D016CC-39B2-45FF-8A84-ED244F5DF67D}"/>
               </a:ext>
             </a:extLst>
           </p:cNvPr>
@@ -10885,7 +11994,7 @@
           <p:cNvPr id="4" name="Fußzeilenplatzhalter 3">
             <a:extLst>
               <a:ext uri="{FF2B5EF4-FFF2-40B4-BE49-F238E27FC236}">
-                <a16:creationId xmlns:a16="http://schemas.microsoft.com/office/drawing/2014/main" id="{16A1720A-77AB-4E5A-8054-A5D031724E0F}"/>
+                <a16:creationId xmlns:a16="http://schemas.microsoft.com/office/drawing/2014/main" id="{A2CF5D6B-468B-404B-9403-11972A2A9486}"/>
               </a:ext>
             </a:extLst>
           </p:cNvPr>
@@ -10907,12 +12016,8 @@
           <a:lstStyle/>
           <a:p>
             <a:r>
-              <a:rPr lang="de-DE" dirty="0"/>
-              <a:t>Andreas Wiegand &amp; Ludwig </a:t>
-            </a:r>
-            <a:r>
-              <a:rPr lang="de-DE" dirty="0" err="1"/>
-              <a:t>Schallner</a:t>
+              <a:rPr lang="de-DE"/>
+              <a:t>Andreas Heimann &amp; Matthias Puchta</a:t>
             </a:r>
             <a:endParaRPr lang="de-DE" dirty="0"/>
           </a:p>
@@ -10923,7 +12028,7 @@
           <p:cNvPr id="5" name="Textplatzhalter 4">
             <a:extLst>
               <a:ext uri="{FF2B5EF4-FFF2-40B4-BE49-F238E27FC236}">
-                <a16:creationId xmlns:a16="http://schemas.microsoft.com/office/drawing/2014/main" id="{30F3C5B2-53AA-499A-886B-AA06C3A92963}"/>
+                <a16:creationId xmlns:a16="http://schemas.microsoft.com/office/drawing/2014/main" id="{43AD6479-C7D5-46BC-9148-10AF544DFBFA}"/>
               </a:ext>
             </a:extLst>
           </p:cNvPr>
@@ -10940,12 +12045,8 @@
           <a:lstStyle/>
           <a:p>
             <a:r>
-              <a:rPr lang="de-DE" dirty="0"/>
-              <a:t>Definition: </a:t>
-            </a:r>
-            <a:r>
-              <a:rPr lang="en-US" dirty="0"/>
-              <a:t>Definition 4 (t-Closeness): A data set is said to</a:t>
+              <a:rPr lang="en-US" dirty="0"/>
+              <a:t>l-Diversity may be difficult and unnecessary to</a:t>
             </a:r>
           </a:p>
           <a:p>
@@ -10954,7 +12055,7 @@
             </a:pPr>
             <a:r>
               <a:rPr lang="en-US" dirty="0"/>
-              <a:t>satisfy t-closeness if, for each group of records sharing</a:t>
+              <a:t>achieve. The argument is the same given against</a:t>
             </a:r>
           </a:p>
           <a:p>
@@ -10963,7 +12064,13 @@
             </a:pPr>
             <a:r>
               <a:rPr lang="en-US" dirty="0"/>
-              <a:t>a combination of key attributes, the distance between</a:t>
+              <a:t>p-sensitive k-anonymity in Example 2 above.</a:t>
+            </a:r>
+          </a:p>
+          <a:p>
+            <a:r>
+              <a:rPr lang="en-US" dirty="0"/>
+              <a:t>l-Diversity is insufficient to prevent attribute disclosure.</a:t>
             </a:r>
           </a:p>
           <a:p>
@@ -10972,7 +12079,15 @@
             </a:pPr>
             <a:r>
               <a:rPr lang="en-US" dirty="0"/>
-              <a:t>the distribution of the confidential attribute in the group</a:t>
+              <a:t>At least the following two attacks are </a:t>
+            </a:r>
+            <a:r>
+              <a:rPr lang="de-DE" dirty="0" err="1"/>
+              <a:t>conceivable</a:t>
+            </a:r>
+            <a:r>
+              <a:rPr lang="de-DE" dirty="0"/>
+              <a:t>:</a:t>
             </a:r>
           </a:p>
           <a:p>
@@ -10980,8 +12095,20 @@
               <a:buNone/>
             </a:pPr>
             <a:r>
-              <a:rPr lang="en-US" dirty="0"/>
-              <a:t>and the distribution of the attribute in the whole data</a:t>
+              <a:rPr lang="de-DE" dirty="0" err="1"/>
+              <a:t>Skewness</a:t>
+            </a:r>
+            <a:r>
+              <a:rPr lang="de-DE" dirty="0"/>
+              <a:t> </a:t>
+            </a:r>
+            <a:r>
+              <a:rPr lang="de-DE" dirty="0" err="1"/>
+              <a:t>attack</a:t>
+            </a:r>
+            <a:r>
+              <a:rPr lang="de-DE" dirty="0"/>
+              <a:t>:</a:t>
             </a:r>
           </a:p>
           <a:p>
@@ -10989,8 +12116,40 @@
               <a:buNone/>
             </a:pPr>
             <a:r>
-              <a:rPr lang="en-US" dirty="0"/>
-              <a:t>set is no more than a threshold t.</a:t>
+              <a:rPr lang="de-DE" dirty="0" err="1"/>
+              <a:t>Similarity</a:t>
+            </a:r>
+            <a:r>
+              <a:rPr lang="de-DE" dirty="0"/>
+              <a:t> </a:t>
+            </a:r>
+            <a:r>
+              <a:rPr lang="de-DE" dirty="0" err="1"/>
+              <a:t>attack</a:t>
+            </a:r>
+            <a:r>
+              <a:rPr lang="de-DE" dirty="0"/>
+              <a:t>: </a:t>
+            </a:r>
+            <a:r>
+              <a:rPr lang="de-DE" dirty="0" err="1"/>
+              <a:t>sematical</a:t>
+            </a:r>
+            <a:r>
+              <a:rPr lang="de-DE" dirty="0"/>
+              <a:t> same </a:t>
+            </a:r>
+            <a:r>
+              <a:rPr lang="de-DE" dirty="0" err="1"/>
+              <a:t>cofidentail</a:t>
+            </a:r>
+            <a:r>
+              <a:rPr lang="de-DE" dirty="0"/>
+              <a:t> </a:t>
+            </a:r>
+            <a:r>
+              <a:rPr lang="de-DE" dirty="0" err="1"/>
+              <a:t>attributes</a:t>
             </a:r>
             <a:endParaRPr lang="de-DE" dirty="0"/>
           </a:p>
@@ -11001,7 +12160,7 @@
           <p:cNvPr id="6" name="Foliennummernplatzhalter 5">
             <a:extLst>
               <a:ext uri="{FF2B5EF4-FFF2-40B4-BE49-F238E27FC236}">
-                <a16:creationId xmlns:a16="http://schemas.microsoft.com/office/drawing/2014/main" id="{54D3FDF2-2764-4BE6-BE4D-51DAF1C1A001}"/>
+                <a16:creationId xmlns:a16="http://schemas.microsoft.com/office/drawing/2014/main" id="{ED7B792D-2998-422A-8AFD-846A7976EE01}"/>
               </a:ext>
             </a:extLst>
           </p:cNvPr>
@@ -11034,7 +12193,7 @@
     </p:spTree>
     <p:extLst>
       <p:ext uri="{BB962C8B-B14F-4D97-AF65-F5344CB8AC3E}">
-        <p14:creationId xmlns:p14="http://schemas.microsoft.com/office/powerpoint/2010/main" val="222580713"/>
+        <p14:creationId xmlns:p14="http://schemas.microsoft.com/office/powerpoint/2010/main" val="2921885383"/>
       </p:ext>
     </p:extLst>
   </p:cSld>
@@ -11066,7 +12225,7 @@
           <p:cNvPr id="2" name="Titel 1">
             <a:extLst>
               <a:ext uri="{FF2B5EF4-FFF2-40B4-BE49-F238E27FC236}">
-                <a16:creationId xmlns:a16="http://schemas.microsoft.com/office/drawing/2014/main" id="{ED74D9F5-7E88-40DD-A611-56459F70E672}"/>
+                <a16:creationId xmlns:a16="http://schemas.microsoft.com/office/drawing/2014/main" id="{03774710-EF24-496F-8E16-1860EB9452BD}"/>
               </a:ext>
             </a:extLst>
           </p:cNvPr>
@@ -11104,7 +12263,7 @@
           <p:cNvPr id="3" name="Datumsplatzhalter 2">
             <a:extLst>
               <a:ext uri="{FF2B5EF4-FFF2-40B4-BE49-F238E27FC236}">
-                <a16:creationId xmlns:a16="http://schemas.microsoft.com/office/drawing/2014/main" id="{A81886F5-D8A0-4AB2-A12D-B44314A08602}"/>
+                <a16:creationId xmlns:a16="http://schemas.microsoft.com/office/drawing/2014/main" id="{419087A1-C8F7-429D-9539-28EFF980787F}"/>
               </a:ext>
             </a:extLst>
           </p:cNvPr>
@@ -11138,7 +12297,7 @@
           <p:cNvPr id="4" name="Fußzeilenplatzhalter 3">
             <a:extLst>
               <a:ext uri="{FF2B5EF4-FFF2-40B4-BE49-F238E27FC236}">
-                <a16:creationId xmlns:a16="http://schemas.microsoft.com/office/drawing/2014/main" id="{59640035-9623-4075-BDEE-7833C664AE8B}"/>
+                <a16:creationId xmlns:a16="http://schemas.microsoft.com/office/drawing/2014/main" id="{16A1720A-77AB-4E5A-8054-A5D031724E0F}"/>
               </a:ext>
             </a:extLst>
           </p:cNvPr>
@@ -11160,8 +12319,12 @@
           <a:lstStyle/>
           <a:p>
             <a:r>
-              <a:rPr lang="de-DE"/>
-              <a:t>Andreas Heimann &amp; Matthias Puchta</a:t>
+              <a:rPr lang="de-DE" dirty="0"/>
+              <a:t>Andreas Wiegand &amp; Ludwig </a:t>
+            </a:r>
+            <a:r>
+              <a:rPr lang="de-DE" dirty="0" err="1"/>
+              <a:t>Schallner</a:t>
             </a:r>
             <a:endParaRPr lang="de-DE" dirty="0"/>
           </a:p>
@@ -11172,7 +12335,7 @@
           <p:cNvPr id="5" name="Textplatzhalter 4">
             <a:extLst>
               <a:ext uri="{FF2B5EF4-FFF2-40B4-BE49-F238E27FC236}">
-                <a16:creationId xmlns:a16="http://schemas.microsoft.com/office/drawing/2014/main" id="{8F031245-BB29-41F9-8C5E-156AFC612440}"/>
+                <a16:creationId xmlns:a16="http://schemas.microsoft.com/office/drawing/2014/main" id="{30F3C5B2-53AA-499A-886B-AA06C3A92963}"/>
               </a:ext>
             </a:extLst>
           </p:cNvPr>
@@ -11190,7 +12353,11 @@
           <a:p>
             <a:r>
               <a:rPr lang="de-DE" dirty="0"/>
-              <a:t>Problems:</a:t>
+              <a:t>Definition: </a:t>
+            </a:r>
+            <a:r>
+              <a:rPr lang="en-US" dirty="0"/>
+              <a:t>Definition 4 (t-Closeness): A data set is said to</a:t>
             </a:r>
           </a:p>
           <a:p>
@@ -11199,7 +12366,7 @@
             </a:pPr>
             <a:r>
               <a:rPr lang="en-US" dirty="0"/>
-              <a:t>Whereas the paper [7] elaborates on several ways</a:t>
+              <a:t>satisfy t-closeness if, for each group of records sharing</a:t>
             </a:r>
           </a:p>
           <a:p>
@@ -11208,7 +12375,7 @@
             </a:pPr>
             <a:r>
               <a:rPr lang="en-US" dirty="0"/>
-              <a:t>o check t-closeness (using several distances between</a:t>
+              <a:t>a combination of key attributes, the distance between</a:t>
             </a:r>
           </a:p>
           <a:p>
@@ -11216,34 +12383,9 @@
               <a:buNone/>
             </a:pPr>
             <a:r>
-              <a:rPr lang="de-DE" dirty="0" err="1"/>
-              <a:t>distributions</a:t>
-            </a:r>
-            <a:r>
-              <a:rPr lang="de-DE" dirty="0"/>
-              <a:t>), </a:t>
-            </a:r>
-            <a:r>
-              <a:rPr lang="de-DE" dirty="0" err="1"/>
-              <a:t>no</a:t>
-            </a:r>
-            <a:r>
-              <a:rPr lang="de-DE" dirty="0"/>
-              <a:t> </a:t>
-            </a:r>
-            <a:r>
-              <a:rPr lang="de-DE" dirty="0" err="1"/>
-              <a:t>computational</a:t>
-            </a:r>
-            <a:r>
-              <a:rPr lang="de-DE" dirty="0"/>
-              <a:t> </a:t>
-            </a:r>
-            <a:r>
-              <a:rPr lang="de-DE" dirty="0" err="1"/>
-              <a:t>procedure</a:t>
-            </a:r>
-            <a:endParaRPr lang="de-DE" dirty="0"/>
+              <a:rPr lang="en-US" dirty="0"/>
+              <a:t>the distribution of the confidential attribute in the group</a:t>
+            </a:r>
           </a:p>
           <a:p>
             <a:pPr marL="0" indent="0">
@@ -11251,13 +12393,17 @@
             </a:pPr>
             <a:r>
               <a:rPr lang="en-US" dirty="0"/>
-              <a:t>to enforce this property is given.</a:t>
+              <a:t>and the distribution of the attribute in the whole data</a:t>
             </a:r>
           </a:p>
           <a:p>
             <a:pPr marL="0" indent="0">
               <a:buNone/>
             </a:pPr>
+            <a:r>
+              <a:rPr lang="en-US" dirty="0"/>
+              <a:t>set is no more than a threshold t.</a:t>
+            </a:r>
             <a:endParaRPr lang="de-DE" dirty="0"/>
           </a:p>
         </p:txBody>
@@ -11267,7 +12413,7 @@
           <p:cNvPr id="6" name="Foliennummernplatzhalter 5">
             <a:extLst>
               <a:ext uri="{FF2B5EF4-FFF2-40B4-BE49-F238E27FC236}">
-                <a16:creationId xmlns:a16="http://schemas.microsoft.com/office/drawing/2014/main" id="{35C5C671-02F4-435F-A4CA-4659E0309639}"/>
+                <a16:creationId xmlns:a16="http://schemas.microsoft.com/office/drawing/2014/main" id="{54D3FDF2-2764-4BE6-BE4D-51DAF1C1A001}"/>
               </a:ext>
             </a:extLst>
           </p:cNvPr>
@@ -11300,7 +12446,7 @@
     </p:spTree>
     <p:extLst>
       <p:ext uri="{BB962C8B-B14F-4D97-AF65-F5344CB8AC3E}">
-        <p14:creationId xmlns:p14="http://schemas.microsoft.com/office/powerpoint/2010/main" val="2648306626"/>
+        <p14:creationId xmlns:p14="http://schemas.microsoft.com/office/powerpoint/2010/main" val="222580713"/>
       </p:ext>
     </p:extLst>
   </p:cSld>
@@ -11332,7 +12478,7 @@
           <p:cNvPr id="2" name="Titel 1">
             <a:extLst>
               <a:ext uri="{FF2B5EF4-FFF2-40B4-BE49-F238E27FC236}">
-                <a16:creationId xmlns:a16="http://schemas.microsoft.com/office/drawing/2014/main" id="{60CF76F7-DA21-4280-B132-DB1CBFFB0632}"/>
+                <a16:creationId xmlns:a16="http://schemas.microsoft.com/office/drawing/2014/main" id="{ED74D9F5-7E88-40DD-A611-56459F70E672}"/>
               </a:ext>
             </a:extLst>
           </p:cNvPr>
@@ -11355,12 +12501,13 @@
           <a:p>
             <a:r>
               <a:rPr lang="de-DE" dirty="0"/>
-              <a:t>Differential </a:t>
-            </a:r>
-            <a:r>
-              <a:rPr lang="de-DE"/>
-              <a:t>privacy</a:t>
-            </a:r>
+              <a:t>t-</a:t>
+            </a:r>
+            <a:r>
+              <a:rPr lang="de-DE" dirty="0" err="1"/>
+              <a:t>close´ness</a:t>
+            </a:r>
+            <a:endParaRPr lang="de-DE" dirty="0"/>
           </a:p>
         </p:txBody>
       </p:sp>
@@ -11369,7 +12516,7 @@
           <p:cNvPr id="3" name="Datumsplatzhalter 2">
             <a:extLst>
               <a:ext uri="{FF2B5EF4-FFF2-40B4-BE49-F238E27FC236}">
-                <a16:creationId xmlns:a16="http://schemas.microsoft.com/office/drawing/2014/main" id="{3B50A201-5742-48F2-9C76-90EB7278DE8B}"/>
+                <a16:creationId xmlns:a16="http://schemas.microsoft.com/office/drawing/2014/main" id="{A81886F5-D8A0-4AB2-A12D-B44314A08602}"/>
               </a:ext>
             </a:extLst>
           </p:cNvPr>
@@ -11403,7 +12550,7 @@
           <p:cNvPr id="4" name="Fußzeilenplatzhalter 3">
             <a:extLst>
               <a:ext uri="{FF2B5EF4-FFF2-40B4-BE49-F238E27FC236}">
-                <a16:creationId xmlns:a16="http://schemas.microsoft.com/office/drawing/2014/main" id="{905609BE-6FD9-442B-89BF-1438B615F4CE}"/>
+                <a16:creationId xmlns:a16="http://schemas.microsoft.com/office/drawing/2014/main" id="{59640035-9623-4075-BDEE-7833C664AE8B}"/>
               </a:ext>
             </a:extLst>
           </p:cNvPr>
@@ -11437,7 +12584,7 @@
           <p:cNvPr id="5" name="Textplatzhalter 4">
             <a:extLst>
               <a:ext uri="{FF2B5EF4-FFF2-40B4-BE49-F238E27FC236}">
-                <a16:creationId xmlns:a16="http://schemas.microsoft.com/office/drawing/2014/main" id="{BE3AB503-2D36-4EFD-97BC-4FB481D902EA}"/>
+                <a16:creationId xmlns:a16="http://schemas.microsoft.com/office/drawing/2014/main" id="{8F031245-BB29-41F9-8C5E-156AFC612440}"/>
               </a:ext>
             </a:extLst>
           </p:cNvPr>
@@ -11453,7 +12600,77 @@
           <a:bodyPr/>
           <a:lstStyle/>
           <a:p>
-            <a:endParaRPr lang="de-DE"/>
+            <a:r>
+              <a:rPr lang="de-DE" dirty="0"/>
+              <a:t>Problems:</a:t>
+            </a:r>
+          </a:p>
+          <a:p>
+            <a:pPr marL="0" indent="0">
+              <a:buNone/>
+            </a:pPr>
+            <a:r>
+              <a:rPr lang="en-US" dirty="0"/>
+              <a:t>Whereas the paper [7] elaborates on several ways</a:t>
+            </a:r>
+          </a:p>
+          <a:p>
+            <a:pPr marL="0" indent="0">
+              <a:buNone/>
+            </a:pPr>
+            <a:r>
+              <a:rPr lang="en-US" dirty="0"/>
+              <a:t>o check t-closeness (using several distances between</a:t>
+            </a:r>
+          </a:p>
+          <a:p>
+            <a:pPr marL="0" indent="0">
+              <a:buNone/>
+            </a:pPr>
+            <a:r>
+              <a:rPr lang="de-DE" dirty="0" err="1"/>
+              <a:t>distributions</a:t>
+            </a:r>
+            <a:r>
+              <a:rPr lang="de-DE" dirty="0"/>
+              <a:t>), </a:t>
+            </a:r>
+            <a:r>
+              <a:rPr lang="de-DE" dirty="0" err="1"/>
+              <a:t>no</a:t>
+            </a:r>
+            <a:r>
+              <a:rPr lang="de-DE" dirty="0"/>
+              <a:t> </a:t>
+            </a:r>
+            <a:r>
+              <a:rPr lang="de-DE" dirty="0" err="1"/>
+              <a:t>computational</a:t>
+            </a:r>
+            <a:r>
+              <a:rPr lang="de-DE" dirty="0"/>
+              <a:t> </a:t>
+            </a:r>
+            <a:r>
+              <a:rPr lang="de-DE" dirty="0" err="1"/>
+              <a:t>procedure</a:t>
+            </a:r>
+            <a:endParaRPr lang="de-DE" dirty="0"/>
+          </a:p>
+          <a:p>
+            <a:pPr marL="0" indent="0">
+              <a:buNone/>
+            </a:pPr>
+            <a:r>
+              <a:rPr lang="en-US" dirty="0"/>
+              <a:t>to enforce this property is given.</a:t>
+            </a:r>
+          </a:p>
+          <a:p>
+            <a:pPr marL="0" indent="0">
+              <a:buNone/>
+            </a:pPr>
+            <a:endParaRPr lang="de-DE" dirty="0"/>
           </a:p>
         </p:txBody>
       </p:sp>
@@ -11462,7 +12679,7 @@
           <p:cNvPr id="6" name="Foliennummernplatzhalter 5">
             <a:extLst>
               <a:ext uri="{FF2B5EF4-FFF2-40B4-BE49-F238E27FC236}">
-                <a16:creationId xmlns:a16="http://schemas.microsoft.com/office/drawing/2014/main" id="{9B878E9B-BDE0-4DC9-9BC7-6B1CE8112B95}"/>
+                <a16:creationId xmlns:a16="http://schemas.microsoft.com/office/drawing/2014/main" id="{35C5C671-02F4-435F-A4CA-4659E0309639}"/>
               </a:ext>
             </a:extLst>
           </p:cNvPr>
@@ -11487,6 +12704,201 @@
               <a:rPr lang="de-DE" smtClean="0"/>
               <a:pPr/>
               <a:t>32</a:t>
+            </a:fld>
+            <a:endParaRPr lang="de-DE"/>
+          </a:p>
+        </p:txBody>
+      </p:sp>
+    </p:spTree>
+    <p:extLst>
+      <p:ext uri="{BB962C8B-B14F-4D97-AF65-F5344CB8AC3E}">
+        <p14:creationId xmlns:p14="http://schemas.microsoft.com/office/powerpoint/2010/main" val="2648306626"/>
+      </p:ext>
+    </p:extLst>
+  </p:cSld>
+  <p:clrMapOvr>
+    <a:masterClrMapping/>
+  </p:clrMapOvr>
+</p:sld>
+</file>
+
+<file path=ppt/slides/slide33.xml><?xml version="1.0" encoding="utf-8"?>
+<p:sld xmlns:a="http://schemas.openxmlformats.org/drawingml/2006/main" xmlns:r="http://schemas.openxmlformats.org/officeDocument/2006/relationships" xmlns:p="http://schemas.openxmlformats.org/presentationml/2006/main">
+  <p:cSld>
+    <p:spTree>
+      <p:nvGrpSpPr>
+        <p:cNvPr id="1" name=""/>
+        <p:cNvGrpSpPr/>
+        <p:nvPr/>
+      </p:nvGrpSpPr>
+      <p:grpSpPr>
+        <a:xfrm>
+          <a:off x="0" y="0"/>
+          <a:ext cx="0" cy="0"/>
+          <a:chOff x="0" y="0"/>
+          <a:chExt cx="0" cy="0"/>
+        </a:xfrm>
+      </p:grpSpPr>
+      <p:sp>
+        <p:nvSpPr>
+          <p:cNvPr id="2" name="Titel 1">
+            <a:extLst>
+              <a:ext uri="{FF2B5EF4-FFF2-40B4-BE49-F238E27FC236}">
+                <a16:creationId xmlns:a16="http://schemas.microsoft.com/office/drawing/2014/main" id="{60CF76F7-DA21-4280-B132-DB1CBFFB0632}"/>
+              </a:ext>
+            </a:extLst>
+          </p:cNvPr>
+          <p:cNvSpPr>
+            <a:spLocks noGrp="1"/>
+          </p:cNvSpPr>
+          <p:nvPr>
+            <p:ph type="title"/>
+          </p:nvPr>
+        </p:nvSpPr>
+        <p:spPr>
+          <a:xfrm>
+            <a:off x="430213" y="265113"/>
+            <a:ext cx="7886700" cy="573087"/>
+          </a:xfrm>
+        </p:spPr>
+        <p:txBody>
+          <a:bodyPr/>
+          <a:lstStyle/>
+          <a:p>
+            <a:r>
+              <a:rPr lang="de-DE" dirty="0"/>
+              <a:t>Differential </a:t>
+            </a:r>
+            <a:r>
+              <a:rPr lang="de-DE"/>
+              <a:t>privacy</a:t>
+            </a:r>
+          </a:p>
+        </p:txBody>
+      </p:sp>
+      <p:sp>
+        <p:nvSpPr>
+          <p:cNvPr id="3" name="Datumsplatzhalter 2">
+            <a:extLst>
+              <a:ext uri="{FF2B5EF4-FFF2-40B4-BE49-F238E27FC236}">
+                <a16:creationId xmlns:a16="http://schemas.microsoft.com/office/drawing/2014/main" id="{3B50A201-5742-48F2-9C76-90EB7278DE8B}"/>
+              </a:ext>
+            </a:extLst>
+          </p:cNvPr>
+          <p:cNvSpPr>
+            <a:spLocks noGrp="1"/>
+          </p:cNvSpPr>
+          <p:nvPr>
+            <p:ph type="dt" sz="half" idx="14"/>
+          </p:nvPr>
+        </p:nvSpPr>
+        <p:spPr>
+          <a:xfrm>
+            <a:off x="1331913" y="6208713"/>
+            <a:ext cx="1296987" cy="476250"/>
+          </a:xfrm>
+        </p:spPr>
+        <p:txBody>
+          <a:bodyPr/>
+          <a:lstStyle/>
+          <a:p>
+            <a:r>
+              <a:rPr lang="de-DE"/>
+              <a:t>18.05.2017</a:t>
+            </a:r>
+            <a:endParaRPr lang="de-DE" dirty="0"/>
+          </a:p>
+        </p:txBody>
+      </p:sp>
+      <p:sp>
+        <p:nvSpPr>
+          <p:cNvPr id="4" name="Fußzeilenplatzhalter 3">
+            <a:extLst>
+              <a:ext uri="{FF2B5EF4-FFF2-40B4-BE49-F238E27FC236}">
+                <a16:creationId xmlns:a16="http://schemas.microsoft.com/office/drawing/2014/main" id="{905609BE-6FD9-442B-89BF-1438B615F4CE}"/>
+              </a:ext>
+            </a:extLst>
+          </p:cNvPr>
+          <p:cNvSpPr>
+            <a:spLocks noGrp="1"/>
+          </p:cNvSpPr>
+          <p:nvPr>
+            <p:ph type="ftr" sz="quarter" idx="15"/>
+          </p:nvPr>
+        </p:nvSpPr>
+        <p:spPr>
+          <a:xfrm>
+            <a:off x="2755900" y="6308725"/>
+            <a:ext cx="5487988" cy="288925"/>
+          </a:xfrm>
+        </p:spPr>
+        <p:txBody>
+          <a:bodyPr/>
+          <a:lstStyle/>
+          <a:p>
+            <a:r>
+              <a:rPr lang="de-DE"/>
+              <a:t>Andreas Heimann &amp; Matthias Puchta</a:t>
+            </a:r>
+            <a:endParaRPr lang="de-DE" dirty="0"/>
+          </a:p>
+        </p:txBody>
+      </p:sp>
+      <p:sp>
+        <p:nvSpPr>
+          <p:cNvPr id="5" name="Textplatzhalter 4">
+            <a:extLst>
+              <a:ext uri="{FF2B5EF4-FFF2-40B4-BE49-F238E27FC236}">
+                <a16:creationId xmlns:a16="http://schemas.microsoft.com/office/drawing/2014/main" id="{BE3AB503-2D36-4EFD-97BC-4FB481D902EA}"/>
+              </a:ext>
+            </a:extLst>
+          </p:cNvPr>
+          <p:cNvSpPr>
+            <a:spLocks noGrp="1"/>
+          </p:cNvSpPr>
+          <p:nvPr>
+            <p:ph type="body" sz="quarter" idx="13"/>
+          </p:nvPr>
+        </p:nvSpPr>
+        <p:spPr/>
+        <p:txBody>
+          <a:bodyPr/>
+          <a:lstStyle/>
+          <a:p>
+            <a:endParaRPr lang="de-DE"/>
+          </a:p>
+        </p:txBody>
+      </p:sp>
+      <p:sp>
+        <p:nvSpPr>
+          <p:cNvPr id="6" name="Foliennummernplatzhalter 5">
+            <a:extLst>
+              <a:ext uri="{FF2B5EF4-FFF2-40B4-BE49-F238E27FC236}">
+                <a16:creationId xmlns:a16="http://schemas.microsoft.com/office/drawing/2014/main" id="{9B878E9B-BDE0-4DC9-9BC7-6B1CE8112B95}"/>
+              </a:ext>
+            </a:extLst>
+          </p:cNvPr>
+          <p:cNvSpPr>
+            <a:spLocks noGrp="1"/>
+          </p:cNvSpPr>
+          <p:nvPr>
+            <p:ph type="sldNum" sz="quarter" idx="16"/>
+          </p:nvPr>
+        </p:nvSpPr>
+        <p:spPr>
+          <a:xfrm>
+            <a:off x="8415338" y="6408738"/>
+            <a:ext cx="477837" cy="333375"/>
+          </a:xfrm>
+        </p:spPr>
+        <p:txBody>
+          <a:bodyPr/>
+          <a:lstStyle/>
+          <a:p>
+            <a:fld id="{50E76E58-F275-47A3-BB17-470016A267B6}" type="slidenum">
+              <a:rPr lang="de-DE" smtClean="0"/>
+              <a:pPr/>
+              <a:t>33</a:t>
             </a:fld>
             <a:endParaRPr lang="de-DE"/>
           </a:p>
@@ -11544,282 +12956,54 @@
           <a:lstStyle/>
           <a:p>
             <a:r>
-              <a:rPr lang="de-DE" dirty="0" err="1"/>
-              <a:t>Is</a:t>
-            </a:r>
-            <a:r>
-              <a:rPr lang="de-DE" dirty="0"/>
-              <a:t> </a:t>
-            </a:r>
-            <a:r>
-              <a:rPr lang="de-DE" dirty="0" err="1"/>
-              <a:t>archieved</a:t>
-            </a:r>
-            <a:r>
-              <a:rPr lang="de-DE" dirty="0"/>
-              <a:t> </a:t>
-            </a:r>
-            <a:r>
-              <a:rPr lang="de-DE" dirty="0" err="1"/>
-              <a:t>if</a:t>
-            </a:r>
-            <a:r>
-              <a:rPr lang="de-DE" dirty="0"/>
-              <a:t>:</a:t>
+              <a:rPr lang="en-US" dirty="0"/>
+              <a:t>Is achieved if:</a:t>
             </a:r>
           </a:p>
           <a:p>
             <a:pPr lvl="1"/>
             <a:r>
-              <a:rPr lang="de-DE" dirty="0"/>
-              <a:t>At least k </a:t>
-            </a:r>
-            <a:r>
-              <a:rPr lang="de-DE" dirty="0" err="1"/>
-              <a:t>matching</a:t>
-            </a:r>
-            <a:r>
-              <a:rPr lang="de-DE" dirty="0"/>
-              <a:t> </a:t>
-            </a:r>
-            <a:r>
-              <a:rPr lang="de-DE" dirty="0" err="1"/>
-              <a:t>record</a:t>
-            </a:r>
-            <a:r>
-              <a:rPr lang="de-DE" dirty="0"/>
-              <a:t> </a:t>
-            </a:r>
-            <a:r>
-              <a:rPr lang="de-DE" dirty="0" err="1"/>
-              <a:t>with</a:t>
-            </a:r>
-            <a:r>
-              <a:rPr lang="de-DE" dirty="0"/>
-              <a:t> </a:t>
-            </a:r>
-            <a:r>
-              <a:rPr lang="de-DE" dirty="0" err="1"/>
-              <a:t>the</a:t>
-            </a:r>
-            <a:r>
-              <a:rPr lang="de-DE" dirty="0"/>
-              <a:t> same </a:t>
-            </a:r>
-            <a:r>
-              <a:rPr lang="de-DE" dirty="0" err="1"/>
-              <a:t>quasiidentifiers</a:t>
-            </a:r>
-            <a:endParaRPr lang="de-DE" dirty="0"/>
-          </a:p>
-          <a:p>
-            <a:r>
-              <a:rPr lang="de-DE" dirty="0" err="1"/>
+              <a:rPr lang="en-US" dirty="0"/>
+              <a:t>At least k matching record with the same quasi-identifiers</a:t>
+            </a:r>
+          </a:p>
+          <a:p>
+            <a:r>
+              <a:rPr lang="en-US" dirty="0"/>
               <a:t>Identifiers</a:t>
             </a:r>
-            <a:endParaRPr lang="de-DE" dirty="0"/>
           </a:p>
           <a:p>
             <a:pPr lvl="1"/>
             <a:r>
-              <a:rPr lang="de-DE" dirty="0"/>
-              <a:t>Attributes </a:t>
-            </a:r>
-            <a:r>
-              <a:rPr lang="de-DE" dirty="0" err="1"/>
-              <a:t>which</a:t>
-            </a:r>
-            <a:r>
-              <a:rPr lang="de-DE" dirty="0"/>
-              <a:t> </a:t>
-            </a:r>
-            <a:r>
-              <a:rPr lang="de-DE" dirty="0" err="1"/>
-              <a:t>identifies</a:t>
-            </a:r>
-            <a:r>
-              <a:rPr lang="de-DE" dirty="0"/>
-              <a:t> </a:t>
-            </a:r>
-            <a:r>
-              <a:rPr lang="de-DE" dirty="0" err="1"/>
-              <a:t>indivduals</a:t>
-            </a:r>
-            <a:r>
-              <a:rPr lang="de-DE" dirty="0"/>
-              <a:t> </a:t>
-            </a:r>
-            <a:r>
-              <a:rPr lang="de-DE" dirty="0" err="1"/>
-              <a:t>explicitly</a:t>
-            </a:r>
-            <a:r>
-              <a:rPr lang="de-DE" dirty="0"/>
-              <a:t> </a:t>
-            </a:r>
-          </a:p>
-          <a:p>
-            <a:r>
-              <a:rPr lang="de-DE" dirty="0" err="1"/>
-              <a:t>Quasiidentifiers</a:t>
-            </a:r>
-            <a:endParaRPr lang="de-DE" dirty="0"/>
+              <a:rPr lang="en-US" dirty="0"/>
+              <a:t>Attributes which identifies individuals explicitly </a:t>
+            </a:r>
+          </a:p>
+          <a:p>
+            <a:r>
+              <a:rPr lang="en-US" dirty="0"/>
+              <a:t>Quasi-identifiers</a:t>
+            </a:r>
           </a:p>
           <a:p>
             <a:pPr lvl="1"/>
             <a:r>
-              <a:rPr lang="de-DE" dirty="0" err="1"/>
-              <a:t>Identifies</a:t>
-            </a:r>
-            <a:r>
-              <a:rPr lang="de-DE" dirty="0"/>
-              <a:t> an </a:t>
-            </a:r>
-            <a:r>
-              <a:rPr lang="de-DE" dirty="0" err="1"/>
-              <a:t>record</a:t>
-            </a:r>
-            <a:r>
-              <a:rPr lang="de-DE" dirty="0"/>
-              <a:t> </a:t>
-            </a:r>
-            <a:r>
-              <a:rPr lang="de-DE" dirty="0" err="1"/>
-              <a:t>owner</a:t>
-            </a:r>
-            <a:r>
-              <a:rPr lang="de-DE" dirty="0"/>
-              <a:t> </a:t>
-            </a:r>
-            <a:r>
-              <a:rPr lang="de-DE" dirty="0" err="1"/>
-              <a:t>only</a:t>
-            </a:r>
-            <a:r>
-              <a:rPr lang="de-DE" dirty="0"/>
-              <a:t> </a:t>
-            </a:r>
-            <a:r>
-              <a:rPr lang="de-DE" dirty="0" err="1"/>
-              <a:t>buy</a:t>
-            </a:r>
-            <a:r>
-              <a:rPr lang="de-DE" dirty="0"/>
-              <a:t> </a:t>
-            </a:r>
-            <a:r>
-              <a:rPr lang="de-DE" dirty="0" err="1"/>
-              <a:t>combination</a:t>
-            </a:r>
-            <a:r>
-              <a:rPr lang="de-DE" dirty="0"/>
-              <a:t> </a:t>
-            </a:r>
-            <a:r>
-              <a:rPr lang="de-DE" dirty="0" err="1"/>
-              <a:t>of</a:t>
-            </a:r>
-            <a:r>
-              <a:rPr lang="de-DE" dirty="0"/>
-              <a:t> </a:t>
-            </a:r>
-            <a:r>
-              <a:rPr lang="de-DE" dirty="0" err="1"/>
-              <a:t>other</a:t>
-            </a:r>
-            <a:r>
-              <a:rPr lang="de-DE" dirty="0"/>
-              <a:t> </a:t>
-            </a:r>
-            <a:r>
-              <a:rPr lang="de-DE" dirty="0" err="1"/>
-              <a:t>Qis</a:t>
-            </a:r>
-            <a:endParaRPr lang="de-DE" dirty="0"/>
-          </a:p>
-          <a:p>
-            <a:r>
-              <a:rPr lang="de-DE" dirty="0"/>
+              <a:rPr lang="en-US" dirty="0"/>
+              <a:t>Identifies an record owner only buy combination of other Qis</a:t>
+            </a:r>
+          </a:p>
+          <a:p>
+            <a:r>
+              <a:rPr lang="en-US" dirty="0"/>
               <a:t>Sensitive Data</a:t>
             </a:r>
           </a:p>
           <a:p>
             <a:pPr lvl="1"/>
             <a:r>
-              <a:rPr lang="de-DE" dirty="0"/>
-              <a:t>Data </a:t>
-            </a:r>
-            <a:r>
-              <a:rPr lang="de-DE" dirty="0" err="1"/>
-              <a:t>to</a:t>
-            </a:r>
-            <a:r>
-              <a:rPr lang="de-DE" dirty="0"/>
-              <a:t> </a:t>
-            </a:r>
-            <a:r>
-              <a:rPr lang="de-DE" dirty="0" err="1"/>
-              <a:t>which</a:t>
-            </a:r>
-            <a:r>
-              <a:rPr lang="de-DE" dirty="0"/>
-              <a:t> </a:t>
-            </a:r>
-            <a:r>
-              <a:rPr lang="de-DE" dirty="0" err="1"/>
-              <a:t>record</a:t>
-            </a:r>
-            <a:r>
-              <a:rPr lang="de-DE" dirty="0"/>
-              <a:t> </a:t>
-            </a:r>
-            <a:r>
-              <a:rPr lang="de-DE" dirty="0" err="1"/>
-              <a:t>owner</a:t>
-            </a:r>
-            <a:r>
-              <a:rPr lang="de-DE" dirty="0"/>
-              <a:t> </a:t>
-            </a:r>
-            <a:r>
-              <a:rPr lang="de-DE" dirty="0" err="1"/>
-              <a:t>doenst</a:t>
-            </a:r>
-            <a:r>
-              <a:rPr lang="de-DE" dirty="0"/>
-              <a:t> </a:t>
-            </a:r>
-            <a:r>
-              <a:rPr lang="de-DE" dirty="0" err="1"/>
-              <a:t>want</a:t>
-            </a:r>
-            <a:r>
-              <a:rPr lang="de-DE" dirty="0"/>
-              <a:t> </a:t>
-            </a:r>
-            <a:r>
-              <a:rPr lang="de-DE" dirty="0" err="1"/>
-              <a:t>to</a:t>
-            </a:r>
-            <a:r>
-              <a:rPr lang="de-DE" dirty="0"/>
-              <a:t> </a:t>
-            </a:r>
-            <a:r>
-              <a:rPr lang="de-DE" dirty="0" err="1"/>
-              <a:t>get</a:t>
-            </a:r>
-            <a:r>
-              <a:rPr lang="de-DE" dirty="0"/>
-              <a:t> </a:t>
-            </a:r>
-            <a:r>
-              <a:rPr lang="de-DE" dirty="0" err="1"/>
-              <a:t>linked</a:t>
-            </a:r>
-            <a:r>
-              <a:rPr lang="de-DE" dirty="0"/>
-              <a:t> </a:t>
+              <a:rPr lang="en-US" dirty="0"/>
+              <a:t>Data to which record owner doesn't want to get linked </a:t>
             </a:r>
           </a:p>
         </p:txBody>
@@ -12111,26 +13295,9 @@
           <a:lstStyle/>
           <a:p>
             <a:r>
-              <a:rPr lang="de-DE" dirty="0" err="1"/>
-              <a:t>Example</a:t>
-            </a:r>
-            <a:r>
-              <a:rPr lang="de-DE" dirty="0"/>
-              <a:t> </a:t>
-            </a:r>
-            <a:r>
-              <a:rPr lang="de-DE" dirty="0" err="1"/>
-              <a:t>of</a:t>
-            </a:r>
-            <a:r>
-              <a:rPr lang="de-DE" dirty="0"/>
-              <a:t> K-</a:t>
-            </a:r>
-            <a:r>
-              <a:rPr lang="de-DE" dirty="0" err="1"/>
-              <a:t>Anonymity</a:t>
-            </a:r>
-            <a:endParaRPr lang="de-DE" dirty="0"/>
+              <a:rPr lang="en-US" dirty="0"/>
+              <a:t>Example of K-Anonymity</a:t>
+            </a:r>
           </a:p>
         </p:txBody>
       </p:sp>
@@ -12274,10 +13441,9 @@
               <a:t>Table 1: original </a:t>
             </a:r>
             <a:r>
-              <a:rPr lang="de-DE" dirty="0" err="1"/>
+              <a:rPr lang="en-US" dirty="0"/>
               <a:t>data</a:t>
             </a:r>
-            <a:endParaRPr lang="de-DE" dirty="0"/>
           </a:p>
         </p:txBody>
       </p:sp>
@@ -12313,10 +13479,10 @@
       </p:grpSpPr>
       <p:sp>
         <p:nvSpPr>
-          <p:cNvPr id="5" name="Textplatzhalter 4">
-            <a:extLst>
-              <a:ext uri="{FF2B5EF4-FFF2-40B4-BE49-F238E27FC236}">
-                <a16:creationId xmlns:a16="http://schemas.microsoft.com/office/drawing/2014/main" id="{AB5F7A7E-01C8-48FD-8047-5A2134437BC9}"/>
+          <p:cNvPr id="2" name="Textplatzhalter 1">
+            <a:extLst>
+              <a:ext uri="{FF2B5EF4-FFF2-40B4-BE49-F238E27FC236}">
+                <a16:creationId xmlns:a16="http://schemas.microsoft.com/office/drawing/2014/main" id="{C376F1B7-5B4C-475F-A809-6EE3BFF59EF1}"/>
               </a:ext>
             </a:extLst>
           </p:cNvPr>
@@ -12333,178 +13499,131 @@
           <a:lstStyle/>
           <a:p>
             <a:r>
-              <a:rPr lang="de-DE" dirty="0" err="1"/>
-              <a:t>Homogeneity</a:t>
-            </a:r>
-            <a:r>
-              <a:rPr lang="de-DE" dirty="0"/>
-              <a:t> </a:t>
-            </a:r>
-            <a:r>
-              <a:rPr lang="de-DE" dirty="0" err="1"/>
-              <a:t>Attack</a:t>
+              <a:rPr lang="en-US" dirty="0"/>
+              <a:t>Adversary has access to table</a:t>
+            </a:r>
+          </a:p>
+          <a:p>
+            <a:pPr lvl="1"/>
+            <a:r>
+              <a:rPr lang="en-US" dirty="0"/>
+              <a:t>And knows that the table is generalized + knows the domain of the attributes</a:t>
+            </a:r>
+          </a:p>
+          <a:p>
+            <a:r>
+              <a:rPr lang="en-US" b="1" dirty="0"/>
+              <a:t>Instance-level background knowledge</a:t>
+            </a:r>
+          </a:p>
+          <a:p>
+            <a:pPr lvl="1"/>
+            <a:r>
+              <a:rPr lang="en-US" dirty="0"/>
+              <a:t>Adversary knows that his target does not suffer from a disease</a:t>
+            </a:r>
+          </a:p>
+          <a:p>
+            <a:pPr lvl="2"/>
+            <a:r>
+              <a:rPr lang="en-US" dirty="0"/>
+              <a:t>May conclude what the target really suffers from</a:t>
+            </a:r>
+          </a:p>
+          <a:p>
+            <a:r>
+              <a:rPr lang="en-US" b="1" dirty="0"/>
+              <a:t>Demographic background knowledge</a:t>
+            </a:r>
+          </a:p>
+          <a:p>
+            <a:pPr lvl="1"/>
+            <a:r>
+              <a:rPr lang="en-US" dirty="0"/>
+              <a:t>Adversary knows </a:t>
+            </a:r>
+            <a:r>
+              <a:rPr lang="en-US" dirty="0" err="1"/>
+              <a:t>e.g</a:t>
+            </a:r>
+            <a:r>
+              <a:rPr lang="en-US" dirty="0"/>
+              <a:t> P(t[condition] = cancer| t[Age]&gt;=40)</a:t>
+            </a:r>
+          </a:p>
+          <a:p>
+            <a:pPr lvl="2"/>
+            <a:r>
+              <a:rPr lang="en-US" dirty="0"/>
+              <a:t>May use it to interference about records</a:t>
+            </a:r>
+          </a:p>
+        </p:txBody>
+      </p:sp>
+      <p:sp>
+        <p:nvSpPr>
+          <p:cNvPr id="3" name="Datumsplatzhalter 2">
+            <a:extLst>
+              <a:ext uri="{FF2B5EF4-FFF2-40B4-BE49-F238E27FC236}">
+                <a16:creationId xmlns:a16="http://schemas.microsoft.com/office/drawing/2014/main" id="{4E894F70-B7EF-4C12-9AE7-956450F47847}"/>
+              </a:ext>
+            </a:extLst>
+          </p:cNvPr>
+          <p:cNvSpPr>
+            <a:spLocks noGrp="1"/>
+          </p:cNvSpPr>
+          <p:nvPr>
+            <p:ph type="dt" sz="half" idx="14"/>
+          </p:nvPr>
+        </p:nvSpPr>
+        <p:spPr/>
+        <p:txBody>
+          <a:bodyPr/>
+          <a:lstStyle/>
+          <a:p>
+            <a:r>
+              <a:rPr lang="de-DE"/>
+              <a:t>30.01.2018</a:t>
             </a:r>
             <a:endParaRPr lang="de-DE" dirty="0"/>
           </a:p>
-          <a:p>
-            <a:r>
-              <a:rPr lang="de-DE" dirty="0"/>
-              <a:t>Background Knowledge </a:t>
-            </a:r>
-            <a:r>
-              <a:rPr lang="de-DE" dirty="0" err="1"/>
-              <a:t>Attack</a:t>
-            </a:r>
-            <a:r>
-              <a:rPr lang="de-DE" dirty="0"/>
-              <a:t>/</a:t>
-            </a:r>
-            <a:r>
-              <a:rPr lang="de-DE" dirty="0" err="1"/>
-              <a:t>attribute</a:t>
-            </a:r>
-            <a:r>
-              <a:rPr lang="de-DE" dirty="0"/>
-              <a:t> </a:t>
-            </a:r>
-            <a:r>
-              <a:rPr lang="de-DE" dirty="0" err="1"/>
-              <a:t>linkage</a:t>
+        </p:txBody>
+      </p:sp>
+      <p:sp>
+        <p:nvSpPr>
+          <p:cNvPr id="4" name="Fußzeilenplatzhalter 3">
+            <a:extLst>
+              <a:ext uri="{FF2B5EF4-FFF2-40B4-BE49-F238E27FC236}">
+                <a16:creationId xmlns:a16="http://schemas.microsoft.com/office/drawing/2014/main" id="{6C9F7B15-09B7-4C02-BEFE-A16EB25204C1}"/>
+              </a:ext>
+            </a:extLst>
+          </p:cNvPr>
+          <p:cNvSpPr>
+            <a:spLocks noGrp="1"/>
+          </p:cNvSpPr>
+          <p:nvPr>
+            <p:ph type="ftr" sz="quarter" idx="15"/>
+          </p:nvPr>
+        </p:nvSpPr>
+        <p:spPr/>
+        <p:txBody>
+          <a:bodyPr/>
+          <a:lstStyle/>
+          <a:p>
+            <a:r>
+              <a:rPr lang="de-DE"/>
+              <a:t>Schallner Ludwig, Wiegnand Andreas</a:t>
             </a:r>
             <a:endParaRPr lang="de-DE" dirty="0"/>
           </a:p>
-          <a:p>
-            <a:r>
-              <a:rPr lang="de-DE" dirty="0" err="1"/>
-              <a:t>Unsorted</a:t>
-            </a:r>
-            <a:r>
-              <a:rPr lang="de-DE" dirty="0"/>
-              <a:t> </a:t>
-            </a:r>
-            <a:r>
-              <a:rPr lang="de-DE" dirty="0" err="1"/>
-              <a:t>Matching</a:t>
-            </a:r>
-            <a:r>
-              <a:rPr lang="de-DE" dirty="0"/>
-              <a:t> </a:t>
-            </a:r>
-            <a:r>
-              <a:rPr lang="de-DE" dirty="0" err="1"/>
-              <a:t>Attacks</a:t>
-            </a:r>
-            <a:endParaRPr lang="de-DE" dirty="0"/>
-          </a:p>
-          <a:p>
-            <a:r>
-              <a:rPr lang="de-DE" dirty="0" err="1"/>
-              <a:t>Complementary</a:t>
-            </a:r>
-            <a:r>
-              <a:rPr lang="de-DE" dirty="0"/>
-              <a:t> Release </a:t>
-            </a:r>
-            <a:r>
-              <a:rPr lang="de-DE" dirty="0" err="1"/>
-              <a:t>Attack</a:t>
-            </a:r>
-            <a:endParaRPr lang="de-DE" dirty="0"/>
-          </a:p>
-          <a:p>
-            <a:r>
-              <a:rPr lang="de-DE" dirty="0"/>
-              <a:t>Temporal </a:t>
-            </a:r>
-            <a:r>
-              <a:rPr lang="de-DE" dirty="0" err="1"/>
-              <a:t>Attack</a:t>
-            </a:r>
-            <a:endParaRPr lang="de-DE" dirty="0"/>
-          </a:p>
-          <a:p>
-            <a:r>
-              <a:rPr lang="de-DE" dirty="0" err="1"/>
-              <a:t>Insufficient</a:t>
-            </a:r>
-            <a:r>
-              <a:rPr lang="de-DE" dirty="0"/>
-              <a:t> Knowledge</a:t>
-            </a:r>
-          </a:p>
-          <a:p>
-            <a:r>
-              <a:rPr lang="en-US" dirty="0"/>
-              <a:t>The Adversary’s Knowledge is Unknown </a:t>
-            </a:r>
-            <a:endParaRPr lang="de-DE" dirty="0"/>
-          </a:p>
-        </p:txBody>
-      </p:sp>
-      <p:sp>
-        <p:nvSpPr>
-          <p:cNvPr id="3" name="Datumsplatzhalter 2">
-            <a:extLst>
-              <a:ext uri="{FF2B5EF4-FFF2-40B4-BE49-F238E27FC236}">
-                <a16:creationId xmlns:a16="http://schemas.microsoft.com/office/drawing/2014/main" id="{2B614201-281B-41E9-A020-0CDA277467C3}"/>
-              </a:ext>
-            </a:extLst>
-          </p:cNvPr>
-          <p:cNvSpPr>
-            <a:spLocks noGrp="1"/>
-          </p:cNvSpPr>
-          <p:nvPr>
-            <p:ph type="dt" sz="half" idx="14"/>
-          </p:nvPr>
-        </p:nvSpPr>
-        <p:spPr/>
-        <p:txBody>
-          <a:bodyPr/>
-          <a:lstStyle/>
-          <a:p>
-            <a:r>
-              <a:rPr lang="de-DE"/>
-              <a:t>18.05.2017</a:t>
-            </a:r>
-            <a:endParaRPr lang="de-DE" dirty="0"/>
-          </a:p>
-        </p:txBody>
-      </p:sp>
-      <p:sp>
-        <p:nvSpPr>
-          <p:cNvPr id="4" name="Fußzeilenplatzhalter 3">
-            <a:extLst>
-              <a:ext uri="{FF2B5EF4-FFF2-40B4-BE49-F238E27FC236}">
-                <a16:creationId xmlns:a16="http://schemas.microsoft.com/office/drawing/2014/main" id="{E5DE40AE-BF51-40C8-A6E9-F8B2204521CC}"/>
-              </a:ext>
-            </a:extLst>
-          </p:cNvPr>
-          <p:cNvSpPr>
-            <a:spLocks noGrp="1"/>
-          </p:cNvSpPr>
-          <p:nvPr>
-            <p:ph type="ftr" sz="quarter" idx="15"/>
-          </p:nvPr>
-        </p:nvSpPr>
-        <p:spPr/>
-        <p:txBody>
-          <a:bodyPr/>
-          <a:lstStyle/>
-          <a:p>
-            <a:r>
-              <a:rPr lang="de-DE"/>
-              <a:t>Andreas Wiegand &amp; Ludwig Schallner</a:t>
-            </a:r>
-            <a:endParaRPr lang="de-DE" dirty="0"/>
-          </a:p>
-        </p:txBody>
-      </p:sp>
-      <p:sp>
-        <p:nvSpPr>
-          <p:cNvPr id="6" name="Foliennummernplatzhalter 5">
-            <a:extLst>
-              <a:ext uri="{FF2B5EF4-FFF2-40B4-BE49-F238E27FC236}">
-                <a16:creationId xmlns:a16="http://schemas.microsoft.com/office/drawing/2014/main" id="{09410FF4-2E0F-4E88-A69A-145B229403F7}"/>
+        </p:txBody>
+      </p:sp>
+      <p:sp>
+        <p:nvSpPr>
+          <p:cNvPr id="5" name="Foliennummernplatzhalter 4">
+            <a:extLst>
+              <a:ext uri="{FF2B5EF4-FFF2-40B4-BE49-F238E27FC236}">
+                <a16:creationId xmlns:a16="http://schemas.microsoft.com/office/drawing/2014/main" id="{B893CFF6-12F4-493D-97F2-8B11CF5363F2}"/>
               </a:ext>
             </a:extLst>
           </p:cNvPr>
@@ -12531,10 +13650,10 @@
       </p:sp>
       <p:sp>
         <p:nvSpPr>
-          <p:cNvPr id="2" name="Titel 1">
-            <a:extLst>
-              <a:ext uri="{FF2B5EF4-FFF2-40B4-BE49-F238E27FC236}">
-                <a16:creationId xmlns:a16="http://schemas.microsoft.com/office/drawing/2014/main" id="{5A696494-2619-425B-9A88-26F6239A8C0F}"/>
+          <p:cNvPr id="6" name="Titel 5">
+            <a:extLst>
+              <a:ext uri="{FF2B5EF4-FFF2-40B4-BE49-F238E27FC236}">
+                <a16:creationId xmlns:a16="http://schemas.microsoft.com/office/drawing/2014/main" id="{E34BEA00-FDF4-41DD-BE03-480698278645}"/>
               </a:ext>
             </a:extLst>
           </p:cNvPr>
@@ -12551,8 +13670,8 @@
           <a:lstStyle/>
           <a:p>
             <a:r>
-              <a:rPr lang="de-DE"/>
-              <a:t>Attacks on K-ANONYMITY </a:t>
+              <a:rPr lang="en-US" dirty="0"/>
+              <a:t>The Adversary’s Knowledge is Unknown </a:t>
             </a:r>
             <a:endParaRPr lang="de-DE" dirty="0"/>
           </a:p>
@@ -12561,7 +13680,7 @@
     </p:spTree>
     <p:extLst>
       <p:ext uri="{BB962C8B-B14F-4D97-AF65-F5344CB8AC3E}">
-        <p14:creationId xmlns:p14="http://schemas.microsoft.com/office/powerpoint/2010/main" val="2188498306"/>
+        <p14:creationId xmlns:p14="http://schemas.microsoft.com/office/powerpoint/2010/main" val="1944751225"/>
       </p:ext>
     </p:extLst>
   </p:cSld>
@@ -12590,6 +13709,199 @@
       </p:grpSpPr>
       <p:sp>
         <p:nvSpPr>
+          <p:cNvPr id="5" name="Textplatzhalter 4">
+            <a:extLst>
+              <a:ext uri="{FF2B5EF4-FFF2-40B4-BE49-F238E27FC236}">
+                <a16:creationId xmlns:a16="http://schemas.microsoft.com/office/drawing/2014/main" id="{AB5F7A7E-01C8-48FD-8047-5A2134437BC9}"/>
+              </a:ext>
+            </a:extLst>
+          </p:cNvPr>
+          <p:cNvSpPr>
+            <a:spLocks noGrp="1"/>
+          </p:cNvSpPr>
+          <p:nvPr>
+            <p:ph type="body" sz="quarter" idx="13"/>
+          </p:nvPr>
+        </p:nvSpPr>
+        <p:spPr/>
+        <p:txBody>
+          <a:bodyPr/>
+          <a:lstStyle/>
+          <a:p>
+            <a:r>
+              <a:rPr lang="en-US" dirty="0"/>
+              <a:t>Homogeneity Attack</a:t>
+            </a:r>
+          </a:p>
+          <a:p>
+            <a:r>
+              <a:rPr lang="en-US" dirty="0"/>
+              <a:t>Background Knowledge Attack/attribute linkage</a:t>
+            </a:r>
+          </a:p>
+          <a:p>
+            <a:r>
+              <a:rPr lang="en-US" dirty="0"/>
+              <a:t>Unsorted Matching Attacks</a:t>
+            </a:r>
+          </a:p>
+          <a:p>
+            <a:r>
+              <a:rPr lang="en-US" dirty="0"/>
+              <a:t>Complementary Release Attack</a:t>
+            </a:r>
+          </a:p>
+        </p:txBody>
+      </p:sp>
+      <p:sp>
+        <p:nvSpPr>
+          <p:cNvPr id="3" name="Datumsplatzhalter 2">
+            <a:extLst>
+              <a:ext uri="{FF2B5EF4-FFF2-40B4-BE49-F238E27FC236}">
+                <a16:creationId xmlns:a16="http://schemas.microsoft.com/office/drawing/2014/main" id="{2B614201-281B-41E9-A020-0CDA277467C3}"/>
+              </a:ext>
+            </a:extLst>
+          </p:cNvPr>
+          <p:cNvSpPr>
+            <a:spLocks noGrp="1"/>
+          </p:cNvSpPr>
+          <p:nvPr>
+            <p:ph type="dt" sz="half" idx="14"/>
+          </p:nvPr>
+        </p:nvSpPr>
+        <p:spPr/>
+        <p:txBody>
+          <a:bodyPr/>
+          <a:lstStyle/>
+          <a:p>
+            <a:r>
+              <a:rPr lang="de-DE"/>
+              <a:t>18.05.2017</a:t>
+            </a:r>
+            <a:endParaRPr lang="de-DE" dirty="0"/>
+          </a:p>
+        </p:txBody>
+      </p:sp>
+      <p:sp>
+        <p:nvSpPr>
+          <p:cNvPr id="4" name="Fußzeilenplatzhalter 3">
+            <a:extLst>
+              <a:ext uri="{FF2B5EF4-FFF2-40B4-BE49-F238E27FC236}">
+                <a16:creationId xmlns:a16="http://schemas.microsoft.com/office/drawing/2014/main" id="{E5DE40AE-BF51-40C8-A6E9-F8B2204521CC}"/>
+              </a:ext>
+            </a:extLst>
+          </p:cNvPr>
+          <p:cNvSpPr>
+            <a:spLocks noGrp="1"/>
+          </p:cNvSpPr>
+          <p:nvPr>
+            <p:ph type="ftr" sz="quarter" idx="15"/>
+          </p:nvPr>
+        </p:nvSpPr>
+        <p:spPr/>
+        <p:txBody>
+          <a:bodyPr/>
+          <a:lstStyle/>
+          <a:p>
+            <a:r>
+              <a:rPr lang="de-DE"/>
+              <a:t>Andreas Wiegand &amp; Ludwig Schallner</a:t>
+            </a:r>
+            <a:endParaRPr lang="de-DE" dirty="0"/>
+          </a:p>
+        </p:txBody>
+      </p:sp>
+      <p:sp>
+        <p:nvSpPr>
+          <p:cNvPr id="6" name="Foliennummernplatzhalter 5">
+            <a:extLst>
+              <a:ext uri="{FF2B5EF4-FFF2-40B4-BE49-F238E27FC236}">
+                <a16:creationId xmlns:a16="http://schemas.microsoft.com/office/drawing/2014/main" id="{09410FF4-2E0F-4E88-A69A-145B229403F7}"/>
+              </a:ext>
+            </a:extLst>
+          </p:cNvPr>
+          <p:cNvSpPr>
+            <a:spLocks noGrp="1"/>
+          </p:cNvSpPr>
+          <p:nvPr>
+            <p:ph type="sldNum" sz="quarter" idx="16"/>
+          </p:nvPr>
+        </p:nvSpPr>
+        <p:spPr/>
+        <p:txBody>
+          <a:bodyPr/>
+          <a:lstStyle/>
+          <a:p>
+            <a:fld id="{50E76E58-F275-47A3-BB17-470016A267B6}" type="slidenum">
+              <a:rPr lang="de-DE" smtClean="0"/>
+              <a:pPr/>
+              <a:t>7</a:t>
+            </a:fld>
+            <a:endParaRPr lang="de-DE"/>
+          </a:p>
+        </p:txBody>
+      </p:sp>
+      <p:sp>
+        <p:nvSpPr>
+          <p:cNvPr id="2" name="Titel 1">
+            <a:extLst>
+              <a:ext uri="{FF2B5EF4-FFF2-40B4-BE49-F238E27FC236}">
+                <a16:creationId xmlns:a16="http://schemas.microsoft.com/office/drawing/2014/main" id="{5A696494-2619-425B-9A88-26F6239A8C0F}"/>
+              </a:ext>
+            </a:extLst>
+          </p:cNvPr>
+          <p:cNvSpPr>
+            <a:spLocks noGrp="1"/>
+          </p:cNvSpPr>
+          <p:nvPr>
+            <p:ph type="title"/>
+          </p:nvPr>
+        </p:nvSpPr>
+        <p:spPr/>
+        <p:txBody>
+          <a:bodyPr/>
+          <a:lstStyle/>
+          <a:p>
+            <a:r>
+              <a:rPr lang="de-DE"/>
+              <a:t>Attacks on K-ANONYMITY </a:t>
+            </a:r>
+            <a:endParaRPr lang="de-DE" dirty="0"/>
+          </a:p>
+        </p:txBody>
+      </p:sp>
+    </p:spTree>
+    <p:extLst>
+      <p:ext uri="{BB962C8B-B14F-4D97-AF65-F5344CB8AC3E}">
+        <p14:creationId xmlns:p14="http://schemas.microsoft.com/office/powerpoint/2010/main" val="2188498306"/>
+      </p:ext>
+    </p:extLst>
+  </p:cSld>
+  <p:clrMapOvr>
+    <a:masterClrMapping/>
+  </p:clrMapOvr>
+</p:sld>
+</file>
+
+<file path=ppt/slides/slide8.xml><?xml version="1.0" encoding="utf-8"?>
+<p:sld xmlns:a="http://schemas.openxmlformats.org/drawingml/2006/main" xmlns:r="http://schemas.openxmlformats.org/officeDocument/2006/relationships" xmlns:p="http://schemas.openxmlformats.org/presentationml/2006/main">
+  <p:cSld>
+    <p:spTree>
+      <p:nvGrpSpPr>
+        <p:cNvPr id="1" name=""/>
+        <p:cNvGrpSpPr/>
+        <p:nvPr/>
+      </p:nvGrpSpPr>
+      <p:grpSpPr>
+        <a:xfrm>
+          <a:off x="0" y="0"/>
+          <a:ext cx="0" cy="0"/>
+          <a:chOff x="0" y="0"/>
+          <a:chExt cx="0" cy="0"/>
+        </a:xfrm>
+      </p:grpSpPr>
+      <p:sp>
+        <p:nvSpPr>
           <p:cNvPr id="2" name="Textplatzhalter 1">
             <a:extLst>
               <a:ext uri="{FF2B5EF4-FFF2-40B4-BE49-F238E27FC236}">
@@ -12615,155 +13927,22 @@
           <a:lstStyle/>
           <a:p>
             <a:r>
-              <a:rPr lang="de-DE" dirty="0"/>
-              <a:t>This </a:t>
-            </a:r>
-            <a:r>
-              <a:rPr lang="de-DE" dirty="0" err="1"/>
-              <a:t>attack</a:t>
-            </a:r>
-            <a:r>
-              <a:rPr lang="de-DE" dirty="0"/>
-              <a:t> </a:t>
-            </a:r>
-            <a:r>
-              <a:rPr lang="de-DE" dirty="0" err="1"/>
-              <a:t>is</a:t>
-            </a:r>
-            <a:r>
-              <a:rPr lang="de-DE" dirty="0"/>
-              <a:t> </a:t>
-            </a:r>
-            <a:r>
-              <a:rPr lang="de-DE" dirty="0" err="1"/>
-              <a:t>based</a:t>
-            </a:r>
-            <a:r>
-              <a:rPr lang="de-DE" dirty="0"/>
-              <a:t> on </a:t>
-            </a:r>
-            <a:r>
-              <a:rPr lang="de-DE" dirty="0" err="1"/>
-              <a:t>the</a:t>
-            </a:r>
-            <a:r>
-              <a:rPr lang="de-DE" dirty="0"/>
-              <a:t> </a:t>
-            </a:r>
-            <a:r>
-              <a:rPr lang="de-DE" dirty="0" err="1"/>
-              <a:t>homogenity</a:t>
-            </a:r>
-            <a:r>
-              <a:rPr lang="de-DE" dirty="0"/>
-              <a:t> </a:t>
-            </a:r>
-            <a:r>
-              <a:rPr lang="de-DE" dirty="0" err="1"/>
-              <a:t>of</a:t>
-            </a:r>
-            <a:r>
-              <a:rPr lang="de-DE" dirty="0"/>
-              <a:t> </a:t>
-            </a:r>
-            <a:r>
-              <a:rPr lang="de-DE" dirty="0" err="1"/>
-              <a:t>data</a:t>
-            </a:r>
-            <a:endParaRPr lang="de-DE" dirty="0"/>
+              <a:rPr lang="en-US" dirty="0"/>
+              <a:t>This attack is based on the homogeneity of data</a:t>
+            </a:r>
           </a:p>
           <a:p>
             <a:pPr lvl="1"/>
             <a:r>
-              <a:rPr lang="de-DE" dirty="0"/>
-              <a:t>Age and Zip-Code </a:t>
-            </a:r>
-            <a:r>
-              <a:rPr lang="de-DE" dirty="0" err="1"/>
-              <a:t>of</a:t>
-            </a:r>
-            <a:r>
-              <a:rPr lang="de-DE" dirty="0"/>
-              <a:t> </a:t>
-            </a:r>
-            <a:r>
-              <a:rPr lang="de-DE" dirty="0" err="1"/>
-              <a:t>the</a:t>
-            </a:r>
-            <a:r>
-              <a:rPr lang="de-DE" dirty="0"/>
-              <a:t> Target</a:t>
+              <a:rPr lang="en-US" dirty="0"/>
+              <a:t>Age and Zip-Code of the Target</a:t>
             </a:r>
           </a:p>
           <a:p>
             <a:pPr lvl="2"/>
             <a:r>
-              <a:rPr lang="de-DE" dirty="0"/>
-              <a:t>Leads </a:t>
-            </a:r>
-            <a:r>
-              <a:rPr lang="de-DE" dirty="0" err="1"/>
-              <a:t>to</a:t>
-            </a:r>
-            <a:r>
-              <a:rPr lang="de-DE" dirty="0"/>
-              <a:t> </a:t>
-            </a:r>
-            <a:r>
-              <a:rPr lang="de-DE" dirty="0" err="1"/>
-              <a:t>conluding</a:t>
-            </a:r>
-            <a:r>
-              <a:rPr lang="de-DE" dirty="0"/>
-              <a:t> </a:t>
-            </a:r>
-            <a:r>
-              <a:rPr lang="de-DE" dirty="0" err="1"/>
-              <a:t>of</a:t>
-            </a:r>
-            <a:r>
-              <a:rPr lang="de-DE" dirty="0"/>
-              <a:t> </a:t>
-            </a:r>
-            <a:r>
-              <a:rPr lang="de-DE" dirty="0" err="1"/>
-              <a:t>disease</a:t>
-            </a:r>
-            <a:r>
-              <a:rPr lang="de-DE" dirty="0"/>
-              <a:t> </a:t>
-            </a:r>
-            <a:r>
-              <a:rPr lang="de-DE" dirty="0" err="1"/>
-              <a:t>of</a:t>
-            </a:r>
-            <a:r>
-              <a:rPr lang="de-DE" dirty="0"/>
-              <a:t> </a:t>
-            </a:r>
-            <a:r>
-              <a:rPr lang="de-DE" dirty="0" err="1"/>
-              <a:t>the</a:t>
-            </a:r>
-            <a:r>
-              <a:rPr lang="de-DE" dirty="0"/>
-              <a:t> </a:t>
-            </a:r>
-            <a:r>
-              <a:rPr lang="de-DE" dirty="0" err="1"/>
-              <a:t>record</a:t>
-            </a:r>
-            <a:r>
-              <a:rPr lang="de-DE" dirty="0"/>
-              <a:t> </a:t>
-            </a:r>
-            <a:r>
-              <a:rPr lang="de-DE" dirty="0" err="1"/>
-              <a:t>owner</a:t>
-            </a:r>
-            <a:r>
-              <a:rPr lang="de-DE" dirty="0"/>
-              <a:t> </a:t>
+              <a:rPr lang="en-US" dirty="0"/>
+              <a:t>Leads to concluding of disease of the record owner </a:t>
             </a:r>
           </a:p>
         </p:txBody>
@@ -12850,7 +14029,7 @@
             <a:fld id="{50E76E58-F275-47A3-BB17-470016A267B6}" type="slidenum">
               <a:rPr lang="de-DE" smtClean="0"/>
               <a:pPr/>
-              <a:t>7</a:t>
+              <a:t>8</a:t>
             </a:fld>
             <a:endParaRPr lang="de-DE"/>
           </a:p>
@@ -12878,18 +14057,9 @@
           <a:lstStyle/>
           <a:p>
             <a:r>
-              <a:rPr lang="de-DE" dirty="0" err="1"/>
-              <a:t>Homogeneity</a:t>
-            </a:r>
-            <a:r>
-              <a:rPr lang="de-DE" dirty="0"/>
-              <a:t> </a:t>
-            </a:r>
-            <a:r>
-              <a:rPr lang="de-DE" dirty="0" err="1"/>
-              <a:t>Attack</a:t>
-            </a:r>
-            <a:endParaRPr lang="de-DE" dirty="0"/>
+              <a:rPr lang="en-US" dirty="0"/>
+              <a:t>Homogeneity Attack</a:t>
+            </a:r>
           </a:p>
         </p:txBody>
       </p:sp>
@@ -12978,7 +14148,7 @@
 </p:sld>
 </file>
 
-<file path=ppt/slides/slide8.xml><?xml version="1.0" encoding="utf-8"?>
+<file path=ppt/slides/slide9.xml><?xml version="1.0" encoding="utf-8"?>
 <p:sld xmlns:a="http://schemas.openxmlformats.org/drawingml/2006/main" xmlns:r="http://schemas.openxmlformats.org/officeDocument/2006/relationships" xmlns:p="http://schemas.openxmlformats.org/presentationml/2006/main">
   <p:cSld>
     <p:spTree>
@@ -13017,165 +14187,52 @@
           <a:lstStyle/>
           <a:p>
             <a:r>
-              <a:rPr lang="de-DE" dirty="0"/>
-              <a:t>This </a:t>
-            </a:r>
-            <a:r>
-              <a:rPr lang="de-DE" dirty="0" err="1"/>
-              <a:t>attack</a:t>
-            </a:r>
-            <a:r>
-              <a:rPr lang="de-DE" dirty="0"/>
-              <a:t> </a:t>
-            </a:r>
-            <a:r>
-              <a:rPr lang="de-DE" dirty="0" err="1"/>
-              <a:t>is</a:t>
-            </a:r>
-            <a:r>
-              <a:rPr lang="de-DE" dirty="0"/>
-              <a:t> </a:t>
-            </a:r>
-            <a:r>
-              <a:rPr lang="de-DE" dirty="0" err="1"/>
-              <a:t>based</a:t>
-            </a:r>
-            <a:r>
-              <a:rPr lang="de-DE" dirty="0"/>
-              <a:t> on </a:t>
-            </a:r>
-            <a:r>
-              <a:rPr lang="de-DE" dirty="0" err="1"/>
-              <a:t>background</a:t>
-            </a:r>
-            <a:r>
-              <a:rPr lang="de-DE" dirty="0"/>
-              <a:t> </a:t>
-            </a:r>
-            <a:r>
-              <a:rPr lang="de-DE" dirty="0" err="1"/>
+              <a:rPr lang="en-US" dirty="0"/>
+              <a:t>This attack is based on background </a:t>
+            </a:r>
+            <a:r>
+              <a:rPr lang="en-US" dirty="0" err="1"/>
               <a:t>knowlegde</a:t>
             </a:r>
-            <a:endParaRPr lang="de-DE" dirty="0"/>
+            <a:endParaRPr lang="en-US" dirty="0"/>
           </a:p>
           <a:p>
             <a:pPr lvl="1"/>
             <a:r>
-              <a:rPr lang="de-DE" dirty="0"/>
-              <a:t>Alice </a:t>
-            </a:r>
-            <a:r>
-              <a:rPr lang="de-DE" dirty="0" err="1"/>
-              <a:t>knows</a:t>
-            </a:r>
-            <a:r>
-              <a:rPr lang="de-DE" dirty="0"/>
-              <a:t> </a:t>
-            </a:r>
-            <a:r>
-              <a:rPr lang="de-DE" dirty="0" err="1"/>
+              <a:rPr lang="en-US" dirty="0"/>
+              <a:t>Alice knows </a:t>
+            </a:r>
+            <a:r>
+              <a:rPr lang="en-US" dirty="0" err="1"/>
               <a:t>additionaly</a:t>
             </a:r>
             <a:r>
-              <a:rPr lang="de-DE" dirty="0"/>
-              <a:t> </a:t>
-            </a:r>
-            <a:r>
-              <a:rPr lang="de-DE" dirty="0" err="1"/>
-              <a:t>that</a:t>
-            </a:r>
-            <a:r>
-              <a:rPr lang="de-DE" dirty="0"/>
-              <a:t> </a:t>
-            </a:r>
-            <a:r>
-              <a:rPr lang="de-DE" dirty="0" err="1"/>
+              <a:rPr lang="en-US" dirty="0"/>
+              <a:t> that </a:t>
+            </a:r>
+            <a:r>
+              <a:rPr lang="en-US" dirty="0" err="1"/>
               <a:t>e.g</a:t>
             </a:r>
             <a:r>
-              <a:rPr lang="de-DE" dirty="0"/>
-              <a:t> Carl(37, 4768) </a:t>
-            </a:r>
-            <a:r>
-              <a:rPr lang="de-DE" dirty="0" err="1"/>
-              <a:t>is</a:t>
-            </a:r>
-            <a:r>
-              <a:rPr lang="de-DE" dirty="0"/>
-              <a:t> </a:t>
-            </a:r>
-            <a:r>
-              <a:rPr lang="de-DE" dirty="0" err="1"/>
+              <a:rPr lang="en-US" dirty="0"/>
+              <a:t> Carl(37, 4768) is </a:t>
+            </a:r>
+            <a:r>
+              <a:rPr lang="en-US" dirty="0" err="1"/>
               <a:t>asian</a:t>
             </a:r>
             <a:r>
-              <a:rPr lang="de-DE" dirty="0"/>
-              <a:t> (</a:t>
-            </a:r>
-            <a:r>
-              <a:rPr lang="de-DE" dirty="0" err="1"/>
-              <a:t>low</a:t>
-            </a:r>
-            <a:r>
-              <a:rPr lang="de-DE" dirty="0"/>
-              <a:t> </a:t>
-            </a:r>
-            <a:r>
-              <a:rPr lang="de-DE" dirty="0" err="1"/>
-              <a:t>risk</a:t>
-            </a:r>
-            <a:r>
-              <a:rPr lang="de-DE" dirty="0"/>
-              <a:t> </a:t>
-            </a:r>
-            <a:r>
-              <a:rPr lang="de-DE" dirty="0" err="1"/>
-              <a:t>of</a:t>
-            </a:r>
-            <a:r>
-              <a:rPr lang="de-DE" dirty="0"/>
-              <a:t> </a:t>
-            </a:r>
-            <a:r>
-              <a:rPr lang="de-DE" dirty="0" err="1"/>
-              <a:t>heart</a:t>
-            </a:r>
-            <a:r>
-              <a:rPr lang="de-DE" dirty="0"/>
-              <a:t> </a:t>
-            </a:r>
-            <a:r>
-              <a:rPr lang="de-DE" dirty="0" err="1"/>
-              <a:t>disease</a:t>
-            </a:r>
-            <a:r>
-              <a:rPr lang="de-DE" dirty="0"/>
-              <a:t>)</a:t>
+              <a:rPr lang="en-US" dirty="0"/>
+              <a:t> (low risk of heart disease)</a:t>
             </a:r>
           </a:p>
           <a:p>
             <a:pPr lvl="2"/>
             <a:r>
-              <a:rPr lang="de-DE" dirty="0" err="1"/>
-              <a:t>Conclude</a:t>
-            </a:r>
-            <a:r>
-              <a:rPr lang="de-DE" dirty="0"/>
-              <a:t> he </a:t>
-            </a:r>
-            <a:r>
-              <a:rPr lang="de-DE" dirty="0" err="1"/>
-              <a:t>has</a:t>
-            </a:r>
-            <a:r>
-              <a:rPr lang="de-DE" dirty="0"/>
-              <a:t> </a:t>
-            </a:r>
-            <a:r>
-              <a:rPr lang="de-DE" dirty="0" err="1"/>
-              <a:t>cancer</a:t>
-            </a:r>
-            <a:endParaRPr lang="de-DE" dirty="0"/>
+              <a:rPr lang="en-US" dirty="0"/>
+              <a:t>Conclude he has cancer</a:t>
+            </a:r>
           </a:p>
         </p:txBody>
       </p:sp>
@@ -13261,7 +14318,7 @@
             <a:fld id="{50E76E58-F275-47A3-BB17-470016A267B6}" type="slidenum">
               <a:rPr lang="de-DE" smtClean="0"/>
               <a:pPr/>
-              <a:t>8</a:t>
+              <a:t>9</a:t>
             </a:fld>
             <a:endParaRPr lang="de-DE"/>
           </a:p>
@@ -13376,258 +14433,6 @@
     <p:extLst>
       <p:ext uri="{BB962C8B-B14F-4D97-AF65-F5344CB8AC3E}">
         <p14:creationId xmlns:p14="http://schemas.microsoft.com/office/powerpoint/2010/main" val="1545862038"/>
-      </p:ext>
-    </p:extLst>
-  </p:cSld>
-  <p:clrMapOvr>
-    <a:masterClrMapping/>
-  </p:clrMapOvr>
-</p:sld>
-</file>
-
-<file path=ppt/slides/slide9.xml><?xml version="1.0" encoding="utf-8"?>
-<p:sld xmlns:a="http://schemas.openxmlformats.org/drawingml/2006/main" xmlns:r="http://schemas.openxmlformats.org/officeDocument/2006/relationships" xmlns:p="http://schemas.openxmlformats.org/presentationml/2006/main">
-  <p:cSld>
-    <p:spTree>
-      <p:nvGrpSpPr>
-        <p:cNvPr id="1" name=""/>
-        <p:cNvGrpSpPr/>
-        <p:nvPr/>
-      </p:nvGrpSpPr>
-      <p:grpSpPr>
-        <a:xfrm>
-          <a:off x="0" y="0"/>
-          <a:ext cx="0" cy="0"/>
-          <a:chOff x="0" y="0"/>
-          <a:chExt cx="0" cy="0"/>
-        </a:xfrm>
-      </p:grpSpPr>
-      <p:sp>
-        <p:nvSpPr>
-          <p:cNvPr id="2" name="Textplatzhalter 1">
-            <a:extLst>
-              <a:ext uri="{FF2B5EF4-FFF2-40B4-BE49-F238E27FC236}">
-                <a16:creationId xmlns:a16="http://schemas.microsoft.com/office/drawing/2014/main" id="{62716006-562A-43E3-9DDE-A104B3493D01}"/>
-              </a:ext>
-            </a:extLst>
-          </p:cNvPr>
-          <p:cNvSpPr>
-            <a:spLocks noGrp="1"/>
-          </p:cNvSpPr>
-          <p:nvPr>
-            <p:ph type="body" sz="quarter" idx="13"/>
-          </p:nvPr>
-        </p:nvSpPr>
-        <p:spPr/>
-        <p:txBody>
-          <a:bodyPr/>
-          <a:lstStyle/>
-          <a:p>
-            <a:r>
-              <a:rPr lang="de-DE" dirty="0" err="1"/>
-              <a:t>Based</a:t>
-            </a:r>
-            <a:r>
-              <a:rPr lang="de-DE" dirty="0"/>
-              <a:t> on </a:t>
-            </a:r>
-            <a:r>
-              <a:rPr lang="de-DE" dirty="0" err="1"/>
-              <a:t>order</a:t>
-            </a:r>
-            <a:r>
-              <a:rPr lang="de-DE" dirty="0"/>
-              <a:t> </a:t>
-            </a:r>
-            <a:r>
-              <a:rPr lang="de-DE" dirty="0" err="1"/>
-              <a:t>of</a:t>
-            </a:r>
-            <a:r>
-              <a:rPr lang="de-DE" dirty="0"/>
-              <a:t> </a:t>
-            </a:r>
-            <a:r>
-              <a:rPr lang="de-DE" dirty="0" err="1"/>
-              <a:t>tuples</a:t>
-            </a:r>
-            <a:endParaRPr lang="de-DE" dirty="0"/>
-          </a:p>
-        </p:txBody>
-      </p:sp>
-      <p:sp>
-        <p:nvSpPr>
-          <p:cNvPr id="3" name="Datumsplatzhalter 2">
-            <a:extLst>
-              <a:ext uri="{FF2B5EF4-FFF2-40B4-BE49-F238E27FC236}">
-                <a16:creationId xmlns:a16="http://schemas.microsoft.com/office/drawing/2014/main" id="{AD3AB6C9-0DB8-4D81-A14E-52B661D2CC80}"/>
-              </a:ext>
-            </a:extLst>
-          </p:cNvPr>
-          <p:cNvSpPr>
-            <a:spLocks noGrp="1"/>
-          </p:cNvSpPr>
-          <p:nvPr>
-            <p:ph type="dt" sz="half" idx="14"/>
-          </p:nvPr>
-        </p:nvSpPr>
-        <p:spPr/>
-        <p:txBody>
-          <a:bodyPr/>
-          <a:lstStyle/>
-          <a:p>
-            <a:r>
-              <a:rPr lang="de-DE"/>
-              <a:t>30.01.2018</a:t>
-            </a:r>
-            <a:endParaRPr lang="de-DE" dirty="0"/>
-          </a:p>
-        </p:txBody>
-      </p:sp>
-      <p:sp>
-        <p:nvSpPr>
-          <p:cNvPr id="4" name="Fußzeilenplatzhalter 3">
-            <a:extLst>
-              <a:ext uri="{FF2B5EF4-FFF2-40B4-BE49-F238E27FC236}">
-                <a16:creationId xmlns:a16="http://schemas.microsoft.com/office/drawing/2014/main" id="{7A049113-3CC5-4ACC-BE03-43D9B950C6DA}"/>
-              </a:ext>
-            </a:extLst>
-          </p:cNvPr>
-          <p:cNvSpPr>
-            <a:spLocks noGrp="1"/>
-          </p:cNvSpPr>
-          <p:nvPr>
-            <p:ph type="ftr" sz="quarter" idx="15"/>
-          </p:nvPr>
-        </p:nvSpPr>
-        <p:spPr/>
-        <p:txBody>
-          <a:bodyPr/>
-          <a:lstStyle/>
-          <a:p>
-            <a:r>
-              <a:rPr lang="de-DE"/>
-              <a:t>Schallner Ludwig, Wiegnand Andreas</a:t>
-            </a:r>
-            <a:endParaRPr lang="de-DE" dirty="0"/>
-          </a:p>
-        </p:txBody>
-      </p:sp>
-      <p:sp>
-        <p:nvSpPr>
-          <p:cNvPr id="5" name="Foliennummernplatzhalter 4">
-            <a:extLst>
-              <a:ext uri="{FF2B5EF4-FFF2-40B4-BE49-F238E27FC236}">
-                <a16:creationId xmlns:a16="http://schemas.microsoft.com/office/drawing/2014/main" id="{E4EDDA99-AB0E-4825-AFC1-0682F00360D8}"/>
-              </a:ext>
-            </a:extLst>
-          </p:cNvPr>
-          <p:cNvSpPr>
-            <a:spLocks noGrp="1"/>
-          </p:cNvSpPr>
-          <p:nvPr>
-            <p:ph type="sldNum" sz="quarter" idx="16"/>
-          </p:nvPr>
-        </p:nvSpPr>
-        <p:spPr/>
-        <p:txBody>
-          <a:bodyPr/>
-          <a:lstStyle/>
-          <a:p>
-            <a:fld id="{50E76E58-F275-47A3-BB17-470016A267B6}" type="slidenum">
-              <a:rPr lang="de-DE" smtClean="0"/>
-              <a:pPr/>
-              <a:t>9</a:t>
-            </a:fld>
-            <a:endParaRPr lang="de-DE"/>
-          </a:p>
-        </p:txBody>
-      </p:sp>
-      <p:sp>
-        <p:nvSpPr>
-          <p:cNvPr id="6" name="Titel 5">
-            <a:extLst>
-              <a:ext uri="{FF2B5EF4-FFF2-40B4-BE49-F238E27FC236}">
-                <a16:creationId xmlns:a16="http://schemas.microsoft.com/office/drawing/2014/main" id="{5530D40E-2D43-4755-A8FC-A78B2B5D402C}"/>
-              </a:ext>
-            </a:extLst>
-          </p:cNvPr>
-          <p:cNvSpPr>
-            <a:spLocks noGrp="1"/>
-          </p:cNvSpPr>
-          <p:nvPr>
-            <p:ph type="title"/>
-          </p:nvPr>
-        </p:nvSpPr>
-        <p:spPr/>
-        <p:txBody>
-          <a:bodyPr/>
-          <a:lstStyle/>
-          <a:p>
-            <a:r>
-              <a:rPr lang="de-DE" dirty="0" err="1"/>
-              <a:t>Unsorted</a:t>
-            </a:r>
-            <a:r>
-              <a:rPr lang="de-DE" dirty="0"/>
-              <a:t> </a:t>
-            </a:r>
-            <a:r>
-              <a:rPr lang="de-DE" dirty="0" err="1"/>
-              <a:t>Matching</a:t>
-            </a:r>
-            <a:r>
-              <a:rPr lang="de-DE" dirty="0"/>
-              <a:t> </a:t>
-            </a:r>
-            <a:r>
-              <a:rPr lang="de-DE" dirty="0" err="1"/>
-              <a:t>Attacks</a:t>
-            </a:r>
-            <a:endParaRPr lang="de-DE" dirty="0"/>
-          </a:p>
-        </p:txBody>
-      </p:sp>
-      <p:pic>
-        <p:nvPicPr>
-          <p:cNvPr id="8" name="Grafik 7">
-            <a:extLst>
-              <a:ext uri="{FF2B5EF4-FFF2-40B4-BE49-F238E27FC236}">
-                <a16:creationId xmlns:a16="http://schemas.microsoft.com/office/drawing/2014/main" id="{52418571-4529-411F-B64C-DF801EE1CEA2}"/>
-              </a:ext>
-            </a:extLst>
-          </p:cNvPr>
-          <p:cNvPicPr>
-            <a:picLocks noChangeAspect="1"/>
-          </p:cNvPicPr>
-          <p:nvPr/>
-        </p:nvPicPr>
-        <p:blipFill>
-          <a:blip r:embed="rId2">
-            <a:extLst>
-              <a:ext uri="{28A0092B-C50C-407E-A947-70E740481C1C}">
-                <a14:useLocalDpi xmlns:a14="http://schemas.microsoft.com/office/drawing/2010/main" val="0"/>
-              </a:ext>
-            </a:extLst>
-          </a:blip>
-          <a:stretch>
-            <a:fillRect/>
-          </a:stretch>
-        </p:blipFill>
-        <p:spPr>
-          <a:xfrm>
-            <a:off x="2209470" y="2242972"/>
-            <a:ext cx="4725059" cy="2372056"/>
-          </a:xfrm>
-          <a:prstGeom prst="rect">
-            <a:avLst/>
-          </a:prstGeom>
-        </p:spPr>
-      </p:pic>
-    </p:spTree>
-    <p:extLst>
-      <p:ext uri="{BB962C8B-B14F-4D97-AF65-F5344CB8AC3E}">
-        <p14:creationId xmlns:p14="http://schemas.microsoft.com/office/powerpoint/2010/main" val="4161008327"/>
       </p:ext>
     </p:extLst>
   </p:cSld>

--- a/presentation/sicherheits_lu.pptx
+++ b/presentation/sicherheits_lu.pptx
@@ -46,7 +46,7 @@
     <p:sldId id="267" r:id="rId36"/>
   </p:sldIdLst>
   <p:sldSz cx="9144000" cy="6858000" type="screen4x3"/>
-  <p:notesSz cx="7099300" cy="10234613"/>
+  <p:notesSz cx="9942513" cy="6761163"/>
   <p:defaultTextStyle>
     <a:defPPr>
       <a:defRPr lang="de-DE"/>
@@ -235,8 +235,8 @@
         </p:nvSpPr>
         <p:spPr bwMode="auto">
           <a:xfrm>
-            <a:off x="0" y="0"/>
-            <a:ext cx="3076575" cy="511175"/>
+            <a:off x="1" y="0"/>
+            <a:ext cx="4308719" cy="337691"/>
           </a:xfrm>
           <a:prstGeom prst="rect">
             <a:avLst/>
@@ -251,7 +251,7 @@
           <a:effectLst/>
         </p:spPr>
         <p:txBody>
-          <a:bodyPr vert="horz" wrap="square" lIns="91440" tIns="45720" rIns="91440" bIns="45720" numCol="1" anchor="t" anchorCtr="0" compatLnSpc="1">
+          <a:bodyPr vert="horz" wrap="square" lIns="88112" tIns="44056" rIns="88112" bIns="44056" numCol="1" anchor="t" anchorCtr="0" compatLnSpc="1">
             <a:prstTxWarp prst="textNoShape">
               <a:avLst/>
             </a:prstTxWarp>
@@ -278,8 +278,8 @@
         </p:nvSpPr>
         <p:spPr bwMode="auto">
           <a:xfrm>
-            <a:off x="4021138" y="0"/>
-            <a:ext cx="3076575" cy="511175"/>
+            <a:off x="5631572" y="0"/>
+            <a:ext cx="4308719" cy="337691"/>
           </a:xfrm>
           <a:prstGeom prst="rect">
             <a:avLst/>
@@ -294,7 +294,7 @@
           <a:effectLst/>
         </p:spPr>
         <p:txBody>
-          <a:bodyPr vert="horz" wrap="square" lIns="91440" tIns="45720" rIns="91440" bIns="45720" numCol="1" anchor="t" anchorCtr="0" compatLnSpc="1">
+          <a:bodyPr vert="horz" wrap="square" lIns="88112" tIns="44056" rIns="88112" bIns="44056" numCol="1" anchor="t" anchorCtr="0" compatLnSpc="1">
             <a:prstTxWarp prst="textNoShape">
               <a:avLst/>
             </a:prstTxWarp>
@@ -308,7 +308,7 @@
             <a:fld id="{5BB45A7C-CD8D-4615-9E21-7904701129AE}" type="datetimeFigureOut">
               <a:rPr lang="de-DE"/>
               <a:pPr/>
-              <a:t>28.01.2018</a:t>
+              <a:t>29.01.2018</a:t>
             </a:fld>
             <a:endParaRPr lang="de-DE"/>
           </a:p>
@@ -326,8 +326,8 @@
         </p:nvSpPr>
         <p:spPr bwMode="auto">
           <a:xfrm>
-            <a:off x="0" y="9721850"/>
-            <a:ext cx="3076575" cy="511175"/>
+            <a:off x="1" y="6422423"/>
+            <a:ext cx="4308719" cy="337691"/>
           </a:xfrm>
           <a:prstGeom prst="rect">
             <a:avLst/>
@@ -342,7 +342,7 @@
           <a:effectLst/>
         </p:spPr>
         <p:txBody>
-          <a:bodyPr vert="horz" wrap="square" lIns="91440" tIns="45720" rIns="91440" bIns="45720" numCol="1" anchor="b" anchorCtr="0" compatLnSpc="1">
+          <a:bodyPr vert="horz" wrap="square" lIns="88112" tIns="44056" rIns="88112" bIns="44056" numCol="1" anchor="b" anchorCtr="0" compatLnSpc="1">
             <a:prstTxWarp prst="textNoShape">
               <a:avLst/>
             </a:prstTxWarp>
@@ -369,8 +369,8 @@
         </p:nvSpPr>
         <p:spPr bwMode="auto">
           <a:xfrm>
-            <a:off x="4021138" y="9721850"/>
-            <a:ext cx="3076575" cy="511175"/>
+            <a:off x="5631572" y="6422423"/>
+            <a:ext cx="4308719" cy="337691"/>
           </a:xfrm>
           <a:prstGeom prst="rect">
             <a:avLst/>
@@ -385,7 +385,7 @@
           <a:effectLst/>
         </p:spPr>
         <p:txBody>
-          <a:bodyPr vert="horz" wrap="square" lIns="91440" tIns="45720" rIns="91440" bIns="45720" numCol="1" anchor="b" anchorCtr="0" compatLnSpc="1">
+          <a:bodyPr vert="horz" wrap="square" lIns="88112" tIns="44056" rIns="88112" bIns="44056" numCol="1" anchor="b" anchorCtr="0" compatLnSpc="1">
             <a:prstTxWarp prst="textNoShape">
               <a:avLst/>
             </a:prstTxWarp>
@@ -453,8 +453,8 @@
         </p:nvSpPr>
         <p:spPr bwMode="auto">
           <a:xfrm>
-            <a:off x="0" y="0"/>
-            <a:ext cx="3076575" cy="511175"/>
+            <a:off x="1" y="0"/>
+            <a:ext cx="4308719" cy="337691"/>
           </a:xfrm>
           <a:prstGeom prst="rect">
             <a:avLst/>
@@ -469,14 +469,14 @@
           <a:effectLst/>
         </p:spPr>
         <p:txBody>
-          <a:bodyPr vert="horz" wrap="square" lIns="96485" tIns="48242" rIns="96485" bIns="48242" numCol="1" anchor="t" anchorCtr="0" compatLnSpc="1">
+          <a:bodyPr vert="horz" wrap="square" lIns="92973" tIns="46486" rIns="92973" bIns="46486" numCol="1" anchor="t" anchorCtr="0" compatLnSpc="1">
             <a:prstTxWarp prst="textNoShape">
               <a:avLst/>
             </a:prstTxWarp>
           </a:bodyPr>
           <a:lstStyle>
-            <a:lvl1pPr algn="l" defTabSz="965184">
-              <a:defRPr sz="1400" b="0"/>
+            <a:lvl1pPr algn="l" defTabSz="930051">
+              <a:defRPr sz="1300" b="0"/>
             </a:lvl1pPr>
           </a:lstStyle>
           <a:p>
@@ -499,8 +499,8 @@
         </p:nvSpPr>
         <p:spPr bwMode="auto">
           <a:xfrm>
-            <a:off x="4021138" y="0"/>
-            <a:ext cx="3076575" cy="511175"/>
+            <a:off x="5631572" y="0"/>
+            <a:ext cx="4308719" cy="337691"/>
           </a:xfrm>
           <a:prstGeom prst="rect">
             <a:avLst/>
@@ -515,14 +515,14 @@
           <a:effectLst/>
         </p:spPr>
         <p:txBody>
-          <a:bodyPr vert="horz" wrap="square" lIns="96485" tIns="48242" rIns="96485" bIns="48242" numCol="1" anchor="t" anchorCtr="0" compatLnSpc="1">
+          <a:bodyPr vert="horz" wrap="square" lIns="92973" tIns="46486" rIns="92973" bIns="46486" numCol="1" anchor="t" anchorCtr="0" compatLnSpc="1">
             <a:prstTxWarp prst="textNoShape">
               <a:avLst/>
             </a:prstTxWarp>
           </a:bodyPr>
           <a:lstStyle>
-            <a:lvl1pPr algn="r" defTabSz="965184">
-              <a:defRPr sz="1400" b="0"/>
+            <a:lvl1pPr algn="r" defTabSz="930051">
+              <a:defRPr sz="1300" b="0"/>
             </a:lvl1pPr>
           </a:lstStyle>
           <a:p>
@@ -545,8 +545,8 @@
         </p:nvSpPr>
         <p:spPr bwMode="auto">
           <a:xfrm>
-            <a:off x="992188" y="768350"/>
-            <a:ext cx="5116512" cy="3836988"/>
+            <a:off x="3282950" y="508000"/>
+            <a:ext cx="3378200" cy="2533650"/>
           </a:xfrm>
           <a:prstGeom prst="rect">
             <a:avLst/>
@@ -574,8 +574,8 @@
         </p:nvSpPr>
         <p:spPr bwMode="auto">
           <a:xfrm>
-            <a:off x="711200" y="4859338"/>
-            <a:ext cx="5676900" cy="4606925"/>
+            <a:off x="996030" y="3210164"/>
+            <a:ext cx="7950453" cy="3043415"/>
           </a:xfrm>
           <a:prstGeom prst="rect">
             <a:avLst/>
@@ -590,7 +590,7 @@
           <a:effectLst/>
         </p:spPr>
         <p:txBody>
-          <a:bodyPr vert="horz" wrap="square" lIns="96485" tIns="48242" rIns="96485" bIns="48242" numCol="1" anchor="t" anchorCtr="0" compatLnSpc="1">
+          <a:bodyPr vert="horz" wrap="square" lIns="92973" tIns="46486" rIns="92973" bIns="46486" numCol="1" anchor="t" anchorCtr="0" compatLnSpc="1">
             <a:prstTxWarp prst="textNoShape">
               <a:avLst/>
             </a:prstTxWarp>
@@ -645,8 +645,8 @@
         </p:nvSpPr>
         <p:spPr bwMode="auto">
           <a:xfrm>
-            <a:off x="0" y="9721850"/>
-            <a:ext cx="3076575" cy="511175"/>
+            <a:off x="1" y="6422423"/>
+            <a:ext cx="4308719" cy="337691"/>
           </a:xfrm>
           <a:prstGeom prst="rect">
             <a:avLst/>
@@ -661,14 +661,14 @@
           <a:effectLst/>
         </p:spPr>
         <p:txBody>
-          <a:bodyPr vert="horz" wrap="square" lIns="96485" tIns="48242" rIns="96485" bIns="48242" numCol="1" anchor="b" anchorCtr="0" compatLnSpc="1">
+          <a:bodyPr vert="horz" wrap="square" lIns="92973" tIns="46486" rIns="92973" bIns="46486" numCol="1" anchor="b" anchorCtr="0" compatLnSpc="1">
             <a:prstTxWarp prst="textNoShape">
               <a:avLst/>
             </a:prstTxWarp>
           </a:bodyPr>
           <a:lstStyle>
-            <a:lvl1pPr algn="l" defTabSz="965184">
-              <a:defRPr sz="1400" b="0"/>
+            <a:lvl1pPr algn="l" defTabSz="930051">
+              <a:defRPr sz="1300" b="0"/>
             </a:lvl1pPr>
           </a:lstStyle>
           <a:p>
@@ -691,8 +691,8 @@
         </p:nvSpPr>
         <p:spPr bwMode="auto">
           <a:xfrm>
-            <a:off x="4021138" y="9721850"/>
-            <a:ext cx="3076575" cy="511175"/>
+            <a:off x="5631572" y="6422423"/>
+            <a:ext cx="4308719" cy="337691"/>
           </a:xfrm>
           <a:prstGeom prst="rect">
             <a:avLst/>
@@ -707,14 +707,14 @@
           <a:effectLst/>
         </p:spPr>
         <p:txBody>
-          <a:bodyPr vert="horz" wrap="square" lIns="96485" tIns="48242" rIns="96485" bIns="48242" numCol="1" anchor="b" anchorCtr="0" compatLnSpc="1">
+          <a:bodyPr vert="horz" wrap="square" lIns="92973" tIns="46486" rIns="92973" bIns="46486" numCol="1" anchor="b" anchorCtr="0" compatLnSpc="1">
             <a:prstTxWarp prst="textNoShape">
               <a:avLst/>
             </a:prstTxWarp>
           </a:bodyPr>
           <a:lstStyle>
-            <a:lvl1pPr algn="r" defTabSz="965184">
-              <a:defRPr sz="1400" b="0"/>
+            <a:lvl1pPr algn="r" defTabSz="930051">
+              <a:defRPr sz="1300" b="0"/>
             </a:lvl1pPr>
           </a:lstStyle>
           <a:p>
@@ -916,56 +916,27 @@
           </a:p>
           <a:p>
             <a:r>
-              <a:rPr lang="en-US" sz="1200" b="0" i="0" u="none" strike="noStrike" kern="1200" baseline="0" dirty="0">
-                <a:solidFill>
-                  <a:schemeClr val="tx1"/>
-                </a:solidFill>
-                <a:latin typeface="Arial" charset="0"/>
-                <a:ea typeface="+mn-ea"/>
-                <a:cs typeface="+mn-cs"/>
-              </a:rPr>
+              <a:rPr lang="en-US" dirty="0"/>
               <a:t>Sometimes this may too restrictive,</a:t>
             </a:r>
           </a:p>
           <a:p>
             <a:r>
-              <a:rPr lang="en-US" sz="1200" b="0" i="0" u="none" strike="noStrike" kern="1200" baseline="0" dirty="0">
-                <a:solidFill>
-                  <a:schemeClr val="tx1"/>
-                </a:solidFill>
-                <a:latin typeface="Arial" charset="0"/>
-                <a:ea typeface="+mn-ea"/>
-                <a:cs typeface="+mn-cs"/>
-              </a:rPr>
+              <a:rPr lang="en-US" dirty="0"/>
               <a:t>as the entropy of the entire table may be low if a few</a:t>
             </a:r>
           </a:p>
           <a:p>
             <a:r>
-              <a:rPr lang="en-US" sz="1200" b="0" i="0" u="none" strike="noStrike" kern="1200" baseline="0" dirty="0">
-                <a:solidFill>
-                  <a:schemeClr val="tx1"/>
-                </a:solidFill>
-                <a:latin typeface="Arial" charset="0"/>
-                <a:ea typeface="+mn-ea"/>
-                <a:cs typeface="+mn-cs"/>
-              </a:rPr>
+              <a:rPr lang="en-US" dirty="0"/>
               <a:t>values are very common. This leads to the following</a:t>
             </a:r>
           </a:p>
           <a:p>
             <a:r>
-              <a:rPr lang="en-US" sz="1200" b="0" i="0" u="none" strike="noStrike" kern="1200" baseline="0" dirty="0">
-                <a:solidFill>
-                  <a:schemeClr val="tx1"/>
-                </a:solidFill>
-                <a:latin typeface="Arial" charset="0"/>
-                <a:ea typeface="+mn-ea"/>
-                <a:cs typeface="+mn-cs"/>
-              </a:rPr>
+              <a:rPr lang="en-US" dirty="0"/>
               <a:t>less conservative notion of -diversity.</a:t>
             </a:r>
-            <a:endParaRPr lang="en-US" dirty="0"/>
           </a:p>
         </p:txBody>
       </p:sp>
@@ -2883,13 +2854,6 @@
               <a:t>release of sensitive data</a:t>
             </a:r>
           </a:p>
-          <a:p>
-            <a:pPr lvl="1"/>
-            <a:r>
-              <a:rPr lang="en-US" dirty="0"/>
-              <a:t>Solution: random sorting</a:t>
-            </a:r>
-          </a:p>
         </p:txBody>
       </p:sp>
       <p:sp>
@@ -3635,7 +3599,7 @@
           <a:p>
             <a:r>
               <a:rPr lang="en-US" dirty="0"/>
-              <a:t>Linked both tables on {Problem} possible</a:t>
+              <a:t>Linking both tables on {Problem}</a:t>
             </a:r>
           </a:p>
           <a:p>
@@ -4154,7 +4118,14 @@
                 <a:pPr lvl="1"/>
                 <a:r>
                   <a:rPr lang="en-US" dirty="0"/>
-                  <a:t>The simplest definition ensures that at least </a:t>
+                  <a:t>The simplest definition </a:t>
+                </a:r>
+              </a:p>
+              <a:p>
+                <a:pPr lvl="2"/>
+                <a:r>
+                  <a:rPr lang="en-US" dirty="0"/>
+                  <a:t>ensures that at least </a:t>
                 </a:r>
                 <a:r>
                   <a:rPr lang="en-US" i="1" dirty="0"/>
@@ -4162,7 +4133,7 @@
                 </a:r>
                 <a:r>
                   <a:rPr lang="en-US" dirty="0"/>
-                  <a:t> distinct values for the sensitive field in each equivalence class.</a:t>
+                  <a:t> distinct values for the sensitive field</a:t>
                 </a:r>
               </a:p>
               <a:p>
@@ -12990,7 +12961,7 @@
             <a:pPr lvl="1"/>
             <a:r>
               <a:rPr lang="en-US" dirty="0"/>
-              <a:t>Identifies an record owner only buy combination of other Qis</a:t>
+              <a:t>Identifies an record owner only by combination of other Qis</a:t>
             </a:r>
           </a:p>
           <a:p>
@@ -13512,7 +13483,7 @@
           </a:p>
           <a:p>
             <a:r>
-              <a:rPr lang="en-US" b="1" dirty="0"/>
+              <a:rPr lang="en-US" dirty="0"/>
               <a:t>Instance-level background knowledge</a:t>
             </a:r>
           </a:p>
@@ -13532,7 +13503,7 @@
           </a:p>
           <a:p>
             <a:r>
-              <a:rPr lang="en-US" b="1" dirty="0"/>
+              <a:rPr lang="en-US" dirty="0"/>
               <a:t>Demographic background knowledge</a:t>
             </a:r>
           </a:p>
@@ -13935,7 +13906,7 @@
             <a:pPr lvl="1"/>
             <a:r>
               <a:rPr lang="en-US" dirty="0"/>
-              <a:t>Age and Zip-Code of the Target</a:t>
+              <a:t>Age and Zip-Code of the target</a:t>
             </a:r>
           </a:p>
           <a:p>
@@ -14200,38 +14171,17 @@
             <a:pPr lvl="1"/>
             <a:r>
               <a:rPr lang="en-US" dirty="0"/>
-              <a:t>Alice knows </a:t>
-            </a:r>
-            <a:r>
-              <a:rPr lang="en-US" dirty="0" err="1"/>
-              <a:t>additionaly</a:t>
-            </a:r>
-            <a:r>
-              <a:rPr lang="en-US" dirty="0"/>
-              <a:t> that </a:t>
-            </a:r>
-            <a:r>
-              <a:rPr lang="en-US" dirty="0" err="1"/>
-              <a:t>e.g</a:t>
-            </a:r>
-            <a:r>
-              <a:rPr lang="en-US" dirty="0"/>
-              <a:t> Carl(37, 4768) is </a:t>
-            </a:r>
-            <a:r>
-              <a:rPr lang="en-US" dirty="0" err="1"/>
-              <a:t>asian</a:t>
-            </a:r>
-            <a:r>
-              <a:rPr lang="en-US" dirty="0"/>
-              <a:t> (low risk of heart disease)</a:t>
-            </a:r>
-          </a:p>
-          <a:p>
-            <a:pPr lvl="2"/>
-            <a:r>
-              <a:rPr lang="en-US" dirty="0"/>
-              <a:t>Conclude he has cancer</a:t>
+              <a:t>Alice knows additionally that e.g. Carl(36, 47605) has a low risk of heart disease </a:t>
+            </a:r>
+            <a:r>
+              <a:rPr lang="en-US" dirty="0">
+                <a:sym typeface="Wingdings" panose="05000000000000000000" pitchFamily="2" charset="2"/>
+              </a:rPr>
+              <a:t> c</a:t>
+            </a:r>
+            <a:r>
+              <a:rPr lang="en-US" dirty="0"/>
+              <a:t>onclude he has cancer</a:t>
             </a:r>
           </a:p>
         </p:txBody>
@@ -15523,18 +15473,18 @@
 
 <file path=customXml/item1.xml><?xml version="1.0" encoding="utf-8"?>
 <Control xmlns="http://schemas.microsoft.com/VisualStudio/2011/storyboarding/control">
-  <Id Name="System.Storyboarding.Common.Button" Revision="1" Stencil="System.Storyboarding.Common" StencilVersion="0.1"/>
+  <Id Name="dec3670c-0d6f-4455-9c2f-971d108358d4" Revision="1" Stencil="System.MyShapes" StencilVersion="1.0"/>
 </Control>
 </file>
 
 <file path=customXml/item2.xml><?xml version="1.0" encoding="utf-8"?>
 <Control xmlns="http://schemas.microsoft.com/VisualStudio/2011/storyboarding/control">
-  <Id Name="dec3670c-0d6f-4455-9c2f-971d108358d4" Revision="1" Stencil="System.MyShapes" StencilVersion="1.0"/>
+  <Id Name="System.Storyboarding.Common.Button" Revision="1" Stencil="System.Storyboarding.Common" StencilVersion="0.1"/>
 </Control>
 </file>
 
 <file path=customXml/itemProps1.xml><?xml version="1.0" encoding="utf-8"?>
-<ds:datastoreItem xmlns:ds="http://schemas.openxmlformats.org/officeDocument/2006/customXml" ds:itemID="{206AFEA3-501E-4E71-91B3-BDBE1D839E11}">
+<ds:datastoreItem xmlns:ds="http://schemas.openxmlformats.org/officeDocument/2006/customXml" ds:itemID="{566C5A5A-5A83-4A95-95C1-260C6D486DE6}">
   <ds:schemaRefs>
     <ds:schemaRef ds:uri="http://schemas.microsoft.com/VisualStudio/2011/storyboarding/control"/>
   </ds:schemaRefs>
@@ -15542,7 +15492,7 @@
 </file>
 
 <file path=customXml/itemProps2.xml><?xml version="1.0" encoding="utf-8"?>
-<ds:datastoreItem xmlns:ds="http://schemas.openxmlformats.org/officeDocument/2006/customXml" ds:itemID="{566C5A5A-5A83-4A95-95C1-260C6D486DE6}">
+<ds:datastoreItem xmlns:ds="http://schemas.openxmlformats.org/officeDocument/2006/customXml" ds:itemID="{206AFEA3-501E-4E71-91B3-BDBE1D839E11}">
   <ds:schemaRefs>
     <ds:schemaRef ds:uri="http://schemas.microsoft.com/VisualStudio/2011/storyboarding/control"/>
   </ds:schemaRefs>

--- a/presentation/sicherheits_lu.pptx
+++ b/presentation/sicherheits_lu.pptx
@@ -5,10 +5,10 @@
     <p:sldMasterId id="2147483678" r:id="rId3"/>
   </p:sldMasterIdLst>
   <p:notesMasterIdLst>
-    <p:notesMasterId r:id="rId37"/>
+    <p:notesMasterId r:id="rId19"/>
   </p:notesMasterIdLst>
   <p:handoutMasterIdLst>
-    <p:handoutMasterId r:id="rId38"/>
+    <p:handoutMasterId r:id="rId20"/>
   </p:handoutMasterIdLst>
   <p:sldIdLst>
     <p:sldId id="256" r:id="rId4"/>
@@ -25,25 +25,7 @@
     <p:sldId id="296" r:id="rId15"/>
     <p:sldId id="298" r:id="rId16"/>
     <p:sldId id="299" r:id="rId17"/>
-    <p:sldId id="270" r:id="rId18"/>
-    <p:sldId id="272" r:id="rId19"/>
-    <p:sldId id="271" r:id="rId20"/>
-    <p:sldId id="283" r:id="rId21"/>
-    <p:sldId id="273" r:id="rId22"/>
-    <p:sldId id="274" r:id="rId23"/>
-    <p:sldId id="275" r:id="rId24"/>
-    <p:sldId id="277" r:id="rId25"/>
-    <p:sldId id="278" r:id="rId26"/>
-    <p:sldId id="280" r:id="rId27"/>
-    <p:sldId id="281" r:id="rId28"/>
-    <p:sldId id="263" r:id="rId29"/>
-    <p:sldId id="264" r:id="rId30"/>
-    <p:sldId id="260" r:id="rId31"/>
-    <p:sldId id="265" r:id="rId32"/>
-    <p:sldId id="266" r:id="rId33"/>
-    <p:sldId id="262" r:id="rId34"/>
-    <p:sldId id="261" r:id="rId35"/>
-    <p:sldId id="267" r:id="rId36"/>
+    <p:sldId id="300" r:id="rId18"/>
   </p:sldIdLst>
   <p:sldSz cx="9144000" cy="6858000" type="screen4x3"/>
   <p:notesSz cx="9942513" cy="6761163"/>
@@ -1062,7 +1044,7 @@
     </p:spTree>
     <p:extLst>
       <p:ext uri="{BB962C8B-B14F-4D97-AF65-F5344CB8AC3E}">
-        <p14:creationId xmlns:p14="http://schemas.microsoft.com/office/powerpoint/2010/main" val="2617522922"/>
+        <p14:creationId xmlns:p14="http://schemas.microsoft.com/office/powerpoint/2010/main" val="319268527"/>
       </p:ext>
     </p:extLst>
   </p:cSld>
@@ -4065,8 +4047,8 @@
           <a:chExt cx="0" cy="0"/>
         </a:xfrm>
       </p:grpSpPr>
-      <mc:AlternateContent xmlns:mc="http://schemas.openxmlformats.org/markup-compatibility/2006">
-        <mc:Choice xmlns:a14="http://schemas.microsoft.com/office/drawing/2010/main" Requires="a14">
+      <mc:AlternateContent xmlns:mc="http://schemas.openxmlformats.org/markup-compatibility/2006" xmlns:a14="http://schemas.microsoft.com/office/drawing/2010/main">
+        <mc:Choice Requires="a14">
           <p:sp>
             <p:nvSpPr>
               <p:cNvPr id="2" name="Textplatzhalter 1">
@@ -4325,7 +4307,7 @@
             </p:txBody>
           </p:sp>
         </mc:Choice>
-        <mc:Fallback>
+        <mc:Fallback xmlns="">
           <p:sp>
             <p:nvSpPr>
               <p:cNvPr id="2" name="Textplatzhalter 1">
@@ -4574,7 +4556,7 @@
             </a:r>
             <a:r>
               <a:rPr lang="en-US" i="1" dirty="0"/>
-              <a:t> n </a:t>
+              <a:t> m </a:t>
             </a:r>
             <a:r>
               <a:rPr lang="en-US" dirty="0"/>
@@ -4584,6 +4566,14 @@
           <a:p>
             <a:pPr lvl="2"/>
             <a:r>
+              <a:rPr lang="en-US" dirty="0"/>
+              <a:t>And</a:t>
+            </a:r>
+            <a:r>
+              <a:rPr lang="en-US" i="1" dirty="0"/>
+              <a:t> </a:t>
+            </a:r>
+            <a:r>
               <a:rPr lang="en-US" i="1" dirty="0" err="1"/>
               <a:t>r</a:t>
             </a:r>
@@ -4597,7 +4587,15 @@
             </a:r>
             <a:r>
               <a:rPr lang="en-US" dirty="0"/>
-              <a:t>, l &lt;= I &lt;= n FASDF</a:t>
+              <a:t>, l &lt;= </a:t>
+            </a:r>
+            <a:r>
+              <a:rPr lang="en-US" dirty="0" err="1"/>
+              <a:t>i</a:t>
+            </a:r>
+            <a:r>
+              <a:rPr lang="en-US" dirty="0"/>
+              <a:t> &lt;= m</a:t>
             </a:r>
           </a:p>
           <a:p>
@@ -4627,8 +4625,12 @@
               <a:t>r</a:t>
             </a:r>
             <a:r>
-              <a:rPr lang="en-US" sz="400" dirty="0"/>
-              <a:t>1 </a:t>
+              <a:rPr lang="en-US" sz="1800" baseline="-25000" dirty="0"/>
+              <a:t>1</a:t>
+            </a:r>
+            <a:r>
+              <a:rPr lang="en-US" baseline="-25000" dirty="0"/>
+              <a:t> </a:t>
             </a:r>
             <a:r>
               <a:rPr lang="en-US" i="1" dirty="0"/>
@@ -4643,7 +4645,7 @@
               <a:t>r</a:t>
             </a:r>
             <a:r>
-              <a:rPr lang="en-US" sz="400" i="1" dirty="0" err="1"/>
+              <a:rPr lang="en-US" sz="1800" i="1" baseline="-25000" dirty="0" err="1"/>
               <a:t>l</a:t>
             </a:r>
             <a:r>
@@ -4659,39 +4661,38 @@
               <a:t>r</a:t>
             </a:r>
             <a:r>
-              <a:rPr lang="en-US" sz="400" i="1" dirty="0"/>
-              <a:t>l</a:t>
-            </a:r>
-            <a:r>
-              <a:rPr lang="en-US" sz="400" dirty="0"/>
-              <a:t>+1 </a:t>
+              <a:rPr lang="en-US" i="1" baseline="-25000" dirty="0"/>
+              <a:t>l+1</a:t>
+            </a:r>
+            <a:r>
+              <a:rPr lang="en-US" dirty="0"/>
+              <a:t>+.</a:t>
+            </a:r>
+            <a:r>
+              <a:rPr lang="en-US" i="1" dirty="0"/>
+              <a:t>..</a:t>
             </a:r>
             <a:r>
               <a:rPr lang="en-US" dirty="0"/>
               <a:t>+</a:t>
             </a:r>
             <a:r>
-              <a:rPr lang="en-US" i="1" dirty="0"/>
-              <a:t>...</a:t>
-            </a:r>
-            <a:r>
-              <a:rPr lang="en-US" dirty="0"/>
-              <a:t>+</a:t>
-            </a:r>
-            <a:r>
               <a:rPr lang="en-US" i="1" dirty="0" err="1"/>
               <a:t>r</a:t>
             </a:r>
             <a:r>
-              <a:rPr lang="en-US" sz="400" i="1" dirty="0" err="1"/>
+              <a:rPr lang="en-US" i="1" baseline="-25000" dirty="0" err="1"/>
               <a:t>m</a:t>
             </a:r>
             <a:r>
               <a:rPr lang="en-US" dirty="0"/>
-              <a:t>))</a:t>
-            </a:r>
-          </a:p>
-          <a:p>
+              <a:t>)</a:t>
+            </a:r>
+          </a:p>
+          <a:p>
+            <a:pPr marL="0" indent="0">
+              <a:buNone/>
+            </a:pPr>
             <a:endParaRPr lang="en-US" dirty="0"/>
           </a:p>
         </p:txBody>
@@ -4844,10 +4845,10 @@
       </p:grpSpPr>
       <p:sp>
         <p:nvSpPr>
-          <p:cNvPr id="5" name="Textplatzhalter 4">
-            <a:extLst>
-              <a:ext uri="{FF2B5EF4-FFF2-40B4-BE49-F238E27FC236}">
-                <a16:creationId xmlns:a16="http://schemas.microsoft.com/office/drawing/2014/main" id="{817EA547-F858-48D5-A99A-AC24CC5B1BEE}"/>
+          <p:cNvPr id="2" name="Textplatzhalter 1">
+            <a:extLst>
+              <a:ext uri="{FF2B5EF4-FFF2-40B4-BE49-F238E27FC236}">
+                <a16:creationId xmlns:a16="http://schemas.microsoft.com/office/drawing/2014/main" id="{90856EDA-AD57-46B3-AA25-E48EB5CAAD55}"/>
               </a:ext>
             </a:extLst>
           </p:cNvPr>
@@ -4864,48 +4865,117 @@
           <a:lstStyle/>
           <a:p>
             <a:r>
+              <a:rPr lang="en-US" dirty="0"/>
+              <a:t>Similarity attack:</a:t>
+            </a:r>
+          </a:p>
+          <a:p>
+            <a:pPr lvl="1"/>
+            <a:r>
+              <a:rPr lang="en-US" dirty="0"/>
+              <a:t>Attackers knows that victims data is e.g. one of the first three records</a:t>
+            </a:r>
+          </a:p>
+          <a:p>
+            <a:pPr lvl="2"/>
+            <a:r>
+              <a:rPr lang="en-US" dirty="0"/>
+              <a:t>Can conclude its salary is relatively low </a:t>
+            </a:r>
+          </a:p>
+          <a:p>
+            <a:endParaRPr lang="en-US" dirty="0"/>
+          </a:p>
+          <a:p>
+            <a:endParaRPr lang="en-US" dirty="0"/>
+          </a:p>
+          <a:p>
+            <a:endParaRPr lang="en-US" dirty="0"/>
+          </a:p>
+          <a:p>
+            <a:endParaRPr lang="en-US" dirty="0"/>
+          </a:p>
+          <a:p>
+            <a:endParaRPr lang="en-US" dirty="0"/>
+          </a:p>
+          <a:p>
+            <a:endParaRPr lang="en-US" dirty="0"/>
+          </a:p>
+          <a:p>
+            <a:r>
+              <a:rPr lang="en-US" dirty="0"/>
+              <a:t>Conclusion</a:t>
+            </a:r>
+          </a:p>
+          <a:p>
+            <a:pPr lvl="1"/>
+            <a:r>
+              <a:rPr lang="en-US" dirty="0"/>
+              <a:t>L-Diversity does not take semantic closeness into account </a:t>
+            </a:r>
+          </a:p>
+          <a:p>
+            <a:pPr lvl="1"/>
+            <a:endParaRPr lang="en-US" dirty="0"/>
+          </a:p>
+          <a:p>
+            <a:endParaRPr lang="en-US" dirty="0"/>
+          </a:p>
+        </p:txBody>
+      </p:sp>
+      <p:sp>
+        <p:nvSpPr>
+          <p:cNvPr id="3" name="Datumsplatzhalter 2">
+            <a:extLst>
+              <a:ext uri="{FF2B5EF4-FFF2-40B4-BE49-F238E27FC236}">
+                <a16:creationId xmlns:a16="http://schemas.microsoft.com/office/drawing/2014/main" id="{4AAA8D0A-7D3B-4959-A0A2-F0A4E2E40A71}"/>
+              </a:ext>
+            </a:extLst>
+          </p:cNvPr>
+          <p:cNvSpPr>
+            <a:spLocks noGrp="1"/>
+          </p:cNvSpPr>
+          <p:nvPr>
+            <p:ph type="dt" sz="half" idx="14"/>
+          </p:nvPr>
+        </p:nvSpPr>
+        <p:spPr/>
+        <p:txBody>
+          <a:bodyPr/>
+          <a:lstStyle/>
+          <a:p>
+            <a:r>
               <a:rPr lang="de-DE"/>
-              <a:t>Different data recipients got different claims to the data</a:t>
-            </a:r>
-          </a:p>
+              <a:t>30.01.2018</a:t>
+            </a:r>
+            <a:endParaRPr lang="de-DE" dirty="0"/>
+          </a:p>
+        </p:txBody>
+      </p:sp>
+      <p:sp>
+        <p:nvSpPr>
+          <p:cNvPr id="4" name="Fußzeilenplatzhalter 3">
+            <a:extLst>
+              <a:ext uri="{FF2B5EF4-FFF2-40B4-BE49-F238E27FC236}">
+                <a16:creationId xmlns:a16="http://schemas.microsoft.com/office/drawing/2014/main" id="{80E9C0DE-9992-492B-875C-77FC20696202}"/>
+              </a:ext>
+            </a:extLst>
+          </p:cNvPr>
+          <p:cNvSpPr>
+            <a:spLocks noGrp="1"/>
+          </p:cNvSpPr>
+          <p:nvPr>
+            <p:ph type="ftr" sz="quarter" idx="15"/>
+          </p:nvPr>
+        </p:nvSpPr>
+        <p:spPr/>
+        <p:txBody>
+          <a:bodyPr/>
+          <a:lstStyle/>
           <a:p>
             <a:r>
               <a:rPr lang="de-DE"/>
-              <a:t>T(Job, Sex, Age, Race, Disease, Salary)</a:t>
-            </a:r>
-          </a:p>
-          <a:p>
-            <a:r>
-              <a:rPr lang="de-DE"/>
-              <a:t>Pharma company intresed in diesease with attribute job,sex, age</a:t>
-            </a:r>
-          </a:p>
-          <a:p>
-            <a:r>
-              <a:rPr lang="de-DE"/>
-              <a:t>Another is intereset in JOB, AGE, RACE</a:t>
-            </a:r>
-          </a:p>
-          <a:p>
-            <a:r>
-              <a:rPr lang="de-DE"/>
-              <a:t>Relse one table with {JOB, Sex, Age, Race}</a:t>
-            </a:r>
-          </a:p>
-          <a:p>
-            <a:r>
-              <a:rPr lang="de-DE"/>
-              <a:t>- </a:t>
-            </a:r>
-            <a:r>
-              <a:rPr lang="en-US"/>
-              <a:t>A drawback is that information is released unnecessarily, in that neither of the two purposes needs all four attributes</a:t>
-            </a:r>
-          </a:p>
-          <a:p>
-            <a:r>
-              <a:rPr lang="en-US"/>
-              <a:t>You make one for both of them. Problem </a:t>
+              <a:t>Schallner Ludwig, Wiegnand Andreas</a:t>
             </a:r>
             <a:endParaRPr lang="de-DE" dirty="0"/>
           </a:p>
@@ -4913,68 +4983,10 @@
       </p:sp>
       <p:sp>
         <p:nvSpPr>
-          <p:cNvPr id="3" name="Datumsplatzhalter 2">
-            <a:extLst>
-              <a:ext uri="{FF2B5EF4-FFF2-40B4-BE49-F238E27FC236}">
-                <a16:creationId xmlns:a16="http://schemas.microsoft.com/office/drawing/2014/main" id="{90B812E9-FF67-440E-8D43-E9D95CEADC88}"/>
-              </a:ext>
-            </a:extLst>
-          </p:cNvPr>
-          <p:cNvSpPr>
-            <a:spLocks noGrp="1"/>
-          </p:cNvSpPr>
-          <p:nvPr>
-            <p:ph type="dt" sz="half" idx="14"/>
-          </p:nvPr>
-        </p:nvSpPr>
-        <p:spPr/>
-        <p:txBody>
-          <a:bodyPr/>
-          <a:lstStyle/>
-          <a:p>
-            <a:r>
-              <a:rPr lang="de-DE"/>
-              <a:t>18.05.2017</a:t>
-            </a:r>
-            <a:endParaRPr lang="de-DE" dirty="0"/>
-          </a:p>
-        </p:txBody>
-      </p:sp>
-      <p:sp>
-        <p:nvSpPr>
-          <p:cNvPr id="4" name="Fußzeilenplatzhalter 3">
-            <a:extLst>
-              <a:ext uri="{FF2B5EF4-FFF2-40B4-BE49-F238E27FC236}">
-                <a16:creationId xmlns:a16="http://schemas.microsoft.com/office/drawing/2014/main" id="{830002ED-C0A7-4887-8B84-D46B721CD647}"/>
-              </a:ext>
-            </a:extLst>
-          </p:cNvPr>
-          <p:cNvSpPr>
-            <a:spLocks noGrp="1"/>
-          </p:cNvSpPr>
-          <p:nvPr>
-            <p:ph type="ftr" sz="quarter" idx="15"/>
-          </p:nvPr>
-        </p:nvSpPr>
-        <p:spPr/>
-        <p:txBody>
-          <a:bodyPr/>
-          <a:lstStyle/>
-          <a:p>
-            <a:r>
-              <a:rPr lang="de-DE"/>
-              <a:t>Andreas Heimann &amp; Matthias Puchta</a:t>
-            </a:r>
-            <a:endParaRPr lang="de-DE" dirty="0"/>
-          </a:p>
-        </p:txBody>
-      </p:sp>
-      <p:sp>
-        <p:nvSpPr>
-          <p:cNvPr id="6" name="Foliennummernplatzhalter 5">
-            <a:extLst>
-              <a:ext uri="{FF2B5EF4-FFF2-40B4-BE49-F238E27FC236}">
-                <a16:creationId xmlns:a16="http://schemas.microsoft.com/office/drawing/2014/main" id="{1A5F5161-AF90-426C-A082-2392411945CF}"/>
+          <p:cNvPr id="5" name="Foliennummernplatzhalter 4">
+            <a:extLst>
+              <a:ext uri="{FF2B5EF4-FFF2-40B4-BE49-F238E27FC236}">
+                <a16:creationId xmlns:a16="http://schemas.microsoft.com/office/drawing/2014/main" id="{E368EB05-FC35-471B-A8B7-3A4B5D978A63}"/>
               </a:ext>
             </a:extLst>
           </p:cNvPr>
@@ -5001,10 +5013,10 @@
       </p:sp>
       <p:sp>
         <p:nvSpPr>
-          <p:cNvPr id="2" name="Titel 1">
-            <a:extLst>
-              <a:ext uri="{FF2B5EF4-FFF2-40B4-BE49-F238E27FC236}">
-                <a16:creationId xmlns:a16="http://schemas.microsoft.com/office/drawing/2014/main" id="{5DFF05F5-BFE1-403A-A36E-6A2828649D6F}"/>
+          <p:cNvPr id="6" name="Titel 5">
+            <a:extLst>
+              <a:ext uri="{FF2B5EF4-FFF2-40B4-BE49-F238E27FC236}">
+                <a16:creationId xmlns:a16="http://schemas.microsoft.com/office/drawing/2014/main" id="{8CF6D5D9-8D59-462B-9B94-0451DAA13392}"/>
               </a:ext>
             </a:extLst>
           </p:cNvPr>
@@ -5021,3373 +5033,51 @@
           <a:lstStyle/>
           <a:p>
             <a:r>
-              <a:rPr lang="de-DE"/>
-              <a:t>EXTENDED SCENARIOS - Multiple Release Publishing</a:t>
-            </a:r>
-            <a:endParaRPr lang="de-DE" dirty="0"/>
-          </a:p>
-        </p:txBody>
-      </p:sp>
+              <a:rPr lang="en-US" dirty="0"/>
+              <a:t>L-diversity Weakness</a:t>
+            </a:r>
+          </a:p>
+        </p:txBody>
+      </p:sp>
+      <p:pic>
+        <p:nvPicPr>
+          <p:cNvPr id="10" name="Grafik 9">
+            <a:extLst>
+              <a:ext uri="{FF2B5EF4-FFF2-40B4-BE49-F238E27FC236}">
+                <a16:creationId xmlns:a16="http://schemas.microsoft.com/office/drawing/2014/main" id="{E447DCCA-3A85-470A-BA25-DA3526200C10}"/>
+              </a:ext>
+            </a:extLst>
+          </p:cNvPr>
+          <p:cNvPicPr>
+            <a:picLocks noChangeAspect="1"/>
+          </p:cNvPicPr>
+          <p:nvPr/>
+        </p:nvPicPr>
+        <p:blipFill rotWithShape="1">
+          <a:blip r:embed="rId3">
+            <a:extLst>
+              <a:ext uri="{28A0092B-C50C-407E-A947-70E740481C1C}">
+                <a14:useLocalDpi xmlns:a14="http://schemas.microsoft.com/office/drawing/2010/main" val="0"/>
+              </a:ext>
+            </a:extLst>
+          </a:blip>
+          <a:srcRect t="2236" b="2328"/>
+          <a:stretch/>
+        </p:blipFill>
+        <p:spPr>
+          <a:xfrm>
+            <a:off x="430213" y="2030110"/>
+            <a:ext cx="5149899" cy="2892559"/>
+          </a:xfrm>
+          <a:prstGeom prst="rect">
+            <a:avLst/>
+          </a:prstGeom>
+        </p:spPr>
+      </p:pic>
     </p:spTree>
     <p:extLst>
       <p:ext uri="{BB962C8B-B14F-4D97-AF65-F5344CB8AC3E}">
-        <p14:creationId xmlns:p14="http://schemas.microsoft.com/office/powerpoint/2010/main" val="839178868"/>
-      </p:ext>
-    </p:extLst>
-  </p:cSld>
-  <p:clrMapOvr>
-    <a:masterClrMapping/>
-  </p:clrMapOvr>
-</p:sld>
-</file>
-
-<file path=ppt/slides/slide16.xml><?xml version="1.0" encoding="utf-8"?>
-<p:sld xmlns:a="http://schemas.openxmlformats.org/drawingml/2006/main" xmlns:r="http://schemas.openxmlformats.org/officeDocument/2006/relationships" xmlns:p="http://schemas.openxmlformats.org/presentationml/2006/main">
-  <p:cSld>
-    <p:spTree>
-      <p:nvGrpSpPr>
-        <p:cNvPr id="1" name=""/>
-        <p:cNvGrpSpPr/>
-        <p:nvPr/>
-      </p:nvGrpSpPr>
-      <p:grpSpPr>
-        <a:xfrm>
-          <a:off x="0" y="0"/>
-          <a:ext cx="0" cy="0"/>
-          <a:chOff x="0" y="0"/>
-          <a:chExt cx="0" cy="0"/>
-        </a:xfrm>
-      </p:grpSpPr>
-      <p:sp>
-        <p:nvSpPr>
-          <p:cNvPr id="2" name="Titel 1">
-            <a:extLst>
-              <a:ext uri="{FF2B5EF4-FFF2-40B4-BE49-F238E27FC236}">
-                <a16:creationId xmlns:a16="http://schemas.microsoft.com/office/drawing/2014/main" id="{A250AA1D-CBA5-4BF9-827F-0AC0BEF9E671}"/>
-              </a:ext>
-            </a:extLst>
-          </p:cNvPr>
-          <p:cNvSpPr>
-            <a:spLocks noGrp="1"/>
-          </p:cNvSpPr>
-          <p:nvPr>
-            <p:ph type="title"/>
-          </p:nvPr>
-        </p:nvSpPr>
-        <p:spPr>
-          <a:xfrm>
-            <a:off x="430213" y="265113"/>
-            <a:ext cx="7886700" cy="573087"/>
-          </a:xfrm>
-        </p:spPr>
-        <p:txBody>
-          <a:bodyPr/>
-          <a:lstStyle/>
-          <a:p>
-            <a:r>
-              <a:rPr lang="de-DE" b="1" dirty="0"/>
-              <a:t>EXTENDED SCENARIOS – Multiple Release Publishing</a:t>
-            </a:r>
-            <a:endParaRPr lang="de-DE" dirty="0"/>
-          </a:p>
-        </p:txBody>
-      </p:sp>
-      <p:sp>
-        <p:nvSpPr>
-          <p:cNvPr id="3" name="Datumsplatzhalter 2">
-            <a:extLst>
-              <a:ext uri="{FF2B5EF4-FFF2-40B4-BE49-F238E27FC236}">
-                <a16:creationId xmlns:a16="http://schemas.microsoft.com/office/drawing/2014/main" id="{EA0EB5D0-C0FE-4AFE-8A81-2589296C778F}"/>
-              </a:ext>
-            </a:extLst>
-          </p:cNvPr>
-          <p:cNvSpPr>
-            <a:spLocks noGrp="1"/>
-          </p:cNvSpPr>
-          <p:nvPr>
-            <p:ph type="dt" sz="half" idx="14"/>
-          </p:nvPr>
-        </p:nvSpPr>
-        <p:spPr>
-          <a:xfrm>
-            <a:off x="1331913" y="6208713"/>
-            <a:ext cx="1296987" cy="476250"/>
-          </a:xfrm>
-        </p:spPr>
-        <p:txBody>
-          <a:bodyPr/>
-          <a:lstStyle/>
-          <a:p>
-            <a:r>
-              <a:rPr lang="de-DE"/>
-              <a:t>18.05.2017</a:t>
-            </a:r>
-            <a:endParaRPr lang="de-DE" dirty="0"/>
-          </a:p>
-        </p:txBody>
-      </p:sp>
-      <p:sp>
-        <p:nvSpPr>
-          <p:cNvPr id="4" name="Fußzeilenplatzhalter 3">
-            <a:extLst>
-              <a:ext uri="{FF2B5EF4-FFF2-40B4-BE49-F238E27FC236}">
-                <a16:creationId xmlns:a16="http://schemas.microsoft.com/office/drawing/2014/main" id="{57F7375E-8B76-432F-8062-DE249F9B1296}"/>
-              </a:ext>
-            </a:extLst>
-          </p:cNvPr>
-          <p:cNvSpPr>
-            <a:spLocks noGrp="1"/>
-          </p:cNvSpPr>
-          <p:nvPr>
-            <p:ph type="ftr" sz="quarter" idx="15"/>
-          </p:nvPr>
-        </p:nvSpPr>
-        <p:spPr>
-          <a:xfrm>
-            <a:off x="2755900" y="6308725"/>
-            <a:ext cx="5487988" cy="288925"/>
-          </a:xfrm>
-        </p:spPr>
-        <p:txBody>
-          <a:bodyPr/>
-          <a:lstStyle/>
-          <a:p>
-            <a:r>
-              <a:rPr lang="de-DE"/>
-              <a:t>Andreas Heimann &amp; Matthias Puchta</a:t>
-            </a:r>
-            <a:endParaRPr lang="de-DE" dirty="0"/>
-          </a:p>
-        </p:txBody>
-      </p:sp>
-      <p:sp>
-        <p:nvSpPr>
-          <p:cNvPr id="5" name="Textplatzhalter 4">
-            <a:extLst>
-              <a:ext uri="{FF2B5EF4-FFF2-40B4-BE49-F238E27FC236}">
-                <a16:creationId xmlns:a16="http://schemas.microsoft.com/office/drawing/2014/main" id="{149E4DF0-6D1B-42D2-8864-3E9847385D69}"/>
-              </a:ext>
-            </a:extLst>
-          </p:cNvPr>
-          <p:cNvSpPr>
-            <a:spLocks noGrp="1"/>
-          </p:cNvSpPr>
-          <p:nvPr>
-            <p:ph type="body" sz="quarter" idx="13"/>
-          </p:nvPr>
-        </p:nvSpPr>
-        <p:spPr/>
-        <p:txBody>
-          <a:bodyPr/>
-          <a:lstStyle/>
-          <a:p>
-            <a:pPr marL="0" indent="0">
-              <a:buNone/>
-            </a:pPr>
-            <a:endParaRPr lang="de-DE" dirty="0"/>
-          </a:p>
-        </p:txBody>
-      </p:sp>
-      <p:sp>
-        <p:nvSpPr>
-          <p:cNvPr id="6" name="Foliennummernplatzhalter 5">
-            <a:extLst>
-              <a:ext uri="{FF2B5EF4-FFF2-40B4-BE49-F238E27FC236}">
-                <a16:creationId xmlns:a16="http://schemas.microsoft.com/office/drawing/2014/main" id="{1CAFD7E1-5AA6-4CA7-887C-3211D94A545D}"/>
-              </a:ext>
-            </a:extLst>
-          </p:cNvPr>
-          <p:cNvSpPr>
-            <a:spLocks noGrp="1"/>
-          </p:cNvSpPr>
-          <p:nvPr>
-            <p:ph type="sldNum" sz="quarter" idx="16"/>
-          </p:nvPr>
-        </p:nvSpPr>
-        <p:spPr>
-          <a:xfrm>
-            <a:off x="8415338" y="6408738"/>
-            <a:ext cx="477837" cy="333375"/>
-          </a:xfrm>
-        </p:spPr>
-        <p:txBody>
-          <a:bodyPr/>
-          <a:lstStyle/>
-          <a:p>
-            <a:fld id="{50E76E58-F275-47A3-BB17-470016A267B6}" type="slidenum">
-              <a:rPr lang="de-DE" smtClean="0"/>
-              <a:pPr/>
-              <a:t>16</a:t>
-            </a:fld>
-            <a:endParaRPr lang="de-DE"/>
-          </a:p>
-        </p:txBody>
-      </p:sp>
-      <p:graphicFrame>
-        <p:nvGraphicFramePr>
-          <p:cNvPr id="7" name="Tabelle 6">
-            <a:extLst>
-              <a:ext uri="{FF2B5EF4-FFF2-40B4-BE49-F238E27FC236}">
-                <a16:creationId xmlns:a16="http://schemas.microsoft.com/office/drawing/2014/main" id="{5816CE3B-BCDB-4B82-9CAB-E0317913C968}"/>
-              </a:ext>
-            </a:extLst>
-          </p:cNvPr>
-          <p:cNvGraphicFramePr>
-            <a:graphicFrameLocks noGrp="1"/>
-          </p:cNvGraphicFramePr>
-          <p:nvPr>
-            <p:extLst>
-              <p:ext uri="{D42A27DB-BD31-4B8C-83A1-F6EECF244321}">
-                <p14:modId xmlns:p14="http://schemas.microsoft.com/office/powerpoint/2010/main" val="3653046718"/>
-              </p:ext>
-            </p:extLst>
-          </p:nvPr>
-        </p:nvGraphicFramePr>
-        <p:xfrm>
-          <a:off x="539552" y="1567734"/>
-          <a:ext cx="3096344" cy="1805760"/>
-        </p:xfrm>
-        <a:graphic>
-          <a:graphicData uri="http://schemas.openxmlformats.org/drawingml/2006/table">
-            <a:tbl>
-              <a:tblPr firstRow="1" bandRow="1">
-                <a:tableStyleId>{93296810-A885-4BE3-A3E7-6D5BEEA58F35}</a:tableStyleId>
-              </a:tblPr>
-              <a:tblGrid>
-                <a:gridCol w="622160">
-                  <a:extLst>
-                    <a:ext uri="{9D8B030D-6E8A-4147-A177-3AD203B41FA5}">
-                      <a16:colId xmlns:a16="http://schemas.microsoft.com/office/drawing/2014/main" val="320632794"/>
-                    </a:ext>
-                  </a:extLst>
-                </a:gridCol>
-                <a:gridCol w="1237092">
-                  <a:extLst>
-                    <a:ext uri="{9D8B030D-6E8A-4147-A177-3AD203B41FA5}">
-                      <a16:colId xmlns:a16="http://schemas.microsoft.com/office/drawing/2014/main" val="2598373127"/>
-                    </a:ext>
-                  </a:extLst>
-                </a:gridCol>
-                <a:gridCol w="1237092">
-                  <a:extLst>
-                    <a:ext uri="{9D8B030D-6E8A-4147-A177-3AD203B41FA5}">
-                      <a16:colId xmlns:a16="http://schemas.microsoft.com/office/drawing/2014/main" val="2167730399"/>
-                    </a:ext>
-                  </a:extLst>
-                </a:gridCol>
-              </a:tblGrid>
-              <a:tr h="198561">
-                <a:tc>
-                  <a:txBody>
-                    <a:bodyPr/>
-                    <a:lstStyle/>
-                    <a:p>
-                      <a:r>
-                        <a:rPr lang="de-DE" sz="1200" dirty="0"/>
-                        <a:t>Size</a:t>
-                      </a:r>
-                    </a:p>
-                  </a:txBody>
-                  <a:tcPr marL="48960" marR="48960" marT="24480" marB="24480"/>
-                </a:tc>
-                <a:tc>
-                  <a:txBody>
-                    <a:bodyPr/>
-                    <a:lstStyle/>
-                    <a:p>
-                      <a:r>
-                        <a:rPr lang="de-DE" sz="1200" dirty="0"/>
-                        <a:t>Hobby</a:t>
-                      </a:r>
-                    </a:p>
-                  </a:txBody>
-                  <a:tcPr marL="48960" marR="48960" marT="24480" marB="24480"/>
-                </a:tc>
-                <a:tc>
-                  <a:txBody>
-                    <a:bodyPr/>
-                    <a:lstStyle/>
-                    <a:p>
-                      <a:r>
-                        <a:rPr lang="de-DE" sz="1200" dirty="0" err="1"/>
-                        <a:t>lecture</a:t>
-                      </a:r>
-                      <a:endParaRPr lang="de-DE" sz="1200" dirty="0"/>
-                    </a:p>
-                  </a:txBody>
-                  <a:tcPr marL="48960" marR="48960" marT="24480" marB="24480"/>
-                </a:tc>
-                <a:extLst>
-                  <a:ext uri="{0D108BD9-81ED-4DB2-BD59-A6C34878D82A}">
-                    <a16:rowId xmlns:a16="http://schemas.microsoft.com/office/drawing/2014/main" val="1160122449"/>
-                  </a:ext>
-                </a:extLst>
-              </a:tr>
-              <a:tr h="198561">
-                <a:tc>
-                  <a:txBody>
-                    <a:bodyPr/>
-                    <a:lstStyle/>
-                    <a:p>
-                      <a:r>
-                        <a:rPr lang="de-DE" sz="1200" dirty="0"/>
-                        <a:t>160 cm</a:t>
-                      </a:r>
-                    </a:p>
-                  </a:txBody>
-                  <a:tcPr marL="48960" marR="48960" marT="24480" marB="24480"/>
-                </a:tc>
-                <a:tc>
-                  <a:txBody>
-                    <a:bodyPr/>
-                    <a:lstStyle/>
-                    <a:p>
-                      <a:r>
-                        <a:rPr lang="de-DE" sz="1200" dirty="0" err="1"/>
-                        <a:t>football</a:t>
-                      </a:r>
-                      <a:endParaRPr lang="de-DE" sz="1200" dirty="0"/>
-                    </a:p>
-                  </a:txBody>
-                  <a:tcPr marL="48960" marR="48960" marT="24480" marB="24480"/>
-                </a:tc>
-                <a:tc>
-                  <a:txBody>
-                    <a:bodyPr/>
-                    <a:lstStyle/>
-                    <a:p>
-                      <a:r>
-                        <a:rPr lang="de-DE" sz="1200" dirty="0" err="1"/>
-                        <a:t>biology</a:t>
-                      </a:r>
-                      <a:endParaRPr lang="de-DE" sz="1200" dirty="0"/>
-                    </a:p>
-                  </a:txBody>
-                  <a:tcPr marL="48960" marR="48960" marT="24480" marB="24480"/>
-                </a:tc>
-                <a:extLst>
-                  <a:ext uri="{0D108BD9-81ED-4DB2-BD59-A6C34878D82A}">
-                    <a16:rowId xmlns:a16="http://schemas.microsoft.com/office/drawing/2014/main" val="3825182716"/>
-                  </a:ext>
-                </a:extLst>
-              </a:tr>
-              <a:tr h="198561">
-                <a:tc>
-                  <a:txBody>
-                    <a:bodyPr/>
-                    <a:lstStyle/>
-                    <a:p>
-                      <a:r>
-                        <a:rPr lang="de-DE" sz="1200" dirty="0"/>
-                        <a:t>160 cm</a:t>
-                      </a:r>
-                    </a:p>
-                  </a:txBody>
-                  <a:tcPr marL="48960" marR="48960" marT="24480" marB="24480"/>
-                </a:tc>
-                <a:tc>
-                  <a:txBody>
-                    <a:bodyPr/>
-                    <a:lstStyle/>
-                    <a:p>
-                      <a:r>
-                        <a:rPr lang="de-DE" sz="1200" dirty="0" err="1"/>
-                        <a:t>football</a:t>
-                      </a:r>
-                      <a:endParaRPr lang="de-DE" sz="1200" dirty="0"/>
-                    </a:p>
-                  </a:txBody>
-                  <a:tcPr marL="48960" marR="48960" marT="24480" marB="24480"/>
-                </a:tc>
-                <a:tc>
-                  <a:txBody>
-                    <a:bodyPr/>
-                    <a:lstStyle/>
-                    <a:p>
-                      <a:r>
-                        <a:rPr lang="de-DE" sz="1200" dirty="0" err="1"/>
-                        <a:t>biology</a:t>
-                      </a:r>
-                      <a:endParaRPr lang="de-DE" sz="1200" dirty="0"/>
-                    </a:p>
-                  </a:txBody>
-                  <a:tcPr marL="48960" marR="48960" marT="24480" marB="24480"/>
-                </a:tc>
-                <a:extLst>
-                  <a:ext uri="{0D108BD9-81ED-4DB2-BD59-A6C34878D82A}">
-                    <a16:rowId xmlns:a16="http://schemas.microsoft.com/office/drawing/2014/main" val="2182950023"/>
-                  </a:ext>
-                </a:extLst>
-              </a:tr>
-              <a:tr h="198561">
-                <a:tc>
-                  <a:txBody>
-                    <a:bodyPr/>
-                    <a:lstStyle/>
-                    <a:p>
-                      <a:r>
-                        <a:rPr lang="de-DE" sz="1200" dirty="0"/>
-                        <a:t>180 cm</a:t>
-                      </a:r>
-                    </a:p>
-                  </a:txBody>
-                  <a:tcPr marL="48960" marR="48960" marT="24480" marB="24480"/>
-                </a:tc>
-                <a:tc>
-                  <a:txBody>
-                    <a:bodyPr/>
-                    <a:lstStyle/>
-                    <a:p>
-                      <a:r>
-                        <a:rPr lang="de-DE" sz="1200" dirty="0" err="1"/>
-                        <a:t>videogames</a:t>
-                      </a:r>
-                      <a:endParaRPr lang="de-DE" sz="1200" dirty="0"/>
-                    </a:p>
-                  </a:txBody>
-                  <a:tcPr marL="48960" marR="48960" marT="24480" marB="24480"/>
-                </a:tc>
-                <a:tc>
-                  <a:txBody>
-                    <a:bodyPr/>
-                    <a:lstStyle/>
-                    <a:p>
-                      <a:r>
-                        <a:rPr lang="de-DE" sz="1200" dirty="0" err="1"/>
-                        <a:t>sport</a:t>
-                      </a:r>
-                      <a:endParaRPr lang="de-DE" sz="1200" dirty="0"/>
-                    </a:p>
-                  </a:txBody>
-                  <a:tcPr marL="48960" marR="48960" marT="24480" marB="24480"/>
-                </a:tc>
-                <a:extLst>
-                  <a:ext uri="{0D108BD9-81ED-4DB2-BD59-A6C34878D82A}">
-                    <a16:rowId xmlns:a16="http://schemas.microsoft.com/office/drawing/2014/main" val="1691079596"/>
-                  </a:ext>
-                </a:extLst>
-              </a:tr>
-              <a:tr h="198561">
-                <a:tc>
-                  <a:txBody>
-                    <a:bodyPr/>
-                    <a:lstStyle/>
-                    <a:p>
-                      <a:r>
-                        <a:rPr lang="de-DE" sz="1200" dirty="0"/>
-                        <a:t>180 cm</a:t>
-                      </a:r>
-                    </a:p>
-                  </a:txBody>
-                  <a:tcPr marL="48960" marR="48960" marT="24480" marB="24480"/>
-                </a:tc>
-                <a:tc>
-                  <a:txBody>
-                    <a:bodyPr/>
-                    <a:lstStyle/>
-                    <a:p>
-                      <a:r>
-                        <a:rPr lang="de-DE" sz="1200" dirty="0" err="1"/>
-                        <a:t>dancing</a:t>
-                      </a:r>
-                      <a:endParaRPr lang="de-DE" sz="1200" dirty="0"/>
-                    </a:p>
-                  </a:txBody>
-                  <a:tcPr marL="48960" marR="48960" marT="24480" marB="24480"/>
-                </a:tc>
-                <a:tc>
-                  <a:txBody>
-                    <a:bodyPr/>
-                    <a:lstStyle/>
-                    <a:p>
-                      <a:r>
-                        <a:rPr lang="de-DE" sz="1200" dirty="0" err="1"/>
-                        <a:t>phyisic</a:t>
-                      </a:r>
-                      <a:endParaRPr lang="de-DE" sz="1200" dirty="0"/>
-                    </a:p>
-                  </a:txBody>
-                  <a:tcPr marL="48960" marR="48960" marT="24480" marB="24480"/>
-                </a:tc>
-                <a:extLst>
-                  <a:ext uri="{0D108BD9-81ED-4DB2-BD59-A6C34878D82A}">
-                    <a16:rowId xmlns:a16="http://schemas.microsoft.com/office/drawing/2014/main" val="3285554444"/>
-                  </a:ext>
-                </a:extLst>
-              </a:tr>
-              <a:tr h="198561">
-                <a:tc>
-                  <a:txBody>
-                    <a:bodyPr/>
-                    <a:lstStyle/>
-                    <a:p>
-                      <a:r>
-                        <a:rPr lang="de-DE" sz="1200" dirty="0"/>
-                        <a:t>190 cm</a:t>
-                      </a:r>
-                    </a:p>
-                  </a:txBody>
-                  <a:tcPr marL="48960" marR="48960" marT="24480" marB="24480"/>
-                </a:tc>
-                <a:tc>
-                  <a:txBody>
-                    <a:bodyPr/>
-                    <a:lstStyle/>
-                    <a:p>
-                      <a:r>
-                        <a:rPr lang="de-DE" sz="1200" dirty="0" err="1"/>
-                        <a:t>basketball</a:t>
-                      </a:r>
-                      <a:endParaRPr lang="de-DE" sz="1200" dirty="0"/>
-                    </a:p>
-                  </a:txBody>
-                  <a:tcPr marL="48960" marR="48960" marT="24480" marB="24480"/>
-                </a:tc>
-                <a:tc>
-                  <a:txBody>
-                    <a:bodyPr/>
-                    <a:lstStyle/>
-                    <a:p>
-                      <a:r>
-                        <a:rPr lang="de-DE" sz="1200" dirty="0" err="1"/>
-                        <a:t>math</a:t>
-                      </a:r>
-                      <a:endParaRPr lang="de-DE" sz="1200" dirty="0"/>
-                    </a:p>
-                  </a:txBody>
-                  <a:tcPr marL="48960" marR="48960" marT="24480" marB="24480"/>
-                </a:tc>
-                <a:extLst>
-                  <a:ext uri="{0D108BD9-81ED-4DB2-BD59-A6C34878D82A}">
-                    <a16:rowId xmlns:a16="http://schemas.microsoft.com/office/drawing/2014/main" val="4006333830"/>
-                  </a:ext>
-                </a:extLst>
-              </a:tr>
-              <a:tr h="198561">
-                <a:tc>
-                  <a:txBody>
-                    <a:bodyPr/>
-                    <a:lstStyle/>
-                    <a:p>
-                      <a:r>
-                        <a:rPr lang="de-DE" sz="1200" dirty="0"/>
-                        <a:t>190 cm</a:t>
-                      </a:r>
-                    </a:p>
-                  </a:txBody>
-                  <a:tcPr marL="48960" marR="48960" marT="24480" marB="24480"/>
-                </a:tc>
-                <a:tc>
-                  <a:txBody>
-                    <a:bodyPr/>
-                    <a:lstStyle/>
-                    <a:p>
-                      <a:r>
-                        <a:rPr lang="de-DE" sz="1200" dirty="0" err="1"/>
-                        <a:t>collecting</a:t>
-                      </a:r>
-                      <a:r>
-                        <a:rPr lang="de-DE" sz="1200" dirty="0"/>
-                        <a:t> </a:t>
-                      </a:r>
-                      <a:r>
-                        <a:rPr lang="de-DE" sz="1200" dirty="0" err="1"/>
-                        <a:t>stamps</a:t>
-                      </a:r>
-                      <a:endParaRPr lang="de-DE" sz="1200" dirty="0"/>
-                    </a:p>
-                  </a:txBody>
-                  <a:tcPr marL="48960" marR="48960" marT="24480" marB="24480"/>
-                </a:tc>
-                <a:tc>
-                  <a:txBody>
-                    <a:bodyPr/>
-                    <a:lstStyle/>
-                    <a:p>
-                      <a:r>
-                        <a:rPr lang="de-DE" sz="1200" dirty="0" err="1"/>
-                        <a:t>math</a:t>
-                      </a:r>
-                      <a:endParaRPr lang="de-DE" sz="1200" dirty="0"/>
-                    </a:p>
-                  </a:txBody>
-                  <a:tcPr marL="48960" marR="48960" marT="24480" marB="24480"/>
-                </a:tc>
-                <a:extLst>
-                  <a:ext uri="{0D108BD9-81ED-4DB2-BD59-A6C34878D82A}">
-                    <a16:rowId xmlns:a16="http://schemas.microsoft.com/office/drawing/2014/main" val="1160987818"/>
-                  </a:ext>
-                </a:extLst>
-              </a:tr>
-            </a:tbl>
-          </a:graphicData>
-        </a:graphic>
-      </p:graphicFrame>
-      <p:graphicFrame>
-        <p:nvGraphicFramePr>
-          <p:cNvPr id="8" name="Tabelle 7">
-            <a:extLst>
-              <a:ext uri="{FF2B5EF4-FFF2-40B4-BE49-F238E27FC236}">
-                <a16:creationId xmlns:a16="http://schemas.microsoft.com/office/drawing/2014/main" id="{986F5005-D8D8-46E8-91DB-9B15DEE53237}"/>
-              </a:ext>
-            </a:extLst>
-          </p:cNvPr>
-          <p:cNvGraphicFramePr>
-            <a:graphicFrameLocks noGrp="1"/>
-          </p:cNvGraphicFramePr>
-          <p:nvPr>
-            <p:extLst>
-              <p:ext uri="{D42A27DB-BD31-4B8C-83A1-F6EECF244321}">
-                <p14:modId xmlns:p14="http://schemas.microsoft.com/office/powerpoint/2010/main" val="205496417"/>
-              </p:ext>
-            </p:extLst>
-          </p:nvPr>
-        </p:nvGraphicFramePr>
-        <p:xfrm>
-          <a:off x="4979864" y="1561282"/>
-          <a:ext cx="3264024" cy="1805760"/>
-        </p:xfrm>
-        <a:graphic>
-          <a:graphicData uri="http://schemas.openxmlformats.org/drawingml/2006/table">
-            <a:tbl>
-              <a:tblPr firstRow="1" bandRow="1">
-                <a:tableStyleId>{93296810-A885-4BE3-A3E7-6D5BEEA58F35}</a:tableStyleId>
-              </a:tblPr>
-              <a:tblGrid>
-                <a:gridCol w="1088008">
-                  <a:extLst>
-                    <a:ext uri="{9D8B030D-6E8A-4147-A177-3AD203B41FA5}">
-                      <a16:colId xmlns:a16="http://schemas.microsoft.com/office/drawing/2014/main" val="320632794"/>
-                    </a:ext>
-                  </a:extLst>
-                </a:gridCol>
-                <a:gridCol w="1088008">
-                  <a:extLst>
-                    <a:ext uri="{9D8B030D-6E8A-4147-A177-3AD203B41FA5}">
-                      <a16:colId xmlns:a16="http://schemas.microsoft.com/office/drawing/2014/main" val="2598373127"/>
-                    </a:ext>
-                  </a:extLst>
-                </a:gridCol>
-                <a:gridCol w="1088008">
-                  <a:extLst>
-                    <a:ext uri="{9D8B030D-6E8A-4147-A177-3AD203B41FA5}">
-                      <a16:colId xmlns:a16="http://schemas.microsoft.com/office/drawing/2014/main" val="2167730399"/>
-                    </a:ext>
-                  </a:extLst>
-                </a:gridCol>
-              </a:tblGrid>
-              <a:tr h="198561">
-                <a:tc>
-                  <a:txBody>
-                    <a:bodyPr/>
-                    <a:lstStyle/>
-                    <a:p>
-                      <a:r>
-                        <a:rPr lang="de-DE" sz="1200" dirty="0"/>
-                        <a:t>Hobby</a:t>
-                      </a:r>
-                    </a:p>
-                  </a:txBody>
-                  <a:tcPr marL="48960" marR="48960" marT="24480" marB="24480"/>
-                </a:tc>
-                <a:tc>
-                  <a:txBody>
-                    <a:bodyPr/>
-                    <a:lstStyle/>
-                    <a:p>
-                      <a:r>
-                        <a:rPr lang="de-DE" sz="1200" dirty="0" err="1"/>
-                        <a:t>residence</a:t>
-                      </a:r>
-                      <a:endParaRPr lang="de-DE" sz="1200" dirty="0"/>
-                    </a:p>
-                  </a:txBody>
-                  <a:tcPr marL="48960" marR="48960" marT="24480" marB="24480"/>
-                </a:tc>
-                <a:tc>
-                  <a:txBody>
-                    <a:bodyPr/>
-                    <a:lstStyle/>
-                    <a:p>
-                      <a:r>
-                        <a:rPr lang="de-DE" sz="1200" dirty="0"/>
-                        <a:t>Disease</a:t>
-                      </a:r>
-                    </a:p>
-                  </a:txBody>
-                  <a:tcPr marL="48960" marR="48960" marT="24480" marB="24480"/>
-                </a:tc>
-                <a:extLst>
-                  <a:ext uri="{0D108BD9-81ED-4DB2-BD59-A6C34878D82A}">
-                    <a16:rowId xmlns:a16="http://schemas.microsoft.com/office/drawing/2014/main" val="1160122449"/>
-                  </a:ext>
-                </a:extLst>
-              </a:tr>
-              <a:tr h="198561">
-                <a:tc>
-                  <a:txBody>
-                    <a:bodyPr/>
-                    <a:lstStyle/>
-                    <a:p>
-                      <a:r>
-                        <a:rPr lang="de-DE" sz="1200" dirty="0" err="1"/>
-                        <a:t>football</a:t>
-                      </a:r>
-                      <a:endParaRPr lang="de-DE" sz="1200" dirty="0"/>
-                    </a:p>
-                  </a:txBody>
-                  <a:tcPr marL="48960" marR="48960" marT="24480" marB="24480"/>
-                </a:tc>
-                <a:tc>
-                  <a:txBody>
-                    <a:bodyPr/>
-                    <a:lstStyle/>
-                    <a:p>
-                      <a:r>
-                        <a:rPr lang="de-DE" sz="1200" dirty="0"/>
-                        <a:t>Bamberg</a:t>
-                      </a:r>
-                    </a:p>
-                  </a:txBody>
-                  <a:tcPr marL="48960" marR="48960" marT="24480" marB="24480"/>
-                </a:tc>
-                <a:tc>
-                  <a:txBody>
-                    <a:bodyPr/>
-                    <a:lstStyle/>
-                    <a:p>
-                      <a:r>
-                        <a:rPr lang="de-DE" sz="1200" dirty="0"/>
-                        <a:t>Diabetes</a:t>
-                      </a:r>
-                    </a:p>
-                  </a:txBody>
-                  <a:tcPr marL="48960" marR="48960" marT="24480" marB="24480"/>
-                </a:tc>
-                <a:extLst>
-                  <a:ext uri="{0D108BD9-81ED-4DB2-BD59-A6C34878D82A}">
-                    <a16:rowId xmlns:a16="http://schemas.microsoft.com/office/drawing/2014/main" val="3825182716"/>
-                  </a:ext>
-                </a:extLst>
-              </a:tr>
-              <a:tr h="198561">
-                <a:tc>
-                  <a:txBody>
-                    <a:bodyPr/>
-                    <a:lstStyle/>
-                    <a:p>
-                      <a:r>
-                        <a:rPr lang="de-DE" sz="1200" dirty="0" err="1"/>
-                        <a:t>football</a:t>
-                      </a:r>
-                      <a:endParaRPr lang="de-DE" sz="1200" dirty="0"/>
-                    </a:p>
-                  </a:txBody>
-                  <a:tcPr marL="48960" marR="48960" marT="24480" marB="24480"/>
-                </a:tc>
-                <a:tc>
-                  <a:txBody>
-                    <a:bodyPr/>
-                    <a:lstStyle/>
-                    <a:p>
-                      <a:r>
-                        <a:rPr lang="de-DE" sz="1200" dirty="0"/>
-                        <a:t>Bamberg</a:t>
-                      </a:r>
-                    </a:p>
-                  </a:txBody>
-                  <a:tcPr marL="48960" marR="48960" marT="24480" marB="24480"/>
-                </a:tc>
-                <a:tc>
-                  <a:txBody>
-                    <a:bodyPr/>
-                    <a:lstStyle/>
-                    <a:p>
-                      <a:r>
-                        <a:rPr lang="de-DE" sz="1200" dirty="0"/>
-                        <a:t>Diabetes</a:t>
-                      </a:r>
-                    </a:p>
-                  </a:txBody>
-                  <a:tcPr marL="48960" marR="48960" marT="24480" marB="24480"/>
-                </a:tc>
-                <a:extLst>
-                  <a:ext uri="{0D108BD9-81ED-4DB2-BD59-A6C34878D82A}">
-                    <a16:rowId xmlns:a16="http://schemas.microsoft.com/office/drawing/2014/main" val="2182950023"/>
-                  </a:ext>
-                </a:extLst>
-              </a:tr>
-              <a:tr h="198561">
-                <a:tc>
-                  <a:txBody>
-                    <a:bodyPr/>
-                    <a:lstStyle/>
-                    <a:p>
-                      <a:r>
-                        <a:rPr lang="de-DE" sz="1200" dirty="0" err="1"/>
-                        <a:t>videogames</a:t>
-                      </a:r>
-                      <a:endParaRPr lang="de-DE" sz="1200" dirty="0"/>
-                    </a:p>
-                  </a:txBody>
-                  <a:tcPr marL="48960" marR="48960" marT="24480" marB="24480"/>
-                </a:tc>
-                <a:tc>
-                  <a:txBody>
-                    <a:bodyPr/>
-                    <a:lstStyle/>
-                    <a:p>
-                      <a:r>
-                        <a:rPr lang="de-DE" sz="1200" dirty="0"/>
-                        <a:t>Erlangen</a:t>
-                      </a:r>
-                    </a:p>
-                  </a:txBody>
-                  <a:tcPr marL="48960" marR="48960" marT="24480" marB="24480"/>
-                </a:tc>
-                <a:tc>
-                  <a:txBody>
-                    <a:bodyPr/>
-                    <a:lstStyle/>
-                    <a:p>
-                      <a:r>
-                        <a:rPr lang="de-DE" sz="1200" dirty="0"/>
-                        <a:t>Cancer</a:t>
-                      </a:r>
-                    </a:p>
-                  </a:txBody>
-                  <a:tcPr marL="48960" marR="48960" marT="24480" marB="24480"/>
-                </a:tc>
-                <a:extLst>
-                  <a:ext uri="{0D108BD9-81ED-4DB2-BD59-A6C34878D82A}">
-                    <a16:rowId xmlns:a16="http://schemas.microsoft.com/office/drawing/2014/main" val="1691079596"/>
-                  </a:ext>
-                </a:extLst>
-              </a:tr>
-              <a:tr h="198561">
-                <a:tc>
-                  <a:txBody>
-                    <a:bodyPr/>
-                    <a:lstStyle/>
-                    <a:p>
-                      <a:r>
-                        <a:rPr lang="de-DE" sz="1200" dirty="0" err="1"/>
-                        <a:t>dancing</a:t>
-                      </a:r>
-                      <a:endParaRPr lang="de-DE" sz="1200" dirty="0"/>
-                    </a:p>
-                  </a:txBody>
-                  <a:tcPr marL="48960" marR="48960" marT="24480" marB="24480"/>
-                </a:tc>
-                <a:tc>
-                  <a:txBody>
-                    <a:bodyPr/>
-                    <a:lstStyle/>
-                    <a:p>
-                      <a:r>
-                        <a:rPr lang="de-DE" sz="1200" dirty="0"/>
-                        <a:t>Forchheim</a:t>
-                      </a:r>
-                    </a:p>
-                  </a:txBody>
-                  <a:tcPr marL="48960" marR="48960" marT="24480" marB="24480"/>
-                </a:tc>
-                <a:tc>
-                  <a:txBody>
-                    <a:bodyPr/>
-                    <a:lstStyle/>
-                    <a:p>
-                      <a:r>
-                        <a:rPr lang="de-DE" sz="1200" dirty="0"/>
-                        <a:t>Diabetes</a:t>
-                      </a:r>
-                    </a:p>
-                  </a:txBody>
-                  <a:tcPr marL="48960" marR="48960" marT="24480" marB="24480"/>
-                </a:tc>
-                <a:extLst>
-                  <a:ext uri="{0D108BD9-81ED-4DB2-BD59-A6C34878D82A}">
-                    <a16:rowId xmlns:a16="http://schemas.microsoft.com/office/drawing/2014/main" val="3285554444"/>
-                  </a:ext>
-                </a:extLst>
-              </a:tr>
-              <a:tr h="198561">
-                <a:tc>
-                  <a:txBody>
-                    <a:bodyPr/>
-                    <a:lstStyle/>
-                    <a:p>
-                      <a:r>
-                        <a:rPr lang="de-DE" sz="1200" dirty="0" err="1"/>
-                        <a:t>basketball</a:t>
-                      </a:r>
-                      <a:endParaRPr lang="de-DE" sz="1200" dirty="0"/>
-                    </a:p>
-                  </a:txBody>
-                  <a:tcPr marL="48960" marR="48960" marT="24480" marB="24480"/>
-                </a:tc>
-                <a:tc>
-                  <a:txBody>
-                    <a:bodyPr/>
-                    <a:lstStyle/>
-                    <a:p>
-                      <a:r>
-                        <a:rPr lang="de-DE" sz="1200" dirty="0"/>
-                        <a:t>Erlangen</a:t>
-                      </a:r>
-                    </a:p>
-                  </a:txBody>
-                  <a:tcPr marL="48960" marR="48960" marT="24480" marB="24480"/>
-                </a:tc>
-                <a:tc>
-                  <a:txBody>
-                    <a:bodyPr/>
-                    <a:lstStyle/>
-                    <a:p>
-                      <a:r>
-                        <a:rPr lang="de-DE" sz="1200" dirty="0"/>
-                        <a:t>Cancer</a:t>
-                      </a:r>
-                    </a:p>
-                  </a:txBody>
-                  <a:tcPr marL="48960" marR="48960" marT="24480" marB="24480"/>
-                </a:tc>
-                <a:extLst>
-                  <a:ext uri="{0D108BD9-81ED-4DB2-BD59-A6C34878D82A}">
-                    <a16:rowId xmlns:a16="http://schemas.microsoft.com/office/drawing/2014/main" val="4006333830"/>
-                  </a:ext>
-                </a:extLst>
-              </a:tr>
-              <a:tr h="198561">
-                <a:tc>
-                  <a:txBody>
-                    <a:bodyPr/>
-                    <a:lstStyle/>
-                    <a:p>
-                      <a:r>
-                        <a:rPr lang="de-DE" sz="1200" dirty="0" err="1"/>
-                        <a:t>collecting</a:t>
-                      </a:r>
-                      <a:r>
-                        <a:rPr lang="de-DE" sz="1200" dirty="0"/>
-                        <a:t> </a:t>
-                      </a:r>
-                      <a:r>
-                        <a:rPr lang="de-DE" sz="1200" dirty="0" err="1"/>
-                        <a:t>stamps</a:t>
-                      </a:r>
-                      <a:endParaRPr lang="de-DE" sz="1200" dirty="0"/>
-                    </a:p>
-                  </a:txBody>
-                  <a:tcPr marL="48960" marR="48960" marT="24480" marB="24480"/>
-                </a:tc>
-                <a:tc>
-                  <a:txBody>
-                    <a:bodyPr/>
-                    <a:lstStyle/>
-                    <a:p>
-                      <a:r>
-                        <a:rPr lang="de-DE" sz="1200" dirty="0"/>
-                        <a:t>Bamberg</a:t>
-                      </a:r>
-                    </a:p>
-                  </a:txBody>
-                  <a:tcPr marL="48960" marR="48960" marT="24480" marB="24480"/>
-                </a:tc>
-                <a:tc>
-                  <a:txBody>
-                    <a:bodyPr/>
-                    <a:lstStyle/>
-                    <a:p>
-                      <a:r>
-                        <a:rPr lang="de-DE" sz="1200" dirty="0"/>
-                        <a:t>Cancer</a:t>
-                      </a:r>
-                    </a:p>
-                  </a:txBody>
-                  <a:tcPr marL="48960" marR="48960" marT="24480" marB="24480"/>
-                </a:tc>
-                <a:extLst>
-                  <a:ext uri="{0D108BD9-81ED-4DB2-BD59-A6C34878D82A}">
-                    <a16:rowId xmlns:a16="http://schemas.microsoft.com/office/drawing/2014/main" val="1160987818"/>
-                  </a:ext>
-                </a:extLst>
-              </a:tr>
-            </a:tbl>
-          </a:graphicData>
-        </a:graphic>
-      </p:graphicFrame>
-      <p:graphicFrame>
-        <p:nvGraphicFramePr>
-          <p:cNvPr id="9" name="Tabelle 8">
-            <a:extLst>
-              <a:ext uri="{FF2B5EF4-FFF2-40B4-BE49-F238E27FC236}">
-                <a16:creationId xmlns:a16="http://schemas.microsoft.com/office/drawing/2014/main" id="{C9DA06F8-F5B8-4686-92F6-17A874E230A2}"/>
-              </a:ext>
-            </a:extLst>
-          </p:cNvPr>
-          <p:cNvGraphicFramePr>
-            <a:graphicFrameLocks noGrp="1"/>
-          </p:cNvGraphicFramePr>
-          <p:nvPr>
-            <p:extLst>
-              <p:ext uri="{D42A27DB-BD31-4B8C-83A1-F6EECF244321}">
-                <p14:modId xmlns:p14="http://schemas.microsoft.com/office/powerpoint/2010/main" val="3621021104"/>
-              </p:ext>
-            </p:extLst>
-          </p:nvPr>
-        </p:nvGraphicFramePr>
-        <p:xfrm>
-          <a:off x="2123728" y="3693657"/>
-          <a:ext cx="4762069" cy="2456880"/>
-        </p:xfrm>
-        <a:graphic>
-          <a:graphicData uri="http://schemas.openxmlformats.org/drawingml/2006/table">
-            <a:tbl>
-              <a:tblPr firstRow="1" bandRow="1">
-                <a:tableStyleId>{21E4AEA4-8DFA-4A89-87EB-49C32662AFE0}</a:tableStyleId>
-              </a:tblPr>
-              <a:tblGrid>
-                <a:gridCol w="639258">
-                  <a:extLst>
-                    <a:ext uri="{9D8B030D-6E8A-4147-A177-3AD203B41FA5}">
-                      <a16:colId xmlns:a16="http://schemas.microsoft.com/office/drawing/2014/main" val="3038909483"/>
-                    </a:ext>
-                  </a:extLst>
-                </a:gridCol>
-                <a:gridCol w="1306008">
-                  <a:extLst>
-                    <a:ext uri="{9D8B030D-6E8A-4147-A177-3AD203B41FA5}">
-                      <a16:colId xmlns:a16="http://schemas.microsoft.com/office/drawing/2014/main" val="1218478600"/>
-                    </a:ext>
-                  </a:extLst>
-                </a:gridCol>
-                <a:gridCol w="858333">
-                  <a:extLst>
-                    <a:ext uri="{9D8B030D-6E8A-4147-A177-3AD203B41FA5}">
-                      <a16:colId xmlns:a16="http://schemas.microsoft.com/office/drawing/2014/main" val="2365763890"/>
-                    </a:ext>
-                  </a:extLst>
-                </a:gridCol>
-                <a:gridCol w="739270">
-                  <a:extLst>
-                    <a:ext uri="{9D8B030D-6E8A-4147-A177-3AD203B41FA5}">
-                      <a16:colId xmlns:a16="http://schemas.microsoft.com/office/drawing/2014/main" val="898951537"/>
-                    </a:ext>
-                  </a:extLst>
-                </a:gridCol>
-                <a:gridCol w="1219200">
-                  <a:extLst>
-                    <a:ext uri="{9D8B030D-6E8A-4147-A177-3AD203B41FA5}">
-                      <a16:colId xmlns:a16="http://schemas.microsoft.com/office/drawing/2014/main" val="787341161"/>
-                    </a:ext>
-                  </a:extLst>
-                </a:gridCol>
-              </a:tblGrid>
-              <a:tr h="370840">
-                <a:tc>
-                  <a:txBody>
-                    <a:bodyPr/>
-                    <a:lstStyle/>
-                    <a:p>
-                      <a:r>
-                        <a:rPr lang="de-DE" sz="1200" dirty="0"/>
-                        <a:t>Size</a:t>
-                      </a:r>
-                    </a:p>
-                  </a:txBody>
-                  <a:tcPr marL="48960" marR="48960" marT="24480" marB="24480"/>
-                </a:tc>
-                <a:tc>
-                  <a:txBody>
-                    <a:bodyPr/>
-                    <a:lstStyle/>
-                    <a:p>
-                      <a:r>
-                        <a:rPr lang="de-DE" sz="1200" dirty="0"/>
-                        <a:t>Hobby</a:t>
-                      </a:r>
-                    </a:p>
-                  </a:txBody>
-                  <a:tcPr marL="48960" marR="48960" marT="24480" marB="24480"/>
-                </a:tc>
-                <a:tc>
-                  <a:txBody>
-                    <a:bodyPr/>
-                    <a:lstStyle/>
-                    <a:p>
-                      <a:r>
-                        <a:rPr lang="de-DE" sz="1200" dirty="0" err="1"/>
-                        <a:t>residence</a:t>
-                      </a:r>
-                      <a:endParaRPr lang="de-DE" sz="1200" dirty="0"/>
-                    </a:p>
-                  </a:txBody>
-                  <a:tcPr marL="48960" marR="48960" marT="24480" marB="24480"/>
-                </a:tc>
-                <a:tc>
-                  <a:txBody>
-                    <a:bodyPr/>
-                    <a:lstStyle/>
-                    <a:p>
-                      <a:r>
-                        <a:rPr lang="de-DE" sz="1200" dirty="0"/>
-                        <a:t>Disease</a:t>
-                      </a:r>
-                    </a:p>
-                  </a:txBody>
-                  <a:tcPr marL="48960" marR="48960" marT="24480" marB="24480"/>
-                </a:tc>
-                <a:tc>
-                  <a:txBody>
-                    <a:bodyPr/>
-                    <a:lstStyle/>
-                    <a:p>
-                      <a:r>
-                        <a:rPr lang="de-DE" sz="1200" dirty="0" err="1"/>
-                        <a:t>lecture</a:t>
-                      </a:r>
-                      <a:endParaRPr lang="de-DE" sz="1200" dirty="0"/>
-                    </a:p>
-                  </a:txBody>
-                  <a:tcPr marL="48960" marR="48960" marT="24480" marB="24480"/>
-                </a:tc>
-                <a:extLst>
-                  <a:ext uri="{0D108BD9-81ED-4DB2-BD59-A6C34878D82A}">
-                    <a16:rowId xmlns:a16="http://schemas.microsoft.com/office/drawing/2014/main" val="3148392314"/>
-                  </a:ext>
-                </a:extLst>
-              </a:tr>
-              <a:tr h="370840">
-                <a:tc>
-                  <a:txBody>
-                    <a:bodyPr/>
-                    <a:lstStyle/>
-                    <a:p>
-                      <a:r>
-                        <a:rPr lang="de-DE" sz="1200" dirty="0"/>
-                        <a:t>160 cm</a:t>
-                      </a:r>
-                    </a:p>
-                  </a:txBody>
-                  <a:tcPr marL="48960" marR="48960" marT="24480" marB="24480"/>
-                </a:tc>
-                <a:tc>
-                  <a:txBody>
-                    <a:bodyPr/>
-                    <a:lstStyle/>
-                    <a:p>
-                      <a:r>
-                        <a:rPr lang="de-DE" sz="1200" dirty="0" err="1"/>
-                        <a:t>football</a:t>
-                      </a:r>
-                      <a:endParaRPr lang="de-DE" sz="1200" dirty="0"/>
-                    </a:p>
-                  </a:txBody>
-                  <a:tcPr marL="48960" marR="48960" marT="24480" marB="24480"/>
-                </a:tc>
-                <a:tc>
-                  <a:txBody>
-                    <a:bodyPr/>
-                    <a:lstStyle/>
-                    <a:p>
-                      <a:r>
-                        <a:rPr lang="de-DE" sz="1200" dirty="0"/>
-                        <a:t>Bamberg</a:t>
-                      </a:r>
-                    </a:p>
-                  </a:txBody>
-                  <a:tcPr marL="48960" marR="48960" marT="24480" marB="24480"/>
-                </a:tc>
-                <a:tc>
-                  <a:txBody>
-                    <a:bodyPr/>
-                    <a:lstStyle/>
-                    <a:p>
-                      <a:r>
-                        <a:rPr lang="de-DE" sz="1200" dirty="0"/>
-                        <a:t>Diabetes</a:t>
-                      </a:r>
-                    </a:p>
-                  </a:txBody>
-                  <a:tcPr marL="48960" marR="48960" marT="24480" marB="24480"/>
-                </a:tc>
-                <a:tc>
-                  <a:txBody>
-                    <a:bodyPr/>
-                    <a:lstStyle/>
-                    <a:p>
-                      <a:r>
-                        <a:rPr lang="de-DE" sz="1200" dirty="0" err="1"/>
-                        <a:t>biology</a:t>
-                      </a:r>
-                      <a:endParaRPr lang="de-DE" sz="1200" dirty="0"/>
-                    </a:p>
-                  </a:txBody>
-                  <a:tcPr marL="48960" marR="48960" marT="24480" marB="24480"/>
-                </a:tc>
-                <a:extLst>
-                  <a:ext uri="{0D108BD9-81ED-4DB2-BD59-A6C34878D82A}">
-                    <a16:rowId xmlns:a16="http://schemas.microsoft.com/office/drawing/2014/main" val="1434788083"/>
-                  </a:ext>
-                </a:extLst>
-              </a:tr>
-              <a:tr h="370840">
-                <a:tc>
-                  <a:txBody>
-                    <a:bodyPr/>
-                    <a:lstStyle/>
-                    <a:p>
-                      <a:r>
-                        <a:rPr lang="de-DE" sz="1200" dirty="0"/>
-                        <a:t>160 cm</a:t>
-                      </a:r>
-                    </a:p>
-                  </a:txBody>
-                  <a:tcPr marL="48960" marR="48960" marT="24480" marB="24480"/>
-                </a:tc>
-                <a:tc>
-                  <a:txBody>
-                    <a:bodyPr/>
-                    <a:lstStyle/>
-                    <a:p>
-                      <a:r>
-                        <a:rPr lang="de-DE" sz="1200" dirty="0" err="1"/>
-                        <a:t>football</a:t>
-                      </a:r>
-                      <a:endParaRPr lang="de-DE" sz="1200" dirty="0"/>
-                    </a:p>
-                  </a:txBody>
-                  <a:tcPr marL="48960" marR="48960" marT="24480" marB="24480"/>
-                </a:tc>
-                <a:tc>
-                  <a:txBody>
-                    <a:bodyPr/>
-                    <a:lstStyle/>
-                    <a:p>
-                      <a:r>
-                        <a:rPr lang="de-DE" sz="1200" dirty="0"/>
-                        <a:t>Bamberg</a:t>
-                      </a:r>
-                    </a:p>
-                  </a:txBody>
-                  <a:tcPr marL="48960" marR="48960" marT="24480" marB="24480"/>
-                </a:tc>
-                <a:tc>
-                  <a:txBody>
-                    <a:bodyPr/>
-                    <a:lstStyle/>
-                    <a:p>
-                      <a:r>
-                        <a:rPr lang="de-DE" sz="1200" dirty="0"/>
-                        <a:t>Diabetes</a:t>
-                      </a:r>
-                    </a:p>
-                  </a:txBody>
-                  <a:tcPr marL="48960" marR="48960" marT="24480" marB="24480"/>
-                </a:tc>
-                <a:tc>
-                  <a:txBody>
-                    <a:bodyPr/>
-                    <a:lstStyle/>
-                    <a:p>
-                      <a:r>
-                        <a:rPr lang="de-DE" sz="1200" dirty="0" err="1"/>
-                        <a:t>biology</a:t>
-                      </a:r>
-                      <a:endParaRPr lang="de-DE" sz="1200" dirty="0"/>
-                    </a:p>
-                  </a:txBody>
-                  <a:tcPr marL="48960" marR="48960" marT="24480" marB="24480"/>
-                </a:tc>
-                <a:extLst>
-                  <a:ext uri="{0D108BD9-81ED-4DB2-BD59-A6C34878D82A}">
-                    <a16:rowId xmlns:a16="http://schemas.microsoft.com/office/drawing/2014/main" val="3464527464"/>
-                  </a:ext>
-                </a:extLst>
-              </a:tr>
-              <a:tr h="370840">
-                <a:tc>
-                  <a:txBody>
-                    <a:bodyPr/>
-                    <a:lstStyle/>
-                    <a:p>
-                      <a:r>
-                        <a:rPr lang="de-DE" sz="1200" dirty="0"/>
-                        <a:t>180 cm</a:t>
-                      </a:r>
-                    </a:p>
-                  </a:txBody>
-                  <a:tcPr marL="48960" marR="48960" marT="24480" marB="24480"/>
-                </a:tc>
-                <a:tc>
-                  <a:txBody>
-                    <a:bodyPr/>
-                    <a:lstStyle/>
-                    <a:p>
-                      <a:r>
-                        <a:rPr lang="de-DE" sz="1200" dirty="0" err="1"/>
-                        <a:t>videogames</a:t>
-                      </a:r>
-                      <a:endParaRPr lang="de-DE" sz="1200" dirty="0"/>
-                    </a:p>
-                  </a:txBody>
-                  <a:tcPr marL="48960" marR="48960" marT="24480" marB="24480"/>
-                </a:tc>
-                <a:tc>
-                  <a:txBody>
-                    <a:bodyPr/>
-                    <a:lstStyle/>
-                    <a:p>
-                      <a:r>
-                        <a:rPr lang="de-DE" sz="1200" dirty="0"/>
-                        <a:t>Erlangen</a:t>
-                      </a:r>
-                    </a:p>
-                  </a:txBody>
-                  <a:tcPr marL="48960" marR="48960" marT="24480" marB="24480"/>
-                </a:tc>
-                <a:tc>
-                  <a:txBody>
-                    <a:bodyPr/>
-                    <a:lstStyle/>
-                    <a:p>
-                      <a:r>
-                        <a:rPr lang="de-DE" sz="1200" dirty="0"/>
-                        <a:t>Cancer</a:t>
-                      </a:r>
-                    </a:p>
-                  </a:txBody>
-                  <a:tcPr marL="48960" marR="48960" marT="24480" marB="24480"/>
-                </a:tc>
-                <a:tc>
-                  <a:txBody>
-                    <a:bodyPr/>
-                    <a:lstStyle/>
-                    <a:p>
-                      <a:r>
-                        <a:rPr lang="de-DE" sz="1200" dirty="0" err="1"/>
-                        <a:t>sport</a:t>
-                      </a:r>
-                      <a:endParaRPr lang="de-DE" sz="1200" dirty="0"/>
-                    </a:p>
-                  </a:txBody>
-                  <a:tcPr marL="48960" marR="48960" marT="24480" marB="24480"/>
-                </a:tc>
-                <a:extLst>
-                  <a:ext uri="{0D108BD9-81ED-4DB2-BD59-A6C34878D82A}">
-                    <a16:rowId xmlns:a16="http://schemas.microsoft.com/office/drawing/2014/main" val="3448416424"/>
-                  </a:ext>
-                </a:extLst>
-              </a:tr>
-              <a:tr h="370840">
-                <a:tc>
-                  <a:txBody>
-                    <a:bodyPr/>
-                    <a:lstStyle/>
-                    <a:p>
-                      <a:r>
-                        <a:rPr lang="de-DE" sz="1200" dirty="0"/>
-                        <a:t>180 cm</a:t>
-                      </a:r>
-                    </a:p>
-                  </a:txBody>
-                  <a:tcPr marL="48960" marR="48960" marT="24480" marB="24480"/>
-                </a:tc>
-                <a:tc>
-                  <a:txBody>
-                    <a:bodyPr/>
-                    <a:lstStyle/>
-                    <a:p>
-                      <a:r>
-                        <a:rPr lang="de-DE" sz="1200" dirty="0" err="1"/>
-                        <a:t>dancing</a:t>
-                      </a:r>
-                      <a:endParaRPr lang="de-DE" sz="1200" dirty="0"/>
-                    </a:p>
-                  </a:txBody>
-                  <a:tcPr marL="48960" marR="48960" marT="24480" marB="24480"/>
-                </a:tc>
-                <a:tc>
-                  <a:txBody>
-                    <a:bodyPr/>
-                    <a:lstStyle/>
-                    <a:p>
-                      <a:r>
-                        <a:rPr lang="de-DE" sz="1200" dirty="0"/>
-                        <a:t>Forchheim</a:t>
-                      </a:r>
-                    </a:p>
-                  </a:txBody>
-                  <a:tcPr marL="48960" marR="48960" marT="24480" marB="24480"/>
-                </a:tc>
-                <a:tc>
-                  <a:txBody>
-                    <a:bodyPr/>
-                    <a:lstStyle/>
-                    <a:p>
-                      <a:r>
-                        <a:rPr lang="de-DE" sz="1200" dirty="0"/>
-                        <a:t>Diabetes</a:t>
-                      </a:r>
-                    </a:p>
-                  </a:txBody>
-                  <a:tcPr marL="48960" marR="48960" marT="24480" marB="24480"/>
-                </a:tc>
-                <a:tc>
-                  <a:txBody>
-                    <a:bodyPr/>
-                    <a:lstStyle/>
-                    <a:p>
-                      <a:r>
-                        <a:rPr lang="de-DE" sz="1200" dirty="0" err="1"/>
-                        <a:t>phyisic</a:t>
-                      </a:r>
-                      <a:endParaRPr lang="de-DE" sz="1200" dirty="0"/>
-                    </a:p>
-                  </a:txBody>
-                  <a:tcPr marL="48960" marR="48960" marT="24480" marB="24480"/>
-                </a:tc>
-                <a:extLst>
-                  <a:ext uri="{0D108BD9-81ED-4DB2-BD59-A6C34878D82A}">
-                    <a16:rowId xmlns:a16="http://schemas.microsoft.com/office/drawing/2014/main" val="1231262421"/>
-                  </a:ext>
-                </a:extLst>
-              </a:tr>
-              <a:tr h="370840">
-                <a:tc>
-                  <a:txBody>
-                    <a:bodyPr/>
-                    <a:lstStyle/>
-                    <a:p>
-                      <a:r>
-                        <a:rPr lang="de-DE" sz="1200" dirty="0"/>
-                        <a:t>190 cm</a:t>
-                      </a:r>
-                    </a:p>
-                  </a:txBody>
-                  <a:tcPr marL="48960" marR="48960" marT="24480" marB="24480"/>
-                </a:tc>
-                <a:tc>
-                  <a:txBody>
-                    <a:bodyPr/>
-                    <a:lstStyle/>
-                    <a:p>
-                      <a:r>
-                        <a:rPr lang="de-DE" sz="1200" dirty="0" err="1"/>
-                        <a:t>basketball</a:t>
-                      </a:r>
-                      <a:endParaRPr lang="de-DE" sz="1200" dirty="0"/>
-                    </a:p>
-                  </a:txBody>
-                  <a:tcPr marL="48960" marR="48960" marT="24480" marB="24480"/>
-                </a:tc>
-                <a:tc>
-                  <a:txBody>
-                    <a:bodyPr/>
-                    <a:lstStyle/>
-                    <a:p>
-                      <a:r>
-                        <a:rPr lang="de-DE" sz="1200" dirty="0"/>
-                        <a:t>Erlangen</a:t>
-                      </a:r>
-                    </a:p>
-                  </a:txBody>
-                  <a:tcPr marL="48960" marR="48960" marT="24480" marB="24480"/>
-                </a:tc>
-                <a:tc>
-                  <a:txBody>
-                    <a:bodyPr/>
-                    <a:lstStyle/>
-                    <a:p>
-                      <a:r>
-                        <a:rPr lang="de-DE" sz="1200" dirty="0"/>
-                        <a:t>Cancer</a:t>
-                      </a:r>
-                    </a:p>
-                  </a:txBody>
-                  <a:tcPr marL="48960" marR="48960" marT="24480" marB="24480"/>
-                </a:tc>
-                <a:tc>
-                  <a:txBody>
-                    <a:bodyPr/>
-                    <a:lstStyle/>
-                    <a:p>
-                      <a:r>
-                        <a:rPr lang="de-DE" sz="1200" dirty="0" err="1"/>
-                        <a:t>math</a:t>
-                      </a:r>
-                      <a:endParaRPr lang="de-DE" sz="1200" dirty="0"/>
-                    </a:p>
-                  </a:txBody>
-                  <a:tcPr marL="48960" marR="48960" marT="24480" marB="24480"/>
-                </a:tc>
-                <a:extLst>
-                  <a:ext uri="{0D108BD9-81ED-4DB2-BD59-A6C34878D82A}">
-                    <a16:rowId xmlns:a16="http://schemas.microsoft.com/office/drawing/2014/main" val="1419785816"/>
-                  </a:ext>
-                </a:extLst>
-              </a:tr>
-              <a:tr h="117135">
-                <a:tc>
-                  <a:txBody>
-                    <a:bodyPr/>
-                    <a:lstStyle/>
-                    <a:p>
-                      <a:r>
-                        <a:rPr lang="de-DE" sz="1200" dirty="0"/>
-                        <a:t>190 cm</a:t>
-                      </a:r>
-                    </a:p>
-                  </a:txBody>
-                  <a:tcPr marL="48960" marR="48960" marT="24480" marB="24480"/>
-                </a:tc>
-                <a:tc>
-                  <a:txBody>
-                    <a:bodyPr/>
-                    <a:lstStyle/>
-                    <a:p>
-                      <a:r>
-                        <a:rPr lang="de-DE" sz="1200" dirty="0" err="1"/>
-                        <a:t>collecting</a:t>
-                      </a:r>
-                      <a:r>
-                        <a:rPr lang="de-DE" sz="1200" dirty="0"/>
-                        <a:t> </a:t>
-                      </a:r>
-                      <a:r>
-                        <a:rPr lang="de-DE" sz="1200" dirty="0" err="1"/>
-                        <a:t>stamps</a:t>
-                      </a:r>
-                      <a:endParaRPr lang="de-DE" sz="1200" dirty="0"/>
-                    </a:p>
-                  </a:txBody>
-                  <a:tcPr marL="48960" marR="48960" marT="24480" marB="24480"/>
-                </a:tc>
-                <a:tc>
-                  <a:txBody>
-                    <a:bodyPr/>
-                    <a:lstStyle/>
-                    <a:p>
-                      <a:r>
-                        <a:rPr lang="de-DE" sz="1200" dirty="0"/>
-                        <a:t>Bamberg</a:t>
-                      </a:r>
-                    </a:p>
-                  </a:txBody>
-                  <a:tcPr marL="48960" marR="48960" marT="24480" marB="24480"/>
-                </a:tc>
-                <a:tc>
-                  <a:txBody>
-                    <a:bodyPr/>
-                    <a:lstStyle/>
-                    <a:p>
-                      <a:r>
-                        <a:rPr lang="de-DE" sz="1200" dirty="0"/>
-                        <a:t>Cancer</a:t>
-                      </a:r>
-                    </a:p>
-                  </a:txBody>
-                  <a:tcPr marL="48960" marR="48960" marT="24480" marB="24480"/>
-                </a:tc>
-                <a:tc>
-                  <a:txBody>
-                    <a:bodyPr/>
-                    <a:lstStyle/>
-                    <a:p>
-                      <a:r>
-                        <a:rPr lang="de-DE" sz="1200" dirty="0" err="1"/>
-                        <a:t>math</a:t>
-                      </a:r>
-                      <a:endParaRPr lang="de-DE" sz="1200" dirty="0"/>
-                    </a:p>
-                  </a:txBody>
-                  <a:tcPr marL="48960" marR="48960" marT="24480" marB="24480"/>
-                </a:tc>
-                <a:extLst>
-                  <a:ext uri="{0D108BD9-81ED-4DB2-BD59-A6C34878D82A}">
-                    <a16:rowId xmlns:a16="http://schemas.microsoft.com/office/drawing/2014/main" val="4177111121"/>
-                  </a:ext>
-                </a:extLst>
-              </a:tr>
-            </a:tbl>
-          </a:graphicData>
-        </a:graphic>
-      </p:graphicFrame>
-    </p:spTree>
-    <p:extLst>
-      <p:ext uri="{BB962C8B-B14F-4D97-AF65-F5344CB8AC3E}">
-        <p14:creationId xmlns:p14="http://schemas.microsoft.com/office/powerpoint/2010/main" val="986772571"/>
-      </p:ext>
-    </p:extLst>
-  </p:cSld>
-  <p:clrMapOvr>
-    <a:masterClrMapping/>
-  </p:clrMapOvr>
-</p:sld>
-</file>
-
-<file path=ppt/slides/slide17.xml><?xml version="1.0" encoding="utf-8"?>
-<p:sld xmlns:a="http://schemas.openxmlformats.org/drawingml/2006/main" xmlns:r="http://schemas.openxmlformats.org/officeDocument/2006/relationships" xmlns:p="http://schemas.openxmlformats.org/presentationml/2006/main">
-  <p:cSld>
-    <p:spTree>
-      <p:nvGrpSpPr>
-        <p:cNvPr id="1" name=""/>
-        <p:cNvGrpSpPr/>
-        <p:nvPr/>
-      </p:nvGrpSpPr>
-      <p:grpSpPr>
-        <a:xfrm>
-          <a:off x="0" y="0"/>
-          <a:ext cx="0" cy="0"/>
-          <a:chOff x="0" y="0"/>
-          <a:chExt cx="0" cy="0"/>
-        </a:xfrm>
-      </p:grpSpPr>
-      <p:sp>
-        <p:nvSpPr>
-          <p:cNvPr id="2" name="Titel 1">
-            <a:extLst>
-              <a:ext uri="{FF2B5EF4-FFF2-40B4-BE49-F238E27FC236}">
-                <a16:creationId xmlns:a16="http://schemas.microsoft.com/office/drawing/2014/main" id="{8E25D8BA-34BD-4AB3-A8F1-5BE24DA46ED2}"/>
-              </a:ext>
-            </a:extLst>
-          </p:cNvPr>
-          <p:cNvSpPr>
-            <a:spLocks noGrp="1"/>
-          </p:cNvSpPr>
-          <p:nvPr>
-            <p:ph type="title"/>
-          </p:nvPr>
-        </p:nvSpPr>
-        <p:spPr>
-          <a:xfrm>
-            <a:off x="430213" y="265113"/>
-            <a:ext cx="7886700" cy="573087"/>
-          </a:xfrm>
-        </p:spPr>
-        <p:txBody>
-          <a:bodyPr/>
-          <a:lstStyle/>
-          <a:p>
-            <a:r>
-              <a:rPr lang="de-DE" sz="1800" b="1" dirty="0"/>
-              <a:t>EXTENDED SCENARIOS – </a:t>
-            </a:r>
-            <a:r>
-              <a:rPr lang="de-DE" sz="1800" b="1" dirty="0" err="1"/>
-              <a:t>Sequential</a:t>
-            </a:r>
-            <a:r>
-              <a:rPr lang="de-DE" sz="1800" b="1" dirty="0"/>
-              <a:t> Release Publishing</a:t>
-            </a:r>
-            <a:endParaRPr lang="de-DE" sz="1800" dirty="0"/>
-          </a:p>
-        </p:txBody>
-      </p:sp>
-      <p:sp>
-        <p:nvSpPr>
-          <p:cNvPr id="3" name="Datumsplatzhalter 2">
-            <a:extLst>
-              <a:ext uri="{FF2B5EF4-FFF2-40B4-BE49-F238E27FC236}">
-                <a16:creationId xmlns:a16="http://schemas.microsoft.com/office/drawing/2014/main" id="{5079DD1B-902A-432A-8C60-C4C83007992A}"/>
-              </a:ext>
-            </a:extLst>
-          </p:cNvPr>
-          <p:cNvSpPr>
-            <a:spLocks noGrp="1"/>
-          </p:cNvSpPr>
-          <p:nvPr>
-            <p:ph type="dt" sz="half" idx="14"/>
-          </p:nvPr>
-        </p:nvSpPr>
-        <p:spPr>
-          <a:xfrm>
-            <a:off x="1331913" y="6208713"/>
-            <a:ext cx="1296987" cy="476250"/>
-          </a:xfrm>
-        </p:spPr>
-        <p:txBody>
-          <a:bodyPr/>
-          <a:lstStyle/>
-          <a:p>
-            <a:r>
-              <a:rPr lang="de-DE"/>
-              <a:t>18.05.2017</a:t>
-            </a:r>
-            <a:endParaRPr lang="de-DE" dirty="0"/>
-          </a:p>
-        </p:txBody>
-      </p:sp>
-      <p:sp>
-        <p:nvSpPr>
-          <p:cNvPr id="4" name="Fußzeilenplatzhalter 3">
-            <a:extLst>
-              <a:ext uri="{FF2B5EF4-FFF2-40B4-BE49-F238E27FC236}">
-                <a16:creationId xmlns:a16="http://schemas.microsoft.com/office/drawing/2014/main" id="{7EFECC64-6F1A-4381-9B68-BF04EF1814E1}"/>
-              </a:ext>
-            </a:extLst>
-          </p:cNvPr>
-          <p:cNvSpPr>
-            <a:spLocks noGrp="1"/>
-          </p:cNvSpPr>
-          <p:nvPr>
-            <p:ph type="ftr" sz="quarter" idx="15"/>
-          </p:nvPr>
-        </p:nvSpPr>
-        <p:spPr>
-          <a:xfrm>
-            <a:off x="2755900" y="6308725"/>
-            <a:ext cx="5487988" cy="288925"/>
-          </a:xfrm>
-        </p:spPr>
-        <p:txBody>
-          <a:bodyPr/>
-          <a:lstStyle/>
-          <a:p>
-            <a:r>
-              <a:rPr lang="de-DE"/>
-              <a:t>Andreas Heimann &amp; Matthias Puchta</a:t>
-            </a:r>
-            <a:endParaRPr lang="de-DE" dirty="0"/>
-          </a:p>
-        </p:txBody>
-      </p:sp>
-      <p:sp>
-        <p:nvSpPr>
-          <p:cNvPr id="5" name="Textplatzhalter 4">
-            <a:extLst>
-              <a:ext uri="{FF2B5EF4-FFF2-40B4-BE49-F238E27FC236}">
-                <a16:creationId xmlns:a16="http://schemas.microsoft.com/office/drawing/2014/main" id="{6609FEC9-4889-4738-8FAA-9EDCD59C8959}"/>
-              </a:ext>
-            </a:extLst>
-          </p:cNvPr>
-          <p:cNvSpPr>
-            <a:spLocks noGrp="1"/>
-          </p:cNvSpPr>
-          <p:nvPr>
-            <p:ph type="body" sz="quarter" idx="13"/>
-          </p:nvPr>
-        </p:nvSpPr>
-        <p:spPr/>
-        <p:txBody>
-          <a:bodyPr/>
-          <a:lstStyle/>
-          <a:p>
-            <a:r>
-              <a:rPr lang="en-US" dirty="0"/>
-              <a:t>In some other scenarios, the data is released continuously</a:t>
-            </a:r>
-          </a:p>
-          <a:p>
-            <a:pPr marL="0" indent="0">
-              <a:buNone/>
-            </a:pPr>
-            <a:r>
-              <a:rPr lang="en-US" dirty="0"/>
-              <a:t>and sequentially as new information becomes available.</a:t>
-            </a:r>
-          </a:p>
-          <a:p>
-            <a:r>
-              <a:rPr lang="de-DE" dirty="0" err="1"/>
-              <a:t>Consider</a:t>
-            </a:r>
-            <a:r>
-              <a:rPr lang="de-DE" dirty="0"/>
-              <a:t> </a:t>
-            </a:r>
-            <a:r>
-              <a:rPr lang="de-DE" dirty="0" err="1"/>
-              <a:t>the</a:t>
-            </a:r>
-            <a:r>
-              <a:rPr lang="de-DE" dirty="0"/>
-              <a:t> </a:t>
-            </a:r>
-            <a:r>
-              <a:rPr lang="de-DE" dirty="0" err="1"/>
-              <a:t>problem</a:t>
-            </a:r>
-            <a:r>
-              <a:rPr lang="de-DE" dirty="0"/>
-              <a:t> </a:t>
-            </a:r>
-            <a:r>
-              <a:rPr lang="de-DE" dirty="0" err="1"/>
-              <a:t>of</a:t>
-            </a:r>
-            <a:r>
-              <a:rPr lang="en-US" i="1" dirty="0"/>
-              <a:t>sequential anonymization </a:t>
-            </a:r>
-            <a:r>
-              <a:rPr lang="en-US" dirty="0"/>
-              <a:t>[Wang and Fung 2006]: a data publisher has </a:t>
-            </a:r>
-            <a:r>
-              <a:rPr lang="en-US" i="1" dirty="0" err="1"/>
-              <a:t>previously</a:t>
-            </a:r>
-            <a:r>
-              <a:rPr lang="en-US" dirty="0" err="1"/>
-              <a:t>released</a:t>
-            </a:r>
-            <a:r>
-              <a:rPr lang="en-US" dirty="0"/>
-              <a:t> </a:t>
-            </a:r>
-            <a:r>
-              <a:rPr lang="en-US" i="1" dirty="0"/>
-              <a:t>T</a:t>
-            </a:r>
-            <a:r>
-              <a:rPr lang="en-US" dirty="0"/>
-              <a:t>1</a:t>
-            </a:r>
-            <a:r>
-              <a:rPr lang="en-US" i="1" dirty="0"/>
-              <a:t>, . . . , Tp</a:t>
-            </a:r>
-            <a:r>
-              <a:rPr lang="en-US" dirty="0"/>
-              <a:t>−1 and </a:t>
-            </a:r>
-            <a:r>
-              <a:rPr lang="en-US" i="1" dirty="0"/>
-              <a:t>now </a:t>
-            </a:r>
-            <a:r>
-              <a:rPr lang="en-US" dirty="0"/>
-              <a:t>wants to publish the next release </a:t>
-            </a:r>
-            <a:r>
-              <a:rPr lang="en-US" i="1" dirty="0" err="1"/>
-              <a:t>Tp</a:t>
-            </a:r>
-            <a:r>
-              <a:rPr lang="en-US" dirty="0"/>
-              <a:t>, where all </a:t>
-            </a:r>
-            <a:r>
-              <a:rPr lang="en-US" i="1" dirty="0" err="1"/>
-              <a:t>Ti</a:t>
-            </a:r>
-            <a:r>
-              <a:rPr lang="en-US" dirty="0" err="1"/>
-              <a:t>are</a:t>
-            </a:r>
-            <a:r>
-              <a:rPr lang="en-US" dirty="0"/>
-              <a:t> projections of the same underlying table, and each </a:t>
-            </a:r>
-            <a:r>
-              <a:rPr lang="en-US" i="1" dirty="0"/>
-              <a:t>individual release</a:t>
-            </a:r>
-            <a:r>
-              <a:rPr lang="en-US" dirty="0"/>
-              <a:t>, not </a:t>
-            </a:r>
-            <a:r>
-              <a:rPr lang="en-US" dirty="0" err="1"/>
-              <a:t>thejoin</a:t>
-            </a:r>
-            <a:r>
-              <a:rPr lang="en-US" dirty="0"/>
-              <a:t>, serves a data mining purpose. The data publisher wants to prevent record and attribute linkages through the join of </a:t>
-            </a:r>
-            <a:r>
-              <a:rPr lang="en-US" i="1" dirty="0"/>
-              <a:t>T</a:t>
-            </a:r>
-            <a:r>
-              <a:rPr lang="en-US" dirty="0"/>
-              <a:t>1</a:t>
-            </a:r>
-            <a:r>
-              <a:rPr lang="en-US" i="1" dirty="0"/>
-              <a:t>, . . . , Tp</a:t>
-            </a:r>
-            <a:r>
-              <a:rPr lang="en-US" dirty="0"/>
-              <a:t>.</a:t>
-            </a:r>
-            <a:endParaRPr lang="de-DE" dirty="0"/>
-          </a:p>
-        </p:txBody>
-      </p:sp>
-      <p:sp>
-        <p:nvSpPr>
-          <p:cNvPr id="6" name="Foliennummernplatzhalter 5">
-            <a:extLst>
-              <a:ext uri="{FF2B5EF4-FFF2-40B4-BE49-F238E27FC236}">
-                <a16:creationId xmlns:a16="http://schemas.microsoft.com/office/drawing/2014/main" id="{AB93F62D-EA09-4552-880A-D595452A36E3}"/>
-              </a:ext>
-            </a:extLst>
-          </p:cNvPr>
-          <p:cNvSpPr>
-            <a:spLocks noGrp="1"/>
-          </p:cNvSpPr>
-          <p:nvPr>
-            <p:ph type="sldNum" sz="quarter" idx="16"/>
-          </p:nvPr>
-        </p:nvSpPr>
-        <p:spPr>
-          <a:xfrm>
-            <a:off x="8415338" y="6408738"/>
-            <a:ext cx="477837" cy="333375"/>
-          </a:xfrm>
-        </p:spPr>
-        <p:txBody>
-          <a:bodyPr/>
-          <a:lstStyle/>
-          <a:p>
-            <a:fld id="{50E76E58-F275-47A3-BB17-470016A267B6}" type="slidenum">
-              <a:rPr lang="de-DE" smtClean="0"/>
-              <a:pPr/>
-              <a:t>17</a:t>
-            </a:fld>
-            <a:endParaRPr lang="de-DE"/>
-          </a:p>
-        </p:txBody>
-      </p:sp>
-    </p:spTree>
-    <p:extLst>
-      <p:ext uri="{BB962C8B-B14F-4D97-AF65-F5344CB8AC3E}">
-        <p14:creationId xmlns:p14="http://schemas.microsoft.com/office/powerpoint/2010/main" val="4223311860"/>
-      </p:ext>
-    </p:extLst>
-  </p:cSld>
-  <p:clrMapOvr>
-    <a:masterClrMapping/>
-  </p:clrMapOvr>
-</p:sld>
-</file>
-
-<file path=ppt/slides/slide18.xml><?xml version="1.0" encoding="utf-8"?>
-<p:sld xmlns:a="http://schemas.openxmlformats.org/drawingml/2006/main" xmlns:r="http://schemas.openxmlformats.org/officeDocument/2006/relationships" xmlns:p="http://schemas.openxmlformats.org/presentationml/2006/main">
-  <p:cSld>
-    <p:spTree>
-      <p:nvGrpSpPr>
-        <p:cNvPr id="1" name=""/>
-        <p:cNvGrpSpPr/>
-        <p:nvPr/>
-      </p:nvGrpSpPr>
-      <p:grpSpPr>
-        <a:xfrm>
-          <a:off x="0" y="0"/>
-          <a:ext cx="0" cy="0"/>
-          <a:chOff x="0" y="0"/>
-          <a:chExt cx="0" cy="0"/>
-        </a:xfrm>
-      </p:grpSpPr>
-      <p:sp>
-        <p:nvSpPr>
-          <p:cNvPr id="2" name="Titel 1">
-            <a:extLst>
-              <a:ext uri="{FF2B5EF4-FFF2-40B4-BE49-F238E27FC236}">
-                <a16:creationId xmlns:a16="http://schemas.microsoft.com/office/drawing/2014/main" id="{92372EE3-C7B3-46F3-A7CF-C5AF22CE3D9F}"/>
-              </a:ext>
-            </a:extLst>
-          </p:cNvPr>
-          <p:cNvSpPr>
-            <a:spLocks noGrp="1"/>
-          </p:cNvSpPr>
-          <p:nvPr>
-            <p:ph type="title"/>
-          </p:nvPr>
-        </p:nvSpPr>
-        <p:spPr>
-          <a:xfrm>
-            <a:off x="430213" y="265113"/>
-            <a:ext cx="7886700" cy="573087"/>
-          </a:xfrm>
-        </p:spPr>
-        <p:txBody>
-          <a:bodyPr/>
-          <a:lstStyle/>
-          <a:p>
-            <a:r>
-              <a:rPr lang="de-DE" b="1" dirty="0"/>
-              <a:t>EXTENDED SCENARIOS – </a:t>
-            </a:r>
-            <a:r>
-              <a:rPr lang="de-DE" b="1" dirty="0" err="1"/>
-              <a:t>Sequential</a:t>
-            </a:r>
-            <a:r>
-              <a:rPr lang="de-DE" b="1" dirty="0"/>
-              <a:t> Release Publishing</a:t>
-            </a:r>
-            <a:endParaRPr lang="de-DE" dirty="0"/>
-          </a:p>
-        </p:txBody>
-      </p:sp>
-      <p:sp>
-        <p:nvSpPr>
-          <p:cNvPr id="3" name="Datumsplatzhalter 2">
-            <a:extLst>
-              <a:ext uri="{FF2B5EF4-FFF2-40B4-BE49-F238E27FC236}">
-                <a16:creationId xmlns:a16="http://schemas.microsoft.com/office/drawing/2014/main" id="{424DE68C-F76E-4A6A-B409-3FDE54121B99}"/>
-              </a:ext>
-            </a:extLst>
-          </p:cNvPr>
-          <p:cNvSpPr>
-            <a:spLocks noGrp="1"/>
-          </p:cNvSpPr>
-          <p:nvPr>
-            <p:ph type="dt" sz="half" idx="14"/>
-          </p:nvPr>
-        </p:nvSpPr>
-        <p:spPr>
-          <a:xfrm>
-            <a:off x="1331913" y="6208713"/>
-            <a:ext cx="1296987" cy="476250"/>
-          </a:xfrm>
-        </p:spPr>
-        <p:txBody>
-          <a:bodyPr/>
-          <a:lstStyle/>
-          <a:p>
-            <a:r>
-              <a:rPr lang="de-DE" dirty="0"/>
-              <a:t>18.05.2017</a:t>
-            </a:r>
-          </a:p>
-        </p:txBody>
-      </p:sp>
-      <p:sp>
-        <p:nvSpPr>
-          <p:cNvPr id="4" name="Fußzeilenplatzhalter 3">
-            <a:extLst>
-              <a:ext uri="{FF2B5EF4-FFF2-40B4-BE49-F238E27FC236}">
-                <a16:creationId xmlns:a16="http://schemas.microsoft.com/office/drawing/2014/main" id="{C5267A2C-1694-4361-9F96-605A24629895}"/>
-              </a:ext>
-            </a:extLst>
-          </p:cNvPr>
-          <p:cNvSpPr>
-            <a:spLocks noGrp="1"/>
-          </p:cNvSpPr>
-          <p:nvPr>
-            <p:ph type="ftr" sz="quarter" idx="15"/>
-          </p:nvPr>
-        </p:nvSpPr>
-        <p:spPr>
-          <a:xfrm>
-            <a:off x="2755900" y="6308725"/>
-            <a:ext cx="5487988" cy="288925"/>
-          </a:xfrm>
-        </p:spPr>
-        <p:txBody>
-          <a:bodyPr/>
-          <a:lstStyle/>
-          <a:p>
-            <a:r>
-              <a:rPr lang="de-DE"/>
-              <a:t>Andreas Heimann &amp; Matthias Puchta</a:t>
-            </a:r>
-            <a:endParaRPr lang="de-DE" dirty="0"/>
-          </a:p>
-        </p:txBody>
-      </p:sp>
-      <p:sp>
-        <p:nvSpPr>
-          <p:cNvPr id="5" name="Textplatzhalter 4">
-            <a:extLst>
-              <a:ext uri="{FF2B5EF4-FFF2-40B4-BE49-F238E27FC236}">
-                <a16:creationId xmlns:a16="http://schemas.microsoft.com/office/drawing/2014/main" id="{2AC62AE4-0009-4ADA-946E-A027FC75B3E1}"/>
-              </a:ext>
-            </a:extLst>
-          </p:cNvPr>
-          <p:cNvSpPr>
-            <a:spLocks noGrp="1"/>
-          </p:cNvSpPr>
-          <p:nvPr>
-            <p:ph type="body" sz="quarter" idx="13"/>
-          </p:nvPr>
-        </p:nvSpPr>
-        <p:spPr/>
-        <p:txBody>
-          <a:bodyPr/>
-          <a:lstStyle/>
-          <a:p>
-            <a:pPr marL="0" indent="0">
-              <a:buNone/>
-            </a:pPr>
-            <a:r>
-              <a:rPr lang="de-DE" dirty="0" err="1"/>
-              <a:t>Example</a:t>
-            </a:r>
-            <a:endParaRPr lang="de-DE" dirty="0"/>
-          </a:p>
-          <a:p>
-            <a:pPr marL="0" indent="0">
-              <a:buNone/>
-            </a:pPr>
-            <a:endParaRPr lang="de-DE" dirty="0"/>
-          </a:p>
-        </p:txBody>
-      </p:sp>
-      <p:sp>
-        <p:nvSpPr>
-          <p:cNvPr id="6" name="Foliennummernplatzhalter 5">
-            <a:extLst>
-              <a:ext uri="{FF2B5EF4-FFF2-40B4-BE49-F238E27FC236}">
-                <a16:creationId xmlns:a16="http://schemas.microsoft.com/office/drawing/2014/main" id="{30D19244-33D2-4D87-A50B-197400296686}"/>
-              </a:ext>
-            </a:extLst>
-          </p:cNvPr>
-          <p:cNvSpPr>
-            <a:spLocks noGrp="1"/>
-          </p:cNvSpPr>
-          <p:nvPr>
-            <p:ph type="sldNum" sz="quarter" idx="16"/>
-          </p:nvPr>
-        </p:nvSpPr>
-        <p:spPr>
-          <a:xfrm>
-            <a:off x="8415338" y="6408738"/>
-            <a:ext cx="477837" cy="333375"/>
-          </a:xfrm>
-        </p:spPr>
-        <p:txBody>
-          <a:bodyPr/>
-          <a:lstStyle/>
-          <a:p>
-            <a:fld id="{50E76E58-F275-47A3-BB17-470016A267B6}" type="slidenum">
-              <a:rPr lang="de-DE" smtClean="0"/>
-              <a:pPr/>
-              <a:t>18</a:t>
-            </a:fld>
-            <a:endParaRPr lang="de-DE"/>
-          </a:p>
-        </p:txBody>
-      </p:sp>
-      <p:graphicFrame>
-        <p:nvGraphicFramePr>
-          <p:cNvPr id="8" name="Tabelle 7">
-            <a:extLst>
-              <a:ext uri="{FF2B5EF4-FFF2-40B4-BE49-F238E27FC236}">
-                <a16:creationId xmlns:a16="http://schemas.microsoft.com/office/drawing/2014/main" id="{98282385-5A2A-4BB2-AA87-F19BF31AA295}"/>
-              </a:ext>
-            </a:extLst>
-          </p:cNvPr>
-          <p:cNvGraphicFramePr>
-            <a:graphicFrameLocks noGrp="1"/>
-          </p:cNvGraphicFramePr>
-          <p:nvPr>
-            <p:extLst>
-              <p:ext uri="{D42A27DB-BD31-4B8C-83A1-F6EECF244321}">
-                <p14:modId xmlns:p14="http://schemas.microsoft.com/office/powerpoint/2010/main" val="3860329873"/>
-              </p:ext>
-            </p:extLst>
-          </p:nvPr>
-        </p:nvGraphicFramePr>
-        <p:xfrm>
-          <a:off x="982705" y="1283334"/>
-          <a:ext cx="3312368" cy="1788160"/>
-        </p:xfrm>
-        <a:graphic>
-          <a:graphicData uri="http://schemas.openxmlformats.org/drawingml/2006/table">
-            <a:tbl>
-              <a:tblPr firstRow="1" bandRow="1">
-                <a:tableStyleId>{93296810-A885-4BE3-A3E7-6D5BEEA58F35}</a:tableStyleId>
-              </a:tblPr>
-              <a:tblGrid>
-                <a:gridCol w="1152128">
-                  <a:extLst>
-                    <a:ext uri="{9D8B030D-6E8A-4147-A177-3AD203B41FA5}">
-                      <a16:colId xmlns:a16="http://schemas.microsoft.com/office/drawing/2014/main" val="2679458678"/>
-                    </a:ext>
-                  </a:extLst>
-                </a:gridCol>
-                <a:gridCol w="936104">
-                  <a:extLst>
-                    <a:ext uri="{9D8B030D-6E8A-4147-A177-3AD203B41FA5}">
-                      <a16:colId xmlns:a16="http://schemas.microsoft.com/office/drawing/2014/main" val="4109460027"/>
-                    </a:ext>
-                  </a:extLst>
-                </a:gridCol>
-                <a:gridCol w="1224136">
-                  <a:extLst>
-                    <a:ext uri="{9D8B030D-6E8A-4147-A177-3AD203B41FA5}">
-                      <a16:colId xmlns:a16="http://schemas.microsoft.com/office/drawing/2014/main" val="302015897"/>
-                    </a:ext>
-                  </a:extLst>
-                </a:gridCol>
-              </a:tblGrid>
-              <a:tr h="0">
-                <a:tc>
-                  <a:txBody>
-                    <a:bodyPr/>
-                    <a:lstStyle/>
-                    <a:p>
-                      <a:r>
-                        <a:rPr lang="de-DE" sz="1400" dirty="0"/>
-                        <a:t>Hobby</a:t>
-                      </a:r>
-                    </a:p>
-                  </a:txBody>
-                  <a:tcPr/>
-                </a:tc>
-                <a:tc>
-                  <a:txBody>
-                    <a:bodyPr/>
-                    <a:lstStyle/>
-                    <a:p>
-                      <a:r>
-                        <a:rPr lang="de-DE" sz="1400" dirty="0"/>
-                        <a:t>Sex</a:t>
-                      </a:r>
-                    </a:p>
-                  </a:txBody>
-                  <a:tcPr/>
-                </a:tc>
-                <a:tc>
-                  <a:txBody>
-                    <a:bodyPr/>
-                    <a:lstStyle/>
-                    <a:p>
-                      <a:r>
-                        <a:rPr lang="de-DE" sz="1400" dirty="0"/>
-                        <a:t>Disease</a:t>
-                      </a:r>
-                    </a:p>
-                  </a:txBody>
-                  <a:tcPr/>
-                </a:tc>
-                <a:extLst>
-                  <a:ext uri="{0D108BD9-81ED-4DB2-BD59-A6C34878D82A}">
-                    <a16:rowId xmlns:a16="http://schemas.microsoft.com/office/drawing/2014/main" val="3572924222"/>
-                  </a:ext>
-                </a:extLst>
-              </a:tr>
-              <a:tr h="370840">
-                <a:tc>
-                  <a:txBody>
-                    <a:bodyPr/>
-                    <a:lstStyle/>
-                    <a:p>
-                      <a:r>
-                        <a:rPr lang="de-DE" sz="1400" dirty="0" err="1"/>
-                        <a:t>painting</a:t>
-                      </a:r>
-                      <a:endParaRPr lang="de-DE" sz="1400" dirty="0"/>
-                    </a:p>
-                  </a:txBody>
-                  <a:tcPr/>
-                </a:tc>
-                <a:tc>
-                  <a:txBody>
-                    <a:bodyPr/>
-                    <a:lstStyle/>
-                    <a:p>
-                      <a:r>
-                        <a:rPr lang="de-DE" sz="1400" dirty="0" err="1"/>
-                        <a:t>Female</a:t>
-                      </a:r>
-                      <a:endParaRPr lang="de-DE" sz="1400" dirty="0"/>
-                    </a:p>
-                  </a:txBody>
-                  <a:tcPr/>
-                </a:tc>
-                <a:tc>
-                  <a:txBody>
-                    <a:bodyPr/>
-                    <a:lstStyle/>
-                    <a:p>
-                      <a:r>
-                        <a:rPr lang="de-DE" sz="1400" dirty="0"/>
-                        <a:t>Diabetes</a:t>
-                      </a:r>
-                    </a:p>
-                  </a:txBody>
-                  <a:tcPr/>
-                </a:tc>
-                <a:extLst>
-                  <a:ext uri="{0D108BD9-81ED-4DB2-BD59-A6C34878D82A}">
-                    <a16:rowId xmlns:a16="http://schemas.microsoft.com/office/drawing/2014/main" val="3781985953"/>
-                  </a:ext>
-                </a:extLst>
-              </a:tr>
-              <a:tr h="370840">
-                <a:tc>
-                  <a:txBody>
-                    <a:bodyPr/>
-                    <a:lstStyle/>
-                    <a:p>
-                      <a:r>
-                        <a:rPr lang="de-DE" sz="1400" dirty="0" err="1"/>
-                        <a:t>painting</a:t>
-                      </a:r>
-                      <a:endParaRPr lang="de-DE" sz="1400" dirty="0"/>
-                    </a:p>
-                  </a:txBody>
-                  <a:tcPr/>
-                </a:tc>
-                <a:tc>
-                  <a:txBody>
-                    <a:bodyPr/>
-                    <a:lstStyle/>
-                    <a:p>
-                      <a:r>
-                        <a:rPr lang="de-DE" sz="1400" dirty="0" err="1"/>
-                        <a:t>Female</a:t>
-                      </a:r>
-                      <a:endParaRPr lang="de-DE" sz="1400" dirty="0"/>
-                    </a:p>
-                  </a:txBody>
-                  <a:tcPr/>
-                </a:tc>
-                <a:tc>
-                  <a:txBody>
-                    <a:bodyPr/>
-                    <a:lstStyle/>
-                    <a:p>
-                      <a:r>
-                        <a:rPr lang="de-DE" sz="1400" dirty="0"/>
-                        <a:t>Cancer</a:t>
-                      </a:r>
-                    </a:p>
-                  </a:txBody>
-                  <a:tcPr/>
-                </a:tc>
-                <a:extLst>
-                  <a:ext uri="{0D108BD9-81ED-4DB2-BD59-A6C34878D82A}">
-                    <a16:rowId xmlns:a16="http://schemas.microsoft.com/office/drawing/2014/main" val="2705425995"/>
-                  </a:ext>
-                </a:extLst>
-              </a:tr>
-              <a:tr h="370840">
-                <a:tc>
-                  <a:txBody>
-                    <a:bodyPr/>
-                    <a:lstStyle/>
-                    <a:p>
-                      <a:r>
-                        <a:rPr lang="de-DE" sz="1400" dirty="0" err="1"/>
-                        <a:t>basketball</a:t>
-                      </a:r>
-                      <a:endParaRPr lang="de-DE" sz="1400" dirty="0"/>
-                    </a:p>
-                  </a:txBody>
-                  <a:tcPr/>
-                </a:tc>
-                <a:tc>
-                  <a:txBody>
-                    <a:bodyPr/>
-                    <a:lstStyle/>
-                    <a:p>
-                      <a:r>
-                        <a:rPr lang="de-DE" sz="1400" dirty="0"/>
-                        <a:t>Male</a:t>
-                      </a:r>
-                    </a:p>
-                  </a:txBody>
-                  <a:tcPr/>
-                </a:tc>
-                <a:tc>
-                  <a:txBody>
-                    <a:bodyPr/>
-                    <a:lstStyle/>
-                    <a:p>
-                      <a:r>
-                        <a:rPr lang="de-DE" sz="1400" dirty="0"/>
-                        <a:t>HIV</a:t>
-                      </a:r>
-                    </a:p>
-                  </a:txBody>
-                  <a:tcPr/>
-                </a:tc>
-                <a:extLst>
-                  <a:ext uri="{0D108BD9-81ED-4DB2-BD59-A6C34878D82A}">
-                    <a16:rowId xmlns:a16="http://schemas.microsoft.com/office/drawing/2014/main" val="3710550286"/>
-                  </a:ext>
-                </a:extLst>
-              </a:tr>
-              <a:tr h="370840">
-                <a:tc>
-                  <a:txBody>
-                    <a:bodyPr/>
-                    <a:lstStyle/>
-                    <a:p>
-                      <a:r>
-                        <a:rPr lang="de-DE" sz="1400" dirty="0" err="1"/>
-                        <a:t>basketball</a:t>
-                      </a:r>
-                      <a:endParaRPr lang="de-DE" sz="1400" dirty="0"/>
-                    </a:p>
-                  </a:txBody>
-                  <a:tcPr/>
-                </a:tc>
-                <a:tc>
-                  <a:txBody>
-                    <a:bodyPr/>
-                    <a:lstStyle/>
-                    <a:p>
-                      <a:r>
-                        <a:rPr lang="de-DE" sz="1400" dirty="0"/>
-                        <a:t>Male</a:t>
-                      </a:r>
-                    </a:p>
-                  </a:txBody>
-                  <a:tcPr/>
-                </a:tc>
-                <a:tc>
-                  <a:txBody>
-                    <a:bodyPr/>
-                    <a:lstStyle/>
-                    <a:p>
-                      <a:r>
-                        <a:rPr lang="de-DE" sz="1400" dirty="0"/>
-                        <a:t>Diabetes</a:t>
-                      </a:r>
-                    </a:p>
-                  </a:txBody>
-                  <a:tcPr/>
-                </a:tc>
-                <a:extLst>
-                  <a:ext uri="{0D108BD9-81ED-4DB2-BD59-A6C34878D82A}">
-                    <a16:rowId xmlns:a16="http://schemas.microsoft.com/office/drawing/2014/main" val="2423189313"/>
-                  </a:ext>
-                </a:extLst>
-              </a:tr>
-            </a:tbl>
-          </a:graphicData>
-        </a:graphic>
-      </p:graphicFrame>
-      <p:graphicFrame>
-        <p:nvGraphicFramePr>
-          <p:cNvPr id="9" name="Tabelle 8">
-            <a:extLst>
-              <a:ext uri="{FF2B5EF4-FFF2-40B4-BE49-F238E27FC236}">
-                <a16:creationId xmlns:a16="http://schemas.microsoft.com/office/drawing/2014/main" id="{647B90BD-FE29-40A4-A397-DA6385204B1A}"/>
-              </a:ext>
-            </a:extLst>
-          </p:cNvPr>
-          <p:cNvGraphicFramePr>
-            <a:graphicFrameLocks noGrp="1"/>
-          </p:cNvGraphicFramePr>
-          <p:nvPr>
-            <p:extLst>
-              <p:ext uri="{D42A27DB-BD31-4B8C-83A1-F6EECF244321}">
-                <p14:modId xmlns:p14="http://schemas.microsoft.com/office/powerpoint/2010/main" val="450800242"/>
-              </p:ext>
-            </p:extLst>
-          </p:nvPr>
-        </p:nvGraphicFramePr>
-        <p:xfrm>
-          <a:off x="299864" y="3226025"/>
-          <a:ext cx="4200129" cy="1529548"/>
-        </p:xfrm>
-        <a:graphic>
-          <a:graphicData uri="http://schemas.openxmlformats.org/drawingml/2006/table">
-            <a:tbl>
-              <a:tblPr firstRow="1" bandRow="1">
-                <a:tableStyleId>{93296810-A885-4BE3-A3E7-6D5BEEA58F35}</a:tableStyleId>
-              </a:tblPr>
-              <a:tblGrid>
-                <a:gridCol w="1400043">
-                  <a:extLst>
-                    <a:ext uri="{9D8B030D-6E8A-4147-A177-3AD203B41FA5}">
-                      <a16:colId xmlns:a16="http://schemas.microsoft.com/office/drawing/2014/main" val="2679458678"/>
-                    </a:ext>
-                  </a:extLst>
-                </a:gridCol>
-                <a:gridCol w="1400043">
-                  <a:extLst>
-                    <a:ext uri="{9D8B030D-6E8A-4147-A177-3AD203B41FA5}">
-                      <a16:colId xmlns:a16="http://schemas.microsoft.com/office/drawing/2014/main" val="4109460027"/>
-                    </a:ext>
-                  </a:extLst>
-                </a:gridCol>
-                <a:gridCol w="1400043">
-                  <a:extLst>
-                    <a:ext uri="{9D8B030D-6E8A-4147-A177-3AD203B41FA5}">
-                      <a16:colId xmlns:a16="http://schemas.microsoft.com/office/drawing/2014/main" val="302015897"/>
-                    </a:ext>
-                  </a:extLst>
-                </a:gridCol>
-              </a:tblGrid>
-              <a:tr h="252008">
-                <a:tc>
-                  <a:txBody>
-                    <a:bodyPr/>
-                    <a:lstStyle/>
-                    <a:p>
-                      <a:r>
-                        <a:rPr lang="de-DE" sz="1200" dirty="0"/>
-                        <a:t>Hobby</a:t>
-                      </a:r>
-                    </a:p>
-                  </a:txBody>
-                  <a:tcPr marL="63002" marR="63002" marT="31501" marB="31501"/>
-                </a:tc>
-                <a:tc>
-                  <a:txBody>
-                    <a:bodyPr/>
-                    <a:lstStyle/>
-                    <a:p>
-                      <a:r>
-                        <a:rPr lang="de-DE" sz="1200" dirty="0"/>
-                        <a:t>Sex</a:t>
-                      </a:r>
-                    </a:p>
-                  </a:txBody>
-                  <a:tcPr marL="63002" marR="63002" marT="31501" marB="31501"/>
-                </a:tc>
-                <a:tc>
-                  <a:txBody>
-                    <a:bodyPr/>
-                    <a:lstStyle/>
-                    <a:p>
-                      <a:r>
-                        <a:rPr lang="de-DE" sz="1200" dirty="0"/>
-                        <a:t>Disease</a:t>
-                      </a:r>
-                    </a:p>
-                  </a:txBody>
-                  <a:tcPr marL="63002" marR="63002" marT="31501" marB="31501"/>
-                </a:tc>
-                <a:extLst>
-                  <a:ext uri="{0D108BD9-81ED-4DB2-BD59-A6C34878D82A}">
-                    <a16:rowId xmlns:a16="http://schemas.microsoft.com/office/drawing/2014/main" val="3572924222"/>
-                  </a:ext>
-                </a:extLst>
-              </a:tr>
-              <a:tr h="255508">
-                <a:tc>
-                  <a:txBody>
-                    <a:bodyPr/>
-                    <a:lstStyle/>
-                    <a:p>
-                      <a:r>
-                        <a:rPr lang="de-DE" sz="1200" dirty="0" err="1"/>
-                        <a:t>painting</a:t>
-                      </a:r>
-                      <a:endParaRPr lang="de-DE" sz="1200" dirty="0"/>
-                    </a:p>
-                  </a:txBody>
-                  <a:tcPr marL="63002" marR="63002" marT="31501" marB="31501"/>
-                </a:tc>
-                <a:tc>
-                  <a:txBody>
-                    <a:bodyPr/>
-                    <a:lstStyle/>
-                    <a:p>
-                      <a:r>
-                        <a:rPr lang="de-DE" sz="1200" dirty="0" err="1"/>
-                        <a:t>Female</a:t>
-                      </a:r>
-                      <a:endParaRPr lang="de-DE" sz="1200" dirty="0"/>
-                    </a:p>
-                  </a:txBody>
-                  <a:tcPr marL="63002" marR="63002" marT="31501" marB="31501"/>
-                </a:tc>
-                <a:tc>
-                  <a:txBody>
-                    <a:bodyPr/>
-                    <a:lstStyle/>
-                    <a:p>
-                      <a:r>
-                        <a:rPr lang="de-DE" sz="1200" dirty="0"/>
-                        <a:t>Diabetes</a:t>
-                      </a:r>
-                    </a:p>
-                  </a:txBody>
-                  <a:tcPr marL="63002" marR="63002" marT="31501" marB="31501"/>
-                </a:tc>
-                <a:extLst>
-                  <a:ext uri="{0D108BD9-81ED-4DB2-BD59-A6C34878D82A}">
-                    <a16:rowId xmlns:a16="http://schemas.microsoft.com/office/drawing/2014/main" val="3781985953"/>
-                  </a:ext>
-                </a:extLst>
-              </a:tr>
-              <a:tr h="255508">
-                <a:tc>
-                  <a:txBody>
-                    <a:bodyPr/>
-                    <a:lstStyle/>
-                    <a:p>
-                      <a:r>
-                        <a:rPr lang="de-DE" sz="1200" dirty="0" err="1"/>
-                        <a:t>painting</a:t>
-                      </a:r>
-                      <a:endParaRPr lang="de-DE" sz="1200" dirty="0"/>
-                    </a:p>
-                  </a:txBody>
-                  <a:tcPr marL="63002" marR="63002" marT="31501" marB="31501"/>
-                </a:tc>
-                <a:tc>
-                  <a:txBody>
-                    <a:bodyPr/>
-                    <a:lstStyle/>
-                    <a:p>
-                      <a:r>
-                        <a:rPr lang="de-DE" sz="1200" dirty="0" err="1"/>
-                        <a:t>Female</a:t>
-                      </a:r>
-                      <a:endParaRPr lang="de-DE" sz="1200" dirty="0"/>
-                    </a:p>
-                  </a:txBody>
-                  <a:tcPr marL="63002" marR="63002" marT="31501" marB="31501"/>
-                </a:tc>
-                <a:tc>
-                  <a:txBody>
-                    <a:bodyPr/>
-                    <a:lstStyle/>
-                    <a:p>
-                      <a:r>
-                        <a:rPr lang="de-DE" sz="1200" dirty="0"/>
-                        <a:t>Cancer</a:t>
-                      </a:r>
-                    </a:p>
-                  </a:txBody>
-                  <a:tcPr marL="63002" marR="63002" marT="31501" marB="31501"/>
-                </a:tc>
-                <a:extLst>
-                  <a:ext uri="{0D108BD9-81ED-4DB2-BD59-A6C34878D82A}">
-                    <a16:rowId xmlns:a16="http://schemas.microsoft.com/office/drawing/2014/main" val="2705425995"/>
-                  </a:ext>
-                </a:extLst>
-              </a:tr>
-              <a:tr h="255508">
-                <a:tc>
-                  <a:txBody>
-                    <a:bodyPr/>
-                    <a:lstStyle/>
-                    <a:p>
-                      <a:r>
-                        <a:rPr lang="de-DE" sz="1200" dirty="0"/>
-                        <a:t>Painting</a:t>
-                      </a:r>
-                    </a:p>
-                  </a:txBody>
-                  <a:tcPr marL="63002" marR="63002" marT="31501" marB="31501"/>
-                </a:tc>
-                <a:tc>
-                  <a:txBody>
-                    <a:bodyPr/>
-                    <a:lstStyle/>
-                    <a:p>
-                      <a:r>
-                        <a:rPr lang="de-DE" sz="1200" dirty="0" err="1"/>
-                        <a:t>Female</a:t>
-                      </a:r>
-                      <a:endParaRPr lang="de-DE" sz="1200" dirty="0"/>
-                    </a:p>
-                  </a:txBody>
-                  <a:tcPr marL="63002" marR="63002" marT="31501" marB="31501"/>
-                </a:tc>
-                <a:tc>
-                  <a:txBody>
-                    <a:bodyPr/>
-                    <a:lstStyle/>
-                    <a:p>
-                      <a:r>
-                        <a:rPr lang="de-DE" sz="1200" dirty="0"/>
-                        <a:t>HIV</a:t>
-                      </a:r>
-                    </a:p>
-                  </a:txBody>
-                  <a:tcPr marL="63002" marR="63002" marT="31501" marB="31501"/>
-                </a:tc>
-                <a:extLst>
-                  <a:ext uri="{0D108BD9-81ED-4DB2-BD59-A6C34878D82A}">
-                    <a16:rowId xmlns:a16="http://schemas.microsoft.com/office/drawing/2014/main" val="3710550286"/>
-                  </a:ext>
-                </a:extLst>
-              </a:tr>
-              <a:tr h="255508">
-                <a:tc>
-                  <a:txBody>
-                    <a:bodyPr/>
-                    <a:lstStyle/>
-                    <a:p>
-                      <a:r>
-                        <a:rPr lang="de-DE" sz="1200" dirty="0"/>
-                        <a:t>Basketball</a:t>
-                      </a:r>
-                    </a:p>
-                  </a:txBody>
-                  <a:tcPr marL="63002" marR="63002" marT="31501" marB="31501"/>
-                </a:tc>
-                <a:tc>
-                  <a:txBody>
-                    <a:bodyPr/>
-                    <a:lstStyle/>
-                    <a:p>
-                      <a:r>
-                        <a:rPr lang="de-DE" sz="1200" dirty="0"/>
-                        <a:t>Male</a:t>
-                      </a:r>
-                    </a:p>
-                  </a:txBody>
-                  <a:tcPr marL="63002" marR="63002" marT="31501" marB="31501"/>
-                </a:tc>
-                <a:tc>
-                  <a:txBody>
-                    <a:bodyPr/>
-                    <a:lstStyle/>
-                    <a:p>
-                      <a:r>
-                        <a:rPr lang="de-DE" sz="1200" dirty="0"/>
-                        <a:t>HIV</a:t>
-                      </a:r>
-                    </a:p>
-                  </a:txBody>
-                  <a:tcPr marL="63002" marR="63002" marT="31501" marB="31501"/>
-                </a:tc>
-                <a:extLst>
-                  <a:ext uri="{0D108BD9-81ED-4DB2-BD59-A6C34878D82A}">
-                    <a16:rowId xmlns:a16="http://schemas.microsoft.com/office/drawing/2014/main" val="2423189313"/>
-                  </a:ext>
-                </a:extLst>
-              </a:tr>
-              <a:tr h="255508">
-                <a:tc>
-                  <a:txBody>
-                    <a:bodyPr/>
-                    <a:lstStyle/>
-                    <a:p>
-                      <a:r>
-                        <a:rPr lang="de-DE" sz="1200" dirty="0"/>
-                        <a:t>Basketball</a:t>
-                      </a:r>
-                    </a:p>
-                  </a:txBody>
-                  <a:tcPr marL="63002" marR="63002" marT="31501" marB="31501"/>
-                </a:tc>
-                <a:tc>
-                  <a:txBody>
-                    <a:bodyPr/>
-                    <a:lstStyle/>
-                    <a:p>
-                      <a:r>
-                        <a:rPr lang="de-DE" sz="1200" dirty="0"/>
-                        <a:t>Male</a:t>
-                      </a:r>
-                    </a:p>
-                  </a:txBody>
-                  <a:tcPr marL="63002" marR="63002" marT="31501" marB="31501"/>
-                </a:tc>
-                <a:tc>
-                  <a:txBody>
-                    <a:bodyPr/>
-                    <a:lstStyle/>
-                    <a:p>
-                      <a:r>
-                        <a:rPr lang="de-DE" sz="1200" dirty="0"/>
-                        <a:t>Diabetes</a:t>
-                      </a:r>
-                    </a:p>
-                  </a:txBody>
-                  <a:tcPr marL="63002" marR="63002" marT="31501" marB="31501"/>
-                </a:tc>
-                <a:extLst>
-                  <a:ext uri="{0D108BD9-81ED-4DB2-BD59-A6C34878D82A}">
-                    <a16:rowId xmlns:a16="http://schemas.microsoft.com/office/drawing/2014/main" val="2963043723"/>
-                  </a:ext>
-                </a:extLst>
-              </a:tr>
-            </a:tbl>
-          </a:graphicData>
-        </a:graphic>
-      </p:graphicFrame>
-      <p:graphicFrame>
-        <p:nvGraphicFramePr>
-          <p:cNvPr id="10" name="Tabelle 9">
-            <a:extLst>
-              <a:ext uri="{FF2B5EF4-FFF2-40B4-BE49-F238E27FC236}">
-                <a16:creationId xmlns:a16="http://schemas.microsoft.com/office/drawing/2014/main" id="{2C22BFF2-9ED9-413C-9F80-FDF8C7C43559}"/>
-              </a:ext>
-            </a:extLst>
-          </p:cNvPr>
-          <p:cNvGraphicFramePr>
-            <a:graphicFrameLocks noGrp="1"/>
-          </p:cNvGraphicFramePr>
-          <p:nvPr>
-            <p:extLst>
-              <p:ext uri="{D42A27DB-BD31-4B8C-83A1-F6EECF244321}">
-                <p14:modId xmlns:p14="http://schemas.microsoft.com/office/powerpoint/2010/main" val="3948149892"/>
-              </p:ext>
-            </p:extLst>
-          </p:nvPr>
-        </p:nvGraphicFramePr>
-        <p:xfrm>
-          <a:off x="4586002" y="4708559"/>
-          <a:ext cx="4200129" cy="1274040"/>
-        </p:xfrm>
-        <a:graphic>
-          <a:graphicData uri="http://schemas.openxmlformats.org/drawingml/2006/table">
-            <a:tbl>
-              <a:tblPr firstRow="1" bandRow="1">
-                <a:tableStyleId>{93296810-A885-4BE3-A3E7-6D5BEEA58F35}</a:tableStyleId>
-              </a:tblPr>
-              <a:tblGrid>
-                <a:gridCol w="1400043">
-                  <a:extLst>
-                    <a:ext uri="{9D8B030D-6E8A-4147-A177-3AD203B41FA5}">
-                      <a16:colId xmlns:a16="http://schemas.microsoft.com/office/drawing/2014/main" val="2679458678"/>
-                    </a:ext>
-                  </a:extLst>
-                </a:gridCol>
-                <a:gridCol w="1400043">
-                  <a:extLst>
-                    <a:ext uri="{9D8B030D-6E8A-4147-A177-3AD203B41FA5}">
-                      <a16:colId xmlns:a16="http://schemas.microsoft.com/office/drawing/2014/main" val="4109460027"/>
-                    </a:ext>
-                  </a:extLst>
-                </a:gridCol>
-                <a:gridCol w="1400043">
-                  <a:extLst>
-                    <a:ext uri="{9D8B030D-6E8A-4147-A177-3AD203B41FA5}">
-                      <a16:colId xmlns:a16="http://schemas.microsoft.com/office/drawing/2014/main" val="302015897"/>
-                    </a:ext>
-                  </a:extLst>
-                </a:gridCol>
-              </a:tblGrid>
-              <a:tr h="252008">
-                <a:tc>
-                  <a:txBody>
-                    <a:bodyPr/>
-                    <a:lstStyle/>
-                    <a:p>
-                      <a:r>
-                        <a:rPr lang="de-DE" sz="1200" dirty="0"/>
-                        <a:t>Hobby</a:t>
-                      </a:r>
-                    </a:p>
-                  </a:txBody>
-                  <a:tcPr marL="63002" marR="63002" marT="31501" marB="31501"/>
-                </a:tc>
-                <a:tc>
-                  <a:txBody>
-                    <a:bodyPr/>
-                    <a:lstStyle/>
-                    <a:p>
-                      <a:r>
-                        <a:rPr lang="de-DE" sz="1200" dirty="0"/>
-                        <a:t>Sex</a:t>
-                      </a:r>
-                    </a:p>
-                  </a:txBody>
-                  <a:tcPr marL="63002" marR="63002" marT="31501" marB="31501"/>
-                </a:tc>
-                <a:tc>
-                  <a:txBody>
-                    <a:bodyPr/>
-                    <a:lstStyle/>
-                    <a:p>
-                      <a:endParaRPr lang="de-DE" sz="1200"/>
-                    </a:p>
-                  </a:txBody>
-                  <a:tcPr marL="63002" marR="63002" marT="31501" marB="31501"/>
-                </a:tc>
-                <a:extLst>
-                  <a:ext uri="{0D108BD9-81ED-4DB2-BD59-A6C34878D82A}">
-                    <a16:rowId xmlns:a16="http://schemas.microsoft.com/office/drawing/2014/main" val="3572924222"/>
-                  </a:ext>
-                </a:extLst>
-              </a:tr>
-              <a:tr h="255508">
-                <a:tc>
-                  <a:txBody>
-                    <a:bodyPr/>
-                    <a:lstStyle/>
-                    <a:p>
-                      <a:r>
-                        <a:rPr lang="de-DE" sz="1200" dirty="0" err="1"/>
-                        <a:t>painting</a:t>
-                      </a:r>
-                      <a:endParaRPr lang="de-DE" sz="1200" dirty="0"/>
-                    </a:p>
-                  </a:txBody>
-                  <a:tcPr marL="63002" marR="63002" marT="31501" marB="31501"/>
-                </a:tc>
-                <a:tc>
-                  <a:txBody>
-                    <a:bodyPr/>
-                    <a:lstStyle/>
-                    <a:p>
-                      <a:r>
-                        <a:rPr lang="de-DE" sz="1200" dirty="0" err="1"/>
-                        <a:t>Female</a:t>
-                      </a:r>
-                      <a:endParaRPr lang="de-DE" sz="1200" dirty="0"/>
-                    </a:p>
-                  </a:txBody>
-                  <a:tcPr marL="63002" marR="63002" marT="31501" marB="31501"/>
-                </a:tc>
-                <a:tc>
-                  <a:txBody>
-                    <a:bodyPr/>
-                    <a:lstStyle/>
-                    <a:p>
-                      <a:r>
-                        <a:rPr lang="de-DE" sz="1200" dirty="0"/>
-                        <a:t>Diabetes</a:t>
-                      </a:r>
-                    </a:p>
-                  </a:txBody>
-                  <a:tcPr marL="63002" marR="63002" marT="31501" marB="31501"/>
-                </a:tc>
-                <a:extLst>
-                  <a:ext uri="{0D108BD9-81ED-4DB2-BD59-A6C34878D82A}">
-                    <a16:rowId xmlns:a16="http://schemas.microsoft.com/office/drawing/2014/main" val="3781985953"/>
-                  </a:ext>
-                </a:extLst>
-              </a:tr>
-              <a:tr h="255508">
-                <a:tc>
-                  <a:txBody>
-                    <a:bodyPr/>
-                    <a:lstStyle/>
-                    <a:p>
-                      <a:r>
-                        <a:rPr lang="de-DE" sz="1200" dirty="0" err="1"/>
-                        <a:t>painting</a:t>
-                      </a:r>
-                      <a:endParaRPr lang="de-DE" sz="1200" dirty="0"/>
-                    </a:p>
-                  </a:txBody>
-                  <a:tcPr marL="63002" marR="63002" marT="31501" marB="31501"/>
-                </a:tc>
-                <a:tc>
-                  <a:txBody>
-                    <a:bodyPr/>
-                    <a:lstStyle/>
-                    <a:p>
-                      <a:r>
-                        <a:rPr lang="de-DE" sz="1200" dirty="0" err="1"/>
-                        <a:t>Female</a:t>
-                      </a:r>
-                      <a:endParaRPr lang="de-DE" sz="1200" dirty="0"/>
-                    </a:p>
-                  </a:txBody>
-                  <a:tcPr marL="63002" marR="63002" marT="31501" marB="31501"/>
-                </a:tc>
-                <a:tc>
-                  <a:txBody>
-                    <a:bodyPr/>
-                    <a:lstStyle/>
-                    <a:p>
-                      <a:r>
-                        <a:rPr lang="de-DE" sz="1200" dirty="0"/>
-                        <a:t>HIV</a:t>
-                      </a:r>
-                    </a:p>
-                  </a:txBody>
-                  <a:tcPr marL="63002" marR="63002" marT="31501" marB="31501"/>
-                </a:tc>
-                <a:extLst>
-                  <a:ext uri="{0D108BD9-81ED-4DB2-BD59-A6C34878D82A}">
-                    <a16:rowId xmlns:a16="http://schemas.microsoft.com/office/drawing/2014/main" val="2705425995"/>
-                  </a:ext>
-                </a:extLst>
-              </a:tr>
-              <a:tr h="255508">
-                <a:tc>
-                  <a:txBody>
-                    <a:bodyPr/>
-                    <a:lstStyle/>
-                    <a:p>
-                      <a:r>
-                        <a:rPr lang="de-DE" sz="1200" dirty="0"/>
-                        <a:t>Basketball</a:t>
-                      </a:r>
-                    </a:p>
-                  </a:txBody>
-                  <a:tcPr marL="63002" marR="63002" marT="31501" marB="31501"/>
-                </a:tc>
-                <a:tc>
-                  <a:txBody>
-                    <a:bodyPr/>
-                    <a:lstStyle/>
-                    <a:p>
-                      <a:r>
-                        <a:rPr lang="de-DE" sz="1200" dirty="0"/>
-                        <a:t>Male</a:t>
-                      </a:r>
-                    </a:p>
-                  </a:txBody>
-                  <a:tcPr marL="63002" marR="63002" marT="31501" marB="31501"/>
-                </a:tc>
-                <a:tc>
-                  <a:txBody>
-                    <a:bodyPr/>
-                    <a:lstStyle/>
-                    <a:p>
-                      <a:r>
-                        <a:rPr lang="de-DE" sz="1200" dirty="0"/>
-                        <a:t>HIV</a:t>
-                      </a:r>
-                    </a:p>
-                  </a:txBody>
-                  <a:tcPr marL="63002" marR="63002" marT="31501" marB="31501"/>
-                </a:tc>
-                <a:extLst>
-                  <a:ext uri="{0D108BD9-81ED-4DB2-BD59-A6C34878D82A}">
-                    <a16:rowId xmlns:a16="http://schemas.microsoft.com/office/drawing/2014/main" val="3710550286"/>
-                  </a:ext>
-                </a:extLst>
-              </a:tr>
-              <a:tr h="255508">
-                <a:tc>
-                  <a:txBody>
-                    <a:bodyPr/>
-                    <a:lstStyle/>
-                    <a:p>
-                      <a:r>
-                        <a:rPr lang="de-DE" sz="1200" dirty="0"/>
-                        <a:t>Basketball</a:t>
-                      </a:r>
-                    </a:p>
-                  </a:txBody>
-                  <a:tcPr marL="63002" marR="63002" marT="31501" marB="31501"/>
-                </a:tc>
-                <a:tc>
-                  <a:txBody>
-                    <a:bodyPr/>
-                    <a:lstStyle/>
-                    <a:p>
-                      <a:r>
-                        <a:rPr lang="de-DE" sz="1200" dirty="0"/>
-                        <a:t>Male</a:t>
-                      </a:r>
-                    </a:p>
-                  </a:txBody>
-                  <a:tcPr marL="63002" marR="63002" marT="31501" marB="31501"/>
-                </a:tc>
-                <a:tc>
-                  <a:txBody>
-                    <a:bodyPr/>
-                    <a:lstStyle/>
-                    <a:p>
-                      <a:r>
-                        <a:rPr lang="de-DE" sz="1200" dirty="0"/>
-                        <a:t>Diabetes</a:t>
-                      </a:r>
-                    </a:p>
-                  </a:txBody>
-                  <a:tcPr marL="63002" marR="63002" marT="31501" marB="31501"/>
-                </a:tc>
-                <a:extLst>
-                  <a:ext uri="{0D108BD9-81ED-4DB2-BD59-A6C34878D82A}">
-                    <a16:rowId xmlns:a16="http://schemas.microsoft.com/office/drawing/2014/main" val="2423189313"/>
-                  </a:ext>
-                </a:extLst>
-              </a:tr>
-            </a:tbl>
-          </a:graphicData>
-        </a:graphic>
-      </p:graphicFrame>
-    </p:spTree>
-    <p:extLst>
-      <p:ext uri="{BB962C8B-B14F-4D97-AF65-F5344CB8AC3E}">
-        <p14:creationId xmlns:p14="http://schemas.microsoft.com/office/powerpoint/2010/main" val="3746458193"/>
-      </p:ext>
-    </p:extLst>
-  </p:cSld>
-  <p:clrMapOvr>
-    <a:masterClrMapping/>
-  </p:clrMapOvr>
-</p:sld>
-</file>
-
-<file path=ppt/slides/slide19.xml><?xml version="1.0" encoding="utf-8"?>
-<p:sld xmlns:a="http://schemas.openxmlformats.org/drawingml/2006/main" xmlns:r="http://schemas.openxmlformats.org/officeDocument/2006/relationships" xmlns:p="http://schemas.openxmlformats.org/presentationml/2006/main">
-  <p:cSld>
-    <p:spTree>
-      <p:nvGrpSpPr>
-        <p:cNvPr id="1" name=""/>
-        <p:cNvGrpSpPr/>
-        <p:nvPr/>
-      </p:nvGrpSpPr>
-      <p:grpSpPr>
-        <a:xfrm>
-          <a:off x="0" y="0"/>
-          <a:ext cx="0" cy="0"/>
-          <a:chOff x="0" y="0"/>
-          <a:chExt cx="0" cy="0"/>
-        </a:xfrm>
-      </p:grpSpPr>
-      <p:sp>
-        <p:nvSpPr>
-          <p:cNvPr id="2" name="Titel 1">
-            <a:extLst>
-              <a:ext uri="{FF2B5EF4-FFF2-40B4-BE49-F238E27FC236}">
-                <a16:creationId xmlns:a16="http://schemas.microsoft.com/office/drawing/2014/main" id="{64C87936-32EF-4EB4-9D68-B53F697A9294}"/>
-              </a:ext>
-            </a:extLst>
-          </p:cNvPr>
-          <p:cNvSpPr>
-            <a:spLocks noGrp="1"/>
-          </p:cNvSpPr>
-          <p:nvPr>
-            <p:ph type="title"/>
-          </p:nvPr>
-        </p:nvSpPr>
-        <p:spPr>
-          <a:xfrm>
-            <a:off x="430213" y="265113"/>
-            <a:ext cx="7886700" cy="573087"/>
-          </a:xfrm>
-        </p:spPr>
-        <p:txBody>
-          <a:bodyPr/>
-          <a:lstStyle/>
-          <a:p>
-            <a:r>
-              <a:rPr lang="de-DE" b="1" dirty="0"/>
-              <a:t>6.3. </a:t>
-            </a:r>
-            <a:r>
-              <a:rPr lang="de-DE" b="1" dirty="0" err="1"/>
-              <a:t>Continuous</a:t>
-            </a:r>
-            <a:r>
-              <a:rPr lang="de-DE" b="1" dirty="0"/>
-              <a:t> Data Publishing - </a:t>
-            </a:r>
-            <a:endParaRPr lang="de-DE" dirty="0"/>
-          </a:p>
-        </p:txBody>
-      </p:sp>
-      <p:sp>
-        <p:nvSpPr>
-          <p:cNvPr id="3" name="Datumsplatzhalter 2">
-            <a:extLst>
-              <a:ext uri="{FF2B5EF4-FFF2-40B4-BE49-F238E27FC236}">
-                <a16:creationId xmlns:a16="http://schemas.microsoft.com/office/drawing/2014/main" id="{3953109D-2A5A-4517-9C4D-31158B1601B6}"/>
-              </a:ext>
-            </a:extLst>
-          </p:cNvPr>
-          <p:cNvSpPr>
-            <a:spLocks noGrp="1"/>
-          </p:cNvSpPr>
-          <p:nvPr>
-            <p:ph type="dt" sz="half" idx="14"/>
-          </p:nvPr>
-        </p:nvSpPr>
-        <p:spPr>
-          <a:xfrm>
-            <a:off x="1331913" y="6208713"/>
-            <a:ext cx="1296987" cy="476250"/>
-          </a:xfrm>
-        </p:spPr>
-        <p:txBody>
-          <a:bodyPr/>
-          <a:lstStyle/>
-          <a:p>
-            <a:r>
-              <a:rPr lang="de-DE"/>
-              <a:t>18.05.2017</a:t>
-            </a:r>
-            <a:endParaRPr lang="de-DE" dirty="0"/>
-          </a:p>
-        </p:txBody>
-      </p:sp>
-      <p:sp>
-        <p:nvSpPr>
-          <p:cNvPr id="4" name="Fußzeilenplatzhalter 3">
-            <a:extLst>
-              <a:ext uri="{FF2B5EF4-FFF2-40B4-BE49-F238E27FC236}">
-                <a16:creationId xmlns:a16="http://schemas.microsoft.com/office/drawing/2014/main" id="{CCF38E58-72C9-4357-9457-6BCB6F78AE96}"/>
-              </a:ext>
-            </a:extLst>
-          </p:cNvPr>
-          <p:cNvSpPr>
-            <a:spLocks noGrp="1"/>
-          </p:cNvSpPr>
-          <p:nvPr>
-            <p:ph type="ftr" sz="quarter" idx="15"/>
-          </p:nvPr>
-        </p:nvSpPr>
-        <p:spPr>
-          <a:xfrm>
-            <a:off x="2755900" y="6308725"/>
-            <a:ext cx="5487988" cy="288925"/>
-          </a:xfrm>
-        </p:spPr>
-        <p:txBody>
-          <a:bodyPr/>
-          <a:lstStyle/>
-          <a:p>
-            <a:r>
-              <a:rPr lang="de-DE"/>
-              <a:t>Andreas Heimann &amp; Matthias Puchta</a:t>
-            </a:r>
-            <a:endParaRPr lang="de-DE" dirty="0"/>
-          </a:p>
-        </p:txBody>
-      </p:sp>
-      <p:sp>
-        <p:nvSpPr>
-          <p:cNvPr id="5" name="Textplatzhalter 4">
-            <a:extLst>
-              <a:ext uri="{FF2B5EF4-FFF2-40B4-BE49-F238E27FC236}">
-                <a16:creationId xmlns:a16="http://schemas.microsoft.com/office/drawing/2014/main" id="{CA4CB419-1E48-4285-9B7C-6C8EBC4E9139}"/>
-              </a:ext>
-            </a:extLst>
-          </p:cNvPr>
-          <p:cNvSpPr>
-            <a:spLocks noGrp="1"/>
-          </p:cNvSpPr>
-          <p:nvPr>
-            <p:ph type="body" sz="quarter" idx="13"/>
-          </p:nvPr>
-        </p:nvSpPr>
-        <p:spPr/>
-        <p:txBody>
-          <a:bodyPr/>
-          <a:lstStyle/>
-          <a:p>
-            <a:r>
-              <a:rPr lang="en-US" dirty="0"/>
-              <a:t>In the model of continuous data publishing, the data publisher has previously published</a:t>
-            </a:r>
-          </a:p>
-          <a:p>
-            <a:pPr marL="0" indent="0">
-              <a:buNone/>
-            </a:pPr>
-            <a:r>
-              <a:rPr lang="en-US" i="1" dirty="0"/>
-              <a:t>T</a:t>
-            </a:r>
-            <a:r>
-              <a:rPr lang="en-US" dirty="0"/>
-              <a:t>1</a:t>
-            </a:r>
-            <a:r>
-              <a:rPr lang="en-US" i="1" dirty="0"/>
-              <a:t>, . . . , Tp</a:t>
-            </a:r>
-            <a:r>
-              <a:rPr lang="en-US" dirty="0"/>
-              <a:t>−1 and now wants to publish </a:t>
-            </a:r>
-            <a:r>
-              <a:rPr lang="en-US" i="1" dirty="0" err="1"/>
-              <a:t>Tp</a:t>
-            </a:r>
-            <a:r>
-              <a:rPr lang="en-US" dirty="0"/>
-              <a:t>, where </a:t>
-            </a:r>
-            <a:r>
-              <a:rPr lang="en-US" i="1" dirty="0" err="1"/>
-              <a:t>Ti</a:t>
-            </a:r>
-            <a:r>
-              <a:rPr lang="en-US" i="1" dirty="0"/>
-              <a:t> </a:t>
-            </a:r>
-            <a:r>
-              <a:rPr lang="en-US" dirty="0"/>
-              <a:t>is an updated release of</a:t>
-            </a:r>
-            <a:r>
-              <a:rPr lang="en-US" i="1" dirty="0"/>
-              <a:t>Ti</a:t>
-            </a:r>
-            <a:r>
-              <a:rPr lang="en-US" dirty="0"/>
-              <a:t>−1 with record insertions and/or deletions. The problem assumes that all </a:t>
-            </a:r>
-            <a:r>
-              <a:rPr lang="en-US" dirty="0" err="1"/>
-              <a:t>recordsfor</a:t>
-            </a:r>
-            <a:r>
-              <a:rPr lang="en-US" dirty="0"/>
-              <a:t> the same individual remain the same in all releases. Even though each release</a:t>
-            </a:r>
-            <a:r>
-              <a:rPr lang="en-US" i="1" dirty="0"/>
-              <a:t>T</a:t>
-            </a:r>
-            <a:r>
-              <a:rPr lang="en-US" dirty="0"/>
-              <a:t>1</a:t>
-            </a:r>
-            <a:r>
-              <a:rPr lang="en-US" i="1" dirty="0"/>
-              <a:t>, . . . , </a:t>
-            </a:r>
-            <a:r>
-              <a:rPr lang="en-US" i="1" dirty="0" err="1"/>
-              <a:t>Tp</a:t>
-            </a:r>
-            <a:r>
-              <a:rPr lang="en-US" i="1" dirty="0"/>
-              <a:t> </a:t>
-            </a:r>
-            <a:r>
-              <a:rPr lang="en-US" dirty="0"/>
-              <a:t>is individually anonymous, the privacy requirement could be </a:t>
-            </a:r>
-            <a:r>
-              <a:rPr lang="en-US" dirty="0" err="1"/>
-              <a:t>compromisedby</a:t>
-            </a:r>
-            <a:r>
-              <a:rPr lang="en-US" dirty="0"/>
-              <a:t> comparing different releases and eliminating some possible sensitive values for a</a:t>
-            </a:r>
-            <a:r>
-              <a:rPr lang="de-DE" dirty="0" err="1"/>
-              <a:t>victim</a:t>
-            </a:r>
-            <a:r>
-              <a:rPr lang="de-DE" dirty="0"/>
-              <a:t>.</a:t>
-            </a:r>
-          </a:p>
-        </p:txBody>
-      </p:sp>
-      <p:sp>
-        <p:nvSpPr>
-          <p:cNvPr id="6" name="Foliennummernplatzhalter 5">
-            <a:extLst>
-              <a:ext uri="{FF2B5EF4-FFF2-40B4-BE49-F238E27FC236}">
-                <a16:creationId xmlns:a16="http://schemas.microsoft.com/office/drawing/2014/main" id="{A33B597C-BFBC-47FC-A8ED-C28E6FC10AED}"/>
-              </a:ext>
-            </a:extLst>
-          </p:cNvPr>
-          <p:cNvSpPr>
-            <a:spLocks noGrp="1"/>
-          </p:cNvSpPr>
-          <p:nvPr>
-            <p:ph type="sldNum" sz="quarter" idx="16"/>
-          </p:nvPr>
-        </p:nvSpPr>
-        <p:spPr>
-          <a:xfrm>
-            <a:off x="8415338" y="6408738"/>
-            <a:ext cx="477837" cy="333375"/>
-          </a:xfrm>
-        </p:spPr>
-        <p:txBody>
-          <a:bodyPr/>
-          <a:lstStyle/>
-          <a:p>
-            <a:fld id="{50E76E58-F275-47A3-BB17-470016A267B6}" type="slidenum">
-              <a:rPr lang="de-DE" smtClean="0"/>
-              <a:pPr/>
-              <a:t>19</a:t>
-            </a:fld>
-            <a:endParaRPr lang="de-DE"/>
-          </a:p>
-        </p:txBody>
-      </p:sp>
-    </p:spTree>
-    <p:extLst>
-      <p:ext uri="{BB962C8B-B14F-4D97-AF65-F5344CB8AC3E}">
-        <p14:creationId xmlns:p14="http://schemas.microsoft.com/office/powerpoint/2010/main" val="3119424548"/>
+        <p14:creationId xmlns:p14="http://schemas.microsoft.com/office/powerpoint/2010/main" val="61237263"/>
       </p:ext>
     </p:extLst>
   </p:cSld>
@@ -8436,7 +5126,7 @@
           <a:p>
             <a:r>
               <a:rPr lang="de-DE" dirty="0"/>
-              <a:t>Inhaltsverzeichnis</a:t>
+              <a:t>Summary</a:t>
             </a:r>
           </a:p>
         </p:txBody>
@@ -8667,2960 +5357,6 @@
     <p:extLst>
       <p:ext uri="{BB962C8B-B14F-4D97-AF65-F5344CB8AC3E}">
         <p14:creationId xmlns:p14="http://schemas.microsoft.com/office/powerpoint/2010/main" val="801321437"/>
-      </p:ext>
-    </p:extLst>
-  </p:cSld>
-  <p:clrMapOvr>
-    <a:masterClrMapping/>
-  </p:clrMapOvr>
-</p:sld>
-</file>
-
-<file path=ppt/slides/slide20.xml><?xml version="1.0" encoding="utf-8"?>
-<p:sld xmlns:a="http://schemas.openxmlformats.org/drawingml/2006/main" xmlns:r="http://schemas.openxmlformats.org/officeDocument/2006/relationships" xmlns:p="http://schemas.openxmlformats.org/presentationml/2006/main">
-  <p:cSld>
-    <p:spTree>
-      <p:nvGrpSpPr>
-        <p:cNvPr id="1" name=""/>
-        <p:cNvGrpSpPr/>
-        <p:nvPr/>
-      </p:nvGrpSpPr>
-      <p:grpSpPr>
-        <a:xfrm>
-          <a:off x="0" y="0"/>
-          <a:ext cx="0" cy="0"/>
-          <a:chOff x="0" y="0"/>
-          <a:chExt cx="0" cy="0"/>
-        </a:xfrm>
-      </p:grpSpPr>
-      <p:sp>
-        <p:nvSpPr>
-          <p:cNvPr id="2" name="Titel 1">
-            <a:extLst>
-              <a:ext uri="{FF2B5EF4-FFF2-40B4-BE49-F238E27FC236}">
-                <a16:creationId xmlns:a16="http://schemas.microsoft.com/office/drawing/2014/main" id="{A081F97E-62E3-427F-A641-E682BB8CB112}"/>
-              </a:ext>
-            </a:extLst>
-          </p:cNvPr>
-          <p:cNvSpPr>
-            <a:spLocks noGrp="1"/>
-          </p:cNvSpPr>
-          <p:nvPr>
-            <p:ph type="title"/>
-          </p:nvPr>
-        </p:nvSpPr>
-        <p:spPr>
-          <a:xfrm>
-            <a:off x="430213" y="265113"/>
-            <a:ext cx="7886700" cy="573087"/>
-          </a:xfrm>
-        </p:spPr>
-        <p:txBody>
-          <a:bodyPr/>
-          <a:lstStyle/>
-          <a:p>
-            <a:r>
-              <a:rPr lang="de-DE" b="1" dirty="0" err="1"/>
-              <a:t>Continuous</a:t>
-            </a:r>
-            <a:r>
-              <a:rPr lang="de-DE" b="1" dirty="0"/>
-              <a:t> Data Publishing -</a:t>
-            </a:r>
-            <a:endParaRPr lang="de-DE" dirty="0"/>
-          </a:p>
-        </p:txBody>
-      </p:sp>
-      <p:sp>
-        <p:nvSpPr>
-          <p:cNvPr id="3" name="Datumsplatzhalter 2">
-            <a:extLst>
-              <a:ext uri="{FF2B5EF4-FFF2-40B4-BE49-F238E27FC236}">
-                <a16:creationId xmlns:a16="http://schemas.microsoft.com/office/drawing/2014/main" id="{82022DD0-D3BB-4BAC-84BB-517F888560CE}"/>
-              </a:ext>
-            </a:extLst>
-          </p:cNvPr>
-          <p:cNvSpPr>
-            <a:spLocks noGrp="1"/>
-          </p:cNvSpPr>
-          <p:nvPr>
-            <p:ph type="dt" sz="half" idx="14"/>
-          </p:nvPr>
-        </p:nvSpPr>
-        <p:spPr>
-          <a:xfrm>
-            <a:off x="1331913" y="6208713"/>
-            <a:ext cx="1296987" cy="476250"/>
-          </a:xfrm>
-        </p:spPr>
-        <p:txBody>
-          <a:bodyPr/>
-          <a:lstStyle/>
-          <a:p>
-            <a:r>
-              <a:rPr lang="de-DE"/>
-              <a:t>18.05.2017</a:t>
-            </a:r>
-            <a:endParaRPr lang="de-DE" dirty="0"/>
-          </a:p>
-        </p:txBody>
-      </p:sp>
-      <p:sp>
-        <p:nvSpPr>
-          <p:cNvPr id="4" name="Fußzeilenplatzhalter 3">
-            <a:extLst>
-              <a:ext uri="{FF2B5EF4-FFF2-40B4-BE49-F238E27FC236}">
-                <a16:creationId xmlns:a16="http://schemas.microsoft.com/office/drawing/2014/main" id="{3BDE4202-8DBD-4915-BBCE-5EAFAEB90245}"/>
-              </a:ext>
-            </a:extLst>
-          </p:cNvPr>
-          <p:cNvSpPr>
-            <a:spLocks noGrp="1"/>
-          </p:cNvSpPr>
-          <p:nvPr>
-            <p:ph type="ftr" sz="quarter" idx="15"/>
-          </p:nvPr>
-        </p:nvSpPr>
-        <p:spPr>
-          <a:xfrm>
-            <a:off x="2755900" y="6308725"/>
-            <a:ext cx="5487988" cy="288925"/>
-          </a:xfrm>
-        </p:spPr>
-        <p:txBody>
-          <a:bodyPr/>
-          <a:lstStyle/>
-          <a:p>
-            <a:r>
-              <a:rPr lang="de-DE"/>
-              <a:t>Andreas Heimann &amp; Matthias Puchta</a:t>
-            </a:r>
-            <a:endParaRPr lang="de-DE" dirty="0"/>
-          </a:p>
-        </p:txBody>
-      </p:sp>
-      <p:sp>
-        <p:nvSpPr>
-          <p:cNvPr id="5" name="Textplatzhalter 4">
-            <a:extLst>
-              <a:ext uri="{FF2B5EF4-FFF2-40B4-BE49-F238E27FC236}">
-                <a16:creationId xmlns:a16="http://schemas.microsoft.com/office/drawing/2014/main" id="{23686CD6-2E27-4BA8-A0AA-667973201185}"/>
-              </a:ext>
-            </a:extLst>
-          </p:cNvPr>
-          <p:cNvSpPr>
-            <a:spLocks noGrp="1"/>
-          </p:cNvSpPr>
-          <p:nvPr>
-            <p:ph type="body" sz="quarter" idx="13"/>
-          </p:nvPr>
-        </p:nvSpPr>
-        <p:spPr/>
-        <p:txBody>
-          <a:bodyPr/>
-          <a:lstStyle/>
-          <a:p>
-            <a:pPr marL="0" indent="0">
-              <a:buNone/>
-            </a:pPr>
-            <a:r>
-              <a:rPr lang="de-DE" dirty="0" err="1"/>
-              <a:t>Example</a:t>
-            </a:r>
-            <a:endParaRPr lang="de-DE" dirty="0"/>
-          </a:p>
-          <a:p>
-            <a:r>
-              <a:rPr lang="en-US" i="1" dirty="0"/>
-              <a:t>Example </a:t>
-            </a:r>
-            <a:r>
-              <a:rPr lang="en-US" dirty="0"/>
-              <a:t>6.3. Let Table VIII(a) be the first release </a:t>
-            </a:r>
-            <a:r>
-              <a:rPr lang="en-US" i="1" dirty="0"/>
-              <a:t>T</a:t>
-            </a:r>
-            <a:r>
-              <a:rPr lang="en-US" dirty="0"/>
-              <a:t>1. Let Table VIII(b) be </a:t>
-            </a:r>
-            <a:r>
-              <a:rPr lang="en-US" dirty="0" err="1"/>
-              <a:t>thesecond</a:t>
-            </a:r>
-            <a:r>
-              <a:rPr lang="en-US" dirty="0"/>
-              <a:t> release </a:t>
-            </a:r>
-            <a:r>
-              <a:rPr lang="en-US" i="1" dirty="0"/>
-              <a:t>T</a:t>
-            </a:r>
-            <a:r>
-              <a:rPr lang="en-US" dirty="0"/>
-              <a:t>2 after inserting a new record. Both </a:t>
-            </a:r>
-            <a:r>
-              <a:rPr lang="en-US" i="1" dirty="0"/>
-              <a:t>T</a:t>
-            </a:r>
-            <a:r>
-              <a:rPr lang="en-US" dirty="0"/>
-              <a:t>1 and </a:t>
-            </a:r>
-            <a:r>
-              <a:rPr lang="en-US" i="1" dirty="0"/>
-              <a:t>T</a:t>
-            </a:r>
-            <a:r>
-              <a:rPr lang="en-US" dirty="0"/>
-              <a:t>2 satisfy 2-diversity </a:t>
-            </a:r>
-            <a:r>
-              <a:rPr lang="en-US" dirty="0" err="1"/>
-              <a:t>independently.Suppose</a:t>
-            </a:r>
-            <a:r>
-              <a:rPr lang="en-US" dirty="0"/>
-              <a:t> the attacker knows that a female lawyer, Alice, has a record in </a:t>
-            </a:r>
-            <a:r>
-              <a:rPr lang="en-US" i="1" dirty="0"/>
-              <a:t>T</a:t>
-            </a:r>
-            <a:r>
-              <a:rPr lang="en-US" dirty="0"/>
-              <a:t>2but not in </a:t>
-            </a:r>
-            <a:r>
-              <a:rPr lang="en-US" i="1" dirty="0"/>
-              <a:t>T</a:t>
-            </a:r>
-            <a:r>
-              <a:rPr lang="en-US" dirty="0"/>
-              <a:t>1, based on the timestamp that Alice was admitted to a hospital. From </a:t>
-            </a:r>
-            <a:r>
-              <a:rPr lang="en-US" i="1" dirty="0"/>
-              <a:t>T</a:t>
-            </a:r>
-            <a:r>
-              <a:rPr lang="en-US" dirty="0"/>
-              <a:t>2,the attacker can infer that Alice must have contracted either </a:t>
-            </a:r>
-            <a:r>
-              <a:rPr lang="en-US" i="1" dirty="0"/>
-              <a:t>Flu</a:t>
-            </a:r>
-            <a:r>
-              <a:rPr lang="en-US" dirty="0"/>
-              <a:t>, </a:t>
-            </a:r>
-            <a:r>
-              <a:rPr lang="en-US" i="1" dirty="0"/>
-              <a:t>Fever</a:t>
-            </a:r>
-            <a:r>
-              <a:rPr lang="en-US" dirty="0"/>
-              <a:t>, or </a:t>
-            </a:r>
-            <a:r>
-              <a:rPr lang="en-US" i="1" dirty="0"/>
-              <a:t>HIV</a:t>
-            </a:r>
-            <a:r>
-              <a:rPr lang="en-US" dirty="0"/>
-              <a:t>. </a:t>
-            </a:r>
-            <a:r>
-              <a:rPr lang="en-US" dirty="0" err="1"/>
-              <a:t>Bycomparing</a:t>
-            </a:r>
-            <a:r>
-              <a:rPr lang="en-US" dirty="0"/>
-              <a:t> </a:t>
-            </a:r>
-            <a:r>
-              <a:rPr lang="en-US" i="1" dirty="0"/>
-              <a:t>T</a:t>
-            </a:r>
-            <a:r>
-              <a:rPr lang="en-US" dirty="0"/>
-              <a:t>2 with </a:t>
-            </a:r>
-            <a:r>
-              <a:rPr lang="en-US" i="1" dirty="0"/>
-              <a:t>T</a:t>
-            </a:r>
-            <a:r>
-              <a:rPr lang="en-US" dirty="0"/>
-              <a:t>1, the attacker can identify that the first two records in </a:t>
-            </a:r>
-            <a:r>
-              <a:rPr lang="en-US" i="1" dirty="0"/>
-              <a:t>T</a:t>
-            </a:r>
-            <a:r>
-              <a:rPr lang="en-US" dirty="0"/>
-              <a:t>2 </a:t>
-            </a:r>
-            <a:r>
-              <a:rPr lang="en-US" dirty="0" err="1"/>
-              <a:t>mustbe</a:t>
-            </a:r>
-            <a:r>
-              <a:rPr lang="en-US" dirty="0"/>
-              <a:t> old records from </a:t>
-            </a:r>
-            <a:r>
-              <a:rPr lang="en-US" i="1" dirty="0"/>
-              <a:t>T</a:t>
-            </a:r>
-            <a:r>
-              <a:rPr lang="en-US" dirty="0"/>
-              <a:t>1 and, thus, infer that Alice must have contracted </a:t>
-            </a:r>
-            <a:r>
-              <a:rPr lang="en-US" i="1" dirty="0"/>
-              <a:t>HIV</a:t>
-            </a:r>
-            <a:r>
-              <a:rPr lang="en-US" dirty="0"/>
-              <a:t>.</a:t>
-            </a:r>
-            <a:endParaRPr lang="de-DE" dirty="0"/>
-          </a:p>
-        </p:txBody>
-      </p:sp>
-      <p:sp>
-        <p:nvSpPr>
-          <p:cNvPr id="6" name="Foliennummernplatzhalter 5">
-            <a:extLst>
-              <a:ext uri="{FF2B5EF4-FFF2-40B4-BE49-F238E27FC236}">
-                <a16:creationId xmlns:a16="http://schemas.microsoft.com/office/drawing/2014/main" id="{93A7E9D4-E06A-41FC-993E-12101300288F}"/>
-              </a:ext>
-            </a:extLst>
-          </p:cNvPr>
-          <p:cNvSpPr>
-            <a:spLocks noGrp="1"/>
-          </p:cNvSpPr>
-          <p:nvPr>
-            <p:ph type="sldNum" sz="quarter" idx="16"/>
-          </p:nvPr>
-        </p:nvSpPr>
-        <p:spPr>
-          <a:xfrm>
-            <a:off x="8415338" y="6408738"/>
-            <a:ext cx="477837" cy="333375"/>
-          </a:xfrm>
-        </p:spPr>
-        <p:txBody>
-          <a:bodyPr/>
-          <a:lstStyle/>
-          <a:p>
-            <a:fld id="{50E76E58-F275-47A3-BB17-470016A267B6}" type="slidenum">
-              <a:rPr lang="de-DE" smtClean="0"/>
-              <a:pPr/>
-              <a:t>20</a:t>
-            </a:fld>
-            <a:endParaRPr lang="de-DE"/>
-          </a:p>
-        </p:txBody>
-      </p:sp>
-    </p:spTree>
-    <p:extLst>
-      <p:ext uri="{BB962C8B-B14F-4D97-AF65-F5344CB8AC3E}">
-        <p14:creationId xmlns:p14="http://schemas.microsoft.com/office/powerpoint/2010/main" val="3590099776"/>
-      </p:ext>
-    </p:extLst>
-  </p:cSld>
-  <p:clrMapOvr>
-    <a:masterClrMapping/>
-  </p:clrMapOvr>
-</p:sld>
-</file>
-
-<file path=ppt/slides/slide21.xml><?xml version="1.0" encoding="utf-8"?>
-<p:sld xmlns:a="http://schemas.openxmlformats.org/drawingml/2006/main" xmlns:r="http://schemas.openxmlformats.org/officeDocument/2006/relationships" xmlns:p="http://schemas.openxmlformats.org/presentationml/2006/main">
-  <p:cSld>
-    <p:spTree>
-      <p:nvGrpSpPr>
-        <p:cNvPr id="1" name=""/>
-        <p:cNvGrpSpPr/>
-        <p:nvPr/>
-      </p:nvGrpSpPr>
-      <p:grpSpPr>
-        <a:xfrm>
-          <a:off x="0" y="0"/>
-          <a:ext cx="0" cy="0"/>
-          <a:chOff x="0" y="0"/>
-          <a:chExt cx="0" cy="0"/>
-        </a:xfrm>
-      </p:grpSpPr>
-      <p:sp>
-        <p:nvSpPr>
-          <p:cNvPr id="2" name="Titel 1">
-            <a:extLst>
-              <a:ext uri="{FF2B5EF4-FFF2-40B4-BE49-F238E27FC236}">
-                <a16:creationId xmlns:a16="http://schemas.microsoft.com/office/drawing/2014/main" id="{E409B5AD-9023-4577-80E9-CDB25B8FBD5F}"/>
-              </a:ext>
-            </a:extLst>
-          </p:cNvPr>
-          <p:cNvSpPr>
-            <a:spLocks noGrp="1"/>
-          </p:cNvSpPr>
-          <p:nvPr>
-            <p:ph type="title"/>
-          </p:nvPr>
-        </p:nvSpPr>
-        <p:spPr>
-          <a:xfrm>
-            <a:off x="430213" y="265113"/>
-            <a:ext cx="7886700" cy="573087"/>
-          </a:xfrm>
-        </p:spPr>
-        <p:txBody>
-          <a:bodyPr/>
-          <a:lstStyle/>
-          <a:p>
-            <a:r>
-              <a:rPr lang="de-DE" b="1" dirty="0"/>
-              <a:t>6.4. Collaborative Data Publishing -</a:t>
-            </a:r>
-            <a:endParaRPr lang="de-DE" dirty="0"/>
-          </a:p>
-        </p:txBody>
-      </p:sp>
-      <p:sp>
-        <p:nvSpPr>
-          <p:cNvPr id="3" name="Datumsplatzhalter 2">
-            <a:extLst>
-              <a:ext uri="{FF2B5EF4-FFF2-40B4-BE49-F238E27FC236}">
-                <a16:creationId xmlns:a16="http://schemas.microsoft.com/office/drawing/2014/main" id="{862D45DF-953B-440C-8392-F79536D74077}"/>
-              </a:ext>
-            </a:extLst>
-          </p:cNvPr>
-          <p:cNvSpPr>
-            <a:spLocks noGrp="1"/>
-          </p:cNvSpPr>
-          <p:nvPr>
-            <p:ph type="dt" sz="half" idx="14"/>
-          </p:nvPr>
-        </p:nvSpPr>
-        <p:spPr>
-          <a:xfrm>
-            <a:off x="1331913" y="6208713"/>
-            <a:ext cx="1296987" cy="476250"/>
-          </a:xfrm>
-        </p:spPr>
-        <p:txBody>
-          <a:bodyPr/>
-          <a:lstStyle/>
-          <a:p>
-            <a:r>
-              <a:rPr lang="de-DE"/>
-              <a:t>18.05.2017</a:t>
-            </a:r>
-            <a:endParaRPr lang="de-DE" dirty="0"/>
-          </a:p>
-        </p:txBody>
-      </p:sp>
-      <p:sp>
-        <p:nvSpPr>
-          <p:cNvPr id="4" name="Fußzeilenplatzhalter 3">
-            <a:extLst>
-              <a:ext uri="{FF2B5EF4-FFF2-40B4-BE49-F238E27FC236}">
-                <a16:creationId xmlns:a16="http://schemas.microsoft.com/office/drawing/2014/main" id="{363CAF52-DCB5-4A4D-9FC3-D6124547A09B}"/>
-              </a:ext>
-            </a:extLst>
-          </p:cNvPr>
-          <p:cNvSpPr>
-            <a:spLocks noGrp="1"/>
-          </p:cNvSpPr>
-          <p:nvPr>
-            <p:ph type="ftr" sz="quarter" idx="15"/>
-          </p:nvPr>
-        </p:nvSpPr>
-        <p:spPr>
-          <a:xfrm>
-            <a:off x="2755900" y="6308725"/>
-            <a:ext cx="5487988" cy="288925"/>
-          </a:xfrm>
-        </p:spPr>
-        <p:txBody>
-          <a:bodyPr/>
-          <a:lstStyle/>
-          <a:p>
-            <a:r>
-              <a:rPr lang="de-DE"/>
-              <a:t>Andreas Heimann &amp; Matthias Puchta</a:t>
-            </a:r>
-            <a:endParaRPr lang="de-DE" dirty="0"/>
-          </a:p>
-        </p:txBody>
-      </p:sp>
-      <p:sp>
-        <p:nvSpPr>
-          <p:cNvPr id="5" name="Textplatzhalter 4">
-            <a:extLst>
-              <a:ext uri="{FF2B5EF4-FFF2-40B4-BE49-F238E27FC236}">
-                <a16:creationId xmlns:a16="http://schemas.microsoft.com/office/drawing/2014/main" id="{DEFD85B4-EAA6-4214-96BE-BB8640E173D4}"/>
-              </a:ext>
-            </a:extLst>
-          </p:cNvPr>
-          <p:cNvSpPr>
-            <a:spLocks noGrp="1"/>
-          </p:cNvSpPr>
-          <p:nvPr>
-            <p:ph type="body" sz="quarter" idx="13"/>
-          </p:nvPr>
-        </p:nvSpPr>
-        <p:spPr/>
-        <p:txBody>
-          <a:bodyPr/>
-          <a:lstStyle/>
-          <a:p>
-            <a:r>
-              <a:rPr lang="en-US" dirty="0"/>
-              <a:t>So far, we have considered only a single data publisher. In real-life data </a:t>
-            </a:r>
-            <a:r>
-              <a:rPr lang="en-US" dirty="0" err="1"/>
-              <a:t>publishing,a</a:t>
-            </a:r>
-            <a:r>
-              <a:rPr lang="en-US" dirty="0"/>
-              <a:t> single organization often does not hold the complete data. Organizations need </a:t>
-            </a:r>
-            <a:r>
-              <a:rPr lang="en-US" dirty="0" err="1"/>
-              <a:t>toshare</a:t>
-            </a:r>
-            <a:r>
-              <a:rPr lang="en-US" dirty="0"/>
-              <a:t> data for mutual benefits or for publishing to a third party. For example, </a:t>
-            </a:r>
-            <a:r>
-              <a:rPr lang="en-US" dirty="0" err="1"/>
-              <a:t>twocredit</a:t>
-            </a:r>
-            <a:r>
-              <a:rPr lang="en-US" dirty="0"/>
-              <a:t> card companies want to integrate their customer data for developing a </a:t>
-            </a:r>
-            <a:r>
-              <a:rPr lang="en-US" dirty="0" err="1"/>
-              <a:t>frauddetectionsystem</a:t>
-            </a:r>
-            <a:r>
-              <a:rPr lang="en-US" dirty="0"/>
-              <a:t> or for publishing to a bank. However, the credit card companies </a:t>
-            </a:r>
-            <a:r>
-              <a:rPr lang="en-US" dirty="0" err="1"/>
-              <a:t>donot</a:t>
-            </a:r>
-            <a:r>
-              <a:rPr lang="en-US" dirty="0"/>
-              <a:t> want to indiscriminately disclose their data to each other or to the bank for </a:t>
-            </a:r>
-            <a:r>
-              <a:rPr lang="en-US" dirty="0" err="1"/>
-              <a:t>reasonssuch</a:t>
-            </a:r>
-            <a:r>
-              <a:rPr lang="en-US" dirty="0"/>
-              <a:t> as privacy protection and business competitiveness. Figure 4 depicts </a:t>
-            </a:r>
-            <a:r>
-              <a:rPr lang="en-US" dirty="0" err="1"/>
-              <a:t>thisscenario</a:t>
-            </a:r>
-            <a:r>
-              <a:rPr lang="en-US" dirty="0"/>
-              <a:t>, called </a:t>
-            </a:r>
-            <a:r>
-              <a:rPr lang="en-US" i="1" dirty="0"/>
-              <a:t>collaborative data publishing</a:t>
-            </a:r>
-            <a:r>
-              <a:rPr lang="en-US" dirty="0"/>
-              <a:t>, where several data publishers own </a:t>
-            </a:r>
-            <a:r>
-              <a:rPr lang="en-US" dirty="0" err="1"/>
-              <a:t>differentsets</a:t>
-            </a:r>
-            <a:r>
-              <a:rPr lang="en-US" dirty="0"/>
-              <a:t> of attributes on the same set of records and want to publish the </a:t>
-            </a:r>
-            <a:r>
-              <a:rPr lang="en-US" dirty="0" err="1"/>
-              <a:t>integrateddata</a:t>
-            </a:r>
-            <a:r>
-              <a:rPr lang="en-US" dirty="0"/>
-              <a:t> on all attributes. Say, publisher 1 owns {</a:t>
-            </a:r>
-            <a:r>
-              <a:rPr lang="en-US" i="1" dirty="0" err="1"/>
-              <a:t>RecID</a:t>
-            </a:r>
-            <a:r>
-              <a:rPr lang="en-US" i="1" dirty="0"/>
-              <a:t>, Job, Sex, Age</a:t>
-            </a:r>
-            <a:r>
-              <a:rPr lang="en-US" dirty="0"/>
-              <a:t>}, and publisher 2owns {</a:t>
-            </a:r>
-            <a:r>
-              <a:rPr lang="en-US" i="1" dirty="0" err="1"/>
-              <a:t>RecID</a:t>
-            </a:r>
-            <a:r>
-              <a:rPr lang="en-US" i="1" dirty="0"/>
-              <a:t>, Salary, Disease</a:t>
-            </a:r>
-            <a:r>
-              <a:rPr lang="en-US" dirty="0"/>
-              <a:t>}, where </a:t>
-            </a:r>
-            <a:r>
-              <a:rPr lang="en-US" i="1" dirty="0" err="1"/>
-              <a:t>RecID</a:t>
-            </a:r>
-            <a:r>
-              <a:rPr lang="en-US" dirty="0"/>
-              <a:t>, such as the </a:t>
-            </a:r>
-            <a:r>
-              <a:rPr lang="en-US" i="1" dirty="0"/>
-              <a:t>SSN</a:t>
-            </a:r>
-            <a:r>
-              <a:rPr lang="en-US" dirty="0"/>
-              <a:t>, is the record </a:t>
-            </a:r>
-            <a:r>
-              <a:rPr lang="en-US" dirty="0" err="1"/>
-              <a:t>identifiershared</a:t>
-            </a:r>
-            <a:r>
-              <a:rPr lang="en-US" dirty="0"/>
-              <a:t> by all data publishers. They want to publish an integrated </a:t>
-            </a:r>
-            <a:r>
-              <a:rPr lang="en-US" i="1" dirty="0"/>
-              <a:t>k</a:t>
-            </a:r>
-            <a:r>
-              <a:rPr lang="en-US" dirty="0"/>
-              <a:t>-anonymous </a:t>
-            </a:r>
-            <a:r>
-              <a:rPr lang="en-US" dirty="0" err="1"/>
-              <a:t>tableon</a:t>
-            </a:r>
-            <a:r>
-              <a:rPr lang="en-US" dirty="0"/>
-              <a:t> all attributes. Also, no data publisher should learn more specific information, owned</a:t>
-            </a:r>
-          </a:p>
-          <a:p>
-            <a:r>
-              <a:rPr lang="en-US" dirty="0"/>
-              <a:t>by the other data publishers, than the information that appears in the final integrated</a:t>
-            </a:r>
-          </a:p>
-          <a:p>
-            <a:r>
-              <a:rPr lang="de-DE" dirty="0" err="1"/>
-              <a:t>table</a:t>
-            </a:r>
-            <a:r>
-              <a:rPr lang="de-DE" dirty="0"/>
-              <a:t>.</a:t>
-            </a:r>
-          </a:p>
-        </p:txBody>
-      </p:sp>
-      <p:sp>
-        <p:nvSpPr>
-          <p:cNvPr id="6" name="Foliennummernplatzhalter 5">
-            <a:extLst>
-              <a:ext uri="{FF2B5EF4-FFF2-40B4-BE49-F238E27FC236}">
-                <a16:creationId xmlns:a16="http://schemas.microsoft.com/office/drawing/2014/main" id="{2AF4F23A-5C6F-4187-AD19-8C0F68B37EB1}"/>
-              </a:ext>
-            </a:extLst>
-          </p:cNvPr>
-          <p:cNvSpPr>
-            <a:spLocks noGrp="1"/>
-          </p:cNvSpPr>
-          <p:nvPr>
-            <p:ph type="sldNum" sz="quarter" idx="16"/>
-          </p:nvPr>
-        </p:nvSpPr>
-        <p:spPr>
-          <a:xfrm>
-            <a:off x="8415338" y="6408738"/>
-            <a:ext cx="477837" cy="333375"/>
-          </a:xfrm>
-        </p:spPr>
-        <p:txBody>
-          <a:bodyPr/>
-          <a:lstStyle/>
-          <a:p>
-            <a:fld id="{50E76E58-F275-47A3-BB17-470016A267B6}" type="slidenum">
-              <a:rPr lang="de-DE" smtClean="0"/>
-              <a:pPr/>
-              <a:t>21</a:t>
-            </a:fld>
-            <a:endParaRPr lang="de-DE"/>
-          </a:p>
-        </p:txBody>
-      </p:sp>
-    </p:spTree>
-    <p:extLst>
-      <p:ext uri="{BB962C8B-B14F-4D97-AF65-F5344CB8AC3E}">
-        <p14:creationId xmlns:p14="http://schemas.microsoft.com/office/powerpoint/2010/main" val="634117143"/>
-      </p:ext>
-    </p:extLst>
-  </p:cSld>
-  <p:clrMapOvr>
-    <a:masterClrMapping/>
-  </p:clrMapOvr>
-</p:sld>
-</file>
-
-<file path=ppt/slides/slide22.xml><?xml version="1.0" encoding="utf-8"?>
-<p:sld xmlns:a="http://schemas.openxmlformats.org/drawingml/2006/main" xmlns:r="http://schemas.openxmlformats.org/officeDocument/2006/relationships" xmlns:p="http://schemas.openxmlformats.org/presentationml/2006/main">
-  <p:cSld>
-    <p:spTree>
-      <p:nvGrpSpPr>
-        <p:cNvPr id="1" name=""/>
-        <p:cNvGrpSpPr/>
-        <p:nvPr/>
-      </p:nvGrpSpPr>
-      <p:grpSpPr>
-        <a:xfrm>
-          <a:off x="0" y="0"/>
-          <a:ext cx="0" cy="0"/>
-          <a:chOff x="0" y="0"/>
-          <a:chExt cx="0" cy="0"/>
-        </a:xfrm>
-      </p:grpSpPr>
-      <p:sp>
-        <p:nvSpPr>
-          <p:cNvPr id="2" name="Titel 1">
-            <a:extLst>
-              <a:ext uri="{FF2B5EF4-FFF2-40B4-BE49-F238E27FC236}">
-                <a16:creationId xmlns:a16="http://schemas.microsoft.com/office/drawing/2014/main" id="{8630F9EE-799A-4FBC-BDC9-BBCD9F117865}"/>
-              </a:ext>
-            </a:extLst>
-          </p:cNvPr>
-          <p:cNvSpPr>
-            <a:spLocks noGrp="1"/>
-          </p:cNvSpPr>
-          <p:nvPr>
-            <p:ph type="title"/>
-          </p:nvPr>
-        </p:nvSpPr>
-        <p:spPr>
-          <a:xfrm>
-            <a:off x="430213" y="265113"/>
-            <a:ext cx="7886700" cy="573087"/>
-          </a:xfrm>
-        </p:spPr>
-        <p:txBody>
-          <a:bodyPr/>
-          <a:lstStyle/>
-          <a:p>
-            <a:r>
-              <a:rPr lang="de-DE" b="1" dirty="0"/>
-              <a:t>High-Dimensional Transaction Data</a:t>
-            </a:r>
-            <a:endParaRPr lang="de-DE" dirty="0"/>
-          </a:p>
-        </p:txBody>
-      </p:sp>
-      <p:sp>
-        <p:nvSpPr>
-          <p:cNvPr id="3" name="Datumsplatzhalter 2">
-            <a:extLst>
-              <a:ext uri="{FF2B5EF4-FFF2-40B4-BE49-F238E27FC236}">
-                <a16:creationId xmlns:a16="http://schemas.microsoft.com/office/drawing/2014/main" id="{2024E019-E637-42FA-954A-B2746B57FA3E}"/>
-              </a:ext>
-            </a:extLst>
-          </p:cNvPr>
-          <p:cNvSpPr>
-            <a:spLocks noGrp="1"/>
-          </p:cNvSpPr>
-          <p:nvPr>
-            <p:ph type="dt" sz="half" idx="14"/>
-          </p:nvPr>
-        </p:nvSpPr>
-        <p:spPr>
-          <a:xfrm>
-            <a:off x="1331913" y="6208713"/>
-            <a:ext cx="1296987" cy="476250"/>
-          </a:xfrm>
-        </p:spPr>
-        <p:txBody>
-          <a:bodyPr/>
-          <a:lstStyle/>
-          <a:p>
-            <a:r>
-              <a:rPr lang="de-DE"/>
-              <a:t>18.05.2017</a:t>
-            </a:r>
-            <a:endParaRPr lang="de-DE" dirty="0"/>
-          </a:p>
-        </p:txBody>
-      </p:sp>
-      <p:sp>
-        <p:nvSpPr>
-          <p:cNvPr id="4" name="Fußzeilenplatzhalter 3">
-            <a:extLst>
-              <a:ext uri="{FF2B5EF4-FFF2-40B4-BE49-F238E27FC236}">
-                <a16:creationId xmlns:a16="http://schemas.microsoft.com/office/drawing/2014/main" id="{11871A7E-DE7F-4B04-A79B-7559FABD8314}"/>
-              </a:ext>
-            </a:extLst>
-          </p:cNvPr>
-          <p:cNvSpPr>
-            <a:spLocks noGrp="1"/>
-          </p:cNvSpPr>
-          <p:nvPr>
-            <p:ph type="ftr" sz="quarter" idx="15"/>
-          </p:nvPr>
-        </p:nvSpPr>
-        <p:spPr>
-          <a:xfrm>
-            <a:off x="2755900" y="6308725"/>
-            <a:ext cx="5487988" cy="288925"/>
-          </a:xfrm>
-        </p:spPr>
-        <p:txBody>
-          <a:bodyPr/>
-          <a:lstStyle/>
-          <a:p>
-            <a:r>
-              <a:rPr lang="de-DE"/>
-              <a:t>Andreas Heimann &amp; Matthias Puchta</a:t>
-            </a:r>
-            <a:endParaRPr lang="de-DE" dirty="0"/>
-          </a:p>
-        </p:txBody>
-      </p:sp>
-      <p:sp>
-        <p:nvSpPr>
-          <p:cNvPr id="5" name="Textplatzhalter 4">
-            <a:extLst>
-              <a:ext uri="{FF2B5EF4-FFF2-40B4-BE49-F238E27FC236}">
-                <a16:creationId xmlns:a16="http://schemas.microsoft.com/office/drawing/2014/main" id="{17162768-F447-417D-8E83-B270B3CE3A5D}"/>
-              </a:ext>
-            </a:extLst>
-          </p:cNvPr>
-          <p:cNvSpPr>
-            <a:spLocks noGrp="1"/>
-          </p:cNvSpPr>
-          <p:nvPr>
-            <p:ph type="body" sz="quarter" idx="13"/>
-          </p:nvPr>
-        </p:nvSpPr>
-        <p:spPr/>
-        <p:txBody>
-          <a:bodyPr/>
-          <a:lstStyle/>
-          <a:p>
-            <a:r>
-              <a:rPr lang="de-DE" dirty="0" err="1"/>
-              <a:t>Aol</a:t>
-            </a:r>
-            <a:r>
-              <a:rPr lang="de-DE" dirty="0"/>
-              <a:t> </a:t>
-            </a:r>
-            <a:r>
-              <a:rPr lang="de-DE" dirty="0" err="1"/>
-              <a:t>example</a:t>
-            </a:r>
-            <a:r>
-              <a:rPr lang="de-DE" dirty="0"/>
-              <a:t> </a:t>
-            </a:r>
-            <a:r>
-              <a:rPr lang="en-US" dirty="0"/>
-              <a:t>Transaction data is usually high-dimensional. For example, Amazon.com has several million catalog items. Each dimension could be a potential </a:t>
-            </a:r>
-            <a:r>
-              <a:rPr lang="en-US" i="1" dirty="0"/>
-              <a:t>QID </a:t>
-            </a:r>
-            <a:r>
-              <a:rPr lang="en-US" dirty="0"/>
-              <a:t>attribute used for record or attribute linkages; therefore, employing traditional privacy models, such as </a:t>
-            </a:r>
-            <a:r>
-              <a:rPr lang="en-US" i="1" dirty="0"/>
-              <a:t>k</a:t>
-            </a:r>
-            <a:r>
-              <a:rPr lang="en-US" dirty="0"/>
-              <a:t>-anonymity, would require including all dimensions into a single </a:t>
-            </a:r>
-            <a:r>
-              <a:rPr lang="en-US" i="1" dirty="0"/>
-              <a:t>QID</a:t>
-            </a:r>
-            <a:r>
-              <a:rPr lang="en-US" dirty="0"/>
-              <a:t>. Due to the curse of high-dimensionality [Aggarwal 2005], it is very likely that lots of data has to be suppressed or generalized to the top-most values in order to satisfy </a:t>
-            </a:r>
-            <a:r>
-              <a:rPr lang="en-US" i="1" dirty="0"/>
-              <a:t>k</a:t>
-            </a:r>
-            <a:r>
-              <a:rPr lang="en-US" dirty="0"/>
-              <a:t>-anonymity, even if </a:t>
-            </a:r>
-            <a:r>
-              <a:rPr lang="en-US" i="1" dirty="0"/>
-              <a:t>k </a:t>
-            </a:r>
-            <a:r>
-              <a:rPr lang="en-US" dirty="0"/>
-              <a:t>is small. Obviously, such anonymous data is useless for data analysis.</a:t>
-            </a:r>
-            <a:endParaRPr lang="de-DE" dirty="0"/>
-          </a:p>
-        </p:txBody>
-      </p:sp>
-      <p:sp>
-        <p:nvSpPr>
-          <p:cNvPr id="6" name="Foliennummernplatzhalter 5">
-            <a:extLst>
-              <a:ext uri="{FF2B5EF4-FFF2-40B4-BE49-F238E27FC236}">
-                <a16:creationId xmlns:a16="http://schemas.microsoft.com/office/drawing/2014/main" id="{1F7C9EDA-B921-4D19-B054-284FFDECB071}"/>
-              </a:ext>
-            </a:extLst>
-          </p:cNvPr>
-          <p:cNvSpPr>
-            <a:spLocks noGrp="1"/>
-          </p:cNvSpPr>
-          <p:nvPr>
-            <p:ph type="sldNum" sz="quarter" idx="16"/>
-          </p:nvPr>
-        </p:nvSpPr>
-        <p:spPr>
-          <a:xfrm>
-            <a:off x="8415338" y="6408738"/>
-            <a:ext cx="477837" cy="333375"/>
-          </a:xfrm>
-        </p:spPr>
-        <p:txBody>
-          <a:bodyPr/>
-          <a:lstStyle/>
-          <a:p>
-            <a:fld id="{50E76E58-F275-47A3-BB17-470016A267B6}" type="slidenum">
-              <a:rPr lang="de-DE" smtClean="0"/>
-              <a:pPr/>
-              <a:t>22</a:t>
-            </a:fld>
-            <a:endParaRPr lang="de-DE"/>
-          </a:p>
-        </p:txBody>
-      </p:sp>
-    </p:spTree>
-    <p:extLst>
-      <p:ext uri="{BB962C8B-B14F-4D97-AF65-F5344CB8AC3E}">
-        <p14:creationId xmlns:p14="http://schemas.microsoft.com/office/powerpoint/2010/main" val="1473261035"/>
-      </p:ext>
-    </p:extLst>
-  </p:cSld>
-  <p:clrMapOvr>
-    <a:masterClrMapping/>
-  </p:clrMapOvr>
-</p:sld>
-</file>
-
-<file path=ppt/slides/slide23.xml><?xml version="1.0" encoding="utf-8"?>
-<p:sld xmlns:a="http://schemas.openxmlformats.org/drawingml/2006/main" xmlns:r="http://schemas.openxmlformats.org/officeDocument/2006/relationships" xmlns:p="http://schemas.openxmlformats.org/presentationml/2006/main">
-  <p:cSld>
-    <p:spTree>
-      <p:nvGrpSpPr>
-        <p:cNvPr id="1" name=""/>
-        <p:cNvGrpSpPr/>
-        <p:nvPr/>
-      </p:nvGrpSpPr>
-      <p:grpSpPr>
-        <a:xfrm>
-          <a:off x="0" y="0"/>
-          <a:ext cx="0" cy="0"/>
-          <a:chOff x="0" y="0"/>
-          <a:chExt cx="0" cy="0"/>
-        </a:xfrm>
-      </p:grpSpPr>
-      <p:sp>
-        <p:nvSpPr>
-          <p:cNvPr id="2" name="Titel 1">
-            <a:extLst>
-              <a:ext uri="{FF2B5EF4-FFF2-40B4-BE49-F238E27FC236}">
-                <a16:creationId xmlns:a16="http://schemas.microsoft.com/office/drawing/2014/main" id="{DD780236-DFF8-4429-AD46-A0D4B640B608}"/>
-              </a:ext>
-            </a:extLst>
-          </p:cNvPr>
-          <p:cNvSpPr>
-            <a:spLocks noGrp="1"/>
-          </p:cNvSpPr>
-          <p:nvPr>
-            <p:ph type="title"/>
-          </p:nvPr>
-        </p:nvSpPr>
-        <p:spPr>
-          <a:xfrm>
-            <a:off x="430213" y="265113"/>
-            <a:ext cx="7886700" cy="573087"/>
-          </a:xfrm>
-        </p:spPr>
-        <p:txBody>
-          <a:bodyPr/>
-          <a:lstStyle/>
-          <a:p>
-            <a:r>
-              <a:rPr lang="de-DE" b="1"/>
-              <a:t>High-Dimensional Transaction Data</a:t>
-            </a:r>
-            <a:endParaRPr lang="de-DE"/>
-          </a:p>
-        </p:txBody>
-      </p:sp>
-      <p:sp>
-        <p:nvSpPr>
-          <p:cNvPr id="3" name="Datumsplatzhalter 2">
-            <a:extLst>
-              <a:ext uri="{FF2B5EF4-FFF2-40B4-BE49-F238E27FC236}">
-                <a16:creationId xmlns:a16="http://schemas.microsoft.com/office/drawing/2014/main" id="{69419E86-0E9E-4216-B427-413C6BA3C0D7}"/>
-              </a:ext>
-            </a:extLst>
-          </p:cNvPr>
-          <p:cNvSpPr>
-            <a:spLocks noGrp="1"/>
-          </p:cNvSpPr>
-          <p:nvPr>
-            <p:ph type="dt" sz="half" idx="14"/>
-          </p:nvPr>
-        </p:nvSpPr>
-        <p:spPr>
-          <a:xfrm>
-            <a:off x="1331913" y="6208713"/>
-            <a:ext cx="1296987" cy="476250"/>
-          </a:xfrm>
-        </p:spPr>
-        <p:txBody>
-          <a:bodyPr/>
-          <a:lstStyle/>
-          <a:p>
-            <a:r>
-              <a:rPr lang="de-DE"/>
-              <a:t>18.05.2017</a:t>
-            </a:r>
-            <a:endParaRPr lang="de-DE" dirty="0"/>
-          </a:p>
-        </p:txBody>
-      </p:sp>
-      <p:sp>
-        <p:nvSpPr>
-          <p:cNvPr id="4" name="Fußzeilenplatzhalter 3">
-            <a:extLst>
-              <a:ext uri="{FF2B5EF4-FFF2-40B4-BE49-F238E27FC236}">
-                <a16:creationId xmlns:a16="http://schemas.microsoft.com/office/drawing/2014/main" id="{212DC528-EE24-4AC3-9EED-1BF090D99EF2}"/>
-              </a:ext>
-            </a:extLst>
-          </p:cNvPr>
-          <p:cNvSpPr>
-            <a:spLocks noGrp="1"/>
-          </p:cNvSpPr>
-          <p:nvPr>
-            <p:ph type="ftr" sz="quarter" idx="15"/>
-          </p:nvPr>
-        </p:nvSpPr>
-        <p:spPr>
-          <a:xfrm>
-            <a:off x="2755900" y="6308725"/>
-            <a:ext cx="5487988" cy="288925"/>
-          </a:xfrm>
-        </p:spPr>
-        <p:txBody>
-          <a:bodyPr/>
-          <a:lstStyle/>
-          <a:p>
-            <a:r>
-              <a:rPr lang="de-DE"/>
-              <a:t>Andreas Heimann &amp; Matthias Puchta</a:t>
-            </a:r>
-            <a:endParaRPr lang="de-DE" dirty="0"/>
-          </a:p>
-        </p:txBody>
-      </p:sp>
-      <p:sp>
-        <p:nvSpPr>
-          <p:cNvPr id="5" name="Textplatzhalter 4">
-            <a:extLst>
-              <a:ext uri="{FF2B5EF4-FFF2-40B4-BE49-F238E27FC236}">
-                <a16:creationId xmlns:a16="http://schemas.microsoft.com/office/drawing/2014/main" id="{064D59BE-0376-4E44-A0FE-7031A294F35F}"/>
-              </a:ext>
-            </a:extLst>
-          </p:cNvPr>
-          <p:cNvSpPr>
-            <a:spLocks noGrp="1"/>
-          </p:cNvSpPr>
-          <p:nvPr>
-            <p:ph type="body" sz="quarter" idx="13"/>
-          </p:nvPr>
-        </p:nvSpPr>
-        <p:spPr/>
-        <p:txBody>
-          <a:bodyPr/>
-          <a:lstStyle/>
-          <a:p>
-            <a:pPr>
-              <a:buFontTx/>
-              <a:buChar char="-"/>
-            </a:pPr>
-            <a:r>
-              <a:rPr lang="en-US" dirty="0"/>
-              <a:t>Each dimension could be a potential </a:t>
-            </a:r>
-            <a:r>
-              <a:rPr lang="en-US" i="1" dirty="0"/>
-              <a:t>QID </a:t>
-            </a:r>
-            <a:r>
-              <a:rPr lang="en-US" dirty="0"/>
-              <a:t>attribute</a:t>
-            </a:r>
-          </a:p>
-          <a:p>
-            <a:pPr>
-              <a:buFontTx/>
-              <a:buChar char="-"/>
-            </a:pPr>
-            <a:r>
-              <a:rPr lang="de-DE" dirty="0" err="1"/>
-              <a:t>Curse</a:t>
-            </a:r>
-            <a:r>
-              <a:rPr lang="de-DE" dirty="0"/>
-              <a:t> </a:t>
-            </a:r>
-            <a:r>
-              <a:rPr lang="de-DE" dirty="0" err="1"/>
-              <a:t>of</a:t>
-            </a:r>
-            <a:r>
-              <a:rPr lang="de-DE" dirty="0"/>
-              <a:t> high-</a:t>
-            </a:r>
-            <a:r>
-              <a:rPr lang="de-DE" dirty="0" err="1"/>
-              <a:t>dimensionality</a:t>
-            </a:r>
-            <a:endParaRPr lang="de-DE" dirty="0"/>
-          </a:p>
-          <a:p>
-            <a:pPr>
-              <a:buFontTx/>
-              <a:buChar char="-"/>
-            </a:pPr>
-            <a:r>
-              <a:rPr lang="de-DE" dirty="0"/>
-              <a:t>Bound </a:t>
-            </a:r>
-            <a:r>
-              <a:rPr lang="de-DE" dirty="0" err="1"/>
-              <a:t>backgroundknowledge</a:t>
-            </a:r>
-            <a:r>
-              <a:rPr lang="de-DE" dirty="0"/>
-              <a:t> </a:t>
-            </a:r>
-            <a:r>
-              <a:rPr lang="de-DE" dirty="0" err="1"/>
-              <a:t>of</a:t>
-            </a:r>
-            <a:r>
-              <a:rPr lang="de-DE" dirty="0"/>
-              <a:t> </a:t>
-            </a:r>
-            <a:r>
-              <a:rPr lang="de-DE" dirty="0" err="1"/>
-              <a:t>the</a:t>
-            </a:r>
-            <a:r>
-              <a:rPr lang="de-DE" dirty="0"/>
-              <a:t> </a:t>
-            </a:r>
-            <a:r>
-              <a:rPr lang="de-DE" dirty="0" err="1"/>
-              <a:t>attacker</a:t>
-            </a:r>
-            <a:r>
-              <a:rPr lang="de-DE" dirty="0"/>
-              <a:t> </a:t>
-            </a:r>
-          </a:p>
-        </p:txBody>
-      </p:sp>
-      <p:sp>
-        <p:nvSpPr>
-          <p:cNvPr id="6" name="Foliennummernplatzhalter 5">
-            <a:extLst>
-              <a:ext uri="{FF2B5EF4-FFF2-40B4-BE49-F238E27FC236}">
-                <a16:creationId xmlns:a16="http://schemas.microsoft.com/office/drawing/2014/main" id="{E25D3BF9-A70C-417F-A9C7-F883A5D091A9}"/>
-              </a:ext>
-            </a:extLst>
-          </p:cNvPr>
-          <p:cNvSpPr>
-            <a:spLocks noGrp="1"/>
-          </p:cNvSpPr>
-          <p:nvPr>
-            <p:ph type="sldNum" sz="quarter" idx="16"/>
-          </p:nvPr>
-        </p:nvSpPr>
-        <p:spPr>
-          <a:xfrm>
-            <a:off x="8415338" y="6408738"/>
-            <a:ext cx="477837" cy="333375"/>
-          </a:xfrm>
-        </p:spPr>
-        <p:txBody>
-          <a:bodyPr/>
-          <a:lstStyle/>
-          <a:p>
-            <a:fld id="{50E76E58-F275-47A3-BB17-470016A267B6}" type="slidenum">
-              <a:rPr lang="de-DE" smtClean="0"/>
-              <a:pPr/>
-              <a:t>23</a:t>
-            </a:fld>
-            <a:endParaRPr lang="de-DE"/>
-          </a:p>
-        </p:txBody>
-      </p:sp>
-    </p:spTree>
-    <p:extLst>
-      <p:ext uri="{BB962C8B-B14F-4D97-AF65-F5344CB8AC3E}">
-        <p14:creationId xmlns:p14="http://schemas.microsoft.com/office/powerpoint/2010/main" val="673325542"/>
-      </p:ext>
-    </p:extLst>
-  </p:cSld>
-  <p:clrMapOvr>
-    <a:masterClrMapping/>
-  </p:clrMapOvr>
-</p:sld>
-</file>
-
-<file path=ppt/slides/slide24.xml><?xml version="1.0" encoding="utf-8"?>
-<p:sld xmlns:a="http://schemas.openxmlformats.org/drawingml/2006/main" xmlns:r="http://schemas.openxmlformats.org/officeDocument/2006/relationships" xmlns:p="http://schemas.openxmlformats.org/presentationml/2006/main">
-  <p:cSld>
-    <p:spTree>
-      <p:nvGrpSpPr>
-        <p:cNvPr id="1" name=""/>
-        <p:cNvGrpSpPr/>
-        <p:nvPr/>
-      </p:nvGrpSpPr>
-      <p:grpSpPr>
-        <a:xfrm>
-          <a:off x="0" y="0"/>
-          <a:ext cx="0" cy="0"/>
-          <a:chOff x="0" y="0"/>
-          <a:chExt cx="0" cy="0"/>
-        </a:xfrm>
-      </p:grpSpPr>
-      <p:sp>
-        <p:nvSpPr>
-          <p:cNvPr id="2" name="Titel 1">
-            <a:extLst>
-              <a:ext uri="{FF2B5EF4-FFF2-40B4-BE49-F238E27FC236}">
-                <a16:creationId xmlns:a16="http://schemas.microsoft.com/office/drawing/2014/main" id="{F630762F-ADDB-483B-8B3B-603DD9617461}"/>
-              </a:ext>
-            </a:extLst>
-          </p:cNvPr>
-          <p:cNvSpPr>
-            <a:spLocks noGrp="1"/>
-          </p:cNvSpPr>
-          <p:nvPr>
-            <p:ph type="title"/>
-          </p:nvPr>
-        </p:nvSpPr>
-        <p:spPr>
-          <a:xfrm>
-            <a:off x="430213" y="265113"/>
-            <a:ext cx="7886700" cy="573087"/>
-          </a:xfrm>
-        </p:spPr>
-        <p:txBody>
-          <a:bodyPr/>
-          <a:lstStyle/>
-          <a:p>
-            <a:r>
-              <a:rPr lang="de-DE" b="1" dirty="0"/>
-              <a:t>Moving </a:t>
-            </a:r>
-            <a:r>
-              <a:rPr lang="de-DE" b="1" dirty="0" err="1"/>
-              <a:t>Object</a:t>
-            </a:r>
-            <a:r>
-              <a:rPr lang="de-DE" b="1" dirty="0"/>
-              <a:t> Data</a:t>
-            </a:r>
-            <a:endParaRPr lang="de-DE" dirty="0"/>
-          </a:p>
-        </p:txBody>
-      </p:sp>
-      <p:sp>
-        <p:nvSpPr>
-          <p:cNvPr id="3" name="Datumsplatzhalter 2">
-            <a:extLst>
-              <a:ext uri="{FF2B5EF4-FFF2-40B4-BE49-F238E27FC236}">
-                <a16:creationId xmlns:a16="http://schemas.microsoft.com/office/drawing/2014/main" id="{98E37A1D-373E-4CB5-8A00-E4420DD981F5}"/>
-              </a:ext>
-            </a:extLst>
-          </p:cNvPr>
-          <p:cNvSpPr>
-            <a:spLocks noGrp="1"/>
-          </p:cNvSpPr>
-          <p:nvPr>
-            <p:ph type="dt" sz="half" idx="14"/>
-          </p:nvPr>
-        </p:nvSpPr>
-        <p:spPr>
-          <a:xfrm>
-            <a:off x="1331913" y="6208713"/>
-            <a:ext cx="1296987" cy="476250"/>
-          </a:xfrm>
-        </p:spPr>
-        <p:txBody>
-          <a:bodyPr/>
-          <a:lstStyle/>
-          <a:p>
-            <a:r>
-              <a:rPr lang="de-DE"/>
-              <a:t>18.05.2017</a:t>
-            </a:r>
-            <a:endParaRPr lang="de-DE" dirty="0"/>
-          </a:p>
-        </p:txBody>
-      </p:sp>
-      <p:sp>
-        <p:nvSpPr>
-          <p:cNvPr id="4" name="Fußzeilenplatzhalter 3">
-            <a:extLst>
-              <a:ext uri="{FF2B5EF4-FFF2-40B4-BE49-F238E27FC236}">
-                <a16:creationId xmlns:a16="http://schemas.microsoft.com/office/drawing/2014/main" id="{7718522C-A894-49C9-A4F0-5E1DFA7741F2}"/>
-              </a:ext>
-            </a:extLst>
-          </p:cNvPr>
-          <p:cNvSpPr>
-            <a:spLocks noGrp="1"/>
-          </p:cNvSpPr>
-          <p:nvPr>
-            <p:ph type="ftr" sz="quarter" idx="15"/>
-          </p:nvPr>
-        </p:nvSpPr>
-        <p:spPr>
-          <a:xfrm>
-            <a:off x="2755900" y="6308725"/>
-            <a:ext cx="5487988" cy="288925"/>
-          </a:xfrm>
-        </p:spPr>
-        <p:txBody>
-          <a:bodyPr/>
-          <a:lstStyle/>
-          <a:p>
-            <a:r>
-              <a:rPr lang="de-DE"/>
-              <a:t>Andreas Heimann &amp; Matthias Puchta</a:t>
-            </a:r>
-            <a:endParaRPr lang="de-DE" dirty="0"/>
-          </a:p>
-        </p:txBody>
-      </p:sp>
-      <p:sp>
-        <p:nvSpPr>
-          <p:cNvPr id="5" name="Textplatzhalter 4">
-            <a:extLst>
-              <a:ext uri="{FF2B5EF4-FFF2-40B4-BE49-F238E27FC236}">
-                <a16:creationId xmlns:a16="http://schemas.microsoft.com/office/drawing/2014/main" id="{87651521-0381-4223-BDE6-C2A67D608413}"/>
-              </a:ext>
-            </a:extLst>
-          </p:cNvPr>
-          <p:cNvSpPr>
-            <a:spLocks noGrp="1"/>
-          </p:cNvSpPr>
-          <p:nvPr>
-            <p:ph type="body" sz="quarter" idx="13"/>
-          </p:nvPr>
-        </p:nvSpPr>
-        <p:spPr/>
-        <p:txBody>
-          <a:bodyPr/>
-          <a:lstStyle/>
-          <a:p>
-            <a:pPr marL="0" indent="0">
-              <a:buNone/>
-            </a:pPr>
-            <a:r>
-              <a:rPr lang="de-DE" dirty="0"/>
-              <a:t>- Location-</a:t>
-            </a:r>
-            <a:r>
-              <a:rPr lang="de-DE" dirty="0" err="1"/>
-              <a:t>based</a:t>
-            </a:r>
-            <a:r>
-              <a:rPr lang="de-DE" dirty="0"/>
-              <a:t> </a:t>
-            </a:r>
-            <a:r>
-              <a:rPr lang="de-DE" dirty="0" err="1"/>
-              <a:t>services</a:t>
-            </a:r>
-            <a:r>
-              <a:rPr lang="de-DE" dirty="0"/>
-              <a:t> (LBS)</a:t>
-            </a:r>
-          </a:p>
-        </p:txBody>
-      </p:sp>
-      <p:sp>
-        <p:nvSpPr>
-          <p:cNvPr id="6" name="Foliennummernplatzhalter 5">
-            <a:extLst>
-              <a:ext uri="{FF2B5EF4-FFF2-40B4-BE49-F238E27FC236}">
-                <a16:creationId xmlns:a16="http://schemas.microsoft.com/office/drawing/2014/main" id="{8667CAC0-ED65-461E-B9D6-E014713A72F4}"/>
-              </a:ext>
-            </a:extLst>
-          </p:cNvPr>
-          <p:cNvSpPr>
-            <a:spLocks noGrp="1"/>
-          </p:cNvSpPr>
-          <p:nvPr>
-            <p:ph type="sldNum" sz="quarter" idx="16"/>
-          </p:nvPr>
-        </p:nvSpPr>
-        <p:spPr>
-          <a:xfrm>
-            <a:off x="8415338" y="6408738"/>
-            <a:ext cx="477837" cy="333375"/>
-          </a:xfrm>
-        </p:spPr>
-        <p:txBody>
-          <a:bodyPr/>
-          <a:lstStyle/>
-          <a:p>
-            <a:fld id="{50E76E58-F275-47A3-BB17-470016A267B6}" type="slidenum">
-              <a:rPr lang="de-DE" smtClean="0"/>
-              <a:pPr/>
-              <a:t>24</a:t>
-            </a:fld>
-            <a:endParaRPr lang="de-DE"/>
-          </a:p>
-        </p:txBody>
-      </p:sp>
-      <p:pic>
-        <p:nvPicPr>
-          <p:cNvPr id="7" name="Grafik 6">
-            <a:extLst>
-              <a:ext uri="{FF2B5EF4-FFF2-40B4-BE49-F238E27FC236}">
-                <a16:creationId xmlns:a16="http://schemas.microsoft.com/office/drawing/2014/main" id="{CE523E23-ED8F-45A6-A4AD-F769D0C5C9F6}"/>
-              </a:ext>
-            </a:extLst>
-          </p:cNvPr>
-          <p:cNvPicPr>
-            <a:picLocks noChangeAspect="1"/>
-          </p:cNvPicPr>
-          <p:nvPr/>
-        </p:nvPicPr>
-        <p:blipFill>
-          <a:blip r:embed="rId2"/>
-          <a:stretch>
-            <a:fillRect/>
-          </a:stretch>
-        </p:blipFill>
-        <p:spPr>
-          <a:xfrm>
-            <a:off x="549875" y="1346826"/>
-            <a:ext cx="3960440" cy="3689061"/>
-          </a:xfrm>
-          <a:prstGeom prst="rect">
-            <a:avLst/>
-          </a:prstGeom>
-        </p:spPr>
-      </p:pic>
-      <p:sp>
-        <p:nvSpPr>
-          <p:cNvPr id="8" name="Textfeld 7">
-            <a:extLst>
-              <a:ext uri="{FF2B5EF4-FFF2-40B4-BE49-F238E27FC236}">
-                <a16:creationId xmlns:a16="http://schemas.microsoft.com/office/drawing/2014/main" id="{03A77AD6-47AF-49F6-9118-CB30DAE3C920}"/>
-              </a:ext>
-            </a:extLst>
-          </p:cNvPr>
-          <p:cNvSpPr txBox="1"/>
-          <p:nvPr/>
-        </p:nvSpPr>
-        <p:spPr>
-          <a:xfrm>
-            <a:off x="5076056" y="1268760"/>
-            <a:ext cx="3240857" cy="3693319"/>
-          </a:xfrm>
-          <a:prstGeom prst="rect">
-            <a:avLst/>
-          </a:prstGeom>
-          <a:noFill/>
-        </p:spPr>
-        <p:txBody>
-          <a:bodyPr wrap="square" rtlCol="0">
-            <a:spAutoFit/>
-          </a:bodyPr>
-          <a:lstStyle/>
-          <a:p>
-            <a:r>
-              <a:rPr lang="en-US" b="0"/>
-              <a:t>There are a few recent works on anonymizing moving objects. Abul et al. [2008] extended</a:t>
-            </a:r>
-          </a:p>
-          <a:p>
-            <a:r>
-              <a:rPr lang="en-US" b="0"/>
-              <a:t>the traditional </a:t>
-            </a:r>
-            <a:r>
-              <a:rPr lang="en-US" b="0" i="1"/>
-              <a:t>k</a:t>
-            </a:r>
-            <a:r>
-              <a:rPr lang="en-US" b="0"/>
-              <a:t>-anonymity model to anonymize a set of moving objects. The</a:t>
-            </a:r>
-          </a:p>
-          <a:p>
-            <a:r>
-              <a:rPr lang="en-US" b="0"/>
-              <a:t>intuition is to have at least </a:t>
-            </a:r>
-            <a:r>
-              <a:rPr lang="en-US" b="0" i="1"/>
-              <a:t>k </a:t>
-            </a:r>
-            <a:r>
-              <a:rPr lang="en-US" b="0"/>
-              <a:t>moving objects appearing within the radius </a:t>
-            </a:r>
-            <a:r>
-              <a:rPr lang="en-US" b="0" i="1"/>
-              <a:t>δ </a:t>
-            </a:r>
-            <a:r>
-              <a:rPr lang="en-US" b="0"/>
-              <a:t>of the path</a:t>
-            </a:r>
-          </a:p>
-          <a:p>
-            <a:r>
-              <a:rPr lang="en-US" b="0"/>
-              <a:t>of every moving object in the same period of time, as depicted in Figure 5.</a:t>
-            </a:r>
-            <a:endParaRPr lang="de-DE" dirty="0"/>
-          </a:p>
-        </p:txBody>
-      </p:sp>
-    </p:spTree>
-    <p:extLst>
-      <p:ext uri="{BB962C8B-B14F-4D97-AF65-F5344CB8AC3E}">
-        <p14:creationId xmlns:p14="http://schemas.microsoft.com/office/powerpoint/2010/main" val="3579114951"/>
-      </p:ext>
-    </p:extLst>
-  </p:cSld>
-  <p:clrMapOvr>
-    <a:masterClrMapping/>
-  </p:clrMapOvr>
-</p:sld>
-</file>
-
-<file path=ppt/slides/slide25.xml><?xml version="1.0" encoding="utf-8"?>
-<p:sld xmlns:a="http://schemas.openxmlformats.org/drawingml/2006/main" xmlns:r="http://schemas.openxmlformats.org/officeDocument/2006/relationships" xmlns:p="http://schemas.openxmlformats.org/presentationml/2006/main">
-  <p:cSld>
-    <p:spTree>
-      <p:nvGrpSpPr>
-        <p:cNvPr id="1" name=""/>
-        <p:cNvGrpSpPr/>
-        <p:nvPr/>
-      </p:nvGrpSpPr>
-      <p:grpSpPr>
-        <a:xfrm>
-          <a:off x="0" y="0"/>
-          <a:ext cx="0" cy="0"/>
-          <a:chOff x="0" y="0"/>
-          <a:chExt cx="0" cy="0"/>
-        </a:xfrm>
-      </p:grpSpPr>
-      <p:sp>
-        <p:nvSpPr>
-          <p:cNvPr id="2" name="Titel 1">
-            <a:extLst>
-              <a:ext uri="{FF2B5EF4-FFF2-40B4-BE49-F238E27FC236}">
-                <a16:creationId xmlns:a16="http://schemas.microsoft.com/office/drawing/2014/main" id="{01809404-EB17-4FCD-B405-68EACB8E7AD7}"/>
-              </a:ext>
-            </a:extLst>
-          </p:cNvPr>
-          <p:cNvSpPr>
-            <a:spLocks noGrp="1"/>
-          </p:cNvSpPr>
-          <p:nvPr>
-            <p:ph type="title"/>
-          </p:nvPr>
-        </p:nvSpPr>
-        <p:spPr>
-          <a:xfrm>
-            <a:off x="430213" y="265113"/>
-            <a:ext cx="7886700" cy="573087"/>
-          </a:xfrm>
-        </p:spPr>
-        <p:txBody>
-          <a:bodyPr/>
-          <a:lstStyle/>
-          <a:p>
-            <a:r>
-              <a:rPr lang="de-DE" b="1" dirty="0" err="1"/>
-              <a:t>Textual</a:t>
-            </a:r>
-            <a:r>
-              <a:rPr lang="de-DE" b="1" dirty="0"/>
-              <a:t> Data</a:t>
-            </a:r>
-            <a:endParaRPr lang="de-DE" dirty="0"/>
-          </a:p>
-        </p:txBody>
-      </p:sp>
-      <p:sp>
-        <p:nvSpPr>
-          <p:cNvPr id="3" name="Datumsplatzhalter 2">
-            <a:extLst>
-              <a:ext uri="{FF2B5EF4-FFF2-40B4-BE49-F238E27FC236}">
-                <a16:creationId xmlns:a16="http://schemas.microsoft.com/office/drawing/2014/main" id="{05125B1C-1267-40AB-BF49-0CA8C1F2D42B}"/>
-              </a:ext>
-            </a:extLst>
-          </p:cNvPr>
-          <p:cNvSpPr>
-            <a:spLocks noGrp="1"/>
-          </p:cNvSpPr>
-          <p:nvPr>
-            <p:ph type="dt" sz="half" idx="14"/>
-          </p:nvPr>
-        </p:nvSpPr>
-        <p:spPr>
-          <a:xfrm>
-            <a:off x="1331913" y="6208713"/>
-            <a:ext cx="1296987" cy="476250"/>
-          </a:xfrm>
-        </p:spPr>
-        <p:txBody>
-          <a:bodyPr/>
-          <a:lstStyle/>
-          <a:p>
-            <a:r>
-              <a:rPr lang="de-DE"/>
-              <a:t>18.05.2017</a:t>
-            </a:r>
-            <a:endParaRPr lang="de-DE" dirty="0"/>
-          </a:p>
-        </p:txBody>
-      </p:sp>
-      <p:sp>
-        <p:nvSpPr>
-          <p:cNvPr id="4" name="Fußzeilenplatzhalter 3">
-            <a:extLst>
-              <a:ext uri="{FF2B5EF4-FFF2-40B4-BE49-F238E27FC236}">
-                <a16:creationId xmlns:a16="http://schemas.microsoft.com/office/drawing/2014/main" id="{B8807493-F45D-44B0-AE12-4DF2E5E5F2B0}"/>
-              </a:ext>
-            </a:extLst>
-          </p:cNvPr>
-          <p:cNvSpPr>
-            <a:spLocks noGrp="1"/>
-          </p:cNvSpPr>
-          <p:nvPr>
-            <p:ph type="ftr" sz="quarter" idx="15"/>
-          </p:nvPr>
-        </p:nvSpPr>
-        <p:spPr>
-          <a:xfrm>
-            <a:off x="2755900" y="6308725"/>
-            <a:ext cx="5487988" cy="288925"/>
-          </a:xfrm>
-        </p:spPr>
-        <p:txBody>
-          <a:bodyPr/>
-          <a:lstStyle/>
-          <a:p>
-            <a:r>
-              <a:rPr lang="de-DE"/>
-              <a:t>Andreas Heimann &amp; Matthias Puchta</a:t>
-            </a:r>
-            <a:endParaRPr lang="de-DE" dirty="0"/>
-          </a:p>
-        </p:txBody>
-      </p:sp>
-      <p:sp>
-        <p:nvSpPr>
-          <p:cNvPr id="5" name="Textplatzhalter 4">
-            <a:extLst>
-              <a:ext uri="{FF2B5EF4-FFF2-40B4-BE49-F238E27FC236}">
-                <a16:creationId xmlns:a16="http://schemas.microsoft.com/office/drawing/2014/main" id="{258A1F07-925E-4D51-9984-7A8E5FFCBB2A}"/>
-              </a:ext>
-            </a:extLst>
-          </p:cNvPr>
-          <p:cNvSpPr>
-            <a:spLocks noGrp="1"/>
-          </p:cNvSpPr>
-          <p:nvPr>
-            <p:ph type="body" sz="quarter" idx="13"/>
-          </p:nvPr>
-        </p:nvSpPr>
-        <p:spPr/>
-        <p:txBody>
-          <a:bodyPr/>
-          <a:lstStyle/>
-          <a:p>
-            <a:r>
-              <a:rPr lang="en-US" dirty="0"/>
-              <a:t>Most previous work focused on anonymizing the structural or </a:t>
-            </a:r>
-            <a:r>
-              <a:rPr lang="en-US" dirty="0" err="1"/>
-              <a:t>semistructural</a:t>
-            </a:r>
-            <a:r>
-              <a:rPr lang="en-US" dirty="0"/>
-              <a:t> </a:t>
-            </a:r>
-            <a:r>
-              <a:rPr lang="en-US" dirty="0" err="1"/>
-              <a:t>data.What</a:t>
-            </a:r>
-            <a:r>
-              <a:rPr lang="en-US" dirty="0"/>
-              <a:t> about the </a:t>
-            </a:r>
-            <a:r>
-              <a:rPr lang="en-US" dirty="0" err="1"/>
-              <a:t>unstructural</a:t>
-            </a:r>
-            <a:r>
-              <a:rPr lang="en-US" dirty="0"/>
-              <a:t> data, such as text documents? </a:t>
-            </a:r>
-            <a:r>
-              <a:rPr lang="en-US" dirty="0" err="1"/>
-              <a:t>Saygin</a:t>
-            </a:r>
-            <a:r>
-              <a:rPr lang="en-US" dirty="0"/>
-              <a:t> et al. [2006] </a:t>
-            </a:r>
-            <a:r>
-              <a:rPr lang="en-US" dirty="0" err="1"/>
-              <a:t>describesimplicit</a:t>
-            </a:r>
-            <a:r>
-              <a:rPr lang="en-US" dirty="0"/>
-              <a:t> and explicit privacy threats in text document repositories. </a:t>
-            </a:r>
-            <a:r>
-              <a:rPr lang="en-US" dirty="0" err="1"/>
-              <a:t>Sanitizationof</a:t>
-            </a:r>
-            <a:r>
-              <a:rPr lang="en-US" dirty="0"/>
-              <a:t> text documents involves removing sensitive information or removing potential </a:t>
-            </a:r>
-            <a:r>
-              <a:rPr lang="en-US" dirty="0" err="1"/>
-              <a:t>linkinginformation</a:t>
-            </a:r>
-            <a:r>
-              <a:rPr lang="en-US" dirty="0"/>
-              <a:t> that can associate an individual person to the sensitive information </a:t>
-            </a:r>
-            <a:r>
-              <a:rPr lang="en-US" dirty="0" err="1"/>
-              <a:t>ina</a:t>
-            </a:r>
-            <a:r>
-              <a:rPr lang="en-US" dirty="0"/>
-              <a:t> document. This research direction is in its </a:t>
-            </a:r>
-            <a:r>
-              <a:rPr lang="en-US" dirty="0" err="1"/>
-              <a:t>infancy.Kokkinakis</a:t>
-            </a:r>
-            <a:r>
-              <a:rPr lang="en-US" dirty="0"/>
-              <a:t> and </a:t>
-            </a:r>
-            <a:r>
-              <a:rPr lang="en-US" dirty="0" err="1"/>
-              <a:t>Thurin</a:t>
-            </a:r>
-            <a:r>
-              <a:rPr lang="en-US" dirty="0"/>
-              <a:t> [2007] implemented a system for automatically </a:t>
-            </a:r>
-            <a:r>
-              <a:rPr lang="en-US" dirty="0" err="1"/>
-              <a:t>anonymizinghospital</a:t>
-            </a:r>
-            <a:r>
-              <a:rPr lang="en-US" dirty="0"/>
-              <a:t> discharge letters by identifying and deliberately removing all phrases </a:t>
-            </a:r>
-            <a:r>
-              <a:rPr lang="en-US" dirty="0" err="1"/>
-              <a:t>fromclinical</a:t>
-            </a:r>
-            <a:r>
-              <a:rPr lang="en-US" dirty="0"/>
-              <a:t> text that satisfy some predefined types of sensitive entities. The </a:t>
-            </a:r>
-            <a:r>
-              <a:rPr lang="en-US" dirty="0" err="1"/>
-              <a:t>identificationphase</a:t>
-            </a:r>
-            <a:r>
-              <a:rPr lang="en-US" dirty="0"/>
-              <a:t> is achieved by collaborating with an underlying generic named entity recognition</a:t>
-            </a:r>
-            <a:r>
-              <a:rPr lang="de-DE" dirty="0" err="1"/>
-              <a:t>system</a:t>
-            </a:r>
-            <a:r>
-              <a:rPr lang="de-DE" dirty="0"/>
-              <a:t>.</a:t>
-            </a:r>
-          </a:p>
-        </p:txBody>
-      </p:sp>
-      <p:sp>
-        <p:nvSpPr>
-          <p:cNvPr id="6" name="Foliennummernplatzhalter 5">
-            <a:extLst>
-              <a:ext uri="{FF2B5EF4-FFF2-40B4-BE49-F238E27FC236}">
-                <a16:creationId xmlns:a16="http://schemas.microsoft.com/office/drawing/2014/main" id="{7788C7BE-3668-4468-B27D-88F5562E2D83}"/>
-              </a:ext>
-            </a:extLst>
-          </p:cNvPr>
-          <p:cNvSpPr>
-            <a:spLocks noGrp="1"/>
-          </p:cNvSpPr>
-          <p:nvPr>
-            <p:ph type="sldNum" sz="quarter" idx="16"/>
-          </p:nvPr>
-        </p:nvSpPr>
-        <p:spPr>
-          <a:xfrm>
-            <a:off x="8415338" y="6408738"/>
-            <a:ext cx="477837" cy="333375"/>
-          </a:xfrm>
-        </p:spPr>
-        <p:txBody>
-          <a:bodyPr/>
-          <a:lstStyle/>
-          <a:p>
-            <a:fld id="{50E76E58-F275-47A3-BB17-470016A267B6}" type="slidenum">
-              <a:rPr lang="de-DE" smtClean="0"/>
-              <a:pPr/>
-              <a:t>25</a:t>
-            </a:fld>
-            <a:endParaRPr lang="de-DE"/>
-          </a:p>
-        </p:txBody>
-      </p:sp>
-    </p:spTree>
-    <p:extLst>
-      <p:ext uri="{BB962C8B-B14F-4D97-AF65-F5344CB8AC3E}">
-        <p14:creationId xmlns:p14="http://schemas.microsoft.com/office/powerpoint/2010/main" val="545608152"/>
-      </p:ext>
-    </p:extLst>
-  </p:cSld>
-  <p:clrMapOvr>
-    <a:masterClrMapping/>
-  </p:clrMapOvr>
-</p:sld>
-</file>
-
-<file path=ppt/slides/slide26.xml><?xml version="1.0" encoding="utf-8"?>
-<p:sld xmlns:a="http://schemas.openxmlformats.org/drawingml/2006/main" xmlns:r="http://schemas.openxmlformats.org/officeDocument/2006/relationships" xmlns:p="http://schemas.openxmlformats.org/presentationml/2006/main">
-  <p:cSld>
-    <p:spTree>
-      <p:nvGrpSpPr>
-        <p:cNvPr id="1" name=""/>
-        <p:cNvGrpSpPr/>
-        <p:nvPr/>
-      </p:nvGrpSpPr>
-      <p:grpSpPr>
-        <a:xfrm>
-          <a:off x="0" y="0"/>
-          <a:ext cx="0" cy="0"/>
-          <a:chOff x="0" y="0"/>
-          <a:chExt cx="0" cy="0"/>
-        </a:xfrm>
-      </p:grpSpPr>
-      <p:sp>
-        <p:nvSpPr>
-          <p:cNvPr id="2" name="Titel 1">
-            <a:extLst>
-              <a:ext uri="{FF2B5EF4-FFF2-40B4-BE49-F238E27FC236}">
-                <a16:creationId xmlns:a16="http://schemas.microsoft.com/office/drawing/2014/main" id="{958F9CD1-9C9B-404C-BA1F-6E0E9A52DB3B}"/>
-              </a:ext>
-            </a:extLst>
-          </p:cNvPr>
-          <p:cNvSpPr>
-            <a:spLocks noGrp="1"/>
-          </p:cNvSpPr>
-          <p:nvPr>
-            <p:ph type="title"/>
-          </p:nvPr>
-        </p:nvSpPr>
-        <p:spPr>
-          <a:xfrm>
-            <a:off x="430213" y="265113"/>
-            <a:ext cx="7886700" cy="573087"/>
-          </a:xfrm>
-        </p:spPr>
-        <p:txBody>
-          <a:bodyPr/>
-          <a:lstStyle/>
-          <a:p>
-            <a:pPr marL="0" indent="0">
-              <a:buNone/>
-            </a:pPr>
-            <a:r>
-              <a:rPr lang="de-DE" dirty="0"/>
-              <a:t>p-sensitive k-</a:t>
-            </a:r>
-            <a:r>
-              <a:rPr lang="de-DE" dirty="0" err="1"/>
-              <a:t>anonymity</a:t>
-            </a:r>
-            <a:endParaRPr lang="de-DE" dirty="0"/>
-          </a:p>
-        </p:txBody>
-      </p:sp>
-      <p:sp>
-        <p:nvSpPr>
-          <p:cNvPr id="3" name="Datumsplatzhalter 2">
-            <a:extLst>
-              <a:ext uri="{FF2B5EF4-FFF2-40B4-BE49-F238E27FC236}">
-                <a16:creationId xmlns:a16="http://schemas.microsoft.com/office/drawing/2014/main" id="{F260DF70-9E66-4354-A537-9A6F20EF768D}"/>
-              </a:ext>
-            </a:extLst>
-          </p:cNvPr>
-          <p:cNvSpPr>
-            <a:spLocks noGrp="1"/>
-          </p:cNvSpPr>
-          <p:nvPr>
-            <p:ph type="dt" sz="half" idx="14"/>
-          </p:nvPr>
-        </p:nvSpPr>
-        <p:spPr>
-          <a:xfrm>
-            <a:off x="1331913" y="6208713"/>
-            <a:ext cx="1296987" cy="476250"/>
-          </a:xfrm>
-        </p:spPr>
-        <p:txBody>
-          <a:bodyPr/>
-          <a:lstStyle/>
-          <a:p>
-            <a:r>
-              <a:rPr lang="de-DE"/>
-              <a:t>18.05.2017</a:t>
-            </a:r>
-            <a:endParaRPr lang="de-DE" dirty="0"/>
-          </a:p>
-        </p:txBody>
-      </p:sp>
-      <p:sp>
-        <p:nvSpPr>
-          <p:cNvPr id="4" name="Fußzeilenplatzhalter 3">
-            <a:extLst>
-              <a:ext uri="{FF2B5EF4-FFF2-40B4-BE49-F238E27FC236}">
-                <a16:creationId xmlns:a16="http://schemas.microsoft.com/office/drawing/2014/main" id="{09C9E642-E14C-4E77-9B36-1ABB217EAF95}"/>
-              </a:ext>
-            </a:extLst>
-          </p:cNvPr>
-          <p:cNvSpPr>
-            <a:spLocks noGrp="1"/>
-          </p:cNvSpPr>
-          <p:nvPr>
-            <p:ph type="ftr" sz="quarter" idx="15"/>
-          </p:nvPr>
-        </p:nvSpPr>
-        <p:spPr>
-          <a:xfrm>
-            <a:off x="2755900" y="6308725"/>
-            <a:ext cx="5487988" cy="288925"/>
-          </a:xfrm>
-        </p:spPr>
-        <p:txBody>
-          <a:bodyPr/>
-          <a:lstStyle/>
-          <a:p>
-            <a:r>
-              <a:rPr lang="de-DE"/>
-              <a:t>Andreas Heimann &amp; Matthias Puchta</a:t>
-            </a:r>
-            <a:endParaRPr lang="de-DE" dirty="0"/>
-          </a:p>
-        </p:txBody>
-      </p:sp>
-      <p:sp>
-        <p:nvSpPr>
-          <p:cNvPr id="5" name="Textplatzhalter 4">
-            <a:extLst>
-              <a:ext uri="{FF2B5EF4-FFF2-40B4-BE49-F238E27FC236}">
-                <a16:creationId xmlns:a16="http://schemas.microsoft.com/office/drawing/2014/main" id="{9E443BB6-0E02-4D1C-85A1-676AC33F2EAA}"/>
-              </a:ext>
-            </a:extLst>
-          </p:cNvPr>
-          <p:cNvSpPr>
-            <a:spLocks noGrp="1"/>
-          </p:cNvSpPr>
-          <p:nvPr>
-            <p:ph type="body" sz="quarter" idx="13"/>
-          </p:nvPr>
-        </p:nvSpPr>
-        <p:spPr/>
-        <p:txBody>
-          <a:bodyPr/>
-          <a:lstStyle/>
-          <a:p>
-            <a:r>
-              <a:rPr lang="en-US" dirty="0"/>
-              <a:t>identity disclosure and attribute disclosure.</a:t>
-            </a:r>
-          </a:p>
-          <a:p>
-            <a:r>
-              <a:rPr lang="en-US" dirty="0" err="1"/>
-              <a:t>dentity</a:t>
-            </a:r>
-            <a:r>
-              <a:rPr lang="en-US" dirty="0"/>
-              <a:t> disclosure and attribute disclosure.</a:t>
-            </a:r>
-          </a:p>
-          <a:p>
-            <a:pPr marL="0" indent="0">
-              <a:buNone/>
-            </a:pPr>
-            <a:r>
-              <a:rPr lang="en-US" i="1" dirty="0"/>
-              <a:t>Identity disclosure </a:t>
-            </a:r>
-            <a:r>
-              <a:rPr lang="en-US" dirty="0"/>
-              <a:t>refers to identification of an entity</a:t>
-            </a:r>
-          </a:p>
-          <a:p>
-            <a:pPr marL="0" indent="0">
-              <a:buNone/>
-            </a:pPr>
-            <a:r>
-              <a:rPr lang="en-US" dirty="0"/>
-              <a:t>(person, institution) and </a:t>
-            </a:r>
-            <a:r>
-              <a:rPr lang="en-US" i="1" dirty="0"/>
-              <a:t>attribute disclosure </a:t>
-            </a:r>
-            <a:r>
-              <a:rPr lang="en-US" dirty="0"/>
-              <a:t>occurs when</a:t>
-            </a:r>
-          </a:p>
-          <a:p>
-            <a:pPr marL="0" indent="0">
-              <a:buNone/>
-            </a:pPr>
-            <a:r>
-              <a:rPr lang="en-US" dirty="0"/>
-              <a:t>the intruder finds out something new about the target</a:t>
-            </a:r>
-          </a:p>
-          <a:p>
-            <a:pPr marL="0" indent="0">
-              <a:buNone/>
-            </a:pPr>
-            <a:r>
-              <a:rPr lang="en-US" dirty="0"/>
-              <a:t>entity [11]. Identity disclosure does not automatically</a:t>
-            </a:r>
-          </a:p>
-          <a:p>
-            <a:pPr marL="0" indent="0">
-              <a:buNone/>
-            </a:pPr>
-            <a:r>
-              <a:rPr lang="de-DE" dirty="0" err="1"/>
-              <a:t>imply</a:t>
-            </a:r>
-            <a:r>
-              <a:rPr lang="de-DE" dirty="0"/>
-              <a:t> </a:t>
-            </a:r>
-            <a:r>
-              <a:rPr lang="de-DE" dirty="0" err="1"/>
-              <a:t>attribute</a:t>
-            </a:r>
-            <a:endParaRPr lang="de-DE" dirty="0"/>
-          </a:p>
-        </p:txBody>
-      </p:sp>
-      <p:sp>
-        <p:nvSpPr>
-          <p:cNvPr id="6" name="Foliennummernplatzhalter 5">
-            <a:extLst>
-              <a:ext uri="{FF2B5EF4-FFF2-40B4-BE49-F238E27FC236}">
-                <a16:creationId xmlns:a16="http://schemas.microsoft.com/office/drawing/2014/main" id="{4C8439EF-D42F-4986-86FE-E0B37623E7D1}"/>
-              </a:ext>
-            </a:extLst>
-          </p:cNvPr>
-          <p:cNvSpPr>
-            <a:spLocks noGrp="1"/>
-          </p:cNvSpPr>
-          <p:nvPr>
-            <p:ph type="sldNum" sz="quarter" idx="16"/>
-          </p:nvPr>
-        </p:nvSpPr>
-        <p:spPr>
-          <a:xfrm>
-            <a:off x="8415338" y="6408738"/>
-            <a:ext cx="477837" cy="333375"/>
-          </a:xfrm>
-        </p:spPr>
-        <p:txBody>
-          <a:bodyPr/>
-          <a:lstStyle/>
-          <a:p>
-            <a:fld id="{50E76E58-F275-47A3-BB17-470016A267B6}" type="slidenum">
-              <a:rPr lang="de-DE" smtClean="0"/>
-              <a:pPr/>
-              <a:t>26</a:t>
-            </a:fld>
-            <a:endParaRPr lang="de-DE"/>
-          </a:p>
-        </p:txBody>
-      </p:sp>
-    </p:spTree>
-    <p:extLst>
-      <p:ext uri="{BB962C8B-B14F-4D97-AF65-F5344CB8AC3E}">
-        <p14:creationId xmlns:p14="http://schemas.microsoft.com/office/powerpoint/2010/main" val="1946241733"/>
-      </p:ext>
-    </p:extLst>
-  </p:cSld>
-  <p:clrMapOvr>
-    <a:masterClrMapping/>
-  </p:clrMapOvr>
-</p:sld>
-</file>
-
-<file path=ppt/slides/slide27.xml><?xml version="1.0" encoding="utf-8"?>
-<p:sld xmlns:a="http://schemas.openxmlformats.org/drawingml/2006/main" xmlns:r="http://schemas.openxmlformats.org/officeDocument/2006/relationships" xmlns:p="http://schemas.openxmlformats.org/presentationml/2006/main">
-  <p:cSld>
-    <p:spTree>
-      <p:nvGrpSpPr>
-        <p:cNvPr id="1" name=""/>
-        <p:cNvGrpSpPr/>
-        <p:nvPr/>
-      </p:nvGrpSpPr>
-      <p:grpSpPr>
-        <a:xfrm>
-          <a:off x="0" y="0"/>
-          <a:ext cx="0" cy="0"/>
-          <a:chOff x="0" y="0"/>
-          <a:chExt cx="0" cy="0"/>
-        </a:xfrm>
-      </p:grpSpPr>
-      <p:sp>
-        <p:nvSpPr>
-          <p:cNvPr id="2" name="Titel 1">
-            <a:extLst>
-              <a:ext uri="{FF2B5EF4-FFF2-40B4-BE49-F238E27FC236}">
-                <a16:creationId xmlns:a16="http://schemas.microsoft.com/office/drawing/2014/main" id="{7B413E46-A044-4329-AE39-7349DB1BBEFC}"/>
-              </a:ext>
-            </a:extLst>
-          </p:cNvPr>
-          <p:cNvSpPr>
-            <a:spLocks noGrp="1"/>
-          </p:cNvSpPr>
-          <p:nvPr>
-            <p:ph type="title"/>
-          </p:nvPr>
-        </p:nvSpPr>
-        <p:spPr>
-          <a:xfrm>
-            <a:off x="430213" y="265113"/>
-            <a:ext cx="7886700" cy="573087"/>
-          </a:xfrm>
-        </p:spPr>
-        <p:txBody>
-          <a:bodyPr/>
-          <a:lstStyle/>
-          <a:p>
-            <a:r>
-              <a:rPr lang="de-DE" dirty="0"/>
-              <a:t>P-sensitive k -</a:t>
-            </a:r>
-            <a:r>
-              <a:rPr lang="de-DE" dirty="0" err="1"/>
-              <a:t>anonymity</a:t>
-            </a:r>
-            <a:endParaRPr lang="de-DE" dirty="0"/>
-          </a:p>
-        </p:txBody>
-      </p:sp>
-      <p:sp>
-        <p:nvSpPr>
-          <p:cNvPr id="3" name="Datumsplatzhalter 2">
-            <a:extLst>
-              <a:ext uri="{FF2B5EF4-FFF2-40B4-BE49-F238E27FC236}">
-                <a16:creationId xmlns:a16="http://schemas.microsoft.com/office/drawing/2014/main" id="{2017CE23-A8AD-4FC4-B6DD-A2E0CDE682B2}"/>
-              </a:ext>
-            </a:extLst>
-          </p:cNvPr>
-          <p:cNvSpPr>
-            <a:spLocks noGrp="1"/>
-          </p:cNvSpPr>
-          <p:nvPr>
-            <p:ph type="dt" sz="half" idx="14"/>
-          </p:nvPr>
-        </p:nvSpPr>
-        <p:spPr>
-          <a:xfrm>
-            <a:off x="1331913" y="6208713"/>
-            <a:ext cx="1296987" cy="476250"/>
-          </a:xfrm>
-        </p:spPr>
-        <p:txBody>
-          <a:bodyPr/>
-          <a:lstStyle/>
-          <a:p>
-            <a:r>
-              <a:rPr lang="de-DE"/>
-              <a:t>18.05.2017</a:t>
-            </a:r>
-            <a:endParaRPr lang="de-DE" dirty="0"/>
-          </a:p>
-        </p:txBody>
-      </p:sp>
-      <p:sp>
-        <p:nvSpPr>
-          <p:cNvPr id="4" name="Fußzeilenplatzhalter 3">
-            <a:extLst>
-              <a:ext uri="{FF2B5EF4-FFF2-40B4-BE49-F238E27FC236}">
-                <a16:creationId xmlns:a16="http://schemas.microsoft.com/office/drawing/2014/main" id="{A23D59A7-D63C-4137-972B-3B6224BB0D54}"/>
-              </a:ext>
-            </a:extLst>
-          </p:cNvPr>
-          <p:cNvSpPr>
-            <a:spLocks noGrp="1"/>
-          </p:cNvSpPr>
-          <p:nvPr>
-            <p:ph type="ftr" sz="quarter" idx="15"/>
-          </p:nvPr>
-        </p:nvSpPr>
-        <p:spPr>
-          <a:xfrm>
-            <a:off x="2755900" y="6308725"/>
-            <a:ext cx="5487988" cy="288925"/>
-          </a:xfrm>
-        </p:spPr>
-        <p:txBody>
-          <a:bodyPr/>
-          <a:lstStyle/>
-          <a:p>
-            <a:r>
-              <a:rPr lang="de-DE"/>
-              <a:t>Andreas Heimann &amp; Matthias Puchta</a:t>
-            </a:r>
-            <a:endParaRPr lang="de-DE" dirty="0"/>
-          </a:p>
-        </p:txBody>
-      </p:sp>
-      <p:sp>
-        <p:nvSpPr>
-          <p:cNvPr id="5" name="Textplatzhalter 4">
-            <a:extLst>
-              <a:ext uri="{FF2B5EF4-FFF2-40B4-BE49-F238E27FC236}">
-                <a16:creationId xmlns:a16="http://schemas.microsoft.com/office/drawing/2014/main" id="{62403F49-8A1E-4574-B8FF-BE1B459AD6B3}"/>
-              </a:ext>
-            </a:extLst>
-          </p:cNvPr>
-          <p:cNvSpPr>
-            <a:spLocks noGrp="1"/>
-          </p:cNvSpPr>
-          <p:nvPr>
-            <p:ph type="body" sz="quarter" idx="13"/>
-          </p:nvPr>
-        </p:nvSpPr>
-        <p:spPr/>
-        <p:txBody>
-          <a:bodyPr/>
-          <a:lstStyle/>
-          <a:p>
-            <a:r>
-              <a:rPr lang="de-DE" dirty="0"/>
-              <a:t>The </a:t>
-            </a:r>
-            <a:r>
-              <a:rPr lang="de-DE" dirty="0" err="1"/>
-              <a:t>for</a:t>
-            </a:r>
-            <a:r>
-              <a:rPr lang="de-DE" dirty="0"/>
-              <a:t> </a:t>
-            </a:r>
-            <a:r>
-              <a:rPr lang="de-DE" dirty="0" err="1"/>
-              <a:t>each</a:t>
-            </a:r>
-            <a:r>
-              <a:rPr lang="de-DE" dirty="0"/>
-              <a:t> </a:t>
-            </a:r>
-            <a:r>
-              <a:rPr lang="de-DE" dirty="0" err="1"/>
-              <a:t>tuple</a:t>
-            </a:r>
-            <a:r>
-              <a:rPr lang="de-DE" dirty="0"/>
-              <a:t> </a:t>
-            </a:r>
-            <a:r>
-              <a:rPr lang="de-DE" dirty="0" err="1"/>
-              <a:t>of</a:t>
-            </a:r>
-            <a:r>
-              <a:rPr lang="de-DE" dirty="0"/>
-              <a:t> k-</a:t>
-            </a:r>
-            <a:r>
-              <a:rPr lang="de-DE" dirty="0" err="1"/>
-              <a:t>anonymity</a:t>
-            </a:r>
-            <a:r>
-              <a:rPr lang="de-DE" dirty="0"/>
-              <a:t> </a:t>
-            </a:r>
-            <a:r>
-              <a:rPr lang="de-DE" dirty="0" err="1"/>
-              <a:t>there</a:t>
-            </a:r>
-            <a:r>
-              <a:rPr lang="de-DE" dirty="0"/>
-              <a:t> </a:t>
-            </a:r>
-            <a:r>
-              <a:rPr lang="de-DE" dirty="0" err="1"/>
-              <a:t>are</a:t>
-            </a:r>
-            <a:r>
-              <a:rPr lang="de-DE" dirty="0"/>
-              <a:t> at least p different sensitive </a:t>
-            </a:r>
-            <a:r>
-              <a:rPr lang="de-DE" dirty="0" err="1"/>
-              <a:t>data</a:t>
-            </a:r>
-            <a:endParaRPr lang="de-DE" dirty="0"/>
-          </a:p>
-          <a:p>
-            <a:r>
-              <a:rPr lang="de-DE" dirty="0"/>
-              <a:t>Problem:</a:t>
-            </a:r>
-            <a:r>
-              <a:rPr lang="en-US" dirty="0"/>
-              <a:t>p-Sensitive k-anonymity has the limitation of implicitly assuming that each confidential attribute takes values uniformly over its domain, that is, that the frequencies of the various values of a confidential attribute are similar. When this is not the case, </a:t>
-            </a:r>
-            <a:r>
-              <a:rPr lang="en-US" dirty="0" err="1"/>
-              <a:t>achievingp</a:t>
-            </a:r>
-            <a:r>
-              <a:rPr lang="en-US" dirty="0"/>
-              <a:t>-sensitive k-anonymity may cause a huge data utility loss. This is illustrated in the following example.</a:t>
-            </a:r>
-            <a:endParaRPr lang="de-DE" dirty="0"/>
-          </a:p>
-        </p:txBody>
-      </p:sp>
-      <p:sp>
-        <p:nvSpPr>
-          <p:cNvPr id="6" name="Foliennummernplatzhalter 5">
-            <a:extLst>
-              <a:ext uri="{FF2B5EF4-FFF2-40B4-BE49-F238E27FC236}">
-                <a16:creationId xmlns:a16="http://schemas.microsoft.com/office/drawing/2014/main" id="{E252A72A-F651-40F4-8DBC-665586CBC460}"/>
-              </a:ext>
-            </a:extLst>
-          </p:cNvPr>
-          <p:cNvSpPr>
-            <a:spLocks noGrp="1"/>
-          </p:cNvSpPr>
-          <p:nvPr>
-            <p:ph type="sldNum" sz="quarter" idx="16"/>
-          </p:nvPr>
-        </p:nvSpPr>
-        <p:spPr>
-          <a:xfrm>
-            <a:off x="8415338" y="6408738"/>
-            <a:ext cx="477837" cy="333375"/>
-          </a:xfrm>
-        </p:spPr>
-        <p:txBody>
-          <a:bodyPr/>
-          <a:lstStyle/>
-          <a:p>
-            <a:fld id="{50E76E58-F275-47A3-BB17-470016A267B6}" type="slidenum">
-              <a:rPr lang="de-DE" smtClean="0"/>
-              <a:pPr/>
-              <a:t>27</a:t>
-            </a:fld>
-            <a:endParaRPr lang="de-DE"/>
-          </a:p>
-        </p:txBody>
-      </p:sp>
-    </p:spTree>
-    <p:extLst>
-      <p:ext uri="{BB962C8B-B14F-4D97-AF65-F5344CB8AC3E}">
-        <p14:creationId xmlns:p14="http://schemas.microsoft.com/office/powerpoint/2010/main" val="2954308101"/>
-      </p:ext>
-    </p:extLst>
-  </p:cSld>
-  <p:clrMapOvr>
-    <a:masterClrMapping/>
-  </p:clrMapOvr>
-</p:sld>
-</file>
-
-<file path=ppt/slides/slide28.xml><?xml version="1.0" encoding="utf-8"?>
-<p:sld xmlns:a="http://schemas.openxmlformats.org/drawingml/2006/main" xmlns:r="http://schemas.openxmlformats.org/officeDocument/2006/relationships" xmlns:p="http://schemas.openxmlformats.org/presentationml/2006/main">
-  <p:cSld>
-    <p:spTree>
-      <p:nvGrpSpPr>
-        <p:cNvPr id="1" name=""/>
-        <p:cNvGrpSpPr/>
-        <p:nvPr/>
-      </p:nvGrpSpPr>
-      <p:grpSpPr>
-        <a:xfrm>
-          <a:off x="0" y="0"/>
-          <a:ext cx="0" cy="0"/>
-          <a:chOff x="0" y="0"/>
-          <a:chExt cx="0" cy="0"/>
-        </a:xfrm>
-      </p:grpSpPr>
-      <p:sp>
-        <p:nvSpPr>
-          <p:cNvPr id="2" name="Titel 1">
-            <a:extLst>
-              <a:ext uri="{FF2B5EF4-FFF2-40B4-BE49-F238E27FC236}">
-                <a16:creationId xmlns:a16="http://schemas.microsoft.com/office/drawing/2014/main" id="{29821BA2-C897-4834-998A-48C037EFCC61}"/>
-              </a:ext>
-            </a:extLst>
-          </p:cNvPr>
-          <p:cNvSpPr>
-            <a:spLocks noGrp="1"/>
-          </p:cNvSpPr>
-          <p:nvPr>
-            <p:ph type="title"/>
-          </p:nvPr>
-        </p:nvSpPr>
-        <p:spPr>
-          <a:xfrm>
-            <a:off x="430213" y="265113"/>
-            <a:ext cx="7886700" cy="573087"/>
-          </a:xfrm>
-        </p:spPr>
-        <p:txBody>
-          <a:bodyPr/>
-          <a:lstStyle/>
-          <a:p>
-            <a:r>
-              <a:rPr lang="de-DE" dirty="0"/>
-              <a:t>l-</a:t>
-            </a:r>
-            <a:r>
-              <a:rPr lang="de-DE" dirty="0" err="1"/>
-              <a:t>diversity</a:t>
-            </a:r>
-            <a:endParaRPr lang="de-DE" dirty="0"/>
-          </a:p>
-        </p:txBody>
-      </p:sp>
-      <p:sp>
-        <p:nvSpPr>
-          <p:cNvPr id="3" name="Datumsplatzhalter 2">
-            <a:extLst>
-              <a:ext uri="{FF2B5EF4-FFF2-40B4-BE49-F238E27FC236}">
-                <a16:creationId xmlns:a16="http://schemas.microsoft.com/office/drawing/2014/main" id="{707299E6-283C-4175-B3B3-5D836D4EF88A}"/>
-              </a:ext>
-            </a:extLst>
-          </p:cNvPr>
-          <p:cNvSpPr>
-            <a:spLocks noGrp="1"/>
-          </p:cNvSpPr>
-          <p:nvPr>
-            <p:ph type="dt" sz="half" idx="14"/>
-          </p:nvPr>
-        </p:nvSpPr>
-        <p:spPr>
-          <a:xfrm>
-            <a:off x="1331913" y="6208713"/>
-            <a:ext cx="1296987" cy="476250"/>
-          </a:xfrm>
-        </p:spPr>
-        <p:txBody>
-          <a:bodyPr/>
-          <a:lstStyle/>
-          <a:p>
-            <a:r>
-              <a:rPr lang="de-DE"/>
-              <a:t>18.05.2017</a:t>
-            </a:r>
-            <a:endParaRPr lang="de-DE" dirty="0"/>
-          </a:p>
-        </p:txBody>
-      </p:sp>
-      <p:sp>
-        <p:nvSpPr>
-          <p:cNvPr id="4" name="Fußzeilenplatzhalter 3">
-            <a:extLst>
-              <a:ext uri="{FF2B5EF4-FFF2-40B4-BE49-F238E27FC236}">
-                <a16:creationId xmlns:a16="http://schemas.microsoft.com/office/drawing/2014/main" id="{CDC6992F-08D8-482D-96AA-DC41E416B94B}"/>
-              </a:ext>
-            </a:extLst>
-          </p:cNvPr>
-          <p:cNvSpPr>
-            <a:spLocks noGrp="1"/>
-          </p:cNvSpPr>
-          <p:nvPr>
-            <p:ph type="ftr" sz="quarter" idx="15"/>
-          </p:nvPr>
-        </p:nvSpPr>
-        <p:spPr>
-          <a:xfrm>
-            <a:off x="2755900" y="6308725"/>
-            <a:ext cx="5487988" cy="288925"/>
-          </a:xfrm>
-        </p:spPr>
-        <p:txBody>
-          <a:bodyPr/>
-          <a:lstStyle/>
-          <a:p>
-            <a:r>
-              <a:rPr lang="de-DE"/>
-              <a:t>Andreas Heimann &amp; Matthias Puchta</a:t>
-            </a:r>
-            <a:endParaRPr lang="de-DE" dirty="0"/>
-          </a:p>
-        </p:txBody>
-      </p:sp>
-      <p:sp>
-        <p:nvSpPr>
-          <p:cNvPr id="5" name="Textplatzhalter 4">
-            <a:extLst>
-              <a:ext uri="{FF2B5EF4-FFF2-40B4-BE49-F238E27FC236}">
-                <a16:creationId xmlns:a16="http://schemas.microsoft.com/office/drawing/2014/main" id="{CB4D70E7-CAB1-402E-A84F-08E5BE171BBF}"/>
-              </a:ext>
-            </a:extLst>
-          </p:cNvPr>
-          <p:cNvSpPr>
-            <a:spLocks noGrp="1"/>
-          </p:cNvSpPr>
-          <p:nvPr>
-            <p:ph type="body" sz="quarter" idx="13"/>
-          </p:nvPr>
-        </p:nvSpPr>
-        <p:spPr/>
-        <p:txBody>
-          <a:bodyPr/>
-          <a:lstStyle/>
-          <a:p>
-            <a:r>
-              <a:rPr lang="en-US" dirty="0"/>
-              <a:t>Definition 3 (l-Diversity): A data set is said to satisfy</a:t>
-            </a:r>
-          </a:p>
-          <a:p>
-            <a:pPr marL="0" indent="0">
-              <a:buNone/>
-            </a:pPr>
-            <a:r>
-              <a:rPr lang="en-US" dirty="0"/>
-              <a:t>l-diversity if, for each group of records sharing a</a:t>
-            </a:r>
-          </a:p>
-          <a:p>
-            <a:pPr marL="0" indent="0">
-              <a:buNone/>
-            </a:pPr>
-            <a:r>
-              <a:rPr lang="en-US" dirty="0"/>
-              <a:t>combination of key attributes, there are at least l “</a:t>
-            </a:r>
-            <a:r>
-              <a:rPr lang="en-US" dirty="0" err="1"/>
-              <a:t>wellrepresented</a:t>
-            </a:r>
-            <a:r>
-              <a:rPr lang="en-US" dirty="0"/>
-              <a:t>” values for each confidential attribute.</a:t>
-            </a:r>
-          </a:p>
-          <a:p>
-            <a:pPr marL="0" indent="0">
-              <a:buNone/>
-            </a:pPr>
-            <a:r>
-              <a:rPr lang="en-US" dirty="0"/>
-              <a:t>According to [9] the term “well-represented” can be</a:t>
-            </a:r>
-          </a:p>
-          <a:p>
-            <a:pPr marL="0" indent="0">
-              <a:buNone/>
-            </a:pPr>
-            <a:r>
-              <a:rPr lang="de-DE" dirty="0" err="1"/>
-              <a:t>defined</a:t>
-            </a:r>
-            <a:r>
-              <a:rPr lang="de-DE" dirty="0"/>
-              <a:t> in </a:t>
-            </a:r>
-            <a:r>
-              <a:rPr lang="de-DE" dirty="0" err="1"/>
-              <a:t>several</a:t>
-            </a:r>
-            <a:r>
-              <a:rPr lang="de-DE" dirty="0"/>
-              <a:t> </a:t>
-            </a:r>
-            <a:r>
-              <a:rPr lang="de-DE" dirty="0" err="1"/>
-              <a:t>ways</a:t>
-            </a:r>
-            <a:r>
-              <a:rPr lang="de-DE" dirty="0"/>
-              <a:t>:</a:t>
-            </a:r>
-          </a:p>
-        </p:txBody>
-      </p:sp>
-      <p:sp>
-        <p:nvSpPr>
-          <p:cNvPr id="6" name="Foliennummernplatzhalter 5">
-            <a:extLst>
-              <a:ext uri="{FF2B5EF4-FFF2-40B4-BE49-F238E27FC236}">
-                <a16:creationId xmlns:a16="http://schemas.microsoft.com/office/drawing/2014/main" id="{265E418F-8B07-43E5-91F1-566EB30C7F53}"/>
-              </a:ext>
-            </a:extLst>
-          </p:cNvPr>
-          <p:cNvSpPr>
-            <a:spLocks noGrp="1"/>
-          </p:cNvSpPr>
-          <p:nvPr>
-            <p:ph type="sldNum" sz="quarter" idx="16"/>
-          </p:nvPr>
-        </p:nvSpPr>
-        <p:spPr>
-          <a:xfrm>
-            <a:off x="8415338" y="6408738"/>
-            <a:ext cx="477837" cy="333375"/>
-          </a:xfrm>
-        </p:spPr>
-        <p:txBody>
-          <a:bodyPr/>
-          <a:lstStyle/>
-          <a:p>
-            <a:fld id="{50E76E58-F275-47A3-BB17-470016A267B6}" type="slidenum">
-              <a:rPr lang="de-DE" smtClean="0"/>
-              <a:pPr/>
-              <a:t>28</a:t>
-            </a:fld>
-            <a:endParaRPr lang="de-DE"/>
-          </a:p>
-        </p:txBody>
-      </p:sp>
-    </p:spTree>
-    <p:extLst>
-      <p:ext uri="{BB962C8B-B14F-4D97-AF65-F5344CB8AC3E}">
-        <p14:creationId xmlns:p14="http://schemas.microsoft.com/office/powerpoint/2010/main" val="405088296"/>
-      </p:ext>
-    </p:extLst>
-  </p:cSld>
-  <p:clrMapOvr>
-    <a:masterClrMapping/>
-  </p:clrMapOvr>
-</p:sld>
-</file>
-
-<file path=ppt/slides/slide29.xml><?xml version="1.0" encoding="utf-8"?>
-<p:sld xmlns:a="http://schemas.openxmlformats.org/drawingml/2006/main" xmlns:r="http://schemas.openxmlformats.org/officeDocument/2006/relationships" xmlns:p="http://schemas.openxmlformats.org/presentationml/2006/main">
-  <p:cSld>
-    <p:spTree>
-      <p:nvGrpSpPr>
-        <p:cNvPr id="1" name=""/>
-        <p:cNvGrpSpPr/>
-        <p:nvPr/>
-      </p:nvGrpSpPr>
-      <p:grpSpPr>
-        <a:xfrm>
-          <a:off x="0" y="0"/>
-          <a:ext cx="0" cy="0"/>
-          <a:chOff x="0" y="0"/>
-          <a:chExt cx="0" cy="0"/>
-        </a:xfrm>
-      </p:grpSpPr>
-      <p:sp>
-        <p:nvSpPr>
-          <p:cNvPr id="2" name="Titel 1">
-            <a:extLst>
-              <a:ext uri="{FF2B5EF4-FFF2-40B4-BE49-F238E27FC236}">
-                <a16:creationId xmlns:a16="http://schemas.microsoft.com/office/drawing/2014/main" id="{48F7001C-8209-4829-9211-838EE9976128}"/>
-              </a:ext>
-            </a:extLst>
-          </p:cNvPr>
-          <p:cNvSpPr>
-            <a:spLocks noGrp="1"/>
-          </p:cNvSpPr>
-          <p:nvPr>
-            <p:ph type="title"/>
-          </p:nvPr>
-        </p:nvSpPr>
-        <p:spPr>
-          <a:xfrm>
-            <a:off x="430213" y="265113"/>
-            <a:ext cx="7886700" cy="573087"/>
-          </a:xfrm>
-        </p:spPr>
-        <p:txBody>
-          <a:bodyPr/>
-          <a:lstStyle/>
-          <a:p>
-            <a:r>
-              <a:rPr lang="de-DE" dirty="0"/>
-              <a:t>Different l-</a:t>
-            </a:r>
-            <a:r>
-              <a:rPr lang="de-DE" dirty="0" err="1"/>
-              <a:t>diversity</a:t>
-            </a:r>
-            <a:endParaRPr lang="de-DE" dirty="0"/>
-          </a:p>
-        </p:txBody>
-      </p:sp>
-      <p:sp>
-        <p:nvSpPr>
-          <p:cNvPr id="3" name="Datumsplatzhalter 2">
-            <a:extLst>
-              <a:ext uri="{FF2B5EF4-FFF2-40B4-BE49-F238E27FC236}">
-                <a16:creationId xmlns:a16="http://schemas.microsoft.com/office/drawing/2014/main" id="{5617572A-0126-4E39-9967-6339673CBF10}"/>
-              </a:ext>
-            </a:extLst>
-          </p:cNvPr>
-          <p:cNvSpPr>
-            <a:spLocks noGrp="1"/>
-          </p:cNvSpPr>
-          <p:nvPr>
-            <p:ph type="dt" sz="half" idx="14"/>
-          </p:nvPr>
-        </p:nvSpPr>
-        <p:spPr>
-          <a:xfrm>
-            <a:off x="1331913" y="6208713"/>
-            <a:ext cx="1296987" cy="476250"/>
-          </a:xfrm>
-        </p:spPr>
-        <p:txBody>
-          <a:bodyPr/>
-          <a:lstStyle/>
-          <a:p>
-            <a:r>
-              <a:rPr lang="de-DE"/>
-              <a:t>18.05.2017</a:t>
-            </a:r>
-            <a:endParaRPr lang="de-DE" dirty="0"/>
-          </a:p>
-        </p:txBody>
-      </p:sp>
-      <p:sp>
-        <p:nvSpPr>
-          <p:cNvPr id="4" name="Fußzeilenplatzhalter 3">
-            <a:extLst>
-              <a:ext uri="{FF2B5EF4-FFF2-40B4-BE49-F238E27FC236}">
-                <a16:creationId xmlns:a16="http://schemas.microsoft.com/office/drawing/2014/main" id="{147D38FB-93C4-47D0-B1B6-40BB9C26DCA0}"/>
-              </a:ext>
-            </a:extLst>
-          </p:cNvPr>
-          <p:cNvSpPr>
-            <a:spLocks noGrp="1"/>
-          </p:cNvSpPr>
-          <p:nvPr>
-            <p:ph type="ftr" sz="quarter" idx="15"/>
-          </p:nvPr>
-        </p:nvSpPr>
-        <p:spPr>
-          <a:xfrm>
-            <a:off x="2755900" y="6308725"/>
-            <a:ext cx="5487988" cy="288925"/>
-          </a:xfrm>
-        </p:spPr>
-        <p:txBody>
-          <a:bodyPr/>
-          <a:lstStyle/>
-          <a:p>
-            <a:r>
-              <a:rPr lang="de-DE"/>
-              <a:t>Andreas Heimann &amp; Matthias Puchta</a:t>
-            </a:r>
-            <a:endParaRPr lang="de-DE" dirty="0"/>
-          </a:p>
-        </p:txBody>
-      </p:sp>
-      <p:sp>
-        <p:nvSpPr>
-          <p:cNvPr id="5" name="Textplatzhalter 4">
-            <a:extLst>
-              <a:ext uri="{FF2B5EF4-FFF2-40B4-BE49-F238E27FC236}">
-                <a16:creationId xmlns:a16="http://schemas.microsoft.com/office/drawing/2014/main" id="{A8D93557-FF57-443A-B61F-5F9D57A43186}"/>
-              </a:ext>
-            </a:extLst>
-          </p:cNvPr>
-          <p:cNvSpPr>
-            <a:spLocks noGrp="1"/>
-          </p:cNvSpPr>
-          <p:nvPr>
-            <p:ph type="body" sz="quarter" idx="13"/>
-          </p:nvPr>
-        </p:nvSpPr>
-        <p:spPr/>
-        <p:txBody>
-          <a:bodyPr/>
-          <a:lstStyle/>
-          <a:p>
-            <a:r>
-              <a:rPr lang="en-US" dirty="0"/>
-              <a:t>1) Distinct l-diversity. There must be at least l distinct values for the confidential attribute in each group of records sharing a combination of key attributes. This is equivalent to l-sensitive k-</a:t>
-            </a:r>
-          </a:p>
-          <a:p>
-            <a:r>
-              <a:rPr lang="de-DE" dirty="0"/>
-              <a:t>2) </a:t>
-            </a:r>
-            <a:r>
-              <a:rPr lang="de-DE" dirty="0" err="1"/>
-              <a:t>Entropy</a:t>
-            </a:r>
-            <a:r>
-              <a:rPr lang="de-DE" dirty="0"/>
-              <a:t> l-</a:t>
-            </a:r>
-            <a:r>
-              <a:rPr lang="de-DE" dirty="0" err="1"/>
-              <a:t>diversity</a:t>
-            </a:r>
-            <a:r>
-              <a:rPr lang="de-DE" dirty="0"/>
-              <a:t>.</a:t>
-            </a:r>
-            <a:r>
-              <a:rPr lang="en-US" dirty="0"/>
-              <a:t>.</a:t>
-            </a:r>
-          </a:p>
-          <a:p>
-            <a:r>
-              <a:rPr lang="de-DE" dirty="0"/>
-              <a:t>3) </a:t>
-            </a:r>
-            <a:r>
-              <a:rPr lang="de-DE" dirty="0" err="1"/>
-              <a:t>Recursive</a:t>
-            </a:r>
-            <a:r>
-              <a:rPr lang="de-DE" dirty="0"/>
-              <a:t> (c, l)-</a:t>
-            </a:r>
-            <a:r>
-              <a:rPr lang="de-DE" dirty="0" err="1"/>
-              <a:t>diversity</a:t>
-            </a:r>
-            <a:endParaRPr lang="de-DE" dirty="0"/>
-          </a:p>
-        </p:txBody>
-      </p:sp>
-      <p:sp>
-        <p:nvSpPr>
-          <p:cNvPr id="6" name="Foliennummernplatzhalter 5">
-            <a:extLst>
-              <a:ext uri="{FF2B5EF4-FFF2-40B4-BE49-F238E27FC236}">
-                <a16:creationId xmlns:a16="http://schemas.microsoft.com/office/drawing/2014/main" id="{5824C375-82E2-4ED0-B2D7-27F730213BC9}"/>
-              </a:ext>
-            </a:extLst>
-          </p:cNvPr>
-          <p:cNvSpPr>
-            <a:spLocks noGrp="1"/>
-          </p:cNvSpPr>
-          <p:nvPr>
-            <p:ph type="sldNum" sz="quarter" idx="16"/>
-          </p:nvPr>
-        </p:nvSpPr>
-        <p:spPr>
-          <a:xfrm>
-            <a:off x="8415338" y="6408738"/>
-            <a:ext cx="477837" cy="333375"/>
-          </a:xfrm>
-        </p:spPr>
-        <p:txBody>
-          <a:bodyPr/>
-          <a:lstStyle/>
-          <a:p>
-            <a:fld id="{50E76E58-F275-47A3-BB17-470016A267B6}" type="slidenum">
-              <a:rPr lang="de-DE" smtClean="0"/>
-              <a:pPr/>
-              <a:t>29</a:t>
-            </a:fld>
-            <a:endParaRPr lang="de-DE"/>
-          </a:p>
-        </p:txBody>
-      </p:sp>
-    </p:spTree>
-    <p:extLst>
-      <p:ext uri="{BB962C8B-B14F-4D97-AF65-F5344CB8AC3E}">
-        <p14:creationId xmlns:p14="http://schemas.microsoft.com/office/powerpoint/2010/main" val="3629270011"/>
       </p:ext>
     </p:extLst>
   </p:cSld>
@@ -11854,1031 +5590,6 @@
     <p:extLst>
       <p:ext uri="{BB962C8B-B14F-4D97-AF65-F5344CB8AC3E}">
         <p14:creationId xmlns:p14="http://schemas.microsoft.com/office/powerpoint/2010/main" val="2903989552"/>
-      </p:ext>
-    </p:extLst>
-  </p:cSld>
-  <p:clrMapOvr>
-    <a:masterClrMapping/>
-  </p:clrMapOvr>
-</p:sld>
-</file>
-
-<file path=ppt/slides/slide30.xml><?xml version="1.0" encoding="utf-8"?>
-<p:sld xmlns:a="http://schemas.openxmlformats.org/drawingml/2006/main" xmlns:r="http://schemas.openxmlformats.org/officeDocument/2006/relationships" xmlns:p="http://schemas.openxmlformats.org/presentationml/2006/main">
-  <p:cSld>
-    <p:spTree>
-      <p:nvGrpSpPr>
-        <p:cNvPr id="1" name=""/>
-        <p:cNvGrpSpPr/>
-        <p:nvPr/>
-      </p:nvGrpSpPr>
-      <p:grpSpPr>
-        <a:xfrm>
-          <a:off x="0" y="0"/>
-          <a:ext cx="0" cy="0"/>
-          <a:chOff x="0" y="0"/>
-          <a:chExt cx="0" cy="0"/>
-        </a:xfrm>
-      </p:grpSpPr>
-      <p:sp>
-        <p:nvSpPr>
-          <p:cNvPr id="2" name="Titel 1">
-            <a:extLst>
-              <a:ext uri="{FF2B5EF4-FFF2-40B4-BE49-F238E27FC236}">
-                <a16:creationId xmlns:a16="http://schemas.microsoft.com/office/drawing/2014/main" id="{D57F315B-3D66-4582-BD2E-B5CF68CF03EA}"/>
-              </a:ext>
-            </a:extLst>
-          </p:cNvPr>
-          <p:cNvSpPr>
-            <a:spLocks noGrp="1"/>
-          </p:cNvSpPr>
-          <p:nvPr>
-            <p:ph type="title"/>
-          </p:nvPr>
-        </p:nvSpPr>
-        <p:spPr>
-          <a:xfrm>
-            <a:off x="430213" y="265113"/>
-            <a:ext cx="7886700" cy="573087"/>
-          </a:xfrm>
-        </p:spPr>
-        <p:txBody>
-          <a:bodyPr/>
-          <a:lstStyle/>
-          <a:p>
-            <a:r>
-              <a:rPr lang="de-DE" dirty="0"/>
-              <a:t>Pr0blems </a:t>
-            </a:r>
-            <a:r>
-              <a:rPr lang="de-DE" dirty="0" err="1"/>
-              <a:t>with</a:t>
-            </a:r>
-            <a:r>
-              <a:rPr lang="de-DE" dirty="0"/>
-              <a:t> l-</a:t>
-            </a:r>
-            <a:r>
-              <a:rPr lang="de-DE" dirty="0" err="1"/>
-              <a:t>diversity</a:t>
-            </a:r>
-            <a:endParaRPr lang="de-DE" dirty="0"/>
-          </a:p>
-        </p:txBody>
-      </p:sp>
-      <p:sp>
-        <p:nvSpPr>
-          <p:cNvPr id="3" name="Datumsplatzhalter 2">
-            <a:extLst>
-              <a:ext uri="{FF2B5EF4-FFF2-40B4-BE49-F238E27FC236}">
-                <a16:creationId xmlns:a16="http://schemas.microsoft.com/office/drawing/2014/main" id="{F0D016CC-39B2-45FF-8A84-ED244F5DF67D}"/>
-              </a:ext>
-            </a:extLst>
-          </p:cNvPr>
-          <p:cNvSpPr>
-            <a:spLocks noGrp="1"/>
-          </p:cNvSpPr>
-          <p:nvPr>
-            <p:ph type="dt" sz="half" idx="14"/>
-          </p:nvPr>
-        </p:nvSpPr>
-        <p:spPr>
-          <a:xfrm>
-            <a:off x="1331913" y="6208713"/>
-            <a:ext cx="1296987" cy="476250"/>
-          </a:xfrm>
-        </p:spPr>
-        <p:txBody>
-          <a:bodyPr/>
-          <a:lstStyle/>
-          <a:p>
-            <a:r>
-              <a:rPr lang="de-DE"/>
-              <a:t>18.05.2017</a:t>
-            </a:r>
-            <a:endParaRPr lang="de-DE" dirty="0"/>
-          </a:p>
-        </p:txBody>
-      </p:sp>
-      <p:sp>
-        <p:nvSpPr>
-          <p:cNvPr id="4" name="Fußzeilenplatzhalter 3">
-            <a:extLst>
-              <a:ext uri="{FF2B5EF4-FFF2-40B4-BE49-F238E27FC236}">
-                <a16:creationId xmlns:a16="http://schemas.microsoft.com/office/drawing/2014/main" id="{A2CF5D6B-468B-404B-9403-11972A2A9486}"/>
-              </a:ext>
-            </a:extLst>
-          </p:cNvPr>
-          <p:cNvSpPr>
-            <a:spLocks noGrp="1"/>
-          </p:cNvSpPr>
-          <p:nvPr>
-            <p:ph type="ftr" sz="quarter" idx="15"/>
-          </p:nvPr>
-        </p:nvSpPr>
-        <p:spPr>
-          <a:xfrm>
-            <a:off x="2755900" y="6308725"/>
-            <a:ext cx="5487988" cy="288925"/>
-          </a:xfrm>
-        </p:spPr>
-        <p:txBody>
-          <a:bodyPr/>
-          <a:lstStyle/>
-          <a:p>
-            <a:r>
-              <a:rPr lang="de-DE"/>
-              <a:t>Andreas Heimann &amp; Matthias Puchta</a:t>
-            </a:r>
-            <a:endParaRPr lang="de-DE" dirty="0"/>
-          </a:p>
-        </p:txBody>
-      </p:sp>
-      <p:sp>
-        <p:nvSpPr>
-          <p:cNvPr id="5" name="Textplatzhalter 4">
-            <a:extLst>
-              <a:ext uri="{FF2B5EF4-FFF2-40B4-BE49-F238E27FC236}">
-                <a16:creationId xmlns:a16="http://schemas.microsoft.com/office/drawing/2014/main" id="{43AD6479-C7D5-46BC-9148-10AF544DFBFA}"/>
-              </a:ext>
-            </a:extLst>
-          </p:cNvPr>
-          <p:cNvSpPr>
-            <a:spLocks noGrp="1"/>
-          </p:cNvSpPr>
-          <p:nvPr>
-            <p:ph type="body" sz="quarter" idx="13"/>
-          </p:nvPr>
-        </p:nvSpPr>
-        <p:spPr/>
-        <p:txBody>
-          <a:bodyPr/>
-          <a:lstStyle/>
-          <a:p>
-            <a:r>
-              <a:rPr lang="en-US" dirty="0"/>
-              <a:t>l-Diversity may be difficult and unnecessary to</a:t>
-            </a:r>
-          </a:p>
-          <a:p>
-            <a:pPr marL="0" indent="0">
-              <a:buNone/>
-            </a:pPr>
-            <a:r>
-              <a:rPr lang="en-US" dirty="0"/>
-              <a:t>achieve. The argument is the same given against</a:t>
-            </a:r>
-          </a:p>
-          <a:p>
-            <a:pPr marL="0" indent="0">
-              <a:buNone/>
-            </a:pPr>
-            <a:r>
-              <a:rPr lang="en-US" dirty="0"/>
-              <a:t>p-sensitive k-anonymity in Example 2 above.</a:t>
-            </a:r>
-          </a:p>
-          <a:p>
-            <a:r>
-              <a:rPr lang="en-US" dirty="0"/>
-              <a:t>l-Diversity is insufficient to prevent attribute disclosure.</a:t>
-            </a:r>
-          </a:p>
-          <a:p>
-            <a:pPr marL="0" indent="0">
-              <a:buNone/>
-            </a:pPr>
-            <a:r>
-              <a:rPr lang="en-US" dirty="0"/>
-              <a:t>At least the following two attacks are </a:t>
-            </a:r>
-            <a:r>
-              <a:rPr lang="de-DE" dirty="0" err="1"/>
-              <a:t>conceivable</a:t>
-            </a:r>
-            <a:r>
-              <a:rPr lang="de-DE" dirty="0"/>
-              <a:t>:</a:t>
-            </a:r>
-          </a:p>
-          <a:p>
-            <a:pPr marL="0" indent="0">
-              <a:buNone/>
-            </a:pPr>
-            <a:r>
-              <a:rPr lang="de-DE" dirty="0" err="1"/>
-              <a:t>Skewness</a:t>
-            </a:r>
-            <a:r>
-              <a:rPr lang="de-DE" dirty="0"/>
-              <a:t> </a:t>
-            </a:r>
-            <a:r>
-              <a:rPr lang="de-DE" dirty="0" err="1"/>
-              <a:t>attack</a:t>
-            </a:r>
-            <a:r>
-              <a:rPr lang="de-DE" dirty="0"/>
-              <a:t>:</a:t>
-            </a:r>
-          </a:p>
-          <a:p>
-            <a:pPr marL="0" indent="0">
-              <a:buNone/>
-            </a:pPr>
-            <a:r>
-              <a:rPr lang="de-DE" dirty="0" err="1"/>
-              <a:t>Similarity</a:t>
-            </a:r>
-            <a:r>
-              <a:rPr lang="de-DE" dirty="0"/>
-              <a:t> </a:t>
-            </a:r>
-            <a:r>
-              <a:rPr lang="de-DE" dirty="0" err="1"/>
-              <a:t>attack</a:t>
-            </a:r>
-            <a:r>
-              <a:rPr lang="de-DE" dirty="0"/>
-              <a:t>: </a:t>
-            </a:r>
-            <a:r>
-              <a:rPr lang="de-DE" dirty="0" err="1"/>
-              <a:t>sematical</a:t>
-            </a:r>
-            <a:r>
-              <a:rPr lang="de-DE" dirty="0"/>
-              <a:t> same </a:t>
-            </a:r>
-            <a:r>
-              <a:rPr lang="de-DE" dirty="0" err="1"/>
-              <a:t>cofidentail</a:t>
-            </a:r>
-            <a:r>
-              <a:rPr lang="de-DE" dirty="0"/>
-              <a:t> </a:t>
-            </a:r>
-            <a:r>
-              <a:rPr lang="de-DE" dirty="0" err="1"/>
-              <a:t>attributes</a:t>
-            </a:r>
-            <a:endParaRPr lang="de-DE" dirty="0"/>
-          </a:p>
-        </p:txBody>
-      </p:sp>
-      <p:sp>
-        <p:nvSpPr>
-          <p:cNvPr id="6" name="Foliennummernplatzhalter 5">
-            <a:extLst>
-              <a:ext uri="{FF2B5EF4-FFF2-40B4-BE49-F238E27FC236}">
-                <a16:creationId xmlns:a16="http://schemas.microsoft.com/office/drawing/2014/main" id="{ED7B792D-2998-422A-8AFD-846A7976EE01}"/>
-              </a:ext>
-            </a:extLst>
-          </p:cNvPr>
-          <p:cNvSpPr>
-            <a:spLocks noGrp="1"/>
-          </p:cNvSpPr>
-          <p:nvPr>
-            <p:ph type="sldNum" sz="quarter" idx="16"/>
-          </p:nvPr>
-        </p:nvSpPr>
-        <p:spPr>
-          <a:xfrm>
-            <a:off x="8415338" y="6408738"/>
-            <a:ext cx="477837" cy="333375"/>
-          </a:xfrm>
-        </p:spPr>
-        <p:txBody>
-          <a:bodyPr/>
-          <a:lstStyle/>
-          <a:p>
-            <a:fld id="{50E76E58-F275-47A3-BB17-470016A267B6}" type="slidenum">
-              <a:rPr lang="de-DE" smtClean="0"/>
-              <a:pPr/>
-              <a:t>30</a:t>
-            </a:fld>
-            <a:endParaRPr lang="de-DE"/>
-          </a:p>
-        </p:txBody>
-      </p:sp>
-    </p:spTree>
-    <p:extLst>
-      <p:ext uri="{BB962C8B-B14F-4D97-AF65-F5344CB8AC3E}">
-        <p14:creationId xmlns:p14="http://schemas.microsoft.com/office/powerpoint/2010/main" val="2921885383"/>
-      </p:ext>
-    </p:extLst>
-  </p:cSld>
-  <p:clrMapOvr>
-    <a:masterClrMapping/>
-  </p:clrMapOvr>
-</p:sld>
-</file>
-
-<file path=ppt/slides/slide31.xml><?xml version="1.0" encoding="utf-8"?>
-<p:sld xmlns:a="http://schemas.openxmlformats.org/drawingml/2006/main" xmlns:r="http://schemas.openxmlformats.org/officeDocument/2006/relationships" xmlns:p="http://schemas.openxmlformats.org/presentationml/2006/main">
-  <p:cSld>
-    <p:spTree>
-      <p:nvGrpSpPr>
-        <p:cNvPr id="1" name=""/>
-        <p:cNvGrpSpPr/>
-        <p:nvPr/>
-      </p:nvGrpSpPr>
-      <p:grpSpPr>
-        <a:xfrm>
-          <a:off x="0" y="0"/>
-          <a:ext cx="0" cy="0"/>
-          <a:chOff x="0" y="0"/>
-          <a:chExt cx="0" cy="0"/>
-        </a:xfrm>
-      </p:grpSpPr>
-      <p:sp>
-        <p:nvSpPr>
-          <p:cNvPr id="2" name="Titel 1">
-            <a:extLst>
-              <a:ext uri="{FF2B5EF4-FFF2-40B4-BE49-F238E27FC236}">
-                <a16:creationId xmlns:a16="http://schemas.microsoft.com/office/drawing/2014/main" id="{03774710-EF24-496F-8E16-1860EB9452BD}"/>
-              </a:ext>
-            </a:extLst>
-          </p:cNvPr>
-          <p:cNvSpPr>
-            <a:spLocks noGrp="1"/>
-          </p:cNvSpPr>
-          <p:nvPr>
-            <p:ph type="title"/>
-          </p:nvPr>
-        </p:nvSpPr>
-        <p:spPr>
-          <a:xfrm>
-            <a:off x="430213" y="265113"/>
-            <a:ext cx="7886700" cy="573087"/>
-          </a:xfrm>
-        </p:spPr>
-        <p:txBody>
-          <a:bodyPr/>
-          <a:lstStyle/>
-          <a:p>
-            <a:r>
-              <a:rPr lang="de-DE" dirty="0"/>
-              <a:t>t-</a:t>
-            </a:r>
-            <a:r>
-              <a:rPr lang="de-DE" dirty="0" err="1"/>
-              <a:t>close´ness</a:t>
-            </a:r>
-            <a:endParaRPr lang="de-DE" dirty="0"/>
-          </a:p>
-        </p:txBody>
-      </p:sp>
-      <p:sp>
-        <p:nvSpPr>
-          <p:cNvPr id="3" name="Datumsplatzhalter 2">
-            <a:extLst>
-              <a:ext uri="{FF2B5EF4-FFF2-40B4-BE49-F238E27FC236}">
-                <a16:creationId xmlns:a16="http://schemas.microsoft.com/office/drawing/2014/main" id="{419087A1-C8F7-429D-9539-28EFF980787F}"/>
-              </a:ext>
-            </a:extLst>
-          </p:cNvPr>
-          <p:cNvSpPr>
-            <a:spLocks noGrp="1"/>
-          </p:cNvSpPr>
-          <p:nvPr>
-            <p:ph type="dt" sz="half" idx="14"/>
-          </p:nvPr>
-        </p:nvSpPr>
-        <p:spPr>
-          <a:xfrm>
-            <a:off x="1331913" y="6208713"/>
-            <a:ext cx="1296987" cy="476250"/>
-          </a:xfrm>
-        </p:spPr>
-        <p:txBody>
-          <a:bodyPr/>
-          <a:lstStyle/>
-          <a:p>
-            <a:r>
-              <a:rPr lang="de-DE"/>
-              <a:t>18.05.2017</a:t>
-            </a:r>
-            <a:endParaRPr lang="de-DE" dirty="0"/>
-          </a:p>
-        </p:txBody>
-      </p:sp>
-      <p:sp>
-        <p:nvSpPr>
-          <p:cNvPr id="4" name="Fußzeilenplatzhalter 3">
-            <a:extLst>
-              <a:ext uri="{FF2B5EF4-FFF2-40B4-BE49-F238E27FC236}">
-                <a16:creationId xmlns:a16="http://schemas.microsoft.com/office/drawing/2014/main" id="{16A1720A-77AB-4E5A-8054-A5D031724E0F}"/>
-              </a:ext>
-            </a:extLst>
-          </p:cNvPr>
-          <p:cNvSpPr>
-            <a:spLocks noGrp="1"/>
-          </p:cNvSpPr>
-          <p:nvPr>
-            <p:ph type="ftr" sz="quarter" idx="15"/>
-          </p:nvPr>
-        </p:nvSpPr>
-        <p:spPr>
-          <a:xfrm>
-            <a:off x="2755900" y="6308725"/>
-            <a:ext cx="5487988" cy="288925"/>
-          </a:xfrm>
-        </p:spPr>
-        <p:txBody>
-          <a:bodyPr/>
-          <a:lstStyle/>
-          <a:p>
-            <a:r>
-              <a:rPr lang="de-DE" dirty="0"/>
-              <a:t>Andreas Wiegand &amp; Ludwig </a:t>
-            </a:r>
-            <a:r>
-              <a:rPr lang="de-DE" dirty="0" err="1"/>
-              <a:t>Schallner</a:t>
-            </a:r>
-            <a:endParaRPr lang="de-DE" dirty="0"/>
-          </a:p>
-        </p:txBody>
-      </p:sp>
-      <p:sp>
-        <p:nvSpPr>
-          <p:cNvPr id="5" name="Textplatzhalter 4">
-            <a:extLst>
-              <a:ext uri="{FF2B5EF4-FFF2-40B4-BE49-F238E27FC236}">
-                <a16:creationId xmlns:a16="http://schemas.microsoft.com/office/drawing/2014/main" id="{30F3C5B2-53AA-499A-886B-AA06C3A92963}"/>
-              </a:ext>
-            </a:extLst>
-          </p:cNvPr>
-          <p:cNvSpPr>
-            <a:spLocks noGrp="1"/>
-          </p:cNvSpPr>
-          <p:nvPr>
-            <p:ph type="body" sz="quarter" idx="13"/>
-          </p:nvPr>
-        </p:nvSpPr>
-        <p:spPr/>
-        <p:txBody>
-          <a:bodyPr/>
-          <a:lstStyle/>
-          <a:p>
-            <a:r>
-              <a:rPr lang="de-DE" dirty="0"/>
-              <a:t>Definition: </a:t>
-            </a:r>
-            <a:r>
-              <a:rPr lang="en-US" dirty="0"/>
-              <a:t>Definition 4 (t-Closeness): A data set is said to</a:t>
-            </a:r>
-          </a:p>
-          <a:p>
-            <a:pPr marL="0" indent="0">
-              <a:buNone/>
-            </a:pPr>
-            <a:r>
-              <a:rPr lang="en-US" dirty="0"/>
-              <a:t>satisfy t-closeness if, for each group of records sharing</a:t>
-            </a:r>
-          </a:p>
-          <a:p>
-            <a:pPr marL="0" indent="0">
-              <a:buNone/>
-            </a:pPr>
-            <a:r>
-              <a:rPr lang="en-US" dirty="0"/>
-              <a:t>a combination of key attributes, the distance between</a:t>
-            </a:r>
-          </a:p>
-          <a:p>
-            <a:pPr marL="0" indent="0">
-              <a:buNone/>
-            </a:pPr>
-            <a:r>
-              <a:rPr lang="en-US" dirty="0"/>
-              <a:t>the distribution of the confidential attribute in the group</a:t>
-            </a:r>
-          </a:p>
-          <a:p>
-            <a:pPr marL="0" indent="0">
-              <a:buNone/>
-            </a:pPr>
-            <a:r>
-              <a:rPr lang="en-US" dirty="0"/>
-              <a:t>and the distribution of the attribute in the whole data</a:t>
-            </a:r>
-          </a:p>
-          <a:p>
-            <a:pPr marL="0" indent="0">
-              <a:buNone/>
-            </a:pPr>
-            <a:r>
-              <a:rPr lang="en-US" dirty="0"/>
-              <a:t>set is no more than a threshold t.</a:t>
-            </a:r>
-            <a:endParaRPr lang="de-DE" dirty="0"/>
-          </a:p>
-        </p:txBody>
-      </p:sp>
-      <p:sp>
-        <p:nvSpPr>
-          <p:cNvPr id="6" name="Foliennummernplatzhalter 5">
-            <a:extLst>
-              <a:ext uri="{FF2B5EF4-FFF2-40B4-BE49-F238E27FC236}">
-                <a16:creationId xmlns:a16="http://schemas.microsoft.com/office/drawing/2014/main" id="{54D3FDF2-2764-4BE6-BE4D-51DAF1C1A001}"/>
-              </a:ext>
-            </a:extLst>
-          </p:cNvPr>
-          <p:cNvSpPr>
-            <a:spLocks noGrp="1"/>
-          </p:cNvSpPr>
-          <p:nvPr>
-            <p:ph type="sldNum" sz="quarter" idx="16"/>
-          </p:nvPr>
-        </p:nvSpPr>
-        <p:spPr>
-          <a:xfrm>
-            <a:off x="8415338" y="6408738"/>
-            <a:ext cx="477837" cy="333375"/>
-          </a:xfrm>
-        </p:spPr>
-        <p:txBody>
-          <a:bodyPr/>
-          <a:lstStyle/>
-          <a:p>
-            <a:fld id="{50E76E58-F275-47A3-BB17-470016A267B6}" type="slidenum">
-              <a:rPr lang="de-DE" smtClean="0"/>
-              <a:pPr/>
-              <a:t>31</a:t>
-            </a:fld>
-            <a:endParaRPr lang="de-DE"/>
-          </a:p>
-        </p:txBody>
-      </p:sp>
-    </p:spTree>
-    <p:extLst>
-      <p:ext uri="{BB962C8B-B14F-4D97-AF65-F5344CB8AC3E}">
-        <p14:creationId xmlns:p14="http://schemas.microsoft.com/office/powerpoint/2010/main" val="222580713"/>
-      </p:ext>
-    </p:extLst>
-  </p:cSld>
-  <p:clrMapOvr>
-    <a:masterClrMapping/>
-  </p:clrMapOvr>
-</p:sld>
-</file>
-
-<file path=ppt/slides/slide32.xml><?xml version="1.0" encoding="utf-8"?>
-<p:sld xmlns:a="http://schemas.openxmlformats.org/drawingml/2006/main" xmlns:r="http://schemas.openxmlformats.org/officeDocument/2006/relationships" xmlns:p="http://schemas.openxmlformats.org/presentationml/2006/main">
-  <p:cSld>
-    <p:spTree>
-      <p:nvGrpSpPr>
-        <p:cNvPr id="1" name=""/>
-        <p:cNvGrpSpPr/>
-        <p:nvPr/>
-      </p:nvGrpSpPr>
-      <p:grpSpPr>
-        <a:xfrm>
-          <a:off x="0" y="0"/>
-          <a:ext cx="0" cy="0"/>
-          <a:chOff x="0" y="0"/>
-          <a:chExt cx="0" cy="0"/>
-        </a:xfrm>
-      </p:grpSpPr>
-      <p:sp>
-        <p:nvSpPr>
-          <p:cNvPr id="2" name="Titel 1">
-            <a:extLst>
-              <a:ext uri="{FF2B5EF4-FFF2-40B4-BE49-F238E27FC236}">
-                <a16:creationId xmlns:a16="http://schemas.microsoft.com/office/drawing/2014/main" id="{ED74D9F5-7E88-40DD-A611-56459F70E672}"/>
-              </a:ext>
-            </a:extLst>
-          </p:cNvPr>
-          <p:cNvSpPr>
-            <a:spLocks noGrp="1"/>
-          </p:cNvSpPr>
-          <p:nvPr>
-            <p:ph type="title"/>
-          </p:nvPr>
-        </p:nvSpPr>
-        <p:spPr>
-          <a:xfrm>
-            <a:off x="430213" y="265113"/>
-            <a:ext cx="7886700" cy="573087"/>
-          </a:xfrm>
-        </p:spPr>
-        <p:txBody>
-          <a:bodyPr/>
-          <a:lstStyle/>
-          <a:p>
-            <a:r>
-              <a:rPr lang="de-DE" dirty="0"/>
-              <a:t>t-</a:t>
-            </a:r>
-            <a:r>
-              <a:rPr lang="de-DE" dirty="0" err="1"/>
-              <a:t>close´ness</a:t>
-            </a:r>
-            <a:endParaRPr lang="de-DE" dirty="0"/>
-          </a:p>
-        </p:txBody>
-      </p:sp>
-      <p:sp>
-        <p:nvSpPr>
-          <p:cNvPr id="3" name="Datumsplatzhalter 2">
-            <a:extLst>
-              <a:ext uri="{FF2B5EF4-FFF2-40B4-BE49-F238E27FC236}">
-                <a16:creationId xmlns:a16="http://schemas.microsoft.com/office/drawing/2014/main" id="{A81886F5-D8A0-4AB2-A12D-B44314A08602}"/>
-              </a:ext>
-            </a:extLst>
-          </p:cNvPr>
-          <p:cNvSpPr>
-            <a:spLocks noGrp="1"/>
-          </p:cNvSpPr>
-          <p:nvPr>
-            <p:ph type="dt" sz="half" idx="14"/>
-          </p:nvPr>
-        </p:nvSpPr>
-        <p:spPr>
-          <a:xfrm>
-            <a:off x="1331913" y="6208713"/>
-            <a:ext cx="1296987" cy="476250"/>
-          </a:xfrm>
-        </p:spPr>
-        <p:txBody>
-          <a:bodyPr/>
-          <a:lstStyle/>
-          <a:p>
-            <a:r>
-              <a:rPr lang="de-DE"/>
-              <a:t>18.05.2017</a:t>
-            </a:r>
-            <a:endParaRPr lang="de-DE" dirty="0"/>
-          </a:p>
-        </p:txBody>
-      </p:sp>
-      <p:sp>
-        <p:nvSpPr>
-          <p:cNvPr id="4" name="Fußzeilenplatzhalter 3">
-            <a:extLst>
-              <a:ext uri="{FF2B5EF4-FFF2-40B4-BE49-F238E27FC236}">
-                <a16:creationId xmlns:a16="http://schemas.microsoft.com/office/drawing/2014/main" id="{59640035-9623-4075-BDEE-7833C664AE8B}"/>
-              </a:ext>
-            </a:extLst>
-          </p:cNvPr>
-          <p:cNvSpPr>
-            <a:spLocks noGrp="1"/>
-          </p:cNvSpPr>
-          <p:nvPr>
-            <p:ph type="ftr" sz="quarter" idx="15"/>
-          </p:nvPr>
-        </p:nvSpPr>
-        <p:spPr>
-          <a:xfrm>
-            <a:off x="2755900" y="6308725"/>
-            <a:ext cx="5487988" cy="288925"/>
-          </a:xfrm>
-        </p:spPr>
-        <p:txBody>
-          <a:bodyPr/>
-          <a:lstStyle/>
-          <a:p>
-            <a:r>
-              <a:rPr lang="de-DE"/>
-              <a:t>Andreas Heimann &amp; Matthias Puchta</a:t>
-            </a:r>
-            <a:endParaRPr lang="de-DE" dirty="0"/>
-          </a:p>
-        </p:txBody>
-      </p:sp>
-      <p:sp>
-        <p:nvSpPr>
-          <p:cNvPr id="5" name="Textplatzhalter 4">
-            <a:extLst>
-              <a:ext uri="{FF2B5EF4-FFF2-40B4-BE49-F238E27FC236}">
-                <a16:creationId xmlns:a16="http://schemas.microsoft.com/office/drawing/2014/main" id="{8F031245-BB29-41F9-8C5E-156AFC612440}"/>
-              </a:ext>
-            </a:extLst>
-          </p:cNvPr>
-          <p:cNvSpPr>
-            <a:spLocks noGrp="1"/>
-          </p:cNvSpPr>
-          <p:nvPr>
-            <p:ph type="body" sz="quarter" idx="13"/>
-          </p:nvPr>
-        </p:nvSpPr>
-        <p:spPr/>
-        <p:txBody>
-          <a:bodyPr/>
-          <a:lstStyle/>
-          <a:p>
-            <a:r>
-              <a:rPr lang="de-DE" dirty="0"/>
-              <a:t>Problems:</a:t>
-            </a:r>
-          </a:p>
-          <a:p>
-            <a:pPr marL="0" indent="0">
-              <a:buNone/>
-            </a:pPr>
-            <a:r>
-              <a:rPr lang="en-US" dirty="0"/>
-              <a:t>Whereas the paper [7] elaborates on several ways</a:t>
-            </a:r>
-          </a:p>
-          <a:p>
-            <a:pPr marL="0" indent="0">
-              <a:buNone/>
-            </a:pPr>
-            <a:r>
-              <a:rPr lang="en-US" dirty="0"/>
-              <a:t>o check t-closeness (using several distances between</a:t>
-            </a:r>
-          </a:p>
-          <a:p>
-            <a:pPr marL="0" indent="0">
-              <a:buNone/>
-            </a:pPr>
-            <a:r>
-              <a:rPr lang="de-DE" dirty="0" err="1"/>
-              <a:t>distributions</a:t>
-            </a:r>
-            <a:r>
-              <a:rPr lang="de-DE" dirty="0"/>
-              <a:t>), </a:t>
-            </a:r>
-            <a:r>
-              <a:rPr lang="de-DE" dirty="0" err="1"/>
-              <a:t>no</a:t>
-            </a:r>
-            <a:r>
-              <a:rPr lang="de-DE" dirty="0"/>
-              <a:t> </a:t>
-            </a:r>
-            <a:r>
-              <a:rPr lang="de-DE" dirty="0" err="1"/>
-              <a:t>computational</a:t>
-            </a:r>
-            <a:r>
-              <a:rPr lang="de-DE" dirty="0"/>
-              <a:t> </a:t>
-            </a:r>
-            <a:r>
-              <a:rPr lang="de-DE" dirty="0" err="1"/>
-              <a:t>procedure</a:t>
-            </a:r>
-            <a:endParaRPr lang="de-DE" dirty="0"/>
-          </a:p>
-          <a:p>
-            <a:pPr marL="0" indent="0">
-              <a:buNone/>
-            </a:pPr>
-            <a:r>
-              <a:rPr lang="en-US" dirty="0"/>
-              <a:t>to enforce this property is given.</a:t>
-            </a:r>
-          </a:p>
-          <a:p>
-            <a:pPr marL="0" indent="0">
-              <a:buNone/>
-            </a:pPr>
-            <a:endParaRPr lang="de-DE" dirty="0"/>
-          </a:p>
-        </p:txBody>
-      </p:sp>
-      <p:sp>
-        <p:nvSpPr>
-          <p:cNvPr id="6" name="Foliennummernplatzhalter 5">
-            <a:extLst>
-              <a:ext uri="{FF2B5EF4-FFF2-40B4-BE49-F238E27FC236}">
-                <a16:creationId xmlns:a16="http://schemas.microsoft.com/office/drawing/2014/main" id="{35C5C671-02F4-435F-A4CA-4659E0309639}"/>
-              </a:ext>
-            </a:extLst>
-          </p:cNvPr>
-          <p:cNvSpPr>
-            <a:spLocks noGrp="1"/>
-          </p:cNvSpPr>
-          <p:nvPr>
-            <p:ph type="sldNum" sz="quarter" idx="16"/>
-          </p:nvPr>
-        </p:nvSpPr>
-        <p:spPr>
-          <a:xfrm>
-            <a:off x="8415338" y="6408738"/>
-            <a:ext cx="477837" cy="333375"/>
-          </a:xfrm>
-        </p:spPr>
-        <p:txBody>
-          <a:bodyPr/>
-          <a:lstStyle/>
-          <a:p>
-            <a:fld id="{50E76E58-F275-47A3-BB17-470016A267B6}" type="slidenum">
-              <a:rPr lang="de-DE" smtClean="0"/>
-              <a:pPr/>
-              <a:t>32</a:t>
-            </a:fld>
-            <a:endParaRPr lang="de-DE"/>
-          </a:p>
-        </p:txBody>
-      </p:sp>
-    </p:spTree>
-    <p:extLst>
-      <p:ext uri="{BB962C8B-B14F-4D97-AF65-F5344CB8AC3E}">
-        <p14:creationId xmlns:p14="http://schemas.microsoft.com/office/powerpoint/2010/main" val="2648306626"/>
-      </p:ext>
-    </p:extLst>
-  </p:cSld>
-  <p:clrMapOvr>
-    <a:masterClrMapping/>
-  </p:clrMapOvr>
-</p:sld>
-</file>
-
-<file path=ppt/slides/slide33.xml><?xml version="1.0" encoding="utf-8"?>
-<p:sld xmlns:a="http://schemas.openxmlformats.org/drawingml/2006/main" xmlns:r="http://schemas.openxmlformats.org/officeDocument/2006/relationships" xmlns:p="http://schemas.openxmlformats.org/presentationml/2006/main">
-  <p:cSld>
-    <p:spTree>
-      <p:nvGrpSpPr>
-        <p:cNvPr id="1" name=""/>
-        <p:cNvGrpSpPr/>
-        <p:nvPr/>
-      </p:nvGrpSpPr>
-      <p:grpSpPr>
-        <a:xfrm>
-          <a:off x="0" y="0"/>
-          <a:ext cx="0" cy="0"/>
-          <a:chOff x="0" y="0"/>
-          <a:chExt cx="0" cy="0"/>
-        </a:xfrm>
-      </p:grpSpPr>
-      <p:sp>
-        <p:nvSpPr>
-          <p:cNvPr id="2" name="Titel 1">
-            <a:extLst>
-              <a:ext uri="{FF2B5EF4-FFF2-40B4-BE49-F238E27FC236}">
-                <a16:creationId xmlns:a16="http://schemas.microsoft.com/office/drawing/2014/main" id="{60CF76F7-DA21-4280-B132-DB1CBFFB0632}"/>
-              </a:ext>
-            </a:extLst>
-          </p:cNvPr>
-          <p:cNvSpPr>
-            <a:spLocks noGrp="1"/>
-          </p:cNvSpPr>
-          <p:nvPr>
-            <p:ph type="title"/>
-          </p:nvPr>
-        </p:nvSpPr>
-        <p:spPr>
-          <a:xfrm>
-            <a:off x="430213" y="265113"/>
-            <a:ext cx="7886700" cy="573087"/>
-          </a:xfrm>
-        </p:spPr>
-        <p:txBody>
-          <a:bodyPr/>
-          <a:lstStyle/>
-          <a:p>
-            <a:r>
-              <a:rPr lang="de-DE" dirty="0"/>
-              <a:t>Differential </a:t>
-            </a:r>
-            <a:r>
-              <a:rPr lang="de-DE"/>
-              <a:t>privacy</a:t>
-            </a:r>
-          </a:p>
-        </p:txBody>
-      </p:sp>
-      <p:sp>
-        <p:nvSpPr>
-          <p:cNvPr id="3" name="Datumsplatzhalter 2">
-            <a:extLst>
-              <a:ext uri="{FF2B5EF4-FFF2-40B4-BE49-F238E27FC236}">
-                <a16:creationId xmlns:a16="http://schemas.microsoft.com/office/drawing/2014/main" id="{3B50A201-5742-48F2-9C76-90EB7278DE8B}"/>
-              </a:ext>
-            </a:extLst>
-          </p:cNvPr>
-          <p:cNvSpPr>
-            <a:spLocks noGrp="1"/>
-          </p:cNvSpPr>
-          <p:nvPr>
-            <p:ph type="dt" sz="half" idx="14"/>
-          </p:nvPr>
-        </p:nvSpPr>
-        <p:spPr>
-          <a:xfrm>
-            <a:off x="1331913" y="6208713"/>
-            <a:ext cx="1296987" cy="476250"/>
-          </a:xfrm>
-        </p:spPr>
-        <p:txBody>
-          <a:bodyPr/>
-          <a:lstStyle/>
-          <a:p>
-            <a:r>
-              <a:rPr lang="de-DE"/>
-              <a:t>18.05.2017</a:t>
-            </a:r>
-            <a:endParaRPr lang="de-DE" dirty="0"/>
-          </a:p>
-        </p:txBody>
-      </p:sp>
-      <p:sp>
-        <p:nvSpPr>
-          <p:cNvPr id="4" name="Fußzeilenplatzhalter 3">
-            <a:extLst>
-              <a:ext uri="{FF2B5EF4-FFF2-40B4-BE49-F238E27FC236}">
-                <a16:creationId xmlns:a16="http://schemas.microsoft.com/office/drawing/2014/main" id="{905609BE-6FD9-442B-89BF-1438B615F4CE}"/>
-              </a:ext>
-            </a:extLst>
-          </p:cNvPr>
-          <p:cNvSpPr>
-            <a:spLocks noGrp="1"/>
-          </p:cNvSpPr>
-          <p:nvPr>
-            <p:ph type="ftr" sz="quarter" idx="15"/>
-          </p:nvPr>
-        </p:nvSpPr>
-        <p:spPr>
-          <a:xfrm>
-            <a:off x="2755900" y="6308725"/>
-            <a:ext cx="5487988" cy="288925"/>
-          </a:xfrm>
-        </p:spPr>
-        <p:txBody>
-          <a:bodyPr/>
-          <a:lstStyle/>
-          <a:p>
-            <a:r>
-              <a:rPr lang="de-DE"/>
-              <a:t>Andreas Heimann &amp; Matthias Puchta</a:t>
-            </a:r>
-            <a:endParaRPr lang="de-DE" dirty="0"/>
-          </a:p>
-        </p:txBody>
-      </p:sp>
-      <p:sp>
-        <p:nvSpPr>
-          <p:cNvPr id="5" name="Textplatzhalter 4">
-            <a:extLst>
-              <a:ext uri="{FF2B5EF4-FFF2-40B4-BE49-F238E27FC236}">
-                <a16:creationId xmlns:a16="http://schemas.microsoft.com/office/drawing/2014/main" id="{BE3AB503-2D36-4EFD-97BC-4FB481D902EA}"/>
-              </a:ext>
-            </a:extLst>
-          </p:cNvPr>
-          <p:cNvSpPr>
-            <a:spLocks noGrp="1"/>
-          </p:cNvSpPr>
-          <p:nvPr>
-            <p:ph type="body" sz="quarter" idx="13"/>
-          </p:nvPr>
-        </p:nvSpPr>
-        <p:spPr/>
-        <p:txBody>
-          <a:bodyPr/>
-          <a:lstStyle/>
-          <a:p>
-            <a:endParaRPr lang="de-DE"/>
-          </a:p>
-        </p:txBody>
-      </p:sp>
-      <p:sp>
-        <p:nvSpPr>
-          <p:cNvPr id="6" name="Foliennummernplatzhalter 5">
-            <a:extLst>
-              <a:ext uri="{FF2B5EF4-FFF2-40B4-BE49-F238E27FC236}">
-                <a16:creationId xmlns:a16="http://schemas.microsoft.com/office/drawing/2014/main" id="{9B878E9B-BDE0-4DC9-9BC7-6B1CE8112B95}"/>
-              </a:ext>
-            </a:extLst>
-          </p:cNvPr>
-          <p:cNvSpPr>
-            <a:spLocks noGrp="1"/>
-          </p:cNvSpPr>
-          <p:nvPr>
-            <p:ph type="sldNum" sz="quarter" idx="16"/>
-          </p:nvPr>
-        </p:nvSpPr>
-        <p:spPr>
-          <a:xfrm>
-            <a:off x="8415338" y="6408738"/>
-            <a:ext cx="477837" cy="333375"/>
-          </a:xfrm>
-        </p:spPr>
-        <p:txBody>
-          <a:bodyPr/>
-          <a:lstStyle/>
-          <a:p>
-            <a:fld id="{50E76E58-F275-47A3-BB17-470016A267B6}" type="slidenum">
-              <a:rPr lang="de-DE" smtClean="0"/>
-              <a:pPr/>
-              <a:t>33</a:t>
-            </a:fld>
-            <a:endParaRPr lang="de-DE"/>
-          </a:p>
-        </p:txBody>
-      </p:sp>
-    </p:spTree>
-    <p:extLst>
-      <p:ext uri="{BB962C8B-B14F-4D97-AF65-F5344CB8AC3E}">
-        <p14:creationId xmlns:p14="http://schemas.microsoft.com/office/powerpoint/2010/main" val="1427231547"/>
       </p:ext>
     </p:extLst>
   </p:cSld>
@@ -15473,18 +8184,18 @@
 
 <file path=customXml/item1.xml><?xml version="1.0" encoding="utf-8"?>
 <Control xmlns="http://schemas.microsoft.com/VisualStudio/2011/storyboarding/control">
-  <Id Name="dec3670c-0d6f-4455-9c2f-971d108358d4" Revision="1" Stencil="System.MyShapes" StencilVersion="1.0"/>
+  <Id Name="System.Storyboarding.Common.Button" Revision="1" Stencil="System.Storyboarding.Common" StencilVersion="0.1"/>
 </Control>
 </file>
 
 <file path=customXml/item2.xml><?xml version="1.0" encoding="utf-8"?>
 <Control xmlns="http://schemas.microsoft.com/VisualStudio/2011/storyboarding/control">
-  <Id Name="System.Storyboarding.Common.Button" Revision="1" Stencil="System.Storyboarding.Common" StencilVersion="0.1"/>
+  <Id Name="dec3670c-0d6f-4455-9c2f-971d108358d4" Revision="1" Stencil="System.MyShapes" StencilVersion="1.0"/>
 </Control>
 </file>
 
 <file path=customXml/itemProps1.xml><?xml version="1.0" encoding="utf-8"?>
-<ds:datastoreItem xmlns:ds="http://schemas.openxmlformats.org/officeDocument/2006/customXml" ds:itemID="{566C5A5A-5A83-4A95-95C1-260C6D486DE6}">
+<ds:datastoreItem xmlns:ds="http://schemas.openxmlformats.org/officeDocument/2006/customXml" ds:itemID="{206AFEA3-501E-4E71-91B3-BDBE1D839E11}">
   <ds:schemaRefs>
     <ds:schemaRef ds:uri="http://schemas.microsoft.com/VisualStudio/2011/storyboarding/control"/>
   </ds:schemaRefs>
@@ -15492,7 +8203,7 @@
 </file>
 
 <file path=customXml/itemProps2.xml><?xml version="1.0" encoding="utf-8"?>
-<ds:datastoreItem xmlns:ds="http://schemas.openxmlformats.org/officeDocument/2006/customXml" ds:itemID="{206AFEA3-501E-4E71-91B3-BDBE1D839E11}">
+<ds:datastoreItem xmlns:ds="http://schemas.openxmlformats.org/officeDocument/2006/customXml" ds:itemID="{566C5A5A-5A83-4A95-95C1-260C6D486DE6}">
   <ds:schemaRefs>
     <ds:schemaRef ds:uri="http://schemas.microsoft.com/VisualStudio/2011/storyboarding/control"/>
   </ds:schemaRefs>
